--- a/begininPP.pptx
+++ b/begininPP.pptx
@@ -119,6 +119,11 @@
       </a:defRPr>
     </a:lvl9pPr>
   </p:defaultTextStyle>
+  <p:extLst>
+    <p:ext uri="{EFAFB233-063F-42B5-8137-9DF3F51BA10A}">
+      <p15:sldGuideLst xmlns:p15="http://schemas.microsoft.com/office/powerpoint/2012/main"/>
+    </p:ext>
+  </p:extLst>
 </p:presentation>
 </file>
 
@@ -4503,11 +4508,7 @@
             </a:r>
             <a:r>
               <a:rPr lang="pt-PT" dirty="0"/>
-              <a:t>e tamanho </a:t>
-            </a:r>
-            <a:r>
-              <a:rPr lang="pt-PT" dirty="0"/>
-              <a:t>inicial</a:t>
+              <a:t>e tamanho inicial</a:t>
             </a:r>
           </a:p>
           <a:p>
@@ -4823,7 +4824,52 @@
           <a:bodyPr/>
           <a:lstStyle/>
           <a:p>
-            <a:endParaRPr lang="en-US"/>
+            <a:r>
+              <a:rPr lang="pt-PT" dirty="0" smtClean="0"/>
+              <a:t>Desenvolvimento de uma base de dados </a:t>
+            </a:r>
+          </a:p>
+          <a:p>
+            <a:r>
+              <a:rPr lang="pt-PT" dirty="0" smtClean="0"/>
+              <a:t>Requisitos de funcionamento da Biblioteca Geral da Universidade do Minho (BGUM)</a:t>
+            </a:r>
+          </a:p>
+          <a:p>
+            <a:r>
+              <a:rPr lang="pt-PT" dirty="0" smtClean="0"/>
+              <a:t>Sistemas de consultas bibliográficas e de requisiç</a:t>
+            </a:r>
+            <a:r>
+              <a:rPr lang="pt-PT" dirty="0" smtClean="0"/>
+              <a:t>ões</a:t>
+            </a:r>
+          </a:p>
+          <a:p>
+            <a:endParaRPr lang="pt-PT" dirty="0"/>
+          </a:p>
+          <a:p>
+            <a:r>
+              <a:rPr lang="pt-PT" dirty="0" smtClean="0"/>
+              <a:t>1º Levantamento de Requisitos e análise </a:t>
+            </a:r>
+          </a:p>
+          <a:p>
+            <a:r>
+              <a:rPr lang="pt-PT" dirty="0" smtClean="0"/>
+              <a:t>2º Modelo conceptual e L</a:t>
+            </a:r>
+            <a:r>
+              <a:rPr lang="en-US" dirty="0" err="1" smtClean="0"/>
+              <a:t>ógico</a:t>
+            </a:r>
+            <a:endParaRPr lang="en-US" dirty="0" smtClean="0"/>
+          </a:p>
+          <a:p>
+            <a:r>
+              <a:rPr lang="pt-PT" dirty="0" smtClean="0"/>
+              <a:t>3º Modelo físico, tamanho, povoamento…</a:t>
+            </a:r>
           </a:p>
         </p:txBody>
       </p:sp>
@@ -4895,7 +4941,49 @@
           <a:bodyPr/>
           <a:lstStyle/>
           <a:p>
-            <a:endParaRPr lang="en-US"/>
+            <a:r>
+              <a:rPr lang="pt-PT" dirty="0" smtClean="0"/>
+              <a:t>As universidades são consideradas como portais maiores de conhecimento.</a:t>
+            </a:r>
+          </a:p>
+          <a:p>
+            <a:r>
+              <a:rPr lang="pt-PT" dirty="0" smtClean="0"/>
+              <a:t>Aquisição de compe</a:t>
+            </a:r>
+            <a:r>
+              <a:rPr lang="pt-PT" dirty="0" smtClean="0"/>
+              <a:t>tências práticas e desenvolvimento do pensamento crítico e analítico. </a:t>
+            </a:r>
+          </a:p>
+          <a:p>
+            <a:r>
+              <a:rPr lang="pt-PT" dirty="0" smtClean="0"/>
+              <a:t>Acesso fácil à informação.</a:t>
+            </a:r>
+          </a:p>
+          <a:p>
+            <a:endParaRPr lang="pt-PT" dirty="0"/>
+          </a:p>
+          <a:p>
+            <a:r>
+              <a:rPr lang="pt-PT" dirty="0" smtClean="0"/>
+              <a:t>Internet </a:t>
+            </a:r>
+            <a:r>
+              <a:rPr lang="pt-PT" dirty="0" err="1" smtClean="0"/>
+              <a:t>vs</a:t>
+            </a:r>
+            <a:r>
+              <a:rPr lang="pt-PT" dirty="0" smtClean="0"/>
+              <a:t> Biblioteca</a:t>
+            </a:r>
+          </a:p>
+          <a:p>
+            <a:endParaRPr lang="pt-PT" dirty="0"/>
+          </a:p>
+          <a:p>
+            <a:endParaRPr lang="en-US" dirty="0"/>
           </a:p>
         </p:txBody>
       </p:sp>
@@ -4964,10 +5052,73 @@
         </p:nvSpPr>
         <p:spPr/>
         <p:txBody>
-          <a:bodyPr/>
-          <a:lstStyle/>
-          <a:p>
-            <a:endParaRPr lang="en-US"/>
+          <a:bodyPr>
+            <a:normAutofit lnSpcReduction="10000"/>
+          </a:bodyPr>
+          <a:lstStyle/>
+          <a:p>
+            <a:pPr lvl="0"/>
+            <a:r>
+              <a:rPr lang="pt-PT" dirty="0" smtClean="0"/>
+              <a:t>Serviços:</a:t>
+            </a:r>
+          </a:p>
+          <a:p>
+            <a:pPr lvl="0"/>
+            <a:r>
+              <a:rPr lang="pt-PT" dirty="0" smtClean="0"/>
+              <a:t>Consulta </a:t>
+            </a:r>
+            <a:r>
+              <a:rPr lang="pt-PT" dirty="0"/>
+              <a:t>de presença dos fundos documentais das bibliotecas; </a:t>
+            </a:r>
+            <a:endParaRPr lang="en-US" dirty="0"/>
+          </a:p>
+          <a:p>
+            <a:pPr lvl="0"/>
+            <a:r>
+              <a:rPr lang="pt-PT" dirty="0"/>
+              <a:t>Empréstimo de publicações para leitura domiciliária; </a:t>
+            </a:r>
+            <a:endParaRPr lang="en-US" dirty="0"/>
+          </a:p>
+          <a:p>
+            <a:pPr lvl="0"/>
+            <a:r>
+              <a:rPr lang="pt-PT" dirty="0"/>
+              <a:t>Assistência a pesquisas em bases de dados a pedido dos utilizadores; </a:t>
+            </a:r>
+            <a:endParaRPr lang="en-US" dirty="0"/>
+          </a:p>
+          <a:p>
+            <a:endParaRPr lang="pt-PT" dirty="0" smtClean="0"/>
+          </a:p>
+          <a:p>
+            <a:r>
+              <a:rPr lang="pt-PT" dirty="0" smtClean="0"/>
+              <a:t>Ações:</a:t>
+            </a:r>
+          </a:p>
+          <a:p>
+            <a:pPr lvl="0"/>
+            <a:r>
+              <a:rPr lang="pt-PT" dirty="0"/>
+              <a:t>Consultar o catálogo bibliográfico da UM (livros, revistas e outros suportes de informação disponíveis nas bibliotecas UM), bases de dados bibliográficas, revistas em formato eletrónico e outros recursos de informação; </a:t>
+            </a:r>
+            <a:endParaRPr lang="en-US" dirty="0"/>
+          </a:p>
+          <a:p>
+            <a:pPr lvl="0"/>
+            <a:r>
+              <a:rPr lang="pt-PT" dirty="0"/>
+              <a:t>Consultar ficha de utilizador, onde é possível renovar e reservar empréstimos e publicações</a:t>
+            </a:r>
+            <a:r>
+              <a:rPr lang="pt-PT" dirty="0" smtClean="0"/>
+              <a:t>.</a:t>
+            </a:r>
+            <a:endParaRPr lang="en-US" dirty="0"/>
           </a:p>
         </p:txBody>
       </p:sp>
@@ -5039,7 +5190,41 @@
           <a:bodyPr/>
           <a:lstStyle/>
           <a:p>
-            <a:endParaRPr lang="en-US"/>
+            <a:r>
+              <a:rPr lang="pt-PT" dirty="0" smtClean="0"/>
+              <a:t>Sistemas de informação estão acrescer em dimensão;</a:t>
+            </a:r>
+          </a:p>
+          <a:p>
+            <a:r>
+              <a:rPr lang="pt-PT" dirty="0" smtClean="0"/>
+              <a:t>Necessidade premente de uma resposta eficiente e eficaz.</a:t>
+            </a:r>
+          </a:p>
+          <a:p>
+            <a:endParaRPr lang="pt-PT" dirty="0"/>
+          </a:p>
+          <a:p>
+            <a:r>
+              <a:rPr lang="pt-PT" dirty="0" smtClean="0"/>
+              <a:t>O caso de estudo permite perceber o funcionamento de uma biblioteca.</a:t>
+            </a:r>
+          </a:p>
+          <a:p>
+            <a:r>
+              <a:rPr lang="pt-PT" dirty="0" smtClean="0"/>
+              <a:t>Pode ser reaproveitado para outros casos de estudo (comércio a retalho, etc. …) pois envolve a catalogação e localização dos produtos em questão.</a:t>
+            </a:r>
+          </a:p>
+          <a:p>
+            <a:endParaRPr lang="pt-PT" dirty="0"/>
+          </a:p>
+          <a:p>
+            <a:r>
+              <a:rPr lang="pt-PT" dirty="0" smtClean="0"/>
+              <a:t>Solidificar de forma estruturada conhecimentos fundamentais na conceção, desenho e implementação de uma base de dados relacional.</a:t>
+            </a:r>
+            <a:endParaRPr lang="en-US" dirty="0"/>
           </a:p>
         </p:txBody>
       </p:sp>
@@ -5108,8 +5293,55 @@
         </p:nvSpPr>
         <p:spPr/>
         <p:txBody>
-          <a:bodyPr/>
-          <a:lstStyle/>
+          <a:bodyPr>
+            <a:normAutofit/>
+          </a:bodyPr>
+          <a:lstStyle/>
+          <a:p>
+            <a:pPr algn="just"/>
+            <a:r>
+              <a:rPr lang="pt-PT" sz="3200" dirty="0" smtClean="0"/>
+              <a:t>Criar um sistema de Base de Dados que respeite os requisitos da BGUM para satisfazer os seus utilizadores.</a:t>
+            </a:r>
+          </a:p>
+          <a:p>
+            <a:pPr lvl="1" algn="just"/>
+            <a:r>
+              <a:rPr lang="pt-PT" sz="2800" dirty="0" smtClean="0"/>
+              <a:t>Para isso foi seguido um modelo de desenvolvimento de base de dados por etapas:</a:t>
+            </a:r>
+          </a:p>
+          <a:p>
+            <a:pPr lvl="2" algn="just"/>
+            <a:r>
+              <a:rPr lang="pt-PT" sz="2000" dirty="0" smtClean="0"/>
+              <a:t>Recolher informação</a:t>
+            </a:r>
+          </a:p>
+          <a:p>
+            <a:pPr lvl="2" algn="just"/>
+            <a:r>
+              <a:rPr lang="pt-PT" sz="2000" dirty="0" smtClean="0"/>
+              <a:t>Analisar informação</a:t>
+            </a:r>
+          </a:p>
+          <a:p>
+            <a:pPr lvl="2" algn="just"/>
+            <a:r>
+              <a:rPr lang="pt-PT" sz="2000" dirty="0" smtClean="0"/>
+              <a:t>Elaborar modelos conceptual, lógico e físico (de acordo com os requisitos)</a:t>
+            </a:r>
+          </a:p>
+          <a:p>
+            <a:pPr lvl="2" algn="just"/>
+            <a:r>
+              <a:rPr lang="pt-PT" sz="2000" dirty="0" smtClean="0"/>
+              <a:t>Validar os mesmos</a:t>
+            </a:r>
+          </a:p>
+          <a:p>
+            <a:endParaRPr lang="pt-PT" dirty="0"/>
+          </a:p>
           <a:p>
             <a:endParaRPr lang="en-US" dirty="0"/>
           </a:p>
@@ -5161,10 +5393,10 @@
           <a:lstStyle/>
           <a:p>
             <a:r>
-              <a:rPr lang="pt-PT" dirty="0" smtClean="0"/>
+              <a:rPr lang="pt-PT" b="1" dirty="0" smtClean="0"/>
               <a:t>MODELO CONCEPTUAL</a:t>
             </a:r>
-            <a:endParaRPr lang="en-US" dirty="0"/>
+            <a:endParaRPr lang="en-US" b="1" dirty="0"/>
           </a:p>
         </p:txBody>
       </p:sp>

--- a/begininPP.pptx
+++ b/begininPP.pptx
@@ -2,7 +2,7 @@
 <file path=ppt/presentation.xml><?xml version="1.0" encoding="utf-8"?>
 <p:presentation xmlns:a="http://schemas.openxmlformats.org/drawingml/2006/main" xmlns:r="http://schemas.openxmlformats.org/officeDocument/2006/relationships" xmlns:p="http://schemas.openxmlformats.org/presentationml/2006/main" saveSubsetFonts="1">
   <p:sldMasterIdLst>
-    <p:sldMasterId id="2147483771" r:id="rId1"/>
+    <p:sldMasterId id="2147483783" r:id="rId1"/>
   </p:sldMasterIdLst>
   <p:sldIdLst>
     <p:sldId id="256" r:id="rId2"/>
@@ -14,13 +14,23 @@
     <p:sldId id="262" r:id="rId8"/>
     <p:sldId id="263" r:id="rId9"/>
     <p:sldId id="268" r:id="rId10"/>
-    <p:sldId id="265" r:id="rId11"/>
-    <p:sldId id="264" r:id="rId12"/>
-    <p:sldId id="269" r:id="rId13"/>
-    <p:sldId id="267" r:id="rId14"/>
-    <p:sldId id="266" r:id="rId15"/>
-    <p:sldId id="270" r:id="rId16"/>
-    <p:sldId id="271" r:id="rId17"/>
+    <p:sldId id="277" r:id="rId11"/>
+    <p:sldId id="278" r:id="rId12"/>
+    <p:sldId id="272" r:id="rId13"/>
+    <p:sldId id="273" r:id="rId14"/>
+    <p:sldId id="279" r:id="rId15"/>
+    <p:sldId id="274" r:id="rId16"/>
+    <p:sldId id="275" r:id="rId17"/>
+    <p:sldId id="280" r:id="rId18"/>
+    <p:sldId id="281" r:id="rId19"/>
+    <p:sldId id="276" r:id="rId20"/>
+    <p:sldId id="265" r:id="rId21"/>
+    <p:sldId id="264" r:id="rId22"/>
+    <p:sldId id="269" r:id="rId23"/>
+    <p:sldId id="267" r:id="rId24"/>
+    <p:sldId id="266" r:id="rId25"/>
+    <p:sldId id="270" r:id="rId26"/>
+    <p:sldId id="271" r:id="rId27"/>
   </p:sldIdLst>
   <p:sldSz cx="12192000" cy="6858000"/>
   <p:notesSz cx="6858000" cy="9144000"/>
@@ -128,7 +138,7 @@
 </file>
 
 <file path=ppt/slideLayouts/slideLayout1.xml><?xml version="1.0" encoding="utf-8"?>
-<p:sldLayout xmlns:a="http://schemas.openxmlformats.org/drawingml/2006/main" xmlns:r="http://schemas.openxmlformats.org/officeDocument/2006/relationships" xmlns:p="http://schemas.openxmlformats.org/presentationml/2006/main" showMasterSp="0" type="title" preserve="1">
+<p:sldLayout xmlns:a="http://schemas.openxmlformats.org/drawingml/2006/main" xmlns:r="http://schemas.openxmlformats.org/officeDocument/2006/relationships" xmlns:p="http://schemas.openxmlformats.org/presentationml/2006/main" type="title" preserve="1">
   <p:cSld name="Diapositivo de título">
     <p:spTree>
       <p:nvGrpSpPr>
@@ -146,185 +156,90 @@
       </p:grpSpPr>
       <p:sp>
         <p:nvSpPr>
-          <p:cNvPr id="7" name="Rectangle 6"/>
-          <p:cNvSpPr/>
-          <p:nvPr/>
+          <p:cNvPr id="2" name="Título 1"/>
+          <p:cNvSpPr>
+            <a:spLocks noGrp="1"/>
+          </p:cNvSpPr>
+          <p:nvPr>
+            <p:ph type="ctrTitle"/>
+          </p:nvPr>
         </p:nvSpPr>
         <p:spPr>
           <a:xfrm>
-            <a:off x="3175" y="6400800"/>
-            <a:ext cx="12188825" cy="457200"/>
+            <a:off x="1524000" y="1122363"/>
+            <a:ext cx="9144000" cy="2387600"/>
           </a:xfrm>
-          <a:prstGeom prst="rect">
-            <a:avLst/>
-          </a:prstGeom>
-          <a:solidFill>
-            <a:schemeClr val="accent2"/>
-          </a:solidFill>
-          <a:ln>
-            <a:noFill/>
-          </a:ln>
         </p:spPr>
-        <p:style>
-          <a:lnRef idx="2">
-            <a:schemeClr val="accent1">
-              <a:shade val="50000"/>
-            </a:schemeClr>
-          </a:lnRef>
-          <a:fillRef idx="1">
-            <a:schemeClr val="accent1"/>
-          </a:fillRef>
-          <a:effectRef idx="0">
-            <a:schemeClr val="accent1"/>
-          </a:effectRef>
-          <a:fontRef idx="minor">
-            <a:schemeClr val="lt1"/>
-          </a:fontRef>
-        </p:style>
-      </p:sp>
-      <p:sp>
-        <p:nvSpPr>
-          <p:cNvPr id="8" name="Rectangle 7"/>
-          <p:cNvSpPr/>
-          <p:nvPr/>
+        <p:txBody>
+          <a:bodyPr anchor="b"/>
+          <a:lstStyle>
+            <a:lvl1pPr algn="ctr">
+              <a:defRPr sz="6000"/>
+            </a:lvl1pPr>
+          </a:lstStyle>
+          <a:p>
+            <a:r>
+              <a:rPr lang="pt-PT" smtClean="0"/>
+              <a:t>Clique para editar o estilo</a:t>
+            </a:r>
+            <a:endParaRPr lang="en-US"/>
+          </a:p>
+        </p:txBody>
+      </p:sp>
+      <p:sp>
+        <p:nvSpPr>
+          <p:cNvPr id="3" name="Subtítulo 2"/>
+          <p:cNvSpPr>
+            <a:spLocks noGrp="1"/>
+          </p:cNvSpPr>
+          <p:nvPr>
+            <p:ph type="subTitle" idx="1"/>
+          </p:nvPr>
         </p:nvSpPr>
         <p:spPr>
           <a:xfrm>
-            <a:off x="15" y="6334316"/>
-            <a:ext cx="12188825" cy="64008"/>
-          </a:xfrm>
-          <a:prstGeom prst="rect">
-            <a:avLst/>
-          </a:prstGeom>
-          <a:solidFill>
-            <a:schemeClr val="accent1"/>
-          </a:solidFill>
-          <a:ln>
-            <a:noFill/>
-          </a:ln>
-        </p:spPr>
-        <p:style>
-          <a:lnRef idx="2">
-            <a:schemeClr val="accent1">
-              <a:shade val="50000"/>
-            </a:schemeClr>
-          </a:lnRef>
-          <a:fillRef idx="1">
-            <a:schemeClr val="accent1"/>
-          </a:fillRef>
-          <a:effectRef idx="0">
-            <a:schemeClr val="accent1"/>
-          </a:effectRef>
-          <a:fontRef idx="minor">
-            <a:schemeClr val="lt1"/>
-          </a:fontRef>
-        </p:style>
-      </p:sp>
-      <p:sp>
-        <p:nvSpPr>
-          <p:cNvPr id="2" name="Title 1"/>
-          <p:cNvSpPr>
-            <a:spLocks noGrp="1"/>
-          </p:cNvSpPr>
-          <p:nvPr>
-            <p:ph type="ctrTitle"/>
-          </p:nvPr>
-        </p:nvSpPr>
-        <p:spPr>
-          <a:xfrm>
-            <a:off x="1097280" y="758952"/>
-            <a:ext cx="10058400" cy="3566160"/>
+            <a:off x="1524000" y="3602038"/>
+            <a:ext cx="9144000" cy="1655762"/>
           </a:xfrm>
         </p:spPr>
         <p:txBody>
-          <a:bodyPr anchor="b">
-            <a:normAutofit/>
-          </a:bodyPr>
+          <a:bodyPr/>
           <a:lstStyle>
-            <a:lvl1pPr algn="l">
-              <a:lnSpc>
-                <a:spcPct val="85000"/>
-              </a:lnSpc>
-              <a:defRPr sz="8000" spc="-50" baseline="0">
-                <a:solidFill>
-                  <a:schemeClr val="tx1">
-                    <a:lumMod val="85000"/>
-                    <a:lumOff val="15000"/>
-                  </a:schemeClr>
-                </a:solidFill>
-              </a:defRPr>
-            </a:lvl1pPr>
-          </a:lstStyle>
-          <a:p>
-            <a:r>
-              <a:rPr lang="pt-PT" smtClean="0"/>
-              <a:t>Clique para editar o estilo</a:t>
-            </a:r>
-            <a:endParaRPr lang="en-US" dirty="0"/>
-          </a:p>
-        </p:txBody>
-      </p:sp>
-      <p:sp>
-        <p:nvSpPr>
-          <p:cNvPr id="3" name="Subtitle 2"/>
-          <p:cNvSpPr>
-            <a:spLocks noGrp="1"/>
-          </p:cNvSpPr>
-          <p:nvPr>
-            <p:ph type="subTitle" idx="1"/>
-          </p:nvPr>
-        </p:nvSpPr>
-        <p:spPr>
-          <a:xfrm>
-            <a:off x="1100051" y="4455620"/>
-            <a:ext cx="10058400" cy="1143000"/>
-          </a:xfrm>
-        </p:spPr>
-        <p:txBody>
-          <a:bodyPr lIns="91440" rIns="91440">
-            <a:normAutofit/>
-          </a:bodyPr>
-          <a:lstStyle>
-            <a:lvl1pPr marL="0" indent="0" algn="l">
+            <a:lvl1pPr marL="0" indent="0" algn="ctr">
               <a:buNone/>
-              <a:defRPr sz="2400" cap="all" spc="200" baseline="0">
-                <a:solidFill>
-                  <a:schemeClr val="tx2"/>
-                </a:solidFill>
-                <a:latin typeface="+mj-lt"/>
-              </a:defRPr>
+              <a:defRPr sz="2400"/>
             </a:lvl1pPr>
             <a:lvl2pPr marL="457200" indent="0" algn="ctr">
               <a:buNone/>
-              <a:defRPr sz="2400"/>
+              <a:defRPr sz="2000"/>
             </a:lvl2pPr>
             <a:lvl3pPr marL="914400" indent="0" algn="ctr">
               <a:buNone/>
-              <a:defRPr sz="2400"/>
+              <a:defRPr sz="1800"/>
             </a:lvl3pPr>
             <a:lvl4pPr marL="1371600" indent="0" algn="ctr">
               <a:buNone/>
-              <a:defRPr sz="2000"/>
+              <a:defRPr sz="1600"/>
             </a:lvl4pPr>
             <a:lvl5pPr marL="1828800" indent="0" algn="ctr">
               <a:buNone/>
-              <a:defRPr sz="2000"/>
+              <a:defRPr sz="1600"/>
             </a:lvl5pPr>
             <a:lvl6pPr marL="2286000" indent="0" algn="ctr">
               <a:buNone/>
-              <a:defRPr sz="2000"/>
+              <a:defRPr sz="1600"/>
             </a:lvl6pPr>
             <a:lvl7pPr marL="2743200" indent="0" algn="ctr">
               <a:buNone/>
-              <a:defRPr sz="2000"/>
+              <a:defRPr sz="1600"/>
             </a:lvl7pPr>
             <a:lvl8pPr marL="3200400" indent="0" algn="ctr">
               <a:buNone/>
-              <a:defRPr sz="2000"/>
+              <a:defRPr sz="1600"/>
             </a:lvl8pPr>
             <a:lvl9pPr marL="3657600" indent="0" algn="ctr">
               <a:buNone/>
-              <a:defRPr sz="2000"/>
+              <a:defRPr sz="1600"/>
             </a:lvl9pPr>
           </a:lstStyle>
           <a:p>
@@ -332,13 +247,13 @@
               <a:rPr lang="pt-PT" smtClean="0"/>
               <a:t>Faça clique para editar o estilo</a:t>
             </a:r>
-            <a:endParaRPr lang="en-US" dirty="0"/>
-          </a:p>
-        </p:txBody>
-      </p:sp>
-      <p:sp>
-        <p:nvSpPr>
-          <p:cNvPr id="4" name="Date Placeholder 3"/>
+            <a:endParaRPr lang="en-US"/>
+          </a:p>
+        </p:txBody>
+      </p:sp>
+      <p:sp>
+        <p:nvSpPr>
+          <p:cNvPr id="4" name="Marcador de Posição da Data 3"/>
           <p:cNvSpPr>
             <a:spLocks noGrp="1"/>
           </p:cNvSpPr>
@@ -355,13 +270,13 @@
               <a:rPr lang="en-US" smtClean="0"/>
               <a:t>1/27/2016</a:t>
             </a:fld>
-            <a:endParaRPr lang="en-US"/>
-          </a:p>
-        </p:txBody>
-      </p:sp>
-      <p:sp>
-        <p:nvSpPr>
-          <p:cNvPr id="5" name="Footer Placeholder 4"/>
+            <a:endParaRPr lang="en-US" dirty="0"/>
+          </a:p>
+        </p:txBody>
+      </p:sp>
+      <p:sp>
+        <p:nvSpPr>
+          <p:cNvPr id="5" name="Marcador de Posição do Rodapé 4"/>
           <p:cNvSpPr>
             <a:spLocks noGrp="1"/>
           </p:cNvSpPr>
@@ -374,13 +289,13 @@
           <a:bodyPr/>
           <a:lstStyle/>
           <a:p>
-            <a:endParaRPr lang="en-US"/>
-          </a:p>
-        </p:txBody>
-      </p:sp>
-      <p:sp>
-        <p:nvSpPr>
-          <p:cNvPr id="6" name="Slide Number Placeholder 5"/>
+            <a:endParaRPr lang="en-US" dirty="0"/>
+          </a:p>
+        </p:txBody>
+      </p:sp>
+      <p:sp>
+        <p:nvSpPr>
+          <p:cNvPr id="6" name="Marcador de Posição do Número do Diapositivo 5"/>
           <p:cNvSpPr>
             <a:spLocks noGrp="1"/>
           </p:cNvSpPr>
@@ -397,52 +312,14 @@
               <a:rPr lang="en-US" smtClean="0"/>
               <a:t>‹nº›</a:t>
             </a:fld>
-            <a:endParaRPr lang="en-US"/>
-          </a:p>
-        </p:txBody>
-      </p:sp>
-      <p:cxnSp>
-        <p:nvCxnSpPr>
-          <p:cNvPr id="9" name="Straight Connector 8"/>
-          <p:cNvCxnSpPr/>
-          <p:nvPr/>
-        </p:nvCxnSpPr>
-        <p:spPr>
-          <a:xfrm>
-            <a:off x="1207658" y="4343400"/>
-            <a:ext cx="9875520" cy="0"/>
-          </a:xfrm>
-          <a:prstGeom prst="line">
-            <a:avLst/>
-          </a:prstGeom>
-          <a:ln w="6350">
-            <a:solidFill>
-              <a:schemeClr val="tx1">
-                <a:lumMod val="50000"/>
-                <a:lumOff val="50000"/>
-              </a:schemeClr>
-            </a:solidFill>
-          </a:ln>
-        </p:spPr>
-        <p:style>
-          <a:lnRef idx="1">
-            <a:schemeClr val="accent1"/>
-          </a:lnRef>
-          <a:fillRef idx="0">
-            <a:schemeClr val="accent1"/>
-          </a:fillRef>
-          <a:effectRef idx="0">
-            <a:schemeClr val="accent1"/>
-          </a:effectRef>
-          <a:fontRef idx="minor">
-            <a:schemeClr val="tx1"/>
-          </a:fontRef>
-        </p:style>
-      </p:cxnSp>
+            <a:endParaRPr lang="en-US" dirty="0"/>
+          </a:p>
+        </p:txBody>
+      </p:sp>
     </p:spTree>
     <p:extLst>
       <p:ext uri="{BB962C8B-B14F-4D97-AF65-F5344CB8AC3E}">
-        <p14:creationId xmlns:p14="http://schemas.microsoft.com/office/powerpoint/2010/main" val="3755138583"/>
+        <p14:creationId xmlns:p14="http://schemas.microsoft.com/office/powerpoint/2010/main" val="1349735453"/>
       </p:ext>
     </p:extLst>
   </p:cSld>
@@ -471,7 +348,7 @@
       </p:grpSpPr>
       <p:sp>
         <p:nvSpPr>
-          <p:cNvPr id="2" name="Title 1"/>
+          <p:cNvPr id="2" name="Título 1"/>
           <p:cNvSpPr>
             <a:spLocks noGrp="1"/>
           </p:cNvSpPr>
@@ -488,13 +365,13 @@
               <a:rPr lang="pt-PT" smtClean="0"/>
               <a:t>Clique para editar o estilo</a:t>
             </a:r>
-            <a:endParaRPr lang="en-US" dirty="0"/>
-          </a:p>
-        </p:txBody>
-      </p:sp>
-      <p:sp>
-        <p:nvSpPr>
-          <p:cNvPr id="3" name="Vertical Text Placeholder 2"/>
+            <a:endParaRPr lang="en-US"/>
+          </a:p>
+        </p:txBody>
+      </p:sp>
+      <p:sp>
+        <p:nvSpPr>
+          <p:cNvPr id="3" name="Marcador de Posição de Texto Vertical 2"/>
           <p:cNvSpPr>
             <a:spLocks noGrp="1"/>
           </p:cNvSpPr>
@@ -504,7 +381,7 @@
         </p:nvSpPr>
         <p:spPr/>
         <p:txBody>
-          <a:bodyPr vert="eaVert" lIns="45720" tIns="0" rIns="45720" bIns="0"/>
+          <a:bodyPr vert="eaVert"/>
           <a:lstStyle/>
           <a:p>
             <a:pPr lvl="0"/>
@@ -540,13 +417,13 @@
               <a:rPr lang="pt-PT" smtClean="0"/>
               <a:t>Quinto nível</a:t>
             </a:r>
-            <a:endParaRPr lang="en-US" dirty="0"/>
-          </a:p>
-        </p:txBody>
-      </p:sp>
-      <p:sp>
-        <p:nvSpPr>
-          <p:cNvPr id="4" name="Date Placeholder 3"/>
+            <a:endParaRPr lang="en-US"/>
+          </a:p>
+        </p:txBody>
+      </p:sp>
+      <p:sp>
+        <p:nvSpPr>
+          <p:cNvPr id="4" name="Marcador de Posição da Data 3"/>
           <p:cNvSpPr>
             <a:spLocks noGrp="1"/>
           </p:cNvSpPr>
@@ -563,13 +440,13 @@
               <a:rPr lang="en-US" smtClean="0"/>
               <a:t>1/27/2016</a:t>
             </a:fld>
-            <a:endParaRPr lang="en-US"/>
-          </a:p>
-        </p:txBody>
-      </p:sp>
-      <p:sp>
-        <p:nvSpPr>
-          <p:cNvPr id="5" name="Footer Placeholder 4"/>
+            <a:endParaRPr lang="en-US" dirty="0"/>
+          </a:p>
+        </p:txBody>
+      </p:sp>
+      <p:sp>
+        <p:nvSpPr>
+          <p:cNvPr id="5" name="Marcador de Posição do Rodapé 4"/>
           <p:cNvSpPr>
             <a:spLocks noGrp="1"/>
           </p:cNvSpPr>
@@ -582,13 +459,13 @@
           <a:bodyPr/>
           <a:lstStyle/>
           <a:p>
-            <a:endParaRPr lang="en-US"/>
-          </a:p>
-        </p:txBody>
-      </p:sp>
-      <p:sp>
-        <p:nvSpPr>
-          <p:cNvPr id="6" name="Slide Number Placeholder 5"/>
+            <a:endParaRPr lang="en-US" dirty="0"/>
+          </a:p>
+        </p:txBody>
+      </p:sp>
+      <p:sp>
+        <p:nvSpPr>
+          <p:cNvPr id="6" name="Marcador de Posição do Número do Diapositivo 5"/>
           <p:cNvSpPr>
             <a:spLocks noGrp="1"/>
           </p:cNvSpPr>
@@ -605,14 +482,14 @@
               <a:rPr lang="en-US" smtClean="0"/>
               <a:t>‹nº›</a:t>
             </a:fld>
-            <a:endParaRPr lang="en-US"/>
+            <a:endParaRPr lang="en-US" dirty="0"/>
           </a:p>
         </p:txBody>
       </p:sp>
     </p:spTree>
     <p:extLst>
       <p:ext uri="{BB962C8B-B14F-4D97-AF65-F5344CB8AC3E}">
-        <p14:creationId xmlns:p14="http://schemas.microsoft.com/office/powerpoint/2010/main" val="3044192414"/>
+        <p14:creationId xmlns:p14="http://schemas.microsoft.com/office/powerpoint/2010/main" val="1950465027"/>
       </p:ext>
     </p:extLst>
   </p:cSld>
@@ -623,7 +500,7 @@
 </file>
 
 <file path=ppt/slideLayouts/slideLayout11.xml><?xml version="1.0" encoding="utf-8"?>
-<p:sldLayout xmlns:a="http://schemas.openxmlformats.org/drawingml/2006/main" xmlns:r="http://schemas.openxmlformats.org/officeDocument/2006/relationships" xmlns:p="http://schemas.openxmlformats.org/presentationml/2006/main" showMasterSp="0" type="vertTitleAndTx" preserve="1">
+<p:sldLayout xmlns:a="http://schemas.openxmlformats.org/drawingml/2006/main" xmlns:r="http://schemas.openxmlformats.org/officeDocument/2006/relationships" xmlns:p="http://schemas.openxmlformats.org/presentationml/2006/main" type="vertTitleAndTx" preserve="1">
   <p:cSld name="Título vertical e texto">
     <p:spTree>
       <p:nvGrpSpPr>
@@ -641,128 +518,52 @@
       </p:grpSpPr>
       <p:sp>
         <p:nvSpPr>
-          <p:cNvPr id="7" name="Rectangle 6"/>
-          <p:cNvSpPr/>
-          <p:nvPr/>
+          <p:cNvPr id="2" name="Título Vertical 1"/>
+          <p:cNvSpPr>
+            <a:spLocks noGrp="1"/>
+          </p:cNvSpPr>
+          <p:nvPr>
+            <p:ph type="title" orient="vert"/>
+          </p:nvPr>
         </p:nvSpPr>
         <p:spPr>
           <a:xfrm>
-            <a:off x="3175" y="6400800"/>
-            <a:ext cx="12188825" cy="457200"/>
+            <a:off x="8724900" y="365125"/>
+            <a:ext cx="2628900" cy="5811838"/>
           </a:xfrm>
-          <a:prstGeom prst="rect">
-            <a:avLst/>
-          </a:prstGeom>
-          <a:solidFill>
-            <a:schemeClr val="accent2"/>
-          </a:solidFill>
-          <a:ln>
-            <a:noFill/>
-          </a:ln>
         </p:spPr>
-        <p:style>
-          <a:lnRef idx="2">
-            <a:schemeClr val="accent1">
-              <a:shade val="50000"/>
-            </a:schemeClr>
-          </a:lnRef>
-          <a:fillRef idx="1">
-            <a:schemeClr val="accent1"/>
-          </a:fillRef>
-          <a:effectRef idx="0">
-            <a:schemeClr val="accent1"/>
-          </a:effectRef>
-          <a:fontRef idx="minor">
-            <a:schemeClr val="lt1"/>
-          </a:fontRef>
-        </p:style>
-      </p:sp>
-      <p:sp>
-        <p:nvSpPr>
-          <p:cNvPr id="8" name="Rectangle 7"/>
-          <p:cNvSpPr/>
-          <p:nvPr/>
+        <p:txBody>
+          <a:bodyPr vert="eaVert"/>
+          <a:lstStyle/>
+          <a:p>
+            <a:r>
+              <a:rPr lang="pt-PT" smtClean="0"/>
+              <a:t>Clique para editar o estilo</a:t>
+            </a:r>
+            <a:endParaRPr lang="en-US"/>
+          </a:p>
+        </p:txBody>
+      </p:sp>
+      <p:sp>
+        <p:nvSpPr>
+          <p:cNvPr id="3" name="Marcador de Posição de Texto Vertical 2"/>
+          <p:cNvSpPr>
+            <a:spLocks noGrp="1"/>
+          </p:cNvSpPr>
+          <p:nvPr>
+            <p:ph type="body" orient="vert" idx="1"/>
+          </p:nvPr>
         </p:nvSpPr>
         <p:spPr>
           <a:xfrm>
-            <a:off x="15" y="6334316"/>
-            <a:ext cx="12188825" cy="64008"/>
-          </a:xfrm>
-          <a:prstGeom prst="rect">
-            <a:avLst/>
-          </a:prstGeom>
-          <a:solidFill>
-            <a:schemeClr val="accent1"/>
-          </a:solidFill>
-          <a:ln>
-            <a:noFill/>
-          </a:ln>
-        </p:spPr>
-        <p:style>
-          <a:lnRef idx="2">
-            <a:schemeClr val="accent1">
-              <a:shade val="50000"/>
-            </a:schemeClr>
-          </a:lnRef>
-          <a:fillRef idx="1">
-            <a:schemeClr val="accent1"/>
-          </a:fillRef>
-          <a:effectRef idx="0">
-            <a:schemeClr val="accent1"/>
-          </a:effectRef>
-          <a:fontRef idx="minor">
-            <a:schemeClr val="lt1"/>
-          </a:fontRef>
-        </p:style>
-      </p:sp>
-      <p:sp>
-        <p:nvSpPr>
-          <p:cNvPr id="2" name="Vertical Title 1"/>
-          <p:cNvSpPr>
-            <a:spLocks noGrp="1"/>
-          </p:cNvSpPr>
-          <p:nvPr>
-            <p:ph type="title" orient="vert"/>
-          </p:nvPr>
-        </p:nvSpPr>
-        <p:spPr>
-          <a:xfrm>
-            <a:off x="8724900" y="414778"/>
-            <a:ext cx="2628900" cy="5757421"/>
+            <a:off x="838200" y="365125"/>
+            <a:ext cx="7734300" cy="5811838"/>
           </a:xfrm>
         </p:spPr>
         <p:txBody>
           <a:bodyPr vert="eaVert"/>
           <a:lstStyle/>
           <a:p>
-            <a:r>
-              <a:rPr lang="pt-PT" smtClean="0"/>
-              <a:t>Clique para editar o estilo</a:t>
-            </a:r>
-            <a:endParaRPr lang="en-US" dirty="0"/>
-          </a:p>
-        </p:txBody>
-      </p:sp>
-      <p:sp>
-        <p:nvSpPr>
-          <p:cNvPr id="3" name="Vertical Text Placeholder 2"/>
-          <p:cNvSpPr>
-            <a:spLocks noGrp="1"/>
-          </p:cNvSpPr>
-          <p:nvPr>
-            <p:ph type="body" orient="vert" idx="1"/>
-          </p:nvPr>
-        </p:nvSpPr>
-        <p:spPr>
-          <a:xfrm>
-            <a:off x="838200" y="414778"/>
-            <a:ext cx="7734300" cy="5757422"/>
-          </a:xfrm>
-        </p:spPr>
-        <p:txBody>
-          <a:bodyPr vert="eaVert" lIns="45720" tIns="0" rIns="45720" bIns="0"/>
-          <a:lstStyle/>
-          <a:p>
             <a:pPr lvl="0"/>
             <a:r>
               <a:rPr lang="pt-PT" smtClean="0"/>
@@ -796,13 +597,13 @@
               <a:rPr lang="pt-PT" smtClean="0"/>
               <a:t>Quinto nível</a:t>
             </a:r>
-            <a:endParaRPr lang="en-US" dirty="0"/>
-          </a:p>
-        </p:txBody>
-      </p:sp>
-      <p:sp>
-        <p:nvSpPr>
-          <p:cNvPr id="4" name="Date Placeholder 3"/>
+            <a:endParaRPr lang="en-US"/>
+          </a:p>
+        </p:txBody>
+      </p:sp>
+      <p:sp>
+        <p:nvSpPr>
+          <p:cNvPr id="4" name="Marcador de Posição da Data 3"/>
           <p:cNvSpPr>
             <a:spLocks noGrp="1"/>
           </p:cNvSpPr>
@@ -819,13 +620,13 @@
               <a:rPr lang="en-US" smtClean="0"/>
               <a:t>1/27/2016</a:t>
             </a:fld>
-            <a:endParaRPr lang="en-US"/>
-          </a:p>
-        </p:txBody>
-      </p:sp>
-      <p:sp>
-        <p:nvSpPr>
-          <p:cNvPr id="5" name="Footer Placeholder 4"/>
+            <a:endParaRPr lang="en-US" dirty="0"/>
+          </a:p>
+        </p:txBody>
+      </p:sp>
+      <p:sp>
+        <p:nvSpPr>
+          <p:cNvPr id="5" name="Marcador de Posição do Rodapé 4"/>
           <p:cNvSpPr>
             <a:spLocks noGrp="1"/>
           </p:cNvSpPr>
@@ -838,13 +639,13 @@
           <a:bodyPr/>
           <a:lstStyle/>
           <a:p>
-            <a:endParaRPr lang="en-US"/>
-          </a:p>
-        </p:txBody>
-      </p:sp>
-      <p:sp>
-        <p:nvSpPr>
-          <p:cNvPr id="6" name="Slide Number Placeholder 5"/>
+            <a:endParaRPr lang="en-US" dirty="0"/>
+          </a:p>
+        </p:txBody>
+      </p:sp>
+      <p:sp>
+        <p:nvSpPr>
+          <p:cNvPr id="6" name="Marcador de Posição do Número do Diapositivo 5"/>
           <p:cNvSpPr>
             <a:spLocks noGrp="1"/>
           </p:cNvSpPr>
@@ -861,14 +662,14 @@
               <a:rPr lang="en-US" smtClean="0"/>
               <a:t>‹nº›</a:t>
             </a:fld>
-            <a:endParaRPr lang="en-US"/>
+            <a:endParaRPr lang="en-US" dirty="0"/>
           </a:p>
         </p:txBody>
       </p:sp>
     </p:spTree>
     <p:extLst>
       <p:ext uri="{BB962C8B-B14F-4D97-AF65-F5344CB8AC3E}">
-        <p14:creationId xmlns:p14="http://schemas.microsoft.com/office/powerpoint/2010/main" val="189411257"/>
+        <p14:creationId xmlns:p14="http://schemas.microsoft.com/office/powerpoint/2010/main" val="842101771"/>
       </p:ext>
     </p:extLst>
   </p:cSld>
@@ -897,7 +698,7 @@
       </p:grpSpPr>
       <p:sp>
         <p:nvSpPr>
-          <p:cNvPr id="2" name="Title 1"/>
+          <p:cNvPr id="2" name="Título 1"/>
           <p:cNvSpPr>
             <a:spLocks noGrp="1"/>
           </p:cNvSpPr>
@@ -908,23 +709,19 @@
         <p:spPr/>
         <p:txBody>
           <a:bodyPr/>
-          <a:lstStyle>
-            <a:lvl1pPr marL="0">
-              <a:defRPr/>
-            </a:lvl1pPr>
-          </a:lstStyle>
+          <a:lstStyle/>
           <a:p>
             <a:r>
               <a:rPr lang="pt-PT" smtClean="0"/>
               <a:t>Clique para editar o estilo</a:t>
             </a:r>
-            <a:endParaRPr lang="en-US" dirty="0"/>
-          </a:p>
-        </p:txBody>
-      </p:sp>
-      <p:sp>
-        <p:nvSpPr>
-          <p:cNvPr id="3" name="Content Placeholder 2"/>
+            <a:endParaRPr lang="en-US"/>
+          </a:p>
+        </p:txBody>
+      </p:sp>
+      <p:sp>
+        <p:nvSpPr>
+          <p:cNvPr id="3" name="Marcador de Posição de Conteúdo 2"/>
           <p:cNvSpPr>
             <a:spLocks noGrp="1"/>
           </p:cNvSpPr>
@@ -970,13 +767,13 @@
               <a:rPr lang="pt-PT" smtClean="0"/>
               <a:t>Quinto nível</a:t>
             </a:r>
-            <a:endParaRPr lang="en-US" dirty="0"/>
-          </a:p>
-        </p:txBody>
-      </p:sp>
-      <p:sp>
-        <p:nvSpPr>
-          <p:cNvPr id="4" name="Date Placeholder 3"/>
+            <a:endParaRPr lang="en-US"/>
+          </a:p>
+        </p:txBody>
+      </p:sp>
+      <p:sp>
+        <p:nvSpPr>
+          <p:cNvPr id="4" name="Marcador de Posição da Data 3"/>
           <p:cNvSpPr>
             <a:spLocks noGrp="1"/>
           </p:cNvSpPr>
@@ -993,13 +790,13 @@
               <a:rPr lang="en-US" smtClean="0"/>
               <a:t>1/27/2016</a:t>
             </a:fld>
-            <a:endParaRPr lang="en-US"/>
-          </a:p>
-        </p:txBody>
-      </p:sp>
-      <p:sp>
-        <p:nvSpPr>
-          <p:cNvPr id="5" name="Footer Placeholder 4"/>
+            <a:endParaRPr lang="en-US" dirty="0"/>
+          </a:p>
+        </p:txBody>
+      </p:sp>
+      <p:sp>
+        <p:nvSpPr>
+          <p:cNvPr id="5" name="Marcador de Posição do Rodapé 4"/>
           <p:cNvSpPr>
             <a:spLocks noGrp="1"/>
           </p:cNvSpPr>
@@ -1012,13 +809,13 @@
           <a:bodyPr/>
           <a:lstStyle/>
           <a:p>
-            <a:endParaRPr lang="en-US"/>
-          </a:p>
-        </p:txBody>
-      </p:sp>
-      <p:sp>
-        <p:nvSpPr>
-          <p:cNvPr id="6" name="Slide Number Placeholder 5"/>
+            <a:endParaRPr lang="en-US" dirty="0"/>
+          </a:p>
+        </p:txBody>
+      </p:sp>
+      <p:sp>
+        <p:nvSpPr>
+          <p:cNvPr id="6" name="Marcador de Posição do Número do Diapositivo 5"/>
           <p:cNvSpPr>
             <a:spLocks noGrp="1"/>
           </p:cNvSpPr>
@@ -1035,14 +832,14 @@
               <a:rPr lang="en-US" smtClean="0"/>
               <a:t>‹nº›</a:t>
             </a:fld>
-            <a:endParaRPr lang="en-US"/>
+            <a:endParaRPr lang="en-US" dirty="0"/>
           </a:p>
         </p:txBody>
       </p:sp>
     </p:spTree>
     <p:extLst>
       <p:ext uri="{BB962C8B-B14F-4D97-AF65-F5344CB8AC3E}">
-        <p14:creationId xmlns:p14="http://schemas.microsoft.com/office/powerpoint/2010/main" val="795422538"/>
+        <p14:creationId xmlns:p14="http://schemas.microsoft.com/office/powerpoint/2010/main" val="1987612298"/>
       </p:ext>
     </p:extLst>
   </p:cSld>
@@ -1053,16 +850,8 @@
 </file>
 
 <file path=ppt/slideLayouts/slideLayout3.xml><?xml version="1.0" encoding="utf-8"?>
-<p:sldLayout xmlns:a="http://schemas.openxmlformats.org/drawingml/2006/main" xmlns:r="http://schemas.openxmlformats.org/officeDocument/2006/relationships" xmlns:p="http://schemas.openxmlformats.org/presentationml/2006/main" showMasterSp="0" type="secHead" preserve="1">
+<p:sldLayout xmlns:a="http://schemas.openxmlformats.org/drawingml/2006/main" xmlns:r="http://schemas.openxmlformats.org/officeDocument/2006/relationships" xmlns:p="http://schemas.openxmlformats.org/presentationml/2006/main" type="secHead" preserve="1">
   <p:cSld name="Cabeçalho da Secção">
-    <p:bg>
-      <p:bgPr>
-        <a:solidFill>
-          <a:schemeClr val="bg1"/>
-        </a:solidFill>
-        <a:effectLst/>
-      </p:bgPr>
-    </p:bg>
     <p:spTree>
       <p:nvGrpSpPr>
         <p:cNvPr id="1" name=""/>
@@ -1079,157 +868,68 @@
       </p:grpSpPr>
       <p:sp>
         <p:nvSpPr>
-          <p:cNvPr id="7" name="Rectangle 6"/>
-          <p:cNvSpPr/>
-          <p:nvPr/>
+          <p:cNvPr id="2" name="Título 1"/>
+          <p:cNvSpPr>
+            <a:spLocks noGrp="1"/>
+          </p:cNvSpPr>
+          <p:nvPr>
+            <p:ph type="title"/>
+          </p:nvPr>
         </p:nvSpPr>
         <p:spPr>
           <a:xfrm>
-            <a:off x="3175" y="6400800"/>
-            <a:ext cx="12188825" cy="457200"/>
+            <a:off x="831850" y="1709738"/>
+            <a:ext cx="10515600" cy="2852737"/>
           </a:xfrm>
-          <a:prstGeom prst="rect">
-            <a:avLst/>
-          </a:prstGeom>
-          <a:solidFill>
-            <a:schemeClr val="accent2"/>
-          </a:solidFill>
-          <a:ln>
-            <a:noFill/>
-          </a:ln>
         </p:spPr>
-        <p:style>
-          <a:lnRef idx="2">
-            <a:schemeClr val="accent1">
-              <a:shade val="50000"/>
-            </a:schemeClr>
-          </a:lnRef>
-          <a:fillRef idx="1">
-            <a:schemeClr val="accent1"/>
-          </a:fillRef>
-          <a:effectRef idx="0">
-            <a:schemeClr val="accent1"/>
-          </a:effectRef>
-          <a:fontRef idx="minor">
-            <a:schemeClr val="lt1"/>
-          </a:fontRef>
-        </p:style>
-      </p:sp>
-      <p:sp>
-        <p:nvSpPr>
-          <p:cNvPr id="8" name="Rectangle 7"/>
-          <p:cNvSpPr/>
-          <p:nvPr/>
+        <p:txBody>
+          <a:bodyPr anchor="b"/>
+          <a:lstStyle>
+            <a:lvl1pPr>
+              <a:defRPr sz="6000"/>
+            </a:lvl1pPr>
+          </a:lstStyle>
+          <a:p>
+            <a:r>
+              <a:rPr lang="pt-PT" smtClean="0"/>
+              <a:t>Clique para editar o estilo</a:t>
+            </a:r>
+            <a:endParaRPr lang="en-US"/>
+          </a:p>
+        </p:txBody>
+      </p:sp>
+      <p:sp>
+        <p:nvSpPr>
+          <p:cNvPr id="3" name="Marcador de Posição do Texto 2"/>
+          <p:cNvSpPr>
+            <a:spLocks noGrp="1"/>
+          </p:cNvSpPr>
+          <p:nvPr>
+            <p:ph type="body" idx="1"/>
+          </p:nvPr>
         </p:nvSpPr>
         <p:spPr>
           <a:xfrm>
-            <a:off x="15" y="6334316"/>
-            <a:ext cx="12188825" cy="64008"/>
-          </a:xfrm>
-          <a:prstGeom prst="rect">
-            <a:avLst/>
-          </a:prstGeom>
-          <a:solidFill>
-            <a:schemeClr val="accent1"/>
-          </a:solidFill>
-          <a:ln>
-            <a:noFill/>
-          </a:ln>
-        </p:spPr>
-        <p:style>
-          <a:lnRef idx="2">
-            <a:schemeClr val="accent1">
-              <a:shade val="50000"/>
-            </a:schemeClr>
-          </a:lnRef>
-          <a:fillRef idx="1">
-            <a:schemeClr val="accent1"/>
-          </a:fillRef>
-          <a:effectRef idx="0">
-            <a:schemeClr val="accent1"/>
-          </a:effectRef>
-          <a:fontRef idx="minor">
-            <a:schemeClr val="lt1"/>
-          </a:fontRef>
-        </p:style>
-      </p:sp>
-      <p:sp>
-        <p:nvSpPr>
-          <p:cNvPr id="2" name="Title 1"/>
-          <p:cNvSpPr>
-            <a:spLocks noGrp="1"/>
-          </p:cNvSpPr>
-          <p:nvPr>
-            <p:ph type="title"/>
-          </p:nvPr>
-        </p:nvSpPr>
-        <p:spPr>
-          <a:xfrm>
-            <a:off x="1097280" y="758952"/>
-            <a:ext cx="10058400" cy="3566160"/>
+            <a:off x="831850" y="4589463"/>
+            <a:ext cx="10515600" cy="1500187"/>
           </a:xfrm>
         </p:spPr>
         <p:txBody>
-          <a:bodyPr anchor="b" anchorCtr="0">
-            <a:normAutofit/>
-          </a:bodyPr>
+          <a:bodyPr/>
           <a:lstStyle>
-            <a:lvl1pPr>
-              <a:lnSpc>
-                <a:spcPct val="85000"/>
-              </a:lnSpc>
-              <a:defRPr sz="8000" b="0">
+            <a:lvl1pPr marL="0" indent="0">
+              <a:buNone/>
+              <a:defRPr sz="2400">
                 <a:solidFill>
                   <a:schemeClr val="tx1">
-                    <a:lumMod val="85000"/>
-                    <a:lumOff val="15000"/>
+                    <a:tint val="75000"/>
                   </a:schemeClr>
                 </a:solidFill>
               </a:defRPr>
             </a:lvl1pPr>
-          </a:lstStyle>
-          <a:p>
-            <a:r>
-              <a:rPr lang="pt-PT" smtClean="0"/>
-              <a:t>Clique para editar o estilo</a:t>
-            </a:r>
-            <a:endParaRPr lang="en-US" dirty="0"/>
-          </a:p>
-        </p:txBody>
-      </p:sp>
-      <p:sp>
-        <p:nvSpPr>
-          <p:cNvPr id="3" name="Text Placeholder 2"/>
-          <p:cNvSpPr>
-            <a:spLocks noGrp="1"/>
-          </p:cNvSpPr>
-          <p:nvPr>
-            <p:ph type="body" idx="1"/>
-          </p:nvPr>
-        </p:nvSpPr>
-        <p:spPr>
-          <a:xfrm>
-            <a:off x="1097280" y="4453128"/>
-            <a:ext cx="10058400" cy="1143000"/>
-          </a:xfrm>
-        </p:spPr>
-        <p:txBody>
-          <a:bodyPr lIns="91440" rIns="91440" anchor="t" anchorCtr="0">
-            <a:normAutofit/>
-          </a:bodyPr>
-          <a:lstStyle>
-            <a:lvl1pPr marL="0" indent="0">
-              <a:buNone/>
-              <a:defRPr sz="2400" cap="all" spc="200" baseline="0">
-                <a:solidFill>
-                  <a:schemeClr val="tx2"/>
-                </a:solidFill>
-                <a:latin typeface="+mj-lt"/>
-              </a:defRPr>
-            </a:lvl1pPr>
             <a:lvl2pPr marL="457200" indent="0">
               <a:buNone/>
-              <a:defRPr sz="1800">
+              <a:defRPr sz="2000">
                 <a:solidFill>
                   <a:schemeClr val="tx1">
                     <a:tint val="75000"/>
@@ -1239,7 +939,7 @@
             </a:lvl2pPr>
             <a:lvl3pPr marL="914400" indent="0">
               <a:buNone/>
-              <a:defRPr sz="1600">
+              <a:defRPr sz="1800">
                 <a:solidFill>
                   <a:schemeClr val="tx1">
                     <a:tint val="75000"/>
@@ -1249,7 +949,7 @@
             </a:lvl3pPr>
             <a:lvl4pPr marL="1371600" indent="0">
               <a:buNone/>
-              <a:defRPr sz="1400">
+              <a:defRPr sz="1600">
                 <a:solidFill>
                   <a:schemeClr val="tx1">
                     <a:tint val="75000"/>
@@ -1259,7 +959,7 @@
             </a:lvl4pPr>
             <a:lvl5pPr marL="1828800" indent="0">
               <a:buNone/>
-              <a:defRPr sz="1400">
+              <a:defRPr sz="1600">
                 <a:solidFill>
                   <a:schemeClr val="tx1">
                     <a:tint val="75000"/>
@@ -1269,7 +969,7 @@
             </a:lvl5pPr>
             <a:lvl6pPr marL="2286000" indent="0">
               <a:buNone/>
-              <a:defRPr sz="1400">
+              <a:defRPr sz="1600">
                 <a:solidFill>
                   <a:schemeClr val="tx1">
                     <a:tint val="75000"/>
@@ -1279,7 +979,7 @@
             </a:lvl6pPr>
             <a:lvl7pPr marL="2743200" indent="0">
               <a:buNone/>
-              <a:defRPr sz="1400">
+              <a:defRPr sz="1600">
                 <a:solidFill>
                   <a:schemeClr val="tx1">
                     <a:tint val="75000"/>
@@ -1289,7 +989,7 @@
             </a:lvl7pPr>
             <a:lvl8pPr marL="3200400" indent="0">
               <a:buNone/>
-              <a:defRPr sz="1400">
+              <a:defRPr sz="1600">
                 <a:solidFill>
                   <a:schemeClr val="tx1">
                     <a:tint val="75000"/>
@@ -1299,7 +999,7 @@
             </a:lvl8pPr>
             <a:lvl9pPr marL="3657600" indent="0">
               <a:buNone/>
-              <a:defRPr sz="1400">
+              <a:defRPr sz="1600">
                 <a:solidFill>
                   <a:schemeClr val="tx1">
                     <a:tint val="75000"/>
@@ -1319,7 +1019,7 @@
       </p:sp>
       <p:sp>
         <p:nvSpPr>
-          <p:cNvPr id="4" name="Date Placeholder 3"/>
+          <p:cNvPr id="4" name="Marcador de Posição da Data 3"/>
           <p:cNvSpPr>
             <a:spLocks noGrp="1"/>
           </p:cNvSpPr>
@@ -1336,13 +1036,13 @@
               <a:rPr lang="en-US" smtClean="0"/>
               <a:t>1/27/2016</a:t>
             </a:fld>
-            <a:endParaRPr lang="en-US"/>
-          </a:p>
-        </p:txBody>
-      </p:sp>
-      <p:sp>
-        <p:nvSpPr>
-          <p:cNvPr id="5" name="Footer Placeholder 4"/>
+            <a:endParaRPr lang="en-US" dirty="0"/>
+          </a:p>
+        </p:txBody>
+      </p:sp>
+      <p:sp>
+        <p:nvSpPr>
+          <p:cNvPr id="5" name="Marcador de Posição do Rodapé 4"/>
           <p:cNvSpPr>
             <a:spLocks noGrp="1"/>
           </p:cNvSpPr>
@@ -1355,13 +1055,13 @@
           <a:bodyPr/>
           <a:lstStyle/>
           <a:p>
-            <a:endParaRPr lang="en-US"/>
-          </a:p>
-        </p:txBody>
-      </p:sp>
-      <p:sp>
-        <p:nvSpPr>
-          <p:cNvPr id="6" name="Slide Number Placeholder 5"/>
+            <a:endParaRPr lang="en-US" dirty="0"/>
+          </a:p>
+        </p:txBody>
+      </p:sp>
+      <p:sp>
+        <p:nvSpPr>
+          <p:cNvPr id="6" name="Marcador de Posição do Número do Diapositivo 5"/>
           <p:cNvSpPr>
             <a:spLocks noGrp="1"/>
           </p:cNvSpPr>
@@ -1378,52 +1078,14 @@
               <a:rPr lang="en-US" smtClean="0"/>
               <a:t>‹nº›</a:t>
             </a:fld>
-            <a:endParaRPr lang="en-US"/>
-          </a:p>
-        </p:txBody>
-      </p:sp>
-      <p:cxnSp>
-        <p:nvCxnSpPr>
-          <p:cNvPr id="9" name="Straight Connector 8"/>
-          <p:cNvCxnSpPr/>
-          <p:nvPr/>
-        </p:nvCxnSpPr>
-        <p:spPr>
-          <a:xfrm>
-            <a:off x="1207658" y="4343400"/>
-            <a:ext cx="9875520" cy="0"/>
-          </a:xfrm>
-          <a:prstGeom prst="line">
-            <a:avLst/>
-          </a:prstGeom>
-          <a:ln w="6350">
-            <a:solidFill>
-              <a:schemeClr val="tx1">
-                <a:lumMod val="50000"/>
-                <a:lumOff val="50000"/>
-              </a:schemeClr>
-            </a:solidFill>
-          </a:ln>
-        </p:spPr>
-        <p:style>
-          <a:lnRef idx="1">
-            <a:schemeClr val="accent1"/>
-          </a:lnRef>
-          <a:fillRef idx="0">
-            <a:schemeClr val="accent1"/>
-          </a:fillRef>
-          <a:effectRef idx="0">
-            <a:schemeClr val="accent1"/>
-          </a:effectRef>
-          <a:fontRef idx="minor">
-            <a:schemeClr val="tx1"/>
-          </a:fontRef>
-        </p:style>
-      </p:cxnSp>
+            <a:endParaRPr lang="en-US" dirty="0"/>
+          </a:p>
+        </p:txBody>
+      </p:sp>
     </p:spTree>
     <p:extLst>
       <p:ext uri="{BB962C8B-B14F-4D97-AF65-F5344CB8AC3E}">
-        <p14:creationId xmlns:p14="http://schemas.microsoft.com/office/powerpoint/2010/main" val="3270814093"/>
+        <p14:creationId xmlns:p14="http://schemas.microsoft.com/office/powerpoint/2010/main" val="1028541926"/>
       </p:ext>
     </p:extLst>
   </p:cSld>
@@ -1452,46 +1114,98 @@
       </p:grpSpPr>
       <p:sp>
         <p:nvSpPr>
-          <p:cNvPr id="8" name="Title 7"/>
+          <p:cNvPr id="2" name="Título 1"/>
           <p:cNvSpPr>
             <a:spLocks noGrp="1"/>
           </p:cNvSpPr>
           <p:nvPr>
             <p:ph type="title"/>
+          </p:nvPr>
+        </p:nvSpPr>
+        <p:spPr/>
+        <p:txBody>
+          <a:bodyPr/>
+          <a:lstStyle/>
+          <a:p>
+            <a:r>
+              <a:rPr lang="pt-PT" smtClean="0"/>
+              <a:t>Clique para editar o estilo</a:t>
+            </a:r>
+            <a:endParaRPr lang="en-US"/>
+          </a:p>
+        </p:txBody>
+      </p:sp>
+      <p:sp>
+        <p:nvSpPr>
+          <p:cNvPr id="3" name="Marcador de Posição de Conteúdo 2"/>
+          <p:cNvSpPr>
+            <a:spLocks noGrp="1"/>
+          </p:cNvSpPr>
+          <p:nvPr>
+            <p:ph sz="half" idx="1"/>
           </p:nvPr>
         </p:nvSpPr>
         <p:spPr>
           <a:xfrm>
-            <a:off x="1097280" y="286603"/>
-            <a:ext cx="10058400" cy="1450757"/>
+            <a:off x="838200" y="1825625"/>
+            <a:ext cx="5181600" cy="4351338"/>
           </a:xfrm>
         </p:spPr>
         <p:txBody>
           <a:bodyPr/>
           <a:lstStyle/>
           <a:p>
+            <a:pPr lvl="0"/>
             <a:r>
               <a:rPr lang="pt-PT" smtClean="0"/>
-              <a:t>Clique para editar o estilo</a:t>
-            </a:r>
-            <a:endParaRPr lang="en-US" dirty="0"/>
-          </a:p>
-        </p:txBody>
-      </p:sp>
-      <p:sp>
-        <p:nvSpPr>
-          <p:cNvPr id="3" name="Content Placeholder 2"/>
-          <p:cNvSpPr>
-            <a:spLocks noGrp="1"/>
-          </p:cNvSpPr>
-          <p:nvPr>
-            <p:ph sz="half" idx="1"/>
+              <a:t>Clique para editar os estilos</a:t>
+            </a:r>
+          </a:p>
+          <a:p>
+            <a:pPr lvl="1"/>
+            <a:r>
+              <a:rPr lang="pt-PT" smtClean="0"/>
+              <a:t>Segundo nível</a:t>
+            </a:r>
+          </a:p>
+          <a:p>
+            <a:pPr lvl="2"/>
+            <a:r>
+              <a:rPr lang="pt-PT" smtClean="0"/>
+              <a:t>Terceiro nível</a:t>
+            </a:r>
+          </a:p>
+          <a:p>
+            <a:pPr lvl="3"/>
+            <a:r>
+              <a:rPr lang="pt-PT" smtClean="0"/>
+              <a:t>Quarto nível</a:t>
+            </a:r>
+          </a:p>
+          <a:p>
+            <a:pPr lvl="4"/>
+            <a:r>
+              <a:rPr lang="pt-PT" smtClean="0"/>
+              <a:t>Quinto nível</a:t>
+            </a:r>
+            <a:endParaRPr lang="en-US"/>
+          </a:p>
+        </p:txBody>
+      </p:sp>
+      <p:sp>
+        <p:nvSpPr>
+          <p:cNvPr id="4" name="Marcador de Posição de Conteúdo 3"/>
+          <p:cNvSpPr>
+            <a:spLocks noGrp="1"/>
+          </p:cNvSpPr>
+          <p:nvPr>
+            <p:ph sz="half" idx="2"/>
           </p:nvPr>
         </p:nvSpPr>
         <p:spPr>
           <a:xfrm>
-            <a:off x="1097279" y="1845734"/>
-            <a:ext cx="4937760" cy="4023360"/>
+            <a:off x="6172200" y="1825625"/>
+            <a:ext cx="5181600" cy="4351338"/>
           </a:xfrm>
         </p:spPr>
         <p:txBody>
@@ -1531,70 +1245,13 @@
               <a:rPr lang="pt-PT" smtClean="0"/>
               <a:t>Quinto nível</a:t>
             </a:r>
-            <a:endParaRPr lang="en-US" dirty="0"/>
-          </a:p>
-        </p:txBody>
-      </p:sp>
-      <p:sp>
-        <p:nvSpPr>
-          <p:cNvPr id="4" name="Content Placeholder 3"/>
-          <p:cNvSpPr>
-            <a:spLocks noGrp="1"/>
-          </p:cNvSpPr>
-          <p:nvPr>
-            <p:ph sz="half" idx="2"/>
-          </p:nvPr>
-        </p:nvSpPr>
-        <p:spPr>
-          <a:xfrm>
-            <a:off x="6217920" y="1845735"/>
-            <a:ext cx="4937760" cy="4023360"/>
-          </a:xfrm>
-        </p:spPr>
-        <p:txBody>
-          <a:bodyPr/>
-          <a:lstStyle/>
-          <a:p>
-            <a:pPr lvl="0"/>
-            <a:r>
-              <a:rPr lang="pt-PT" smtClean="0"/>
-              <a:t>Clique para editar os estilos</a:t>
-            </a:r>
-          </a:p>
-          <a:p>
-            <a:pPr lvl="1"/>
-            <a:r>
-              <a:rPr lang="pt-PT" smtClean="0"/>
-              <a:t>Segundo nível</a:t>
-            </a:r>
-          </a:p>
-          <a:p>
-            <a:pPr lvl="2"/>
-            <a:r>
-              <a:rPr lang="pt-PT" smtClean="0"/>
-              <a:t>Terceiro nível</a:t>
-            </a:r>
-          </a:p>
-          <a:p>
-            <a:pPr lvl="3"/>
-            <a:r>
-              <a:rPr lang="pt-PT" smtClean="0"/>
-              <a:t>Quarto nível</a:t>
-            </a:r>
-          </a:p>
-          <a:p>
-            <a:pPr lvl="4"/>
-            <a:r>
-              <a:rPr lang="pt-PT" smtClean="0"/>
-              <a:t>Quinto nível</a:t>
-            </a:r>
-            <a:endParaRPr lang="en-US" dirty="0"/>
-          </a:p>
-        </p:txBody>
-      </p:sp>
-      <p:sp>
-        <p:nvSpPr>
-          <p:cNvPr id="5" name="Date Placeholder 4"/>
+            <a:endParaRPr lang="en-US"/>
+          </a:p>
+        </p:txBody>
+      </p:sp>
+      <p:sp>
+        <p:nvSpPr>
+          <p:cNvPr id="5" name="Marcador de Posição da Data 4"/>
           <p:cNvSpPr>
             <a:spLocks noGrp="1"/>
           </p:cNvSpPr>
@@ -1611,13 +1268,13 @@
               <a:rPr lang="en-US" smtClean="0"/>
               <a:t>1/27/2016</a:t>
             </a:fld>
-            <a:endParaRPr lang="en-US"/>
-          </a:p>
-        </p:txBody>
-      </p:sp>
-      <p:sp>
-        <p:nvSpPr>
-          <p:cNvPr id="6" name="Footer Placeholder 5"/>
+            <a:endParaRPr lang="en-US" dirty="0"/>
+          </a:p>
+        </p:txBody>
+      </p:sp>
+      <p:sp>
+        <p:nvSpPr>
+          <p:cNvPr id="6" name="Marcador de Posição do Rodapé 5"/>
           <p:cNvSpPr>
             <a:spLocks noGrp="1"/>
           </p:cNvSpPr>
@@ -1630,13 +1287,13 @@
           <a:bodyPr/>
           <a:lstStyle/>
           <a:p>
-            <a:endParaRPr lang="en-US"/>
-          </a:p>
-        </p:txBody>
-      </p:sp>
-      <p:sp>
-        <p:nvSpPr>
-          <p:cNvPr id="7" name="Slide Number Placeholder 6"/>
+            <a:endParaRPr lang="en-US" dirty="0"/>
+          </a:p>
+        </p:txBody>
+      </p:sp>
+      <p:sp>
+        <p:nvSpPr>
+          <p:cNvPr id="7" name="Marcador de Posição do Número do Diapositivo 6"/>
           <p:cNvSpPr>
             <a:spLocks noGrp="1"/>
           </p:cNvSpPr>
@@ -1653,14 +1310,14 @@
               <a:rPr lang="en-US" smtClean="0"/>
               <a:t>‹nº›</a:t>
             </a:fld>
-            <a:endParaRPr lang="en-US"/>
+            <a:endParaRPr lang="en-US" dirty="0"/>
           </a:p>
         </p:txBody>
       </p:sp>
     </p:spTree>
     <p:extLst>
       <p:ext uri="{BB962C8B-B14F-4D97-AF65-F5344CB8AC3E}">
-        <p14:creationId xmlns:p14="http://schemas.microsoft.com/office/powerpoint/2010/main" val="1020898655"/>
+        <p14:creationId xmlns:p14="http://schemas.microsoft.com/office/powerpoint/2010/main" val="3517842472"/>
       </p:ext>
     </p:extLst>
   </p:cSld>
@@ -1689,7 +1346,7 @@
       </p:grpSpPr>
       <p:sp>
         <p:nvSpPr>
-          <p:cNvPr id="10" name="Title 9"/>
+          <p:cNvPr id="2" name="Título 1"/>
           <p:cNvSpPr>
             <a:spLocks noGrp="1"/>
           </p:cNvSpPr>
@@ -1699,8 +1356,8 @@
         </p:nvSpPr>
         <p:spPr>
           <a:xfrm>
-            <a:off x="1097280" y="286603"/>
-            <a:ext cx="10058400" cy="1450757"/>
+            <a:off x="839788" y="365125"/>
+            <a:ext cx="10515600" cy="1325563"/>
           </a:xfrm>
         </p:spPr>
         <p:txBody>
@@ -1711,13 +1368,13 @@
               <a:rPr lang="pt-PT" smtClean="0"/>
               <a:t>Clique para editar o estilo</a:t>
             </a:r>
-            <a:endParaRPr lang="en-US" dirty="0"/>
-          </a:p>
-        </p:txBody>
-      </p:sp>
-      <p:sp>
-        <p:nvSpPr>
-          <p:cNvPr id="3" name="Text Placeholder 2"/>
+            <a:endParaRPr lang="en-US"/>
+          </a:p>
+        </p:txBody>
+      </p:sp>
+      <p:sp>
+        <p:nvSpPr>
+          <p:cNvPr id="3" name="Marcador de Posição do Texto 2"/>
           <p:cNvSpPr>
             <a:spLocks noGrp="1"/>
           </p:cNvSpPr>
@@ -1727,22 +1384,16 @@
         </p:nvSpPr>
         <p:spPr>
           <a:xfrm>
-            <a:off x="1097280" y="1846052"/>
-            <a:ext cx="4937760" cy="736282"/>
+            <a:off x="839788" y="1681163"/>
+            <a:ext cx="5157787" cy="823912"/>
           </a:xfrm>
         </p:spPr>
         <p:txBody>
-          <a:bodyPr lIns="91440" rIns="91440" anchor="ctr">
-            <a:normAutofit/>
-          </a:bodyPr>
+          <a:bodyPr anchor="b"/>
           <a:lstStyle>
             <a:lvl1pPr marL="0" indent="0">
               <a:buNone/>
-              <a:defRPr sz="2000" b="0" cap="all" baseline="0">
-                <a:solidFill>
-                  <a:schemeClr val="tx2"/>
-                </a:solidFill>
-              </a:defRPr>
+              <a:defRPr sz="2400" b="1"/>
             </a:lvl1pPr>
             <a:lvl2pPr marL="457200" indent="0">
               <a:buNone/>
@@ -1788,7 +1439,7 @@
       </p:sp>
       <p:sp>
         <p:nvSpPr>
-          <p:cNvPr id="4" name="Content Placeholder 3"/>
+          <p:cNvPr id="4" name="Marcador de Posição de Conteúdo 3"/>
           <p:cNvSpPr>
             <a:spLocks noGrp="1"/>
           </p:cNvSpPr>
@@ -1798,8 +1449,8 @@
         </p:nvSpPr>
         <p:spPr>
           <a:xfrm>
-            <a:off x="1097280" y="2582334"/>
-            <a:ext cx="4937760" cy="3378200"/>
+            <a:off x="839788" y="2505075"/>
+            <a:ext cx="5157787" cy="3684588"/>
           </a:xfrm>
         </p:spPr>
         <p:txBody>
@@ -1839,13 +1490,13 @@
               <a:rPr lang="pt-PT" smtClean="0"/>
               <a:t>Quinto nível</a:t>
             </a:r>
-            <a:endParaRPr lang="en-US" dirty="0"/>
-          </a:p>
-        </p:txBody>
-      </p:sp>
-      <p:sp>
-        <p:nvSpPr>
-          <p:cNvPr id="5" name="Text Placeholder 4"/>
+            <a:endParaRPr lang="en-US"/>
+          </a:p>
+        </p:txBody>
+      </p:sp>
+      <p:sp>
+        <p:nvSpPr>
+          <p:cNvPr id="5" name="Marcador de Posição do Texto 4"/>
           <p:cNvSpPr>
             <a:spLocks noGrp="1"/>
           </p:cNvSpPr>
@@ -1855,22 +1506,16 @@
         </p:nvSpPr>
         <p:spPr>
           <a:xfrm>
-            <a:off x="6217920" y="1846052"/>
-            <a:ext cx="4937760" cy="736282"/>
+            <a:off x="6172200" y="1681163"/>
+            <a:ext cx="5183188" cy="823912"/>
           </a:xfrm>
         </p:spPr>
         <p:txBody>
-          <a:bodyPr lIns="91440" rIns="91440" anchor="ctr">
-            <a:normAutofit/>
-          </a:bodyPr>
+          <a:bodyPr anchor="b"/>
           <a:lstStyle>
             <a:lvl1pPr marL="0" indent="0">
               <a:buNone/>
-              <a:defRPr sz="2000" b="0" cap="all" baseline="0">
-                <a:solidFill>
-                  <a:schemeClr val="tx2"/>
-                </a:solidFill>
-              </a:defRPr>
+              <a:defRPr sz="2400" b="1"/>
             </a:lvl1pPr>
             <a:lvl2pPr marL="457200" indent="0">
               <a:buNone/>
@@ -1916,7 +1561,7 @@
       </p:sp>
       <p:sp>
         <p:nvSpPr>
-          <p:cNvPr id="6" name="Content Placeholder 5"/>
+          <p:cNvPr id="6" name="Marcador de Posição de Conteúdo 5"/>
           <p:cNvSpPr>
             <a:spLocks noGrp="1"/>
           </p:cNvSpPr>
@@ -1926,8 +1571,8 @@
         </p:nvSpPr>
         <p:spPr>
           <a:xfrm>
-            <a:off x="6217920" y="2582334"/>
-            <a:ext cx="4937760" cy="3378200"/>
+            <a:off x="6172200" y="2505075"/>
+            <a:ext cx="5183188" cy="3684588"/>
           </a:xfrm>
         </p:spPr>
         <p:txBody>
@@ -1967,13 +1612,13 @@
               <a:rPr lang="pt-PT" smtClean="0"/>
               <a:t>Quinto nível</a:t>
             </a:r>
-            <a:endParaRPr lang="en-US" dirty="0"/>
-          </a:p>
-        </p:txBody>
-      </p:sp>
-      <p:sp>
-        <p:nvSpPr>
-          <p:cNvPr id="7" name="Date Placeholder 6"/>
+            <a:endParaRPr lang="en-US"/>
+          </a:p>
+        </p:txBody>
+      </p:sp>
+      <p:sp>
+        <p:nvSpPr>
+          <p:cNvPr id="7" name="Marcador de Posição da Data 6"/>
           <p:cNvSpPr>
             <a:spLocks noGrp="1"/>
           </p:cNvSpPr>
@@ -1990,13 +1635,13 @@
               <a:rPr lang="en-US" smtClean="0"/>
               <a:t>1/27/2016</a:t>
             </a:fld>
-            <a:endParaRPr lang="en-US"/>
-          </a:p>
-        </p:txBody>
-      </p:sp>
-      <p:sp>
-        <p:nvSpPr>
-          <p:cNvPr id="8" name="Footer Placeholder 7"/>
+            <a:endParaRPr lang="en-US" dirty="0"/>
+          </a:p>
+        </p:txBody>
+      </p:sp>
+      <p:sp>
+        <p:nvSpPr>
+          <p:cNvPr id="8" name="Marcador de Posição do Rodapé 7"/>
           <p:cNvSpPr>
             <a:spLocks noGrp="1"/>
           </p:cNvSpPr>
@@ -2009,13 +1654,13 @@
           <a:bodyPr/>
           <a:lstStyle/>
           <a:p>
-            <a:endParaRPr lang="en-US"/>
-          </a:p>
-        </p:txBody>
-      </p:sp>
-      <p:sp>
-        <p:nvSpPr>
-          <p:cNvPr id="9" name="Slide Number Placeholder 8"/>
+            <a:endParaRPr lang="en-US" dirty="0"/>
+          </a:p>
+        </p:txBody>
+      </p:sp>
+      <p:sp>
+        <p:nvSpPr>
+          <p:cNvPr id="9" name="Marcador de Posição do Número do Diapositivo 8"/>
           <p:cNvSpPr>
             <a:spLocks noGrp="1"/>
           </p:cNvSpPr>
@@ -2032,14 +1677,14 @@
               <a:rPr lang="en-US" smtClean="0"/>
               <a:t>‹nº›</a:t>
             </a:fld>
-            <a:endParaRPr lang="en-US"/>
+            <a:endParaRPr lang="en-US" dirty="0"/>
           </a:p>
         </p:txBody>
       </p:sp>
     </p:spTree>
     <p:extLst>
       <p:ext uri="{BB962C8B-B14F-4D97-AF65-F5344CB8AC3E}">
-        <p14:creationId xmlns:p14="http://schemas.microsoft.com/office/powerpoint/2010/main" val="304869361"/>
+        <p14:creationId xmlns:p14="http://schemas.microsoft.com/office/powerpoint/2010/main" val="2322805854"/>
       </p:ext>
     </p:extLst>
   </p:cSld>
@@ -2068,7 +1713,7 @@
       </p:grpSpPr>
       <p:sp>
         <p:nvSpPr>
-          <p:cNvPr id="2" name="Title 1"/>
+          <p:cNvPr id="2" name="Título 1"/>
           <p:cNvSpPr>
             <a:spLocks noGrp="1"/>
           </p:cNvSpPr>
@@ -2085,13 +1730,13 @@
               <a:rPr lang="pt-PT" smtClean="0"/>
               <a:t>Clique para editar o estilo</a:t>
             </a:r>
-            <a:endParaRPr lang="en-US" dirty="0"/>
-          </a:p>
-        </p:txBody>
-      </p:sp>
-      <p:sp>
-        <p:nvSpPr>
-          <p:cNvPr id="3" name="Date Placeholder 2"/>
+            <a:endParaRPr lang="en-US"/>
+          </a:p>
+        </p:txBody>
+      </p:sp>
+      <p:sp>
+        <p:nvSpPr>
+          <p:cNvPr id="3" name="Marcador de Posição da Data 2"/>
           <p:cNvSpPr>
             <a:spLocks noGrp="1"/>
           </p:cNvSpPr>
@@ -2108,13 +1753,13 @@
               <a:rPr lang="en-US" smtClean="0"/>
               <a:t>1/27/2016</a:t>
             </a:fld>
-            <a:endParaRPr lang="en-US"/>
-          </a:p>
-        </p:txBody>
-      </p:sp>
-      <p:sp>
-        <p:nvSpPr>
-          <p:cNvPr id="4" name="Footer Placeholder 3"/>
+            <a:endParaRPr lang="en-US" dirty="0"/>
+          </a:p>
+        </p:txBody>
+      </p:sp>
+      <p:sp>
+        <p:nvSpPr>
+          <p:cNvPr id="4" name="Marcador de Posição do Rodapé 3"/>
           <p:cNvSpPr>
             <a:spLocks noGrp="1"/>
           </p:cNvSpPr>
@@ -2127,13 +1772,13 @@
           <a:bodyPr/>
           <a:lstStyle/>
           <a:p>
-            <a:endParaRPr lang="en-US"/>
-          </a:p>
-        </p:txBody>
-      </p:sp>
-      <p:sp>
-        <p:nvSpPr>
-          <p:cNvPr id="5" name="Slide Number Placeholder 4"/>
+            <a:endParaRPr lang="en-US" dirty="0"/>
+          </a:p>
+        </p:txBody>
+      </p:sp>
+      <p:sp>
+        <p:nvSpPr>
+          <p:cNvPr id="5" name="Marcador de Posição do Número do Diapositivo 4"/>
           <p:cNvSpPr>
             <a:spLocks noGrp="1"/>
           </p:cNvSpPr>
@@ -2150,14 +1795,14 @@
               <a:rPr lang="en-US" smtClean="0"/>
               <a:t>‹nº›</a:t>
             </a:fld>
-            <a:endParaRPr lang="en-US"/>
+            <a:endParaRPr lang="en-US" dirty="0"/>
           </a:p>
         </p:txBody>
       </p:sp>
     </p:spTree>
     <p:extLst>
       <p:ext uri="{BB962C8B-B14F-4D97-AF65-F5344CB8AC3E}">
-        <p14:creationId xmlns:p14="http://schemas.microsoft.com/office/powerpoint/2010/main" val="2680719799"/>
+        <p14:creationId xmlns:p14="http://schemas.microsoft.com/office/powerpoint/2010/main" val="1931436719"/>
       </p:ext>
     </p:extLst>
   </p:cSld>
@@ -2168,7 +1813,7 @@
 </file>
 
 <file path=ppt/slideLayouts/slideLayout7.xml><?xml version="1.0" encoding="utf-8"?>
-<p:sldLayout xmlns:a="http://schemas.openxmlformats.org/drawingml/2006/main" xmlns:r="http://schemas.openxmlformats.org/officeDocument/2006/relationships" xmlns:p="http://schemas.openxmlformats.org/presentationml/2006/main" showMasterSp="0" type="blank" preserve="1">
+<p:sldLayout xmlns:a="http://schemas.openxmlformats.org/drawingml/2006/main" xmlns:r="http://schemas.openxmlformats.org/officeDocument/2006/relationships" xmlns:p="http://schemas.openxmlformats.org/presentationml/2006/main" type="blank" preserve="1">
   <p:cSld name="Em branco">
     <p:spTree>
       <p:nvGrpSpPr>
@@ -2186,83 +1831,7 @@
       </p:grpSpPr>
       <p:sp>
         <p:nvSpPr>
-          <p:cNvPr id="5" name="Rectangle 4"/>
-          <p:cNvSpPr/>
-          <p:nvPr/>
-        </p:nvSpPr>
-        <p:spPr>
-          <a:xfrm>
-            <a:off x="3175" y="6400800"/>
-            <a:ext cx="12188825" cy="457200"/>
-          </a:xfrm>
-          <a:prstGeom prst="rect">
-            <a:avLst/>
-          </a:prstGeom>
-          <a:solidFill>
-            <a:schemeClr val="accent2"/>
-          </a:solidFill>
-          <a:ln>
-            <a:noFill/>
-          </a:ln>
-        </p:spPr>
-        <p:style>
-          <a:lnRef idx="2">
-            <a:schemeClr val="accent1">
-              <a:shade val="50000"/>
-            </a:schemeClr>
-          </a:lnRef>
-          <a:fillRef idx="1">
-            <a:schemeClr val="accent1"/>
-          </a:fillRef>
-          <a:effectRef idx="0">
-            <a:schemeClr val="accent1"/>
-          </a:effectRef>
-          <a:fontRef idx="minor">
-            <a:schemeClr val="lt1"/>
-          </a:fontRef>
-        </p:style>
-      </p:sp>
-      <p:sp>
-        <p:nvSpPr>
-          <p:cNvPr id="6" name="Rectangle 5"/>
-          <p:cNvSpPr/>
-          <p:nvPr/>
-        </p:nvSpPr>
-        <p:spPr>
-          <a:xfrm>
-            <a:off x="15" y="6334316"/>
-            <a:ext cx="12188825" cy="64008"/>
-          </a:xfrm>
-          <a:prstGeom prst="rect">
-            <a:avLst/>
-          </a:prstGeom>
-          <a:solidFill>
-            <a:schemeClr val="accent1"/>
-          </a:solidFill>
-          <a:ln>
-            <a:noFill/>
-          </a:ln>
-        </p:spPr>
-        <p:style>
-          <a:lnRef idx="2">
-            <a:schemeClr val="accent1">
-              <a:shade val="50000"/>
-            </a:schemeClr>
-          </a:lnRef>
-          <a:fillRef idx="1">
-            <a:schemeClr val="accent1"/>
-          </a:fillRef>
-          <a:effectRef idx="0">
-            <a:schemeClr val="accent1"/>
-          </a:effectRef>
-          <a:fontRef idx="minor">
-            <a:schemeClr val="lt1"/>
-          </a:fontRef>
-        </p:style>
-      </p:sp>
-      <p:sp>
-        <p:nvSpPr>
-          <p:cNvPr id="7" name="Date Placeholder 6"/>
+          <p:cNvPr id="2" name="Marcador de Posição da Data 1"/>
           <p:cNvSpPr>
             <a:spLocks noGrp="1"/>
           </p:cNvSpPr>
@@ -2279,13 +1848,13 @@
               <a:rPr lang="en-US" smtClean="0"/>
               <a:t>1/27/2016</a:t>
             </a:fld>
-            <a:endParaRPr lang="en-US"/>
-          </a:p>
-        </p:txBody>
-      </p:sp>
-      <p:sp>
-        <p:nvSpPr>
-          <p:cNvPr id="8" name="Footer Placeholder 7"/>
+            <a:endParaRPr lang="en-US" dirty="0"/>
+          </a:p>
+        </p:txBody>
+      </p:sp>
+      <p:sp>
+        <p:nvSpPr>
+          <p:cNvPr id="3" name="Marcador de Posição do Rodapé 2"/>
           <p:cNvSpPr>
             <a:spLocks noGrp="1"/>
           </p:cNvSpPr>
@@ -2296,23 +1865,15 @@
         <p:spPr/>
         <p:txBody>
           <a:bodyPr/>
-          <a:lstStyle>
-            <a:lvl1pPr>
-              <a:defRPr>
-                <a:solidFill>
-                  <a:srgbClr val="FFFFFF"/>
-                </a:solidFill>
-              </a:defRPr>
-            </a:lvl1pPr>
-          </a:lstStyle>
-          <a:p>
-            <a:endParaRPr lang="en-US"/>
-          </a:p>
-        </p:txBody>
-      </p:sp>
-      <p:sp>
-        <p:nvSpPr>
-          <p:cNvPr id="9" name="Slide Number Placeholder 8"/>
+          <a:lstStyle/>
+          <a:p>
+            <a:endParaRPr lang="en-US" dirty="0"/>
+          </a:p>
+        </p:txBody>
+      </p:sp>
+      <p:sp>
+        <p:nvSpPr>
+          <p:cNvPr id="4" name="Marcador de Posição do Número do Diapositivo 3"/>
           <p:cNvSpPr>
             <a:spLocks noGrp="1"/>
           </p:cNvSpPr>
@@ -2329,14 +1890,14 @@
               <a:rPr lang="en-US" smtClean="0"/>
               <a:t>‹nº›</a:t>
             </a:fld>
-            <a:endParaRPr lang="en-US"/>
+            <a:endParaRPr lang="en-US" dirty="0"/>
           </a:p>
         </p:txBody>
       </p:sp>
     </p:spTree>
     <p:extLst>
       <p:ext uri="{BB962C8B-B14F-4D97-AF65-F5344CB8AC3E}">
-        <p14:creationId xmlns:p14="http://schemas.microsoft.com/office/powerpoint/2010/main" val="1087636679"/>
+        <p14:creationId xmlns:p14="http://schemas.microsoft.com/office/powerpoint/2010/main" val="2877535676"/>
       </p:ext>
     </p:extLst>
   </p:cSld>
@@ -2347,7 +1908,7 @@
 </file>
 
 <file path=ppt/slideLayouts/slideLayout8.xml><?xml version="1.0" encoding="utf-8"?>
-<p:sldLayout xmlns:a="http://schemas.openxmlformats.org/drawingml/2006/main" xmlns:r="http://schemas.openxmlformats.org/officeDocument/2006/relationships" xmlns:p="http://schemas.openxmlformats.org/presentationml/2006/main" showMasterSp="0" type="objTx" preserve="1">
+<p:sldLayout xmlns:a="http://schemas.openxmlformats.org/drawingml/2006/main" xmlns:r="http://schemas.openxmlformats.org/officeDocument/2006/relationships" xmlns:p="http://schemas.openxmlformats.org/presentationml/2006/main" type="objTx" preserve="1">
   <p:cSld name="Conteúdo com Legenda">
     <p:spTree>
       <p:nvGrpSpPr>
@@ -2365,235 +1926,175 @@
       </p:grpSpPr>
       <p:sp>
         <p:nvSpPr>
-          <p:cNvPr id="8" name="Rectangle 7"/>
-          <p:cNvSpPr/>
-          <p:nvPr/>
+          <p:cNvPr id="2" name="Título 1"/>
+          <p:cNvSpPr>
+            <a:spLocks noGrp="1"/>
+          </p:cNvSpPr>
+          <p:nvPr>
+            <p:ph type="title"/>
+          </p:nvPr>
         </p:nvSpPr>
         <p:spPr>
           <a:xfrm>
-            <a:off x="16" y="0"/>
-            <a:ext cx="4050791" cy="6858000"/>
+            <a:off x="839788" y="457200"/>
+            <a:ext cx="3932237" cy="1600200"/>
           </a:xfrm>
-          <a:prstGeom prst="rect">
-            <a:avLst/>
-          </a:prstGeom>
-          <a:solidFill>
-            <a:schemeClr val="accent2"/>
-          </a:solidFill>
-          <a:ln>
-            <a:noFill/>
-          </a:ln>
         </p:spPr>
-        <p:style>
-          <a:lnRef idx="2">
-            <a:schemeClr val="accent1">
-              <a:shade val="50000"/>
-            </a:schemeClr>
-          </a:lnRef>
-          <a:fillRef idx="1">
-            <a:schemeClr val="accent1"/>
-          </a:fillRef>
-          <a:effectRef idx="0">
-            <a:schemeClr val="accent1"/>
-          </a:effectRef>
-          <a:fontRef idx="minor">
-            <a:schemeClr val="lt1"/>
-          </a:fontRef>
-        </p:style>
-      </p:sp>
-      <p:sp>
-        <p:nvSpPr>
-          <p:cNvPr id="9" name="Rectangle 8"/>
-          <p:cNvSpPr/>
-          <p:nvPr/>
+        <p:txBody>
+          <a:bodyPr anchor="b"/>
+          <a:lstStyle>
+            <a:lvl1pPr>
+              <a:defRPr sz="3200"/>
+            </a:lvl1pPr>
+          </a:lstStyle>
+          <a:p>
+            <a:r>
+              <a:rPr lang="pt-PT" smtClean="0"/>
+              <a:t>Clique para editar o estilo</a:t>
+            </a:r>
+            <a:endParaRPr lang="en-US"/>
+          </a:p>
+        </p:txBody>
+      </p:sp>
+      <p:sp>
+        <p:nvSpPr>
+          <p:cNvPr id="3" name="Marcador de Posição de Conteúdo 2"/>
+          <p:cNvSpPr>
+            <a:spLocks noGrp="1"/>
+          </p:cNvSpPr>
+          <p:nvPr>
+            <p:ph idx="1"/>
+          </p:nvPr>
         </p:nvSpPr>
         <p:spPr>
           <a:xfrm>
-            <a:off x="4040071" y="0"/>
-            <a:ext cx="64008" cy="6858000"/>
+            <a:off x="5183188" y="987425"/>
+            <a:ext cx="6172200" cy="4873625"/>
           </a:xfrm>
-          <a:prstGeom prst="rect">
-            <a:avLst/>
-          </a:prstGeom>
-          <a:solidFill>
-            <a:schemeClr val="accent1"/>
-          </a:solidFill>
-          <a:ln>
-            <a:noFill/>
-          </a:ln>
         </p:spPr>
-        <p:style>
-          <a:lnRef idx="2">
-            <a:schemeClr val="accent1">
-              <a:shade val="50000"/>
-            </a:schemeClr>
-          </a:lnRef>
-          <a:fillRef idx="1">
-            <a:schemeClr val="accent1"/>
-          </a:fillRef>
-          <a:effectRef idx="0">
-            <a:schemeClr val="accent1"/>
-          </a:effectRef>
-          <a:fontRef idx="minor">
-            <a:schemeClr val="lt1"/>
-          </a:fontRef>
-        </p:style>
-      </p:sp>
-      <p:sp>
-        <p:nvSpPr>
-          <p:cNvPr id="2" name="Title 1"/>
-          <p:cNvSpPr>
-            <a:spLocks noGrp="1"/>
-          </p:cNvSpPr>
-          <p:nvPr>
-            <p:ph type="title"/>
+        <p:txBody>
+          <a:bodyPr/>
+          <a:lstStyle>
+            <a:lvl1pPr>
+              <a:defRPr sz="3200"/>
+            </a:lvl1pPr>
+            <a:lvl2pPr>
+              <a:defRPr sz="2800"/>
+            </a:lvl2pPr>
+            <a:lvl3pPr>
+              <a:defRPr sz="2400"/>
+            </a:lvl3pPr>
+            <a:lvl4pPr>
+              <a:defRPr sz="2000"/>
+            </a:lvl4pPr>
+            <a:lvl5pPr>
+              <a:defRPr sz="2000"/>
+            </a:lvl5pPr>
+            <a:lvl6pPr>
+              <a:defRPr sz="2000"/>
+            </a:lvl6pPr>
+            <a:lvl7pPr>
+              <a:defRPr sz="2000"/>
+            </a:lvl7pPr>
+            <a:lvl8pPr>
+              <a:defRPr sz="2000"/>
+            </a:lvl8pPr>
+            <a:lvl9pPr>
+              <a:defRPr sz="2000"/>
+            </a:lvl9pPr>
+          </a:lstStyle>
+          <a:p>
+            <a:pPr lvl="0"/>
+            <a:r>
+              <a:rPr lang="pt-PT" smtClean="0"/>
+              <a:t>Clique para editar os estilos</a:t>
+            </a:r>
+          </a:p>
+          <a:p>
+            <a:pPr lvl="1"/>
+            <a:r>
+              <a:rPr lang="pt-PT" smtClean="0"/>
+              <a:t>Segundo nível</a:t>
+            </a:r>
+          </a:p>
+          <a:p>
+            <a:pPr lvl="2"/>
+            <a:r>
+              <a:rPr lang="pt-PT" smtClean="0"/>
+              <a:t>Terceiro nível</a:t>
+            </a:r>
+          </a:p>
+          <a:p>
+            <a:pPr lvl="3"/>
+            <a:r>
+              <a:rPr lang="pt-PT" smtClean="0"/>
+              <a:t>Quarto nível</a:t>
+            </a:r>
+          </a:p>
+          <a:p>
+            <a:pPr lvl="4"/>
+            <a:r>
+              <a:rPr lang="pt-PT" smtClean="0"/>
+              <a:t>Quinto nível</a:t>
+            </a:r>
+            <a:endParaRPr lang="en-US"/>
+          </a:p>
+        </p:txBody>
+      </p:sp>
+      <p:sp>
+        <p:nvSpPr>
+          <p:cNvPr id="4" name="Marcador de Posição do Texto 3"/>
+          <p:cNvSpPr>
+            <a:spLocks noGrp="1"/>
+          </p:cNvSpPr>
+          <p:nvPr>
+            <p:ph type="body" sz="half" idx="2"/>
           </p:nvPr>
         </p:nvSpPr>
         <p:spPr>
           <a:xfrm>
-            <a:off x="457200" y="594359"/>
-            <a:ext cx="3200400" cy="2286000"/>
+            <a:off x="839788" y="2057400"/>
+            <a:ext cx="3932237" cy="3811588"/>
           </a:xfrm>
         </p:spPr>
         <p:txBody>
-          <a:bodyPr anchor="b">
-            <a:normAutofit/>
-          </a:bodyPr>
-          <a:lstStyle>
-            <a:lvl1pPr>
-              <a:defRPr sz="3600" b="0">
-                <a:solidFill>
-                  <a:srgbClr val="FFFFFF"/>
-                </a:solidFill>
-              </a:defRPr>
-            </a:lvl1pPr>
-          </a:lstStyle>
-          <a:p>
-            <a:r>
-              <a:rPr lang="pt-PT" smtClean="0"/>
-              <a:t>Clique para editar o estilo</a:t>
-            </a:r>
-            <a:endParaRPr lang="en-US" dirty="0"/>
-          </a:p>
-        </p:txBody>
-      </p:sp>
-      <p:sp>
-        <p:nvSpPr>
-          <p:cNvPr id="3" name="Content Placeholder 2"/>
-          <p:cNvSpPr>
-            <a:spLocks noGrp="1"/>
-          </p:cNvSpPr>
-          <p:nvPr>
-            <p:ph idx="1"/>
-          </p:nvPr>
-        </p:nvSpPr>
-        <p:spPr>
-          <a:xfrm>
-            <a:off x="4800600" y="731520"/>
-            <a:ext cx="6492240" cy="5257800"/>
-          </a:xfrm>
-        </p:spPr>
-        <p:txBody>
           <a:bodyPr/>
-          <a:lstStyle/>
-          <a:p>
-            <a:pPr lvl="0"/>
-            <a:r>
-              <a:rPr lang="pt-PT" smtClean="0"/>
-              <a:t>Clique para editar os estilos</a:t>
-            </a:r>
-          </a:p>
-          <a:p>
-            <a:pPr lvl="1"/>
-            <a:r>
-              <a:rPr lang="pt-PT" smtClean="0"/>
-              <a:t>Segundo nível</a:t>
-            </a:r>
-          </a:p>
-          <a:p>
-            <a:pPr lvl="2"/>
-            <a:r>
-              <a:rPr lang="pt-PT" smtClean="0"/>
-              <a:t>Terceiro nível</a:t>
-            </a:r>
-          </a:p>
-          <a:p>
-            <a:pPr lvl="3"/>
-            <a:r>
-              <a:rPr lang="pt-PT" smtClean="0"/>
-              <a:t>Quarto nível</a:t>
-            </a:r>
-          </a:p>
-          <a:p>
-            <a:pPr lvl="4"/>
-            <a:r>
-              <a:rPr lang="pt-PT" smtClean="0"/>
-              <a:t>Quinto nível</a:t>
-            </a:r>
-            <a:endParaRPr lang="en-US" dirty="0"/>
-          </a:p>
-        </p:txBody>
-      </p:sp>
-      <p:sp>
-        <p:nvSpPr>
-          <p:cNvPr id="4" name="Text Placeholder 3"/>
-          <p:cNvSpPr>
-            <a:spLocks noGrp="1"/>
-          </p:cNvSpPr>
-          <p:nvPr>
-            <p:ph type="body" sz="half" idx="2"/>
-          </p:nvPr>
-        </p:nvSpPr>
-        <p:spPr>
-          <a:xfrm>
-            <a:off x="457200" y="2926080"/>
-            <a:ext cx="3200400" cy="3379124"/>
-          </a:xfrm>
-        </p:spPr>
-        <p:txBody>
-          <a:bodyPr lIns="91440" rIns="91440">
-            <a:normAutofit/>
-          </a:bodyPr>
           <a:lstStyle>
             <a:lvl1pPr marL="0" indent="0">
               <a:buNone/>
-              <a:defRPr sz="1500">
-                <a:solidFill>
-                  <a:srgbClr val="FFFFFF"/>
-                </a:solidFill>
-              </a:defRPr>
+              <a:defRPr sz="1600"/>
             </a:lvl1pPr>
             <a:lvl2pPr marL="457200" indent="0">
               <a:buNone/>
-              <a:defRPr sz="1200"/>
+              <a:defRPr sz="1400"/>
             </a:lvl2pPr>
             <a:lvl3pPr marL="914400" indent="0">
               <a:buNone/>
-              <a:defRPr sz="1000"/>
+              <a:defRPr sz="1200"/>
             </a:lvl3pPr>
             <a:lvl4pPr marL="1371600" indent="0">
               <a:buNone/>
-              <a:defRPr sz="900"/>
+              <a:defRPr sz="1000"/>
             </a:lvl4pPr>
             <a:lvl5pPr marL="1828800" indent="0">
               <a:buNone/>
-              <a:defRPr sz="900"/>
+              <a:defRPr sz="1000"/>
             </a:lvl5pPr>
             <a:lvl6pPr marL="2286000" indent="0">
               <a:buNone/>
-              <a:defRPr sz="900"/>
+              <a:defRPr sz="1000"/>
             </a:lvl6pPr>
             <a:lvl7pPr marL="2743200" indent="0">
               <a:buNone/>
-              <a:defRPr sz="900"/>
+              <a:defRPr sz="1000"/>
             </a:lvl7pPr>
             <a:lvl8pPr marL="3200400" indent="0">
               <a:buNone/>
-              <a:defRPr sz="900"/>
+              <a:defRPr sz="1000"/>
             </a:lvl8pPr>
             <a:lvl9pPr marL="3657600" indent="0">
               <a:buNone/>
-              <a:defRPr sz="900"/>
+              <a:defRPr sz="1000"/>
             </a:lvl9pPr>
           </a:lstStyle>
           <a:p>
@@ -2607,7 +2108,7 @@
       </p:sp>
       <p:sp>
         <p:nvSpPr>
-          <p:cNvPr id="5" name="Date Placeholder 4"/>
+          <p:cNvPr id="5" name="Marcador de Posição da Data 4"/>
           <p:cNvSpPr>
             <a:spLocks noGrp="1"/>
           </p:cNvSpPr>
@@ -2615,31 +2116,22 @@
             <p:ph type="dt" sz="half" idx="10"/>
           </p:nvPr>
         </p:nvSpPr>
-        <p:spPr>
-          <a:xfrm>
-            <a:off x="465512" y="6459785"/>
-            <a:ext cx="2618510" cy="365125"/>
-          </a:xfrm>
-        </p:spPr>
+        <p:spPr/>
         <p:txBody>
           <a:bodyPr/>
-          <a:lstStyle>
-            <a:lvl1pPr algn="l">
-              <a:defRPr/>
-            </a:lvl1pPr>
-          </a:lstStyle>
+          <a:lstStyle/>
           <a:p>
             <a:fld id="{560C3551-BF5B-442E-BF02-E398EE1ACC35}" type="datetimeFigureOut">
               <a:rPr lang="en-US" smtClean="0"/>
               <a:t>1/27/2016</a:t>
             </a:fld>
-            <a:endParaRPr lang="en-US"/>
-          </a:p>
-        </p:txBody>
-      </p:sp>
-      <p:sp>
-        <p:nvSpPr>
-          <p:cNvPr id="6" name="Footer Placeholder 5"/>
+            <a:endParaRPr lang="en-US" dirty="0"/>
+          </a:p>
+        </p:txBody>
+      </p:sp>
+      <p:sp>
+        <p:nvSpPr>
+          <p:cNvPr id="6" name="Marcador de Posição do Rodapé 5"/>
           <p:cNvSpPr>
             <a:spLocks noGrp="1"/>
           </p:cNvSpPr>
@@ -2647,31 +2139,18 @@
             <p:ph type="ftr" sz="quarter" idx="11"/>
           </p:nvPr>
         </p:nvSpPr>
-        <p:spPr>
-          <a:xfrm>
-            <a:off x="4800600" y="6459785"/>
-            <a:ext cx="4648200" cy="365125"/>
-          </a:xfrm>
-        </p:spPr>
+        <p:spPr/>
         <p:txBody>
           <a:bodyPr/>
-          <a:lstStyle>
-            <a:lvl1pPr algn="l">
-              <a:defRPr>
-                <a:solidFill>
-                  <a:schemeClr val="tx2"/>
-                </a:solidFill>
-              </a:defRPr>
-            </a:lvl1pPr>
-          </a:lstStyle>
-          <a:p>
-            <a:endParaRPr lang="en-US"/>
-          </a:p>
-        </p:txBody>
-      </p:sp>
-      <p:sp>
-        <p:nvSpPr>
-          <p:cNvPr id="7" name="Slide Number Placeholder 6"/>
+          <a:lstStyle/>
+          <a:p>
+            <a:endParaRPr lang="en-US" dirty="0"/>
+          </a:p>
+        </p:txBody>
+      </p:sp>
+      <p:sp>
+        <p:nvSpPr>
+          <p:cNvPr id="7" name="Marcador de Posição do Número do Diapositivo 6"/>
           <p:cNvSpPr>
             <a:spLocks noGrp="1"/>
           </p:cNvSpPr>
@@ -2682,28 +2161,20 @@
         <p:spPr/>
         <p:txBody>
           <a:bodyPr/>
-          <a:lstStyle>
-            <a:lvl1pPr>
-              <a:defRPr>
-                <a:solidFill>
-                  <a:schemeClr val="tx2"/>
-                </a:solidFill>
-              </a:defRPr>
-            </a:lvl1pPr>
-          </a:lstStyle>
+          <a:lstStyle/>
           <a:p>
             <a:fld id="{55C929F9-C7F2-4A31-A062-7A190A2277FE}" type="slidenum">
               <a:rPr lang="en-US" smtClean="0"/>
               <a:t>‹nº›</a:t>
             </a:fld>
-            <a:endParaRPr lang="en-US"/>
+            <a:endParaRPr lang="en-US" dirty="0"/>
           </a:p>
         </p:txBody>
       </p:sp>
     </p:spTree>
     <p:extLst>
       <p:ext uri="{BB962C8B-B14F-4D97-AF65-F5344CB8AC3E}">
-        <p14:creationId xmlns:p14="http://schemas.microsoft.com/office/powerpoint/2010/main" val="2664846254"/>
+        <p14:creationId xmlns:p14="http://schemas.microsoft.com/office/powerpoint/2010/main" val="2772816950"/>
       </p:ext>
     </p:extLst>
   </p:cSld>
@@ -2714,7 +2185,7 @@
 </file>
 
 <file path=ppt/slideLayouts/slideLayout9.xml><?xml version="1.0" encoding="utf-8"?>
-<p:sldLayout xmlns:a="http://schemas.openxmlformats.org/drawingml/2006/main" xmlns:r="http://schemas.openxmlformats.org/officeDocument/2006/relationships" xmlns:p="http://schemas.openxmlformats.org/presentationml/2006/main" showMasterSp="0" type="picTx" preserve="1">
+<p:sldLayout xmlns:a="http://schemas.openxmlformats.org/drawingml/2006/main" xmlns:r="http://schemas.openxmlformats.org/officeDocument/2006/relationships" xmlns:p="http://schemas.openxmlformats.org/presentationml/2006/main" type="picTx" preserve="1">
   <p:cSld name="Imagem com Legenda">
     <p:spTree>
       <p:nvGrpSpPr>
@@ -2732,150 +2203,58 @@
       </p:grpSpPr>
       <p:sp>
         <p:nvSpPr>
-          <p:cNvPr id="8" name="Rectangle 7"/>
-          <p:cNvSpPr/>
-          <p:nvPr/>
+          <p:cNvPr id="2" name="Título 1"/>
+          <p:cNvSpPr>
+            <a:spLocks noGrp="1"/>
+          </p:cNvSpPr>
+          <p:nvPr>
+            <p:ph type="title"/>
+          </p:nvPr>
         </p:nvSpPr>
         <p:spPr>
           <a:xfrm>
-            <a:off x="0" y="4953000"/>
-            <a:ext cx="12188825" cy="1905000"/>
+            <a:off x="839788" y="457200"/>
+            <a:ext cx="3932237" cy="1600200"/>
           </a:xfrm>
-          <a:prstGeom prst="rect">
-            <a:avLst/>
-          </a:prstGeom>
-          <a:solidFill>
-            <a:schemeClr val="accent2"/>
-          </a:solidFill>
-          <a:ln>
-            <a:noFill/>
-          </a:ln>
         </p:spPr>
-        <p:style>
-          <a:lnRef idx="2">
-            <a:schemeClr val="accent1">
-              <a:shade val="50000"/>
-            </a:schemeClr>
-          </a:lnRef>
-          <a:fillRef idx="1">
-            <a:schemeClr val="accent1"/>
-          </a:fillRef>
-          <a:effectRef idx="0">
-            <a:schemeClr val="accent1"/>
-          </a:effectRef>
-          <a:fontRef idx="minor">
-            <a:schemeClr val="lt1"/>
-          </a:fontRef>
-        </p:style>
-      </p:sp>
-      <p:sp>
-        <p:nvSpPr>
-          <p:cNvPr id="9" name="Rectangle 8"/>
-          <p:cNvSpPr/>
-          <p:nvPr/>
+        <p:txBody>
+          <a:bodyPr anchor="b"/>
+          <a:lstStyle>
+            <a:lvl1pPr>
+              <a:defRPr sz="3200"/>
+            </a:lvl1pPr>
+          </a:lstStyle>
+          <a:p>
+            <a:r>
+              <a:rPr lang="pt-PT" smtClean="0"/>
+              <a:t>Clique para editar o estilo</a:t>
+            </a:r>
+            <a:endParaRPr lang="en-US"/>
+          </a:p>
+        </p:txBody>
+      </p:sp>
+      <p:sp>
+        <p:nvSpPr>
+          <p:cNvPr id="3" name="Marcador de Posição da Imagem 2"/>
+          <p:cNvSpPr>
+            <a:spLocks noGrp="1"/>
+          </p:cNvSpPr>
+          <p:nvPr>
+            <p:ph type="pic" idx="1"/>
+          </p:nvPr>
         </p:nvSpPr>
         <p:spPr>
           <a:xfrm>
-            <a:off x="15" y="4915076"/>
-            <a:ext cx="12188825" cy="64008"/>
-          </a:xfrm>
-          <a:prstGeom prst="rect">
-            <a:avLst/>
-          </a:prstGeom>
-          <a:solidFill>
-            <a:schemeClr val="accent1"/>
-          </a:solidFill>
-          <a:ln>
-            <a:noFill/>
-          </a:ln>
-        </p:spPr>
-        <p:style>
-          <a:lnRef idx="2">
-            <a:schemeClr val="accent1">
-              <a:shade val="50000"/>
-            </a:schemeClr>
-          </a:lnRef>
-          <a:fillRef idx="1">
-            <a:schemeClr val="accent1"/>
-          </a:fillRef>
-          <a:effectRef idx="0">
-            <a:schemeClr val="accent1"/>
-          </a:effectRef>
-          <a:fontRef idx="minor">
-            <a:schemeClr val="lt1"/>
-          </a:fontRef>
-        </p:style>
-      </p:sp>
-      <p:sp>
-        <p:nvSpPr>
-          <p:cNvPr id="2" name="Title 1"/>
-          <p:cNvSpPr>
-            <a:spLocks noGrp="1"/>
-          </p:cNvSpPr>
-          <p:nvPr>
-            <p:ph type="title"/>
-          </p:nvPr>
-        </p:nvSpPr>
-        <p:spPr>
-          <a:xfrm>
-            <a:off x="1097280" y="5074920"/>
-            <a:ext cx="10113264" cy="822960"/>
+            <a:off x="5183188" y="987425"/>
+            <a:ext cx="6172200" cy="4873625"/>
           </a:xfrm>
         </p:spPr>
         <p:txBody>
-          <a:bodyPr lIns="91440" tIns="0" rIns="91440" bIns="0" anchor="b">
-            <a:noAutofit/>
-          </a:bodyPr>
-          <a:lstStyle>
-            <a:lvl1pPr>
-              <a:defRPr sz="3600" b="0">
-                <a:solidFill>
-                  <a:srgbClr val="FFFFFF"/>
-                </a:solidFill>
-              </a:defRPr>
-            </a:lvl1pPr>
-          </a:lstStyle>
-          <a:p>
-            <a:r>
-              <a:rPr lang="pt-PT" smtClean="0"/>
-              <a:t>Clique para editar o estilo</a:t>
-            </a:r>
-            <a:endParaRPr lang="en-US" dirty="0"/>
-          </a:p>
-        </p:txBody>
-      </p:sp>
-      <p:sp>
-        <p:nvSpPr>
-          <p:cNvPr id="3" name="Picture Placeholder 2"/>
-          <p:cNvSpPr>
-            <a:spLocks noGrp="1" noChangeAspect="1"/>
-          </p:cNvSpPr>
-          <p:nvPr>
-            <p:ph type="pic" idx="1"/>
-          </p:nvPr>
-        </p:nvSpPr>
-        <p:spPr>
-          <a:xfrm>
-            <a:off x="15" y="0"/>
-            <a:ext cx="12191985" cy="4915076"/>
-          </a:xfrm>
-          <a:blipFill>
-            <a:blip r:embed="rId2"/>
-            <a:stretch>
-              <a:fillRect/>
-            </a:stretch>
-          </a:blipFill>
-        </p:spPr>
-        <p:txBody>
-          <a:bodyPr lIns="457200" tIns="457200" anchor="t"/>
+          <a:bodyPr/>
           <a:lstStyle>
             <a:lvl1pPr marL="0" indent="0">
               <a:buNone/>
-              <a:defRPr sz="3200">
-                <a:solidFill>
-                  <a:schemeClr val="bg1"/>
-                </a:solidFill>
-              </a:defRPr>
+              <a:defRPr sz="3200"/>
             </a:lvl1pPr>
             <a:lvl2pPr marL="457200" indent="0">
               <a:buNone/>
@@ -2911,17 +2290,13 @@
             </a:lvl9pPr>
           </a:lstStyle>
           <a:p>
-            <a:r>
-              <a:rPr lang="pt-PT" smtClean="0"/>
-              <a:t>Clique no ícone para adicionar uma imagem</a:t>
-            </a:r>
             <a:endParaRPr lang="en-US" dirty="0"/>
           </a:p>
         </p:txBody>
       </p:sp>
       <p:sp>
         <p:nvSpPr>
-          <p:cNvPr id="4" name="Text Placeholder 3"/>
+          <p:cNvPr id="4" name="Marcador de Posição do Texto 3"/>
           <p:cNvSpPr>
             <a:spLocks noGrp="1"/>
           </p:cNvSpPr>
@@ -2931,60 +2306,48 @@
         </p:nvSpPr>
         <p:spPr>
           <a:xfrm>
-            <a:off x="1097280" y="5907023"/>
-            <a:ext cx="10113264" cy="594360"/>
+            <a:off x="839788" y="2057400"/>
+            <a:ext cx="3932237" cy="3811588"/>
           </a:xfrm>
         </p:spPr>
         <p:txBody>
-          <a:bodyPr lIns="91440" tIns="0" rIns="91440" bIns="0">
-            <a:normAutofit/>
-          </a:bodyPr>
+          <a:bodyPr/>
           <a:lstStyle>
             <a:lvl1pPr marL="0" indent="0">
-              <a:spcBef>
-                <a:spcPts val="0"/>
-              </a:spcBef>
-              <a:spcAft>
-                <a:spcPts val="600"/>
-              </a:spcAft>
               <a:buNone/>
-              <a:defRPr sz="1500">
-                <a:solidFill>
-                  <a:srgbClr val="FFFFFF"/>
-                </a:solidFill>
-              </a:defRPr>
+              <a:defRPr sz="1600"/>
             </a:lvl1pPr>
             <a:lvl2pPr marL="457200" indent="0">
               <a:buNone/>
-              <a:defRPr sz="1200"/>
+              <a:defRPr sz="1400"/>
             </a:lvl2pPr>
             <a:lvl3pPr marL="914400" indent="0">
               <a:buNone/>
-              <a:defRPr sz="1000"/>
+              <a:defRPr sz="1200"/>
             </a:lvl3pPr>
             <a:lvl4pPr marL="1371600" indent="0">
               <a:buNone/>
-              <a:defRPr sz="900"/>
+              <a:defRPr sz="1000"/>
             </a:lvl4pPr>
             <a:lvl5pPr marL="1828800" indent="0">
               <a:buNone/>
-              <a:defRPr sz="900"/>
+              <a:defRPr sz="1000"/>
             </a:lvl5pPr>
             <a:lvl6pPr marL="2286000" indent="0">
               <a:buNone/>
-              <a:defRPr sz="900"/>
+              <a:defRPr sz="1000"/>
             </a:lvl6pPr>
             <a:lvl7pPr marL="2743200" indent="0">
               <a:buNone/>
-              <a:defRPr sz="900"/>
+              <a:defRPr sz="1000"/>
             </a:lvl7pPr>
             <a:lvl8pPr marL="3200400" indent="0">
               <a:buNone/>
-              <a:defRPr sz="900"/>
+              <a:defRPr sz="1000"/>
             </a:lvl8pPr>
             <a:lvl9pPr marL="3657600" indent="0">
               <a:buNone/>
-              <a:defRPr sz="900"/>
+              <a:defRPr sz="1000"/>
             </a:lvl9pPr>
           </a:lstStyle>
           <a:p>
@@ -2998,7 +2361,7 @@
       </p:sp>
       <p:sp>
         <p:nvSpPr>
-          <p:cNvPr id="5" name="Date Placeholder 4"/>
+          <p:cNvPr id="5" name="Marcador de Posição da Data 4"/>
           <p:cNvSpPr>
             <a:spLocks noGrp="1"/>
           </p:cNvSpPr>
@@ -3015,13 +2378,13 @@
               <a:rPr lang="en-US" smtClean="0"/>
               <a:t>1/27/2016</a:t>
             </a:fld>
-            <a:endParaRPr lang="en-US"/>
-          </a:p>
-        </p:txBody>
-      </p:sp>
-      <p:sp>
-        <p:nvSpPr>
-          <p:cNvPr id="6" name="Footer Placeholder 5"/>
+            <a:endParaRPr lang="en-US" dirty="0"/>
+          </a:p>
+        </p:txBody>
+      </p:sp>
+      <p:sp>
+        <p:nvSpPr>
+          <p:cNvPr id="6" name="Marcador de Posição do Rodapé 5"/>
           <p:cNvSpPr>
             <a:spLocks noGrp="1"/>
           </p:cNvSpPr>
@@ -3034,13 +2397,13 @@
           <a:bodyPr/>
           <a:lstStyle/>
           <a:p>
-            <a:endParaRPr lang="en-US"/>
-          </a:p>
-        </p:txBody>
-      </p:sp>
-      <p:sp>
-        <p:nvSpPr>
-          <p:cNvPr id="7" name="Slide Number Placeholder 6"/>
+            <a:endParaRPr lang="en-US" dirty="0"/>
+          </a:p>
+        </p:txBody>
+      </p:sp>
+      <p:sp>
+        <p:nvSpPr>
+          <p:cNvPr id="7" name="Marcador de Posição do Número do Diapositivo 6"/>
           <p:cNvSpPr>
             <a:spLocks noGrp="1"/>
           </p:cNvSpPr>
@@ -3057,14 +2420,14 @@
               <a:rPr lang="en-US" smtClean="0"/>
               <a:t>‹nº›</a:t>
             </a:fld>
-            <a:endParaRPr lang="en-US"/>
+            <a:endParaRPr lang="en-US" dirty="0"/>
           </a:p>
         </p:txBody>
       </p:sp>
     </p:spTree>
     <p:extLst>
       <p:ext uri="{BB962C8B-B14F-4D97-AF65-F5344CB8AC3E}">
-        <p14:creationId xmlns:p14="http://schemas.microsoft.com/office/powerpoint/2010/main" val="1720443463"/>
+        <p14:creationId xmlns:p14="http://schemas.microsoft.com/office/powerpoint/2010/main" val="711406296"/>
       </p:ext>
     </p:extLst>
   </p:cSld>
@@ -3098,101 +2461,25 @@
       </p:grpSpPr>
       <p:sp>
         <p:nvSpPr>
-          <p:cNvPr id="7" name="Rectangle 6"/>
-          <p:cNvSpPr/>
-          <p:nvPr/>
+          <p:cNvPr id="2" name="Marcador de Posição do Título 1"/>
+          <p:cNvSpPr>
+            <a:spLocks noGrp="1"/>
+          </p:cNvSpPr>
+          <p:nvPr>
+            <p:ph type="title"/>
+          </p:nvPr>
         </p:nvSpPr>
         <p:spPr>
           <a:xfrm>
-            <a:off x="1" y="6400800"/>
-            <a:ext cx="12192000" cy="457200"/>
-          </a:xfrm>
-          <a:prstGeom prst="rect">
-            <a:avLst/>
-          </a:prstGeom>
-          <a:solidFill>
-            <a:schemeClr val="accent2"/>
-          </a:solidFill>
-          <a:ln>
-            <a:noFill/>
-          </a:ln>
-        </p:spPr>
-        <p:style>
-          <a:lnRef idx="2">
-            <a:schemeClr val="accent1">
-              <a:shade val="50000"/>
-            </a:schemeClr>
-          </a:lnRef>
-          <a:fillRef idx="1">
-            <a:schemeClr val="accent1"/>
-          </a:fillRef>
-          <a:effectRef idx="0">
-            <a:schemeClr val="accent1"/>
-          </a:effectRef>
-          <a:fontRef idx="minor">
-            <a:schemeClr val="lt1"/>
-          </a:fontRef>
-        </p:style>
-      </p:sp>
-      <p:sp>
-        <p:nvSpPr>
-          <p:cNvPr id="9" name="Rectangle 8"/>
-          <p:cNvSpPr/>
-          <p:nvPr/>
-        </p:nvSpPr>
-        <p:spPr>
-          <a:xfrm>
-            <a:off x="0" y="6334316"/>
-            <a:ext cx="12192001" cy="65998"/>
-          </a:xfrm>
-          <a:prstGeom prst="rect">
-            <a:avLst/>
-          </a:prstGeom>
-          <a:solidFill>
-            <a:schemeClr val="accent1"/>
-          </a:solidFill>
-          <a:ln>
-            <a:noFill/>
-          </a:ln>
-        </p:spPr>
-        <p:style>
-          <a:lnRef idx="2">
-            <a:schemeClr val="accent1">
-              <a:shade val="50000"/>
-            </a:schemeClr>
-          </a:lnRef>
-          <a:fillRef idx="1">
-            <a:schemeClr val="accent1"/>
-          </a:fillRef>
-          <a:effectRef idx="0">
-            <a:schemeClr val="accent1"/>
-          </a:effectRef>
-          <a:fontRef idx="minor">
-            <a:schemeClr val="lt1"/>
-          </a:fontRef>
-        </p:style>
-      </p:sp>
-      <p:sp>
-        <p:nvSpPr>
-          <p:cNvPr id="2" name="Title Placeholder 1"/>
-          <p:cNvSpPr>
-            <a:spLocks noGrp="1"/>
-          </p:cNvSpPr>
-          <p:nvPr>
-            <p:ph type="title"/>
-          </p:nvPr>
-        </p:nvSpPr>
-        <p:spPr>
-          <a:xfrm>
-            <a:off x="1097280" y="286603"/>
-            <a:ext cx="10058400" cy="1450757"/>
+            <a:off x="838200" y="365125"/>
+            <a:ext cx="10515600" cy="1325563"/>
           </a:xfrm>
           <a:prstGeom prst="rect">
             <a:avLst/>
           </a:prstGeom>
         </p:spPr>
         <p:txBody>
-          <a:bodyPr vert="horz" lIns="91440" tIns="45720" rIns="91440" bIns="45720" rtlCol="0" anchor="b">
+          <a:bodyPr vert="horz" lIns="91440" tIns="45720" rIns="91440" bIns="45720" rtlCol="0" anchor="ctr">
             <a:normAutofit/>
           </a:bodyPr>
           <a:lstStyle/>
@@ -3201,13 +2488,13 @@
               <a:rPr lang="pt-PT" smtClean="0"/>
               <a:t>Clique para editar o estilo</a:t>
             </a:r>
-            <a:endParaRPr lang="en-US" dirty="0"/>
-          </a:p>
-        </p:txBody>
-      </p:sp>
-      <p:sp>
-        <p:nvSpPr>
-          <p:cNvPr id="3" name="Text Placeholder 2"/>
+            <a:endParaRPr lang="en-US"/>
+          </a:p>
+        </p:txBody>
+      </p:sp>
+      <p:sp>
+        <p:nvSpPr>
+          <p:cNvPr id="3" name="Marcador de Posição do Texto 2"/>
           <p:cNvSpPr>
             <a:spLocks noGrp="1"/>
           </p:cNvSpPr>
@@ -3217,15 +2504,15 @@
         </p:nvSpPr>
         <p:spPr>
           <a:xfrm>
-            <a:off x="1097280" y="1845734"/>
-            <a:ext cx="10058400" cy="4023360"/>
+            <a:off x="838200" y="1825625"/>
+            <a:ext cx="10515600" cy="4351338"/>
           </a:xfrm>
           <a:prstGeom prst="rect">
             <a:avLst/>
           </a:prstGeom>
         </p:spPr>
         <p:txBody>
-          <a:bodyPr vert="horz" lIns="0" tIns="45720" rIns="0" bIns="45720" rtlCol="0">
+          <a:bodyPr vert="horz" lIns="91440" tIns="45720" rIns="91440" bIns="45720" rtlCol="0">
             <a:normAutofit/>
           </a:bodyPr>
           <a:lstStyle/>
@@ -3263,13 +2550,13 @@
               <a:rPr lang="pt-PT" smtClean="0"/>
               <a:t>Quinto nível</a:t>
             </a:r>
-            <a:endParaRPr lang="en-US" dirty="0"/>
-          </a:p>
-        </p:txBody>
-      </p:sp>
-      <p:sp>
-        <p:nvSpPr>
-          <p:cNvPr id="4" name="Date Placeholder 3"/>
+            <a:endParaRPr lang="en-US"/>
+          </a:p>
+        </p:txBody>
+      </p:sp>
+      <p:sp>
+        <p:nvSpPr>
+          <p:cNvPr id="4" name="Marcador de Posição da Data 3"/>
           <p:cNvSpPr>
             <a:spLocks noGrp="1"/>
           </p:cNvSpPr>
@@ -3279,8 +2566,8 @@
         </p:nvSpPr>
         <p:spPr>
           <a:xfrm>
-            <a:off x="1097280" y="6459785"/>
-            <a:ext cx="2472271" cy="365125"/>
+            <a:off x="838200" y="6356350"/>
+            <a:ext cx="2743200" cy="365125"/>
           </a:xfrm>
           <a:prstGeom prst="rect">
             <a:avLst/>
@@ -3290,9 +2577,11 @@
           <a:bodyPr vert="horz" lIns="91440" tIns="45720" rIns="91440" bIns="45720" rtlCol="0" anchor="ctr"/>
           <a:lstStyle>
             <a:lvl1pPr algn="l">
-              <a:defRPr sz="900">
+              <a:defRPr sz="1200">
                 <a:solidFill>
-                  <a:srgbClr val="FFFFFF"/>
+                  <a:schemeClr val="tx1">
+                    <a:tint val="75000"/>
+                  </a:schemeClr>
                 </a:solidFill>
               </a:defRPr>
             </a:lvl1pPr>
@@ -3302,13 +2591,13 @@
               <a:rPr lang="en-US" smtClean="0"/>
               <a:t>1/27/2016</a:t>
             </a:fld>
-            <a:endParaRPr lang="en-US"/>
-          </a:p>
-        </p:txBody>
-      </p:sp>
-      <p:sp>
-        <p:nvSpPr>
-          <p:cNvPr id="5" name="Footer Placeholder 4"/>
+            <a:endParaRPr lang="en-US" dirty="0"/>
+          </a:p>
+        </p:txBody>
+      </p:sp>
+      <p:sp>
+        <p:nvSpPr>
+          <p:cNvPr id="5" name="Marcador de Posição do Rodapé 4"/>
           <p:cNvSpPr>
             <a:spLocks noGrp="1"/>
           </p:cNvSpPr>
@@ -3318,8 +2607,8 @@
         </p:nvSpPr>
         <p:spPr>
           <a:xfrm>
-            <a:off x="3686185" y="6459785"/>
-            <a:ext cx="4822804" cy="365125"/>
+            <a:off x="4038600" y="6356350"/>
+            <a:ext cx="4114800" cy="365125"/>
           </a:xfrm>
           <a:prstGeom prst="rect">
             <a:avLst/>
@@ -3329,21 +2618,23 @@
           <a:bodyPr vert="horz" lIns="91440" tIns="45720" rIns="91440" bIns="45720" rtlCol="0" anchor="ctr"/>
           <a:lstStyle>
             <a:lvl1pPr algn="ctr">
-              <a:defRPr sz="900" cap="all" baseline="0">
+              <a:defRPr sz="1200">
                 <a:solidFill>
-                  <a:srgbClr val="FFFFFF"/>
+                  <a:schemeClr val="tx1">
+                    <a:tint val="75000"/>
+                  </a:schemeClr>
                 </a:solidFill>
               </a:defRPr>
             </a:lvl1pPr>
           </a:lstStyle>
           <a:p>
-            <a:endParaRPr lang="en-US"/>
-          </a:p>
-        </p:txBody>
-      </p:sp>
-      <p:sp>
-        <p:nvSpPr>
-          <p:cNvPr id="6" name="Slide Number Placeholder 5"/>
+            <a:endParaRPr lang="en-US" dirty="0"/>
+          </a:p>
+        </p:txBody>
+      </p:sp>
+      <p:sp>
+        <p:nvSpPr>
+          <p:cNvPr id="6" name="Marcador de Posição do Número do Diapositivo 5"/>
           <p:cNvSpPr>
             <a:spLocks noGrp="1"/>
           </p:cNvSpPr>
@@ -3353,8 +2644,8 @@
         </p:nvSpPr>
         <p:spPr>
           <a:xfrm>
-            <a:off x="9900458" y="6459785"/>
-            <a:ext cx="1312025" cy="365125"/>
+            <a:off x="8610600" y="6356350"/>
+            <a:ext cx="2743200" cy="365125"/>
           </a:xfrm>
           <a:prstGeom prst="rect">
             <a:avLst/>
@@ -3364,9 +2655,11 @@
           <a:bodyPr vert="horz" lIns="91440" tIns="45720" rIns="91440" bIns="45720" rtlCol="0" anchor="ctr"/>
           <a:lstStyle>
             <a:lvl1pPr algn="r">
-              <a:defRPr sz="1050">
+              <a:defRPr sz="1200">
                 <a:solidFill>
-                  <a:srgbClr val="FFFFFF"/>
+                  <a:schemeClr val="tx1">
+                    <a:tint val="75000"/>
+                  </a:schemeClr>
                 </a:solidFill>
               </a:defRPr>
             </a:lvl1pPr>
@@ -3376,85 +2669,44 @@
               <a:rPr lang="en-US" smtClean="0"/>
               <a:t>‹nº›</a:t>
             </a:fld>
-            <a:endParaRPr lang="en-US"/>
-          </a:p>
-        </p:txBody>
-      </p:sp>
-      <p:cxnSp>
-        <p:nvCxnSpPr>
-          <p:cNvPr id="10" name="Straight Connector 9"/>
-          <p:cNvCxnSpPr/>
-          <p:nvPr/>
-        </p:nvCxnSpPr>
-        <p:spPr>
-          <a:xfrm>
-            <a:off x="1193532" y="1737845"/>
-            <a:ext cx="9966960" cy="0"/>
-          </a:xfrm>
-          <a:prstGeom prst="line">
-            <a:avLst/>
-          </a:prstGeom>
-          <a:ln w="6350">
-            <a:solidFill>
-              <a:schemeClr val="tx1">
-                <a:lumMod val="50000"/>
-                <a:lumOff val="50000"/>
-              </a:schemeClr>
-            </a:solidFill>
-          </a:ln>
-        </p:spPr>
-        <p:style>
-          <a:lnRef idx="1">
-            <a:schemeClr val="accent1"/>
-          </a:lnRef>
-          <a:fillRef idx="0">
-            <a:schemeClr val="accent1"/>
-          </a:fillRef>
-          <a:effectRef idx="0">
-            <a:schemeClr val="accent1"/>
-          </a:effectRef>
-          <a:fontRef idx="minor">
-            <a:schemeClr val="tx1"/>
-          </a:fontRef>
-        </p:style>
-      </p:cxnSp>
+            <a:endParaRPr lang="en-US" dirty="0"/>
+          </a:p>
+        </p:txBody>
+      </p:sp>
     </p:spTree>
     <p:extLst>
       <p:ext uri="{BB962C8B-B14F-4D97-AF65-F5344CB8AC3E}">
-        <p14:creationId xmlns:p14="http://schemas.microsoft.com/office/powerpoint/2010/main" val="2643328431"/>
+        <p14:creationId xmlns:p14="http://schemas.microsoft.com/office/powerpoint/2010/main" val="1105456787"/>
       </p:ext>
     </p:extLst>
   </p:cSld>
   <p:clrMap bg1="lt1" tx1="dk1" bg2="lt2" tx2="dk2" accent1="accent1" accent2="accent2" accent3="accent3" accent4="accent4" accent5="accent5" accent6="accent6" hlink="hlink" folHlink="folHlink"/>
   <p:sldLayoutIdLst>
-    <p:sldLayoutId id="2147483772" r:id="rId1"/>
-    <p:sldLayoutId id="2147483773" r:id="rId2"/>
-    <p:sldLayoutId id="2147483774" r:id="rId3"/>
-    <p:sldLayoutId id="2147483775" r:id="rId4"/>
-    <p:sldLayoutId id="2147483776" r:id="rId5"/>
-    <p:sldLayoutId id="2147483777" r:id="rId6"/>
-    <p:sldLayoutId id="2147483778" r:id="rId7"/>
-    <p:sldLayoutId id="2147483779" r:id="rId8"/>
-    <p:sldLayoutId id="2147483780" r:id="rId9"/>
-    <p:sldLayoutId id="2147483781" r:id="rId10"/>
-    <p:sldLayoutId id="2147483782" r:id="rId11"/>
+    <p:sldLayoutId id="2147483784" r:id="rId1"/>
+    <p:sldLayoutId id="2147483785" r:id="rId2"/>
+    <p:sldLayoutId id="2147483786" r:id="rId3"/>
+    <p:sldLayoutId id="2147483787" r:id="rId4"/>
+    <p:sldLayoutId id="2147483788" r:id="rId5"/>
+    <p:sldLayoutId id="2147483789" r:id="rId6"/>
+    <p:sldLayoutId id="2147483790" r:id="rId7"/>
+    <p:sldLayoutId id="2147483791" r:id="rId8"/>
+    <p:sldLayoutId id="2147483792" r:id="rId9"/>
+    <p:sldLayoutId id="2147483793" r:id="rId10"/>
+    <p:sldLayoutId id="2147483794" r:id="rId11"/>
   </p:sldLayoutIdLst>
   <p:txStyles>
     <p:titleStyle>
       <a:lvl1pPr algn="l" defTabSz="914400" rtl="0" eaLnBrk="1" latinLnBrk="0" hangingPunct="1">
         <a:lnSpc>
-          <a:spcPct val="85000"/>
+          <a:spcPct val="90000"/>
         </a:lnSpc>
         <a:spcBef>
           <a:spcPct val="0"/>
         </a:spcBef>
         <a:buNone/>
-        <a:defRPr sz="4800" kern="1200" spc="-50" baseline="0">
+        <a:defRPr sz="4400" kern="1200">
           <a:solidFill>
-            <a:schemeClr val="tx1">
-              <a:lumMod val="75000"/>
-              <a:lumOff val="25000"/>
-            </a:schemeClr>
+            <a:schemeClr val="tx1"/>
           </a:solidFill>
           <a:latin typeface="+mj-lt"/>
           <a:ea typeface="+mj-ea"/>
@@ -3463,244 +2715,162 @@
       </a:lvl1pPr>
     </p:titleStyle>
     <p:bodyStyle>
-      <a:lvl1pPr marL="91440" indent="-91440" algn="l" defTabSz="914400" rtl="0" eaLnBrk="1" latinLnBrk="0" hangingPunct="1">
+      <a:lvl1pPr marL="228600" indent="-228600" algn="l" defTabSz="914400" rtl="0" eaLnBrk="1" latinLnBrk="0" hangingPunct="1">
         <a:lnSpc>
           <a:spcPct val="90000"/>
         </a:lnSpc>
         <a:spcBef>
-          <a:spcPts val="1200"/>
+          <a:spcPts val="1000"/>
         </a:spcBef>
-        <a:spcAft>
-          <a:spcPts val="200"/>
-        </a:spcAft>
-        <a:buClr>
-          <a:schemeClr val="accent1"/>
-        </a:buClr>
-        <a:buSzPct val="100000"/>
-        <a:buFont typeface="Calibri" panose="020F0502020204030204" pitchFamily="34" charset="0"/>
-        <a:buChar char=" "/>
-        <a:defRPr sz="2000" kern="1200">
+        <a:buFont typeface="Arial" panose="020B0604020202020204" pitchFamily="34" charset="0"/>
+        <a:buChar char="•"/>
+        <a:defRPr sz="2800" kern="1200">
           <a:solidFill>
-            <a:schemeClr val="tx1">
-              <a:lumMod val="75000"/>
-              <a:lumOff val="25000"/>
-            </a:schemeClr>
+            <a:schemeClr val="tx1"/>
           </a:solidFill>
           <a:latin typeface="+mn-lt"/>
           <a:ea typeface="+mn-ea"/>
           <a:cs typeface="+mn-cs"/>
         </a:defRPr>
       </a:lvl1pPr>
-      <a:lvl2pPr marL="384048" indent="-182880" algn="l" defTabSz="914400" rtl="0" eaLnBrk="1" latinLnBrk="0" hangingPunct="1">
+      <a:lvl2pPr marL="685800" indent="-228600" algn="l" defTabSz="914400" rtl="0" eaLnBrk="1" latinLnBrk="0" hangingPunct="1">
         <a:lnSpc>
           <a:spcPct val="90000"/>
         </a:lnSpc>
         <a:spcBef>
-          <a:spcPts val="200"/>
+          <a:spcPts val="500"/>
         </a:spcBef>
-        <a:spcAft>
-          <a:spcPts val="400"/>
-        </a:spcAft>
-        <a:buClr>
-          <a:schemeClr val="accent1"/>
-        </a:buClr>
-        <a:buFont typeface="Calibri" pitchFamily="34" charset="0"/>
-        <a:buChar char="◦"/>
-        <a:defRPr sz="1800" kern="1200">
+        <a:buFont typeface="Arial" panose="020B0604020202020204" pitchFamily="34" charset="0"/>
+        <a:buChar char="•"/>
+        <a:defRPr sz="2400" kern="1200">
           <a:solidFill>
-            <a:schemeClr val="tx1">
-              <a:lumMod val="75000"/>
-              <a:lumOff val="25000"/>
-            </a:schemeClr>
+            <a:schemeClr val="tx1"/>
           </a:solidFill>
           <a:latin typeface="+mn-lt"/>
           <a:ea typeface="+mn-ea"/>
           <a:cs typeface="+mn-cs"/>
         </a:defRPr>
       </a:lvl2pPr>
-      <a:lvl3pPr marL="566928" indent="-182880" algn="l" defTabSz="914400" rtl="0" eaLnBrk="1" latinLnBrk="0" hangingPunct="1">
+      <a:lvl3pPr marL="1143000" indent="-228600" algn="l" defTabSz="914400" rtl="0" eaLnBrk="1" latinLnBrk="0" hangingPunct="1">
         <a:lnSpc>
           <a:spcPct val="90000"/>
         </a:lnSpc>
         <a:spcBef>
-          <a:spcPts val="200"/>
+          <a:spcPts val="500"/>
         </a:spcBef>
-        <a:spcAft>
-          <a:spcPts val="400"/>
-        </a:spcAft>
-        <a:buClr>
-          <a:schemeClr val="accent1"/>
-        </a:buClr>
-        <a:buFont typeface="Calibri" pitchFamily="34" charset="0"/>
-        <a:buChar char="◦"/>
-        <a:defRPr sz="1400" kern="1200">
+        <a:buFont typeface="Arial" panose="020B0604020202020204" pitchFamily="34" charset="0"/>
+        <a:buChar char="•"/>
+        <a:defRPr sz="2000" kern="1200">
           <a:solidFill>
-            <a:schemeClr val="tx1">
-              <a:lumMod val="75000"/>
-              <a:lumOff val="25000"/>
-            </a:schemeClr>
+            <a:schemeClr val="tx1"/>
           </a:solidFill>
           <a:latin typeface="+mn-lt"/>
           <a:ea typeface="+mn-ea"/>
           <a:cs typeface="+mn-cs"/>
         </a:defRPr>
       </a:lvl3pPr>
-      <a:lvl4pPr marL="749808" indent="-182880" algn="l" defTabSz="914400" rtl="0" eaLnBrk="1" latinLnBrk="0" hangingPunct="1">
+      <a:lvl4pPr marL="1600200" indent="-228600" algn="l" defTabSz="914400" rtl="0" eaLnBrk="1" latinLnBrk="0" hangingPunct="1">
         <a:lnSpc>
           <a:spcPct val="90000"/>
         </a:lnSpc>
         <a:spcBef>
-          <a:spcPts val="200"/>
+          <a:spcPts val="500"/>
         </a:spcBef>
-        <a:spcAft>
-          <a:spcPts val="400"/>
-        </a:spcAft>
-        <a:buClr>
-          <a:schemeClr val="accent1"/>
-        </a:buClr>
-        <a:buFont typeface="Calibri" pitchFamily="34" charset="0"/>
-        <a:buChar char="◦"/>
-        <a:defRPr sz="1400" kern="1200">
+        <a:buFont typeface="Arial" panose="020B0604020202020204" pitchFamily="34" charset="0"/>
+        <a:buChar char="•"/>
+        <a:defRPr sz="1800" kern="1200">
           <a:solidFill>
-            <a:schemeClr val="tx1">
-              <a:lumMod val="75000"/>
-              <a:lumOff val="25000"/>
-            </a:schemeClr>
+            <a:schemeClr val="tx1"/>
           </a:solidFill>
           <a:latin typeface="+mn-lt"/>
           <a:ea typeface="+mn-ea"/>
           <a:cs typeface="+mn-cs"/>
         </a:defRPr>
       </a:lvl4pPr>
-      <a:lvl5pPr marL="932688" indent="-182880" algn="l" defTabSz="914400" rtl="0" eaLnBrk="1" latinLnBrk="0" hangingPunct="1">
+      <a:lvl5pPr marL="2057400" indent="-228600" algn="l" defTabSz="914400" rtl="0" eaLnBrk="1" latinLnBrk="0" hangingPunct="1">
         <a:lnSpc>
           <a:spcPct val="90000"/>
         </a:lnSpc>
         <a:spcBef>
-          <a:spcPts val="200"/>
+          <a:spcPts val="500"/>
         </a:spcBef>
-        <a:spcAft>
-          <a:spcPts val="400"/>
-        </a:spcAft>
-        <a:buClr>
-          <a:schemeClr val="accent1"/>
-        </a:buClr>
-        <a:buFont typeface="Calibri" pitchFamily="34" charset="0"/>
-        <a:buChar char="◦"/>
-        <a:defRPr sz="1400" kern="1200">
+        <a:buFont typeface="Arial" panose="020B0604020202020204" pitchFamily="34" charset="0"/>
+        <a:buChar char="•"/>
+        <a:defRPr sz="1800" kern="1200">
           <a:solidFill>
-            <a:schemeClr val="tx1">
-              <a:lumMod val="75000"/>
-              <a:lumOff val="25000"/>
-            </a:schemeClr>
+            <a:schemeClr val="tx1"/>
           </a:solidFill>
           <a:latin typeface="+mn-lt"/>
           <a:ea typeface="+mn-ea"/>
           <a:cs typeface="+mn-cs"/>
         </a:defRPr>
       </a:lvl5pPr>
-      <a:lvl6pPr marL="1100000" indent="-228600" algn="l" defTabSz="914400" rtl="0" eaLnBrk="1" latinLnBrk="0" hangingPunct="1">
+      <a:lvl6pPr marL="2514600" indent="-228600" algn="l" defTabSz="914400" rtl="0" eaLnBrk="1" latinLnBrk="0" hangingPunct="1">
         <a:lnSpc>
           <a:spcPct val="90000"/>
         </a:lnSpc>
         <a:spcBef>
-          <a:spcPts val="200"/>
+          <a:spcPts val="500"/>
         </a:spcBef>
-        <a:spcAft>
-          <a:spcPts val="400"/>
-        </a:spcAft>
-        <a:buClr>
-          <a:schemeClr val="accent1"/>
-        </a:buClr>
-        <a:buFont typeface="Calibri" pitchFamily="34" charset="0"/>
-        <a:buChar char="◦"/>
-        <a:defRPr sz="1400" kern="1200">
+        <a:buFont typeface="Arial" panose="020B0604020202020204" pitchFamily="34" charset="0"/>
+        <a:buChar char="•"/>
+        <a:defRPr sz="1800" kern="1200">
           <a:solidFill>
-            <a:schemeClr val="tx1">
-              <a:lumMod val="75000"/>
-              <a:lumOff val="25000"/>
-            </a:schemeClr>
+            <a:schemeClr val="tx1"/>
           </a:solidFill>
           <a:latin typeface="+mn-lt"/>
           <a:ea typeface="+mn-ea"/>
           <a:cs typeface="+mn-cs"/>
         </a:defRPr>
       </a:lvl6pPr>
-      <a:lvl7pPr marL="1300000" indent="-228600" algn="l" defTabSz="914400" rtl="0" eaLnBrk="1" latinLnBrk="0" hangingPunct="1">
+      <a:lvl7pPr marL="2971800" indent="-228600" algn="l" defTabSz="914400" rtl="0" eaLnBrk="1" latinLnBrk="0" hangingPunct="1">
         <a:lnSpc>
           <a:spcPct val="90000"/>
         </a:lnSpc>
         <a:spcBef>
-          <a:spcPts val="200"/>
+          <a:spcPts val="500"/>
         </a:spcBef>
-        <a:spcAft>
-          <a:spcPts val="400"/>
-        </a:spcAft>
-        <a:buClr>
-          <a:schemeClr val="accent1"/>
-        </a:buClr>
-        <a:buFont typeface="Calibri" pitchFamily="34" charset="0"/>
-        <a:buChar char="◦"/>
-        <a:defRPr sz="1400" kern="1200">
+        <a:buFont typeface="Arial" panose="020B0604020202020204" pitchFamily="34" charset="0"/>
+        <a:buChar char="•"/>
+        <a:defRPr sz="1800" kern="1200">
           <a:solidFill>
-            <a:schemeClr val="tx1">
-              <a:lumMod val="75000"/>
-              <a:lumOff val="25000"/>
-            </a:schemeClr>
+            <a:schemeClr val="tx1"/>
           </a:solidFill>
           <a:latin typeface="+mn-lt"/>
           <a:ea typeface="+mn-ea"/>
           <a:cs typeface="+mn-cs"/>
         </a:defRPr>
       </a:lvl7pPr>
-      <a:lvl8pPr marL="1500000" indent="-228600" algn="l" defTabSz="914400" rtl="0" eaLnBrk="1" latinLnBrk="0" hangingPunct="1">
+      <a:lvl8pPr marL="3429000" indent="-228600" algn="l" defTabSz="914400" rtl="0" eaLnBrk="1" latinLnBrk="0" hangingPunct="1">
         <a:lnSpc>
           <a:spcPct val="90000"/>
         </a:lnSpc>
         <a:spcBef>
-          <a:spcPts val="200"/>
+          <a:spcPts val="500"/>
         </a:spcBef>
-        <a:spcAft>
-          <a:spcPts val="400"/>
-        </a:spcAft>
-        <a:buClr>
-          <a:schemeClr val="accent1"/>
-        </a:buClr>
-        <a:buFont typeface="Calibri" pitchFamily="34" charset="0"/>
-        <a:buChar char="◦"/>
-        <a:defRPr sz="1400" kern="1200">
+        <a:buFont typeface="Arial" panose="020B0604020202020204" pitchFamily="34" charset="0"/>
+        <a:buChar char="•"/>
+        <a:defRPr sz="1800" kern="1200">
           <a:solidFill>
-            <a:schemeClr val="tx1">
-              <a:lumMod val="75000"/>
-              <a:lumOff val="25000"/>
-            </a:schemeClr>
+            <a:schemeClr val="tx1"/>
           </a:solidFill>
           <a:latin typeface="+mn-lt"/>
           <a:ea typeface="+mn-ea"/>
           <a:cs typeface="+mn-cs"/>
         </a:defRPr>
       </a:lvl8pPr>
-      <a:lvl9pPr marL="1700000" indent="-228600" algn="l" defTabSz="914400" rtl="0" eaLnBrk="1" latinLnBrk="0" hangingPunct="1">
+      <a:lvl9pPr marL="3886200" indent="-228600" algn="l" defTabSz="914400" rtl="0" eaLnBrk="1" latinLnBrk="0" hangingPunct="1">
         <a:lnSpc>
           <a:spcPct val="90000"/>
         </a:lnSpc>
         <a:spcBef>
-          <a:spcPts val="200"/>
+          <a:spcPts val="500"/>
         </a:spcBef>
-        <a:spcAft>
-          <a:spcPts val="400"/>
-        </a:spcAft>
-        <a:buClr>
-          <a:schemeClr val="accent1"/>
-        </a:buClr>
-        <a:buFont typeface="Calibri" pitchFamily="34" charset="0"/>
-        <a:buChar char="◦"/>
-        <a:defRPr sz="1400" kern="1200">
+        <a:buFont typeface="Arial" panose="020B0604020202020204" pitchFamily="34" charset="0"/>
+        <a:buChar char="•"/>
+        <a:defRPr sz="1800" kern="1200">
           <a:solidFill>
-            <a:schemeClr val="tx1">
-              <a:lumMod val="75000"/>
-              <a:lumOff val="25000"/>
-            </a:schemeClr>
+            <a:schemeClr val="tx1"/>
           </a:solidFill>
           <a:latin typeface="+mn-lt"/>
           <a:ea typeface="+mn-ea"/>
@@ -3834,15 +3004,45 @@
             <p:ph type="ctrTitle"/>
           </p:nvPr>
         </p:nvSpPr>
-        <p:spPr/>
-        <p:txBody>
-          <a:bodyPr/>
-          <a:lstStyle/>
-          <a:p>
-            <a:r>
-              <a:rPr lang="pt-PT" dirty="0" smtClean="0"/>
-              <a:t>BGUM – Gestão de Base de dados</a:t>
-            </a:r>
+        <p:spPr>
+          <a:xfrm>
+            <a:off x="775252" y="2645776"/>
+            <a:ext cx="11410122" cy="3055351"/>
+          </a:xfrm>
+        </p:spPr>
+        <p:txBody>
+          <a:bodyPr>
+            <a:normAutofit fontScale="90000"/>
+          </a:bodyPr>
+          <a:lstStyle/>
+          <a:p>
+            <a:pPr>
+              <a:lnSpc>
+                <a:spcPct val="150000"/>
+              </a:lnSpc>
+            </a:pPr>
+            <a:r>
+              <a:rPr lang="pt-PT" dirty="0" smtClean="0"/>
+              <a:t>BGUM – Gestão de Base de </a:t>
+            </a:r>
+            <a:r>
+              <a:rPr lang="pt-PT" dirty="0" smtClean="0"/>
+              <a:t>dados</a:t>
+            </a:r>
+            <a:br>
+              <a:rPr lang="pt-PT" dirty="0" smtClean="0"/>
+            </a:br>
+            <a:r>
+              <a:rPr lang="pt-PT" sz="3100" dirty="0" smtClean="0"/>
+              <a:t>Biblioteca Geral da Universidade do Minho</a:t>
+            </a:r>
+            <a:r>
+              <a:rPr lang="pt-PT" dirty="0" smtClean="0"/>
+              <a:t/>
+            </a:r>
+            <a:br>
+              <a:rPr lang="pt-PT" dirty="0" smtClean="0"/>
+            </a:br>
             <a:endParaRPr lang="en-US" dirty="0"/>
           </a:p>
         </p:txBody>
@@ -3857,19 +3057,411 @@
             <p:ph type="subTitle" idx="1"/>
           </p:nvPr>
         </p:nvSpPr>
-        <p:spPr/>
-        <p:txBody>
-          <a:bodyPr/>
-          <a:lstStyle/>
-          <a:p>
-            <a:r>
-              <a:rPr lang="pt-PT" dirty="0" smtClean="0"/>
-              <a:t>Biblioteca Geral da Universidade do Minho</a:t>
-            </a:r>
-            <a:endParaRPr lang="en-US" dirty="0"/>
-          </a:p>
-        </p:txBody>
-      </p:sp>
+        <p:spPr>
+          <a:xfrm>
+            <a:off x="19051" y="4721224"/>
+            <a:ext cx="4492486" cy="1655762"/>
+          </a:xfrm>
+        </p:spPr>
+        <p:txBody>
+          <a:bodyPr>
+            <a:normAutofit/>
+          </a:bodyPr>
+          <a:lstStyle/>
+          <a:p>
+            <a:pPr algn="l"/>
+            <a:r>
+              <a:rPr lang="pt-PT" sz="1600" b="1" dirty="0"/>
+              <a:t>Universidade do </a:t>
+            </a:r>
+            <a:r>
+              <a:rPr lang="pt-PT" sz="1600" b="1" dirty="0" smtClean="0"/>
+              <a:t>Minho</a:t>
+            </a:r>
+            <a:endParaRPr lang="pt-PT" sz="1600" dirty="0" smtClean="0"/>
+          </a:p>
+          <a:p>
+            <a:pPr algn="l"/>
+            <a:r>
+              <a:rPr lang="pt-PT" sz="1600" dirty="0" smtClean="0"/>
+              <a:t>Disciplina: Base de Dados</a:t>
+            </a:r>
+          </a:p>
+          <a:p>
+            <a:pPr algn="l"/>
+            <a:r>
+              <a:rPr lang="pt-PT" sz="1600" dirty="0" smtClean="0"/>
+              <a:t>Curso: MIEI</a:t>
+            </a:r>
+            <a:endParaRPr lang="en-US" sz="1600" dirty="0"/>
+          </a:p>
+        </p:txBody>
+      </p:sp>
+      <p:pic>
+        <p:nvPicPr>
+          <p:cNvPr id="1026" name="Picture 2" descr="http://www.sdum.uminho.pt/images/EditorTexto/bibliotecasum.jpg"/>
+          <p:cNvPicPr>
+            <a:picLocks noChangeAspect="1" noChangeArrowheads="1"/>
+          </p:cNvPicPr>
+          <p:nvPr/>
+        </p:nvPicPr>
+        <p:blipFill>
+          <a:blip r:embed="rId2">
+            <a:extLst>
+              <a:ext uri="{28A0092B-C50C-407E-A947-70E740481C1C}">
+                <a14:useLocalDpi xmlns:a14="http://schemas.microsoft.com/office/drawing/2010/main" val="0"/>
+              </a:ext>
+            </a:extLst>
+          </a:blip>
+          <a:srcRect/>
+          <a:stretch>
+            <a:fillRect/>
+          </a:stretch>
+        </p:blipFill>
+        <p:spPr bwMode="auto">
+          <a:xfrm>
+            <a:off x="0" y="-4659"/>
+            <a:ext cx="12192000" cy="2650435"/>
+          </a:xfrm>
+          <a:prstGeom prst="rect">
+            <a:avLst/>
+          </a:prstGeom>
+          <a:noFill/>
+          <a:extLst>
+            <a:ext uri="{909E8E84-426E-40DD-AFC4-6F175D3DCCD1}">
+              <a14:hiddenFill xmlns:a14="http://schemas.microsoft.com/office/drawing/2010/main">
+                <a:solidFill>
+                  <a:srgbClr val="FFFFFF"/>
+                </a:solidFill>
+              </a14:hiddenFill>
+            </a:ext>
+          </a:extLst>
+        </p:spPr>
+      </p:pic>
+      <p:sp>
+        <p:nvSpPr>
+          <p:cNvPr id="5" name="Subtítulo 2"/>
+          <p:cNvSpPr txBox="1">
+            <a:spLocks/>
+          </p:cNvSpPr>
+          <p:nvPr/>
+        </p:nvSpPr>
+        <p:spPr>
+          <a:xfrm>
+            <a:off x="8070573" y="4890053"/>
+            <a:ext cx="3756992" cy="1655762"/>
+          </a:xfrm>
+          <a:prstGeom prst="rect">
+            <a:avLst/>
+          </a:prstGeom>
+        </p:spPr>
+        <p:txBody>
+          <a:bodyPr vert="horz" lIns="91440" tIns="45720" rIns="91440" bIns="45720" rtlCol="0">
+            <a:normAutofit lnSpcReduction="10000"/>
+          </a:bodyPr>
+          <a:lstStyle>
+            <a:lvl1pPr marL="0" indent="0" algn="ctr" defTabSz="914400" rtl="0" eaLnBrk="1" latinLnBrk="0" hangingPunct="1">
+              <a:lnSpc>
+                <a:spcPct val="90000"/>
+              </a:lnSpc>
+              <a:spcBef>
+                <a:spcPts val="1000"/>
+              </a:spcBef>
+              <a:buFont typeface="Arial" panose="020B0604020202020204" pitchFamily="34" charset="0"/>
+              <a:buNone/>
+              <a:defRPr sz="2400" kern="1200">
+                <a:solidFill>
+                  <a:schemeClr val="tx1"/>
+                </a:solidFill>
+                <a:latin typeface="+mn-lt"/>
+                <a:ea typeface="+mn-ea"/>
+                <a:cs typeface="+mn-cs"/>
+              </a:defRPr>
+            </a:lvl1pPr>
+            <a:lvl2pPr marL="457200" indent="0" algn="ctr" defTabSz="914400" rtl="0" eaLnBrk="1" latinLnBrk="0" hangingPunct="1">
+              <a:lnSpc>
+                <a:spcPct val="90000"/>
+              </a:lnSpc>
+              <a:spcBef>
+                <a:spcPts val="500"/>
+              </a:spcBef>
+              <a:buFont typeface="Arial" panose="020B0604020202020204" pitchFamily="34" charset="0"/>
+              <a:buNone/>
+              <a:defRPr sz="2000" kern="1200">
+                <a:solidFill>
+                  <a:schemeClr val="tx1"/>
+                </a:solidFill>
+                <a:latin typeface="+mn-lt"/>
+                <a:ea typeface="+mn-ea"/>
+                <a:cs typeface="+mn-cs"/>
+              </a:defRPr>
+            </a:lvl2pPr>
+            <a:lvl3pPr marL="914400" indent="0" algn="ctr" defTabSz="914400" rtl="0" eaLnBrk="1" latinLnBrk="0" hangingPunct="1">
+              <a:lnSpc>
+                <a:spcPct val="90000"/>
+              </a:lnSpc>
+              <a:spcBef>
+                <a:spcPts val="500"/>
+              </a:spcBef>
+              <a:buFont typeface="Arial" panose="020B0604020202020204" pitchFamily="34" charset="0"/>
+              <a:buNone/>
+              <a:defRPr sz="1800" kern="1200">
+                <a:solidFill>
+                  <a:schemeClr val="tx1"/>
+                </a:solidFill>
+                <a:latin typeface="+mn-lt"/>
+                <a:ea typeface="+mn-ea"/>
+                <a:cs typeface="+mn-cs"/>
+              </a:defRPr>
+            </a:lvl3pPr>
+            <a:lvl4pPr marL="1371600" indent="0" algn="ctr" defTabSz="914400" rtl="0" eaLnBrk="1" latinLnBrk="0" hangingPunct="1">
+              <a:lnSpc>
+                <a:spcPct val="90000"/>
+              </a:lnSpc>
+              <a:spcBef>
+                <a:spcPts val="500"/>
+              </a:spcBef>
+              <a:buFont typeface="Arial" panose="020B0604020202020204" pitchFamily="34" charset="0"/>
+              <a:buNone/>
+              <a:defRPr sz="1600" kern="1200">
+                <a:solidFill>
+                  <a:schemeClr val="tx1"/>
+                </a:solidFill>
+                <a:latin typeface="+mn-lt"/>
+                <a:ea typeface="+mn-ea"/>
+                <a:cs typeface="+mn-cs"/>
+              </a:defRPr>
+            </a:lvl4pPr>
+            <a:lvl5pPr marL="1828800" indent="0" algn="ctr" defTabSz="914400" rtl="0" eaLnBrk="1" latinLnBrk="0" hangingPunct="1">
+              <a:lnSpc>
+                <a:spcPct val="90000"/>
+              </a:lnSpc>
+              <a:spcBef>
+                <a:spcPts val="500"/>
+              </a:spcBef>
+              <a:buFont typeface="Arial" panose="020B0604020202020204" pitchFamily="34" charset="0"/>
+              <a:buNone/>
+              <a:defRPr sz="1600" kern="1200">
+                <a:solidFill>
+                  <a:schemeClr val="tx1"/>
+                </a:solidFill>
+                <a:latin typeface="+mn-lt"/>
+                <a:ea typeface="+mn-ea"/>
+                <a:cs typeface="+mn-cs"/>
+              </a:defRPr>
+            </a:lvl5pPr>
+            <a:lvl6pPr marL="2286000" indent="0" algn="ctr" defTabSz="914400" rtl="0" eaLnBrk="1" latinLnBrk="0" hangingPunct="1">
+              <a:lnSpc>
+                <a:spcPct val="90000"/>
+              </a:lnSpc>
+              <a:spcBef>
+                <a:spcPts val="500"/>
+              </a:spcBef>
+              <a:buFont typeface="Arial" panose="020B0604020202020204" pitchFamily="34" charset="0"/>
+              <a:buNone/>
+              <a:defRPr sz="1600" kern="1200">
+                <a:solidFill>
+                  <a:schemeClr val="tx1"/>
+                </a:solidFill>
+                <a:latin typeface="+mn-lt"/>
+                <a:ea typeface="+mn-ea"/>
+                <a:cs typeface="+mn-cs"/>
+              </a:defRPr>
+            </a:lvl6pPr>
+            <a:lvl7pPr marL="2743200" indent="0" algn="ctr" defTabSz="914400" rtl="0" eaLnBrk="1" latinLnBrk="0" hangingPunct="1">
+              <a:lnSpc>
+                <a:spcPct val="90000"/>
+              </a:lnSpc>
+              <a:spcBef>
+                <a:spcPts val="500"/>
+              </a:spcBef>
+              <a:buFont typeface="Arial" panose="020B0604020202020204" pitchFamily="34" charset="0"/>
+              <a:buNone/>
+              <a:defRPr sz="1600" kern="1200">
+                <a:solidFill>
+                  <a:schemeClr val="tx1"/>
+                </a:solidFill>
+                <a:latin typeface="+mn-lt"/>
+                <a:ea typeface="+mn-ea"/>
+                <a:cs typeface="+mn-cs"/>
+              </a:defRPr>
+            </a:lvl7pPr>
+            <a:lvl8pPr marL="3200400" indent="0" algn="ctr" defTabSz="914400" rtl="0" eaLnBrk="1" latinLnBrk="0" hangingPunct="1">
+              <a:lnSpc>
+                <a:spcPct val="90000"/>
+              </a:lnSpc>
+              <a:spcBef>
+                <a:spcPts val="500"/>
+              </a:spcBef>
+              <a:buFont typeface="Arial" panose="020B0604020202020204" pitchFamily="34" charset="0"/>
+              <a:buNone/>
+              <a:defRPr sz="1600" kern="1200">
+                <a:solidFill>
+                  <a:schemeClr val="tx1"/>
+                </a:solidFill>
+                <a:latin typeface="+mn-lt"/>
+                <a:ea typeface="+mn-ea"/>
+                <a:cs typeface="+mn-cs"/>
+              </a:defRPr>
+            </a:lvl8pPr>
+            <a:lvl9pPr marL="3657600" indent="0" algn="ctr" defTabSz="914400" rtl="0" eaLnBrk="1" latinLnBrk="0" hangingPunct="1">
+              <a:lnSpc>
+                <a:spcPct val="90000"/>
+              </a:lnSpc>
+              <a:spcBef>
+                <a:spcPts val="500"/>
+              </a:spcBef>
+              <a:buFont typeface="Arial" panose="020B0604020202020204" pitchFamily="34" charset="0"/>
+              <a:buNone/>
+              <a:defRPr sz="1600" kern="1200">
+                <a:solidFill>
+                  <a:schemeClr val="tx1"/>
+                </a:solidFill>
+                <a:latin typeface="+mn-lt"/>
+                <a:ea typeface="+mn-ea"/>
+                <a:cs typeface="+mn-cs"/>
+              </a:defRPr>
+            </a:lvl9pPr>
+          </a:lstStyle>
+          <a:p>
+            <a:pPr algn="r"/>
+            <a:r>
+              <a:rPr lang="pt-PT" sz="1600" dirty="0" smtClean="0"/>
+              <a:t>Jéssica Pereira a71164</a:t>
+            </a:r>
+          </a:p>
+          <a:p>
+            <a:pPr algn="r"/>
+            <a:r>
+              <a:rPr lang="pt-PT" sz="1600" dirty="0"/>
+              <a:t>Mariana Carvalho </a:t>
+            </a:r>
+            <a:r>
+              <a:rPr lang="pt-PT" sz="1600" dirty="0"/>
+              <a:t>a67635</a:t>
+            </a:r>
+            <a:endParaRPr lang="pt-PT" sz="1600" dirty="0"/>
+          </a:p>
+          <a:p>
+            <a:pPr algn="r">
+              <a:lnSpc>
+                <a:spcPct val="100000"/>
+              </a:lnSpc>
+            </a:pPr>
+            <a:r>
+              <a:rPr lang="pt-PT" sz="1600" dirty="0"/>
+              <a:t>André </a:t>
+            </a:r>
+            <a:r>
+              <a:rPr lang="pt-PT" sz="1600" dirty="0" smtClean="0"/>
+              <a:t>Santos </a:t>
+            </a:r>
+            <a:r>
+              <a:rPr lang="pt-PT" sz="1600" dirty="0"/>
+              <a:t>a</a:t>
+            </a:r>
+            <a:r>
+              <a:rPr lang="pt-PT" sz="1600" dirty="0"/>
+              <a:t>61778</a:t>
+            </a:r>
+            <a:endParaRPr lang="pt-PT" sz="1600" dirty="0"/>
+          </a:p>
+          <a:p>
+            <a:pPr algn="r"/>
+            <a:endParaRPr lang="pt-PT" sz="1600" dirty="0" smtClean="0"/>
+          </a:p>
+          <a:p>
+            <a:pPr algn="r"/>
+            <a:r>
+              <a:rPr lang="pt-PT" sz="1600" u="sng" dirty="0" smtClean="0"/>
+              <a:t>Janeiro, 2016</a:t>
+            </a:r>
+            <a:endParaRPr lang="en-US" sz="1600" u="sng" dirty="0"/>
+          </a:p>
+        </p:txBody>
+      </p:sp>
+      <p:pic>
+        <p:nvPicPr>
+          <p:cNvPr id="1028" name="Picture 4" descr="http://miei.di.uminho.pt/img/logotipo_eeum.gif"/>
+          <p:cNvPicPr>
+            <a:picLocks noChangeAspect="1" noChangeArrowheads="1"/>
+          </p:cNvPicPr>
+          <p:nvPr/>
+        </p:nvPicPr>
+        <p:blipFill>
+          <a:blip r:embed="rId3">
+            <a:extLst>
+              <a:ext uri="{28A0092B-C50C-407E-A947-70E740481C1C}">
+                <a14:useLocalDpi xmlns:a14="http://schemas.microsoft.com/office/drawing/2010/main" val="0"/>
+              </a:ext>
+            </a:extLst>
+          </a:blip>
+          <a:srcRect/>
+          <a:stretch>
+            <a:fillRect/>
+          </a:stretch>
+        </p:blipFill>
+        <p:spPr bwMode="auto">
+          <a:xfrm>
+            <a:off x="952500" y="5895974"/>
+            <a:ext cx="962025" cy="962025"/>
+          </a:xfrm>
+          <a:prstGeom prst="rect">
+            <a:avLst/>
+          </a:prstGeom>
+          <a:noFill/>
+          <a:extLst>
+            <a:ext uri="{909E8E84-426E-40DD-AFC4-6F175D3DCCD1}">
+              <a14:hiddenFill xmlns:a14="http://schemas.microsoft.com/office/drawing/2010/main">
+                <a:solidFill>
+                  <a:srgbClr val="FFFFFF"/>
+                </a:solidFill>
+              </a14:hiddenFill>
+            </a:ext>
+          </a:extLst>
+        </p:spPr>
+      </p:pic>
+      <p:pic>
+        <p:nvPicPr>
+          <p:cNvPr id="1030" name="Picture 6" descr="http://miei.di.uminho.pt/img/logotipo_um.gif"/>
+          <p:cNvPicPr>
+            <a:picLocks noChangeAspect="1" noChangeArrowheads="1"/>
+          </p:cNvPicPr>
+          <p:nvPr/>
+        </p:nvPicPr>
+        <p:blipFill>
+          <a:blip r:embed="rId4">
+            <a:extLst>
+              <a:ext uri="{28A0092B-C50C-407E-A947-70E740481C1C}">
+                <a14:useLocalDpi xmlns:a14="http://schemas.microsoft.com/office/drawing/2010/main" val="0"/>
+              </a:ext>
+            </a:extLst>
+          </a:blip>
+          <a:srcRect/>
+          <a:stretch>
+            <a:fillRect/>
+          </a:stretch>
+        </p:blipFill>
+        <p:spPr bwMode="auto">
+          <a:xfrm>
+            <a:off x="0" y="5895975"/>
+            <a:ext cx="952500" cy="962025"/>
+          </a:xfrm>
+          <a:prstGeom prst="rect">
+            <a:avLst/>
+          </a:prstGeom>
+          <a:noFill/>
+          <a:extLst>
+            <a:ext uri="{909E8E84-426E-40DD-AFC4-6F175D3DCCD1}">
+              <a14:hiddenFill xmlns:a14="http://schemas.microsoft.com/office/drawing/2010/main">
+                <a:solidFill>
+                  <a:srgbClr val="FFFFFF"/>
+                </a:solidFill>
+              </a14:hiddenFill>
+            </a:ext>
+          </a:extLst>
+        </p:spPr>
+      </p:pic>
     </p:spTree>
     <p:extLst>
       <p:ext uri="{BB962C8B-B14F-4D97-AF65-F5344CB8AC3E}">
@@ -3880,10 +3472,3526 @@
   <p:clrMapOvr>
     <a:masterClrMapping/>
   </p:clrMapOvr>
+  <p:timing>
+    <p:tnLst>
+      <p:par>
+        <p:cTn id="1" dur="indefinite" restart="never" nodeType="tmRoot"/>
+      </p:par>
+    </p:tnLst>
+  </p:timing>
 </p:sld>
 </file>
 
 <file path=ppt/slides/slide10.xml><?xml version="1.0" encoding="utf-8"?>
+<p:sld xmlns:a="http://schemas.openxmlformats.org/drawingml/2006/main" xmlns:r="http://schemas.openxmlformats.org/officeDocument/2006/relationships" xmlns:p="http://schemas.openxmlformats.org/presentationml/2006/main">
+  <p:cSld>
+    <p:spTree>
+      <p:nvGrpSpPr>
+        <p:cNvPr id="1" name=""/>
+        <p:cNvGrpSpPr/>
+        <p:nvPr/>
+      </p:nvGrpSpPr>
+      <p:grpSpPr>
+        <a:xfrm>
+          <a:off x="0" y="0"/>
+          <a:ext cx="0" cy="0"/>
+          <a:chOff x="0" y="0"/>
+          <a:chExt cx="0" cy="0"/>
+        </a:xfrm>
+      </p:grpSpPr>
+      <p:sp>
+        <p:nvSpPr>
+          <p:cNvPr id="2" name="Título 1"/>
+          <p:cNvSpPr>
+            <a:spLocks noGrp="1"/>
+          </p:cNvSpPr>
+          <p:nvPr>
+            <p:ph type="title"/>
+          </p:nvPr>
+        </p:nvSpPr>
+        <p:spPr/>
+        <p:txBody>
+          <a:bodyPr/>
+          <a:lstStyle/>
+          <a:p>
+            <a:r>
+              <a:rPr lang="pt-PT" dirty="0" smtClean="0"/>
+              <a:t>Requisitos</a:t>
+            </a:r>
+            <a:endParaRPr lang="en-US" dirty="0"/>
+          </a:p>
+        </p:txBody>
+      </p:sp>
+      <p:sp>
+        <p:nvSpPr>
+          <p:cNvPr id="4" name="Retângulo 3"/>
+          <p:cNvSpPr/>
+          <p:nvPr/>
+        </p:nvSpPr>
+        <p:spPr>
+          <a:xfrm>
+            <a:off x="254000" y="1690688"/>
+            <a:ext cx="5588000" cy="4799012"/>
+          </a:xfrm>
+          <a:prstGeom prst="rect">
+            <a:avLst/>
+          </a:prstGeom>
+        </p:spPr>
+        <p:style>
+          <a:lnRef idx="2">
+            <a:schemeClr val="accent1">
+              <a:shade val="50000"/>
+            </a:schemeClr>
+          </a:lnRef>
+          <a:fillRef idx="1">
+            <a:schemeClr val="accent1"/>
+          </a:fillRef>
+          <a:effectRef idx="0">
+            <a:schemeClr val="accent1"/>
+          </a:effectRef>
+          <a:fontRef idx="minor">
+            <a:schemeClr val="lt1"/>
+          </a:fontRef>
+        </p:style>
+        <p:txBody>
+          <a:bodyPr rtlCol="0" anchor="ctr"/>
+          <a:lstStyle/>
+          <a:p>
+            <a:pPr algn="ctr"/>
+            <a:endParaRPr lang="en-US"/>
+          </a:p>
+        </p:txBody>
+      </p:sp>
+      <p:sp>
+        <p:nvSpPr>
+          <p:cNvPr id="5" name="Retângulo 4"/>
+          <p:cNvSpPr/>
+          <p:nvPr/>
+        </p:nvSpPr>
+        <p:spPr>
+          <a:xfrm>
+            <a:off x="5967343" y="1690688"/>
+            <a:ext cx="5921514" cy="4799012"/>
+          </a:xfrm>
+          <a:prstGeom prst="rect">
+            <a:avLst/>
+          </a:prstGeom>
+        </p:spPr>
+        <p:style>
+          <a:lnRef idx="2">
+            <a:schemeClr val="accent1">
+              <a:shade val="50000"/>
+            </a:schemeClr>
+          </a:lnRef>
+          <a:fillRef idx="1">
+            <a:schemeClr val="accent1"/>
+          </a:fillRef>
+          <a:effectRef idx="0">
+            <a:schemeClr val="accent1"/>
+          </a:effectRef>
+          <a:fontRef idx="minor">
+            <a:schemeClr val="lt1"/>
+          </a:fontRef>
+        </p:style>
+        <p:txBody>
+          <a:bodyPr rtlCol="0" anchor="ctr"/>
+          <a:lstStyle/>
+          <a:p>
+            <a:pPr algn="ctr"/>
+            <a:endParaRPr lang="en-US"/>
+          </a:p>
+        </p:txBody>
+      </p:sp>
+      <p:sp>
+        <p:nvSpPr>
+          <p:cNvPr id="7" name="Marcador de Posição de Conteúdo 2"/>
+          <p:cNvSpPr>
+            <a:spLocks noGrp="1"/>
+          </p:cNvSpPr>
+          <p:nvPr>
+            <p:ph idx="1"/>
+          </p:nvPr>
+        </p:nvSpPr>
+        <p:spPr>
+          <a:xfrm>
+            <a:off x="379343" y="1838877"/>
+            <a:ext cx="11433314" cy="4773958"/>
+          </a:xfrm>
+        </p:spPr>
+        <p:txBody>
+          <a:bodyPr numCol="2">
+            <a:normAutofit fontScale="47500" lnSpcReduction="20000"/>
+          </a:bodyPr>
+          <a:lstStyle/>
+          <a:p>
+            <a:pPr marL="514350" lvl="0" indent="-514350" algn="just" fontAlgn="base">
+              <a:lnSpc>
+                <a:spcPct val="170000"/>
+              </a:lnSpc>
+              <a:buFont typeface="+mj-lt"/>
+              <a:buAutoNum type="arabicPeriod"/>
+            </a:pPr>
+            <a:r>
+              <a:rPr lang="pt-PT" sz="2900" dirty="0"/>
+              <a:t>Saber a designação de todas as coleções existentes.</a:t>
+            </a:r>
+            <a:endParaRPr lang="en-US" sz="2900" dirty="0"/>
+          </a:p>
+          <a:p>
+            <a:pPr marL="514350" lvl="0" indent="-514350" algn="just" fontAlgn="base">
+              <a:lnSpc>
+                <a:spcPct val="170000"/>
+              </a:lnSpc>
+              <a:buFont typeface="+mj-lt"/>
+              <a:buAutoNum type="arabicPeriod"/>
+            </a:pPr>
+            <a:r>
+              <a:rPr lang="pt-PT" sz="2900" dirty="0"/>
+              <a:t>Saber quantos livros cada colecção tem.</a:t>
+            </a:r>
+            <a:endParaRPr lang="en-US" sz="2900" dirty="0"/>
+          </a:p>
+          <a:p>
+            <a:pPr marL="514350" lvl="0" indent="-514350" algn="just" fontAlgn="base">
+              <a:lnSpc>
+                <a:spcPct val="170000"/>
+              </a:lnSpc>
+              <a:buFont typeface="+mj-lt"/>
+              <a:buAutoNum type="arabicPeriod"/>
+            </a:pPr>
+            <a:r>
+              <a:rPr lang="pt-PT" sz="2900" dirty="0"/>
+              <a:t>Saber lista de nomes dos autores dos livros da biblioteca.</a:t>
+            </a:r>
+            <a:endParaRPr lang="en-US" sz="2900" dirty="0"/>
+          </a:p>
+          <a:p>
+            <a:pPr marL="514350" lvl="0" indent="-514350" algn="just" fontAlgn="base">
+              <a:lnSpc>
+                <a:spcPct val="170000"/>
+              </a:lnSpc>
+              <a:buFont typeface="+mj-lt"/>
+              <a:buAutoNum type="arabicPeriod"/>
+            </a:pPr>
+            <a:r>
+              <a:rPr lang="pt-PT" sz="2900" dirty="0"/>
+              <a:t>Saber o apelido e primeiros nomes de um autor.</a:t>
+            </a:r>
+            <a:endParaRPr lang="en-US" sz="2900" dirty="0"/>
+          </a:p>
+          <a:p>
+            <a:pPr marL="514350" lvl="0" indent="-514350" algn="just" fontAlgn="base">
+              <a:lnSpc>
+                <a:spcPct val="170000"/>
+              </a:lnSpc>
+              <a:buFont typeface="+mj-lt"/>
+              <a:buAutoNum type="arabicPeriod"/>
+            </a:pPr>
+            <a:r>
+              <a:rPr lang="pt-PT" sz="2900" dirty="0"/>
+              <a:t>Saber lista de editoras dos livros da biblioteca.</a:t>
+            </a:r>
+            <a:endParaRPr lang="en-US" sz="2900" dirty="0"/>
+          </a:p>
+          <a:p>
+            <a:pPr marL="514350" lvl="0" indent="-514350" algn="just" fontAlgn="base">
+              <a:lnSpc>
+                <a:spcPct val="170000"/>
+              </a:lnSpc>
+              <a:buFont typeface="+mj-lt"/>
+              <a:buAutoNum type="arabicPeriod"/>
+            </a:pPr>
+            <a:r>
+              <a:rPr lang="pt-PT" sz="2900" dirty="0"/>
+              <a:t>Para uma dada editora, saber a sua designação.</a:t>
+            </a:r>
+            <a:endParaRPr lang="en-US" sz="2900" dirty="0"/>
+          </a:p>
+          <a:p>
+            <a:pPr marL="514350" lvl="0" indent="-514350" algn="just" fontAlgn="base">
+              <a:lnSpc>
+                <a:spcPct val="170000"/>
+              </a:lnSpc>
+              <a:buFont typeface="+mj-lt"/>
+              <a:buAutoNum type="arabicPeriod"/>
+            </a:pPr>
+            <a:r>
+              <a:rPr lang="pt-PT" sz="2900" dirty="0"/>
+              <a:t>Pesquisar um livro segundo: ISSN, ISBN, código de barras e título.</a:t>
+            </a:r>
+            <a:endParaRPr lang="en-US" sz="2900" dirty="0"/>
+          </a:p>
+          <a:p>
+            <a:pPr marL="514350" lvl="0" indent="-514350" algn="just" fontAlgn="base">
+              <a:lnSpc>
+                <a:spcPct val="170000"/>
+              </a:lnSpc>
+              <a:buFont typeface="+mj-lt"/>
+              <a:buAutoNum type="arabicPeriod"/>
+            </a:pPr>
+            <a:r>
+              <a:rPr lang="pt-PT" sz="2900" dirty="0"/>
+              <a:t>Saber os livros que um autor escreveu.</a:t>
+            </a:r>
+            <a:endParaRPr lang="en-US" sz="2900" dirty="0"/>
+          </a:p>
+          <a:p>
+            <a:pPr marL="514350" lvl="0" indent="-514350" algn="just" fontAlgn="base">
+              <a:lnSpc>
+                <a:spcPct val="170000"/>
+              </a:lnSpc>
+              <a:buFont typeface="+mj-lt"/>
+              <a:buAutoNum type="arabicPeriod"/>
+            </a:pPr>
+            <a:r>
+              <a:rPr lang="pt-PT" sz="2900" dirty="0"/>
+              <a:t>Saber os livros que uma editora publicou.</a:t>
+            </a:r>
+            <a:endParaRPr lang="en-US" sz="2900" dirty="0"/>
+          </a:p>
+          <a:p>
+            <a:pPr marL="514350" lvl="0" indent="-514350" algn="just" fontAlgn="base">
+              <a:lnSpc>
+                <a:spcPct val="170000"/>
+              </a:lnSpc>
+              <a:buFont typeface="+mj-lt"/>
+              <a:buAutoNum type="arabicPeriod"/>
+            </a:pPr>
+            <a:r>
+              <a:rPr lang="pt-PT" sz="2900" dirty="0"/>
+              <a:t>Saber os livros pertencentes a uma colecção.</a:t>
+            </a:r>
+            <a:endParaRPr lang="en-US" sz="2900" dirty="0"/>
+          </a:p>
+          <a:p>
+            <a:pPr marL="514350" lvl="0" indent="-514350" algn="just" fontAlgn="base">
+              <a:lnSpc>
+                <a:spcPct val="170000"/>
+              </a:lnSpc>
+              <a:buFont typeface="+mj-lt"/>
+              <a:buAutoNum type="arabicPeriod"/>
+            </a:pPr>
+            <a:r>
+              <a:rPr lang="pt-PT" sz="2900" dirty="0"/>
+              <a:t>Saber os livros que têm uma dada CDU.</a:t>
+            </a:r>
+            <a:endParaRPr lang="en-US" sz="2900" dirty="0"/>
+          </a:p>
+          <a:p>
+            <a:pPr marL="514350" lvl="0" indent="-514350" algn="just" fontAlgn="base">
+              <a:lnSpc>
+                <a:spcPct val="170000"/>
+              </a:lnSpc>
+              <a:buFont typeface="+mj-lt"/>
+              <a:buAutoNum type="arabicPeriod"/>
+            </a:pPr>
+            <a:r>
+              <a:rPr lang="pt-PT" sz="2900" dirty="0"/>
+              <a:t>Fazer pesquisa por título do livro, que corresponde a obter uma lista de livros que têm no seu título o conjunto de palavras indicado no campo da pesquisa.</a:t>
+            </a:r>
+            <a:endParaRPr lang="en-US" sz="2900" dirty="0"/>
+          </a:p>
+          <a:p>
+            <a:pPr marL="514350" lvl="0" indent="-514350" algn="just" fontAlgn="base">
+              <a:lnSpc>
+                <a:spcPct val="170000"/>
+              </a:lnSpc>
+              <a:buFont typeface="+mj-lt"/>
+              <a:buAutoNum type="arabicPeriod"/>
+            </a:pPr>
+            <a:r>
+              <a:rPr lang="pt-PT" sz="2900" dirty="0"/>
+              <a:t>Para um dado livro, saber o seu ISSN, ISBN, código de barras, título, editora, autor, edição, CDU, ano de publicação e número de exemplares.</a:t>
+            </a:r>
+            <a:endParaRPr lang="en-US" sz="2900" dirty="0"/>
+          </a:p>
+          <a:p>
+            <a:pPr marL="514350" lvl="0" indent="-514350" algn="just" fontAlgn="base">
+              <a:lnSpc>
+                <a:spcPct val="170000"/>
+              </a:lnSpc>
+              <a:buFont typeface="+mj-lt"/>
+              <a:buAutoNum type="arabicPeriod"/>
+            </a:pPr>
+            <a:r>
+              <a:rPr lang="pt-PT" sz="2900" dirty="0"/>
+              <a:t>Saber a localização de livros de uma certa CDU.</a:t>
+            </a:r>
+            <a:endParaRPr lang="en-US" sz="2900" dirty="0"/>
+          </a:p>
+          <a:p>
+            <a:pPr marL="514350" lvl="0" indent="-514350" algn="just" fontAlgn="base">
+              <a:lnSpc>
+                <a:spcPct val="170000"/>
+              </a:lnSpc>
+              <a:buFont typeface="+mj-lt"/>
+              <a:buAutoNum type="arabicPeriod"/>
+            </a:pPr>
+            <a:r>
+              <a:rPr lang="pt-PT" sz="2900" dirty="0"/>
+              <a:t>Para cada exemplar saber o estado de disponibilidade (reservado, requisitado ou não requisitável), o estado de conservação do exemplar bem como a sua localização na biblioteca (piso, estante e prateleira).</a:t>
+            </a:r>
+            <a:endParaRPr lang="en-US" sz="2900" dirty="0"/>
+          </a:p>
+          <a:p>
+            <a:pPr marL="514350" lvl="0" indent="-514350" algn="just" fontAlgn="base">
+              <a:lnSpc>
+                <a:spcPct val="170000"/>
+              </a:lnSpc>
+              <a:buFont typeface="+mj-lt"/>
+              <a:buAutoNum type="arabicPeriod"/>
+            </a:pPr>
+            <a:r>
+              <a:rPr lang="pt-PT" sz="2900" dirty="0"/>
+              <a:t>Reservar exemplares de um ou mais livros</a:t>
+            </a:r>
+            <a:r>
+              <a:rPr lang="pt-PT" sz="2900" dirty="0" smtClean="0"/>
+              <a:t>.</a:t>
+            </a:r>
+            <a:endParaRPr lang="en-US" sz="2900" dirty="0"/>
+          </a:p>
+        </p:txBody>
+      </p:sp>
+      <p:pic>
+        <p:nvPicPr>
+          <p:cNvPr id="8194" name="Picture 2" descr="http://expotalentopanama.com/wp-content/uploads/requisitos.png"/>
+          <p:cNvPicPr>
+            <a:picLocks noChangeAspect="1" noChangeArrowheads="1"/>
+          </p:cNvPicPr>
+          <p:nvPr/>
+        </p:nvPicPr>
+        <p:blipFill>
+          <a:blip r:embed="rId2" cstate="print">
+            <a:extLst>
+              <a:ext uri="{28A0092B-C50C-407E-A947-70E740481C1C}">
+                <a14:useLocalDpi xmlns:a14="http://schemas.microsoft.com/office/drawing/2010/main" val="0"/>
+              </a:ext>
+            </a:extLst>
+          </a:blip>
+          <a:srcRect/>
+          <a:stretch>
+            <a:fillRect/>
+          </a:stretch>
+        </p:blipFill>
+        <p:spPr bwMode="auto">
+          <a:xfrm>
+            <a:off x="9918701" y="265016"/>
+            <a:ext cx="2019299" cy="1261500"/>
+          </a:xfrm>
+          <a:prstGeom prst="rect">
+            <a:avLst/>
+          </a:prstGeom>
+          <a:noFill/>
+          <a:extLst>
+            <a:ext uri="{909E8E84-426E-40DD-AFC4-6F175D3DCCD1}">
+              <a14:hiddenFill xmlns:a14="http://schemas.microsoft.com/office/drawing/2010/main">
+                <a:solidFill>
+                  <a:srgbClr val="FFFFFF"/>
+                </a:solidFill>
+              </a14:hiddenFill>
+            </a:ext>
+          </a:extLst>
+        </p:spPr>
+      </p:pic>
+      <p:pic>
+        <p:nvPicPr>
+          <p:cNvPr id="9" name="Picture 2" descr="http://expotalentopanama.com/wp-content/uploads/requisitos.png"/>
+          <p:cNvPicPr>
+            <a:picLocks noChangeAspect="1" noChangeArrowheads="1"/>
+          </p:cNvPicPr>
+          <p:nvPr/>
+        </p:nvPicPr>
+        <p:blipFill>
+          <a:blip r:embed="rId2" cstate="print">
+            <a:extLst>
+              <a:ext uri="{28A0092B-C50C-407E-A947-70E740481C1C}">
+                <a14:useLocalDpi xmlns:a14="http://schemas.microsoft.com/office/drawing/2010/main" val="0"/>
+              </a:ext>
+            </a:extLst>
+          </a:blip>
+          <a:srcRect/>
+          <a:stretch>
+            <a:fillRect/>
+          </a:stretch>
+        </p:blipFill>
+        <p:spPr bwMode="auto">
+          <a:xfrm>
+            <a:off x="7690680" y="221453"/>
+            <a:ext cx="2019299" cy="1261500"/>
+          </a:xfrm>
+          <a:prstGeom prst="rect">
+            <a:avLst/>
+          </a:prstGeom>
+          <a:noFill/>
+          <a:extLst>
+            <a:ext uri="{909E8E84-426E-40DD-AFC4-6F175D3DCCD1}">
+              <a14:hiddenFill xmlns:a14="http://schemas.microsoft.com/office/drawing/2010/main">
+                <a:solidFill>
+                  <a:srgbClr val="FFFFFF"/>
+                </a:solidFill>
+              </a14:hiddenFill>
+            </a:ext>
+          </a:extLst>
+        </p:spPr>
+      </p:pic>
+      <p:pic>
+        <p:nvPicPr>
+          <p:cNvPr id="10" name="Picture 2" descr="http://expotalentopanama.com/wp-content/uploads/requisitos.png"/>
+          <p:cNvPicPr>
+            <a:picLocks noChangeAspect="1" noChangeArrowheads="1"/>
+          </p:cNvPicPr>
+          <p:nvPr/>
+        </p:nvPicPr>
+        <p:blipFill>
+          <a:blip r:embed="rId2" cstate="print">
+            <a:extLst>
+              <a:ext uri="{28A0092B-C50C-407E-A947-70E740481C1C}">
+                <a14:useLocalDpi xmlns:a14="http://schemas.microsoft.com/office/drawing/2010/main" val="0"/>
+              </a:ext>
+            </a:extLst>
+          </a:blip>
+          <a:srcRect/>
+          <a:stretch>
+            <a:fillRect/>
+          </a:stretch>
+        </p:blipFill>
+        <p:spPr bwMode="auto">
+          <a:xfrm>
+            <a:off x="5567020" y="240087"/>
+            <a:ext cx="2019299" cy="1261500"/>
+          </a:xfrm>
+          <a:prstGeom prst="rect">
+            <a:avLst/>
+          </a:prstGeom>
+          <a:noFill/>
+          <a:extLst>
+            <a:ext uri="{909E8E84-426E-40DD-AFC4-6F175D3DCCD1}">
+              <a14:hiddenFill xmlns:a14="http://schemas.microsoft.com/office/drawing/2010/main">
+                <a:solidFill>
+                  <a:srgbClr val="FFFFFF"/>
+                </a:solidFill>
+              </a14:hiddenFill>
+            </a:ext>
+          </a:extLst>
+        </p:spPr>
+      </p:pic>
+      <p:pic>
+        <p:nvPicPr>
+          <p:cNvPr id="11" name="Picture 2" descr="http://expotalentopanama.com/wp-content/uploads/requisitos.png"/>
+          <p:cNvPicPr>
+            <a:picLocks noChangeAspect="1" noChangeArrowheads="1"/>
+          </p:cNvPicPr>
+          <p:nvPr/>
+        </p:nvPicPr>
+        <p:blipFill>
+          <a:blip r:embed="rId2" cstate="print">
+            <a:extLst>
+              <a:ext uri="{28A0092B-C50C-407E-A947-70E740481C1C}">
+                <a14:useLocalDpi xmlns:a14="http://schemas.microsoft.com/office/drawing/2010/main" val="0"/>
+              </a:ext>
+            </a:extLst>
+          </a:blip>
+          <a:srcRect/>
+          <a:stretch>
+            <a:fillRect/>
+          </a:stretch>
+        </p:blipFill>
+        <p:spPr bwMode="auto">
+          <a:xfrm>
+            <a:off x="3443361" y="240087"/>
+            <a:ext cx="2019299" cy="1261500"/>
+          </a:xfrm>
+          <a:prstGeom prst="rect">
+            <a:avLst/>
+          </a:prstGeom>
+          <a:noFill/>
+          <a:extLst>
+            <a:ext uri="{909E8E84-426E-40DD-AFC4-6F175D3DCCD1}">
+              <a14:hiddenFill xmlns:a14="http://schemas.microsoft.com/office/drawing/2010/main">
+                <a:solidFill>
+                  <a:srgbClr val="FFFFFF"/>
+                </a:solidFill>
+              </a14:hiddenFill>
+            </a:ext>
+          </a:extLst>
+        </p:spPr>
+      </p:pic>
+    </p:spTree>
+    <p:extLst>
+      <p:ext uri="{BB962C8B-B14F-4D97-AF65-F5344CB8AC3E}">
+        <p14:creationId xmlns:p14="http://schemas.microsoft.com/office/powerpoint/2010/main" val="3032364236"/>
+      </p:ext>
+    </p:extLst>
+  </p:cSld>
+  <p:clrMapOvr>
+    <a:masterClrMapping/>
+  </p:clrMapOvr>
+</p:sld>
+</file>
+
+<file path=ppt/slides/slide11.xml><?xml version="1.0" encoding="utf-8"?>
+<p:sld xmlns:a="http://schemas.openxmlformats.org/drawingml/2006/main" xmlns:r="http://schemas.openxmlformats.org/officeDocument/2006/relationships" xmlns:p="http://schemas.openxmlformats.org/presentationml/2006/main">
+  <p:cSld>
+    <p:spTree>
+      <p:nvGrpSpPr>
+        <p:cNvPr id="1" name=""/>
+        <p:cNvGrpSpPr/>
+        <p:nvPr/>
+      </p:nvGrpSpPr>
+      <p:grpSpPr>
+        <a:xfrm>
+          <a:off x="0" y="0"/>
+          <a:ext cx="0" cy="0"/>
+          <a:chOff x="0" y="0"/>
+          <a:chExt cx="0" cy="0"/>
+        </a:xfrm>
+      </p:grpSpPr>
+      <p:sp>
+        <p:nvSpPr>
+          <p:cNvPr id="4" name="Retângulo 3"/>
+          <p:cNvSpPr/>
+          <p:nvPr/>
+        </p:nvSpPr>
+        <p:spPr>
+          <a:xfrm>
+            <a:off x="577021" y="1245393"/>
+            <a:ext cx="11037957" cy="5320507"/>
+          </a:xfrm>
+          <a:prstGeom prst="rect">
+            <a:avLst/>
+          </a:prstGeom>
+        </p:spPr>
+        <p:style>
+          <a:lnRef idx="2">
+            <a:schemeClr val="accent1">
+              <a:shade val="50000"/>
+            </a:schemeClr>
+          </a:lnRef>
+          <a:fillRef idx="1">
+            <a:schemeClr val="accent1"/>
+          </a:fillRef>
+          <a:effectRef idx="0">
+            <a:schemeClr val="accent1"/>
+          </a:effectRef>
+          <a:fontRef idx="minor">
+            <a:schemeClr val="lt1"/>
+          </a:fontRef>
+        </p:style>
+        <p:txBody>
+          <a:bodyPr rtlCol="0" anchor="ctr"/>
+          <a:lstStyle/>
+          <a:p>
+            <a:pPr algn="ctr"/>
+            <a:endParaRPr lang="en-US"/>
+          </a:p>
+        </p:txBody>
+      </p:sp>
+      <p:sp>
+        <p:nvSpPr>
+          <p:cNvPr id="6" name="Marcador de Posição de Conteúdo 2"/>
+          <p:cNvSpPr>
+            <a:spLocks noGrp="1"/>
+          </p:cNvSpPr>
+          <p:nvPr>
+            <p:ph idx="1"/>
+          </p:nvPr>
+        </p:nvSpPr>
+        <p:spPr>
+          <a:xfrm>
+            <a:off x="838200" y="1384299"/>
+            <a:ext cx="10515600" cy="5181601"/>
+          </a:xfrm>
+        </p:spPr>
+        <p:txBody>
+          <a:bodyPr>
+            <a:normAutofit fontScale="47500" lnSpcReduction="20000"/>
+          </a:bodyPr>
+          <a:lstStyle/>
+          <a:p>
+            <a:pPr marL="0" lvl="0" indent="0" algn="just" fontAlgn="base">
+              <a:lnSpc>
+                <a:spcPct val="170000"/>
+              </a:lnSpc>
+              <a:buNone/>
+            </a:pPr>
+            <a:r>
+              <a:rPr lang="pt-PT" sz="3400" dirty="0" smtClean="0"/>
+              <a:t>17. Saber data de reserva e seu estado (pendente, exemplar disponível para levantamento, reserva concluída ou cancelada).</a:t>
+            </a:r>
+            <a:endParaRPr lang="en-US" sz="3400" dirty="0"/>
+          </a:p>
+          <a:p>
+            <a:pPr marL="0" lvl="0" indent="0" algn="just" fontAlgn="base">
+              <a:lnSpc>
+                <a:spcPct val="170000"/>
+              </a:lnSpc>
+              <a:buNone/>
+            </a:pPr>
+            <a:r>
+              <a:rPr lang="en-US" sz="3400" dirty="0" smtClean="0"/>
+              <a:t>18. </a:t>
+            </a:r>
+            <a:r>
+              <a:rPr lang="pt-PT" sz="3400" dirty="0" smtClean="0"/>
+              <a:t>Cancelar reserva de exemplar.</a:t>
+            </a:r>
+            <a:endParaRPr lang="en-US" sz="3400" dirty="0" smtClean="0"/>
+          </a:p>
+          <a:p>
+            <a:pPr marL="0" lvl="0" indent="0" algn="just" fontAlgn="base">
+              <a:lnSpc>
+                <a:spcPct val="170000"/>
+              </a:lnSpc>
+              <a:buNone/>
+            </a:pPr>
+            <a:r>
+              <a:rPr lang="pt-PT" sz="3400" dirty="0" smtClean="0"/>
+              <a:t>19. Efetuar requisição de um exemplar.</a:t>
+            </a:r>
+            <a:endParaRPr lang="en-US" sz="3400" dirty="0"/>
+          </a:p>
+          <a:p>
+            <a:pPr marL="0" lvl="0" indent="0" algn="just" fontAlgn="base">
+              <a:lnSpc>
+                <a:spcPct val="170000"/>
+              </a:lnSpc>
+              <a:buNone/>
+            </a:pPr>
+            <a:r>
+              <a:rPr lang="en-US" sz="3400" dirty="0" smtClean="0"/>
+              <a:t>20. </a:t>
+            </a:r>
+            <a:r>
+              <a:rPr lang="pt-PT" sz="3400" dirty="0" smtClean="0"/>
+              <a:t>Para uma requisição, saber o seu estado (ativa ou não), em que data foi realizada, em que data deverá ser entregue o exemplar, qual o número de renovações efetuado e qual o número máximo de renovações permitidas em vigor na data da reserva.</a:t>
+            </a:r>
+            <a:endParaRPr lang="en-US" sz="3400" dirty="0" smtClean="0"/>
+          </a:p>
+          <a:p>
+            <a:pPr marL="0" lvl="0" indent="0" algn="just" fontAlgn="base">
+              <a:lnSpc>
+                <a:spcPct val="170000"/>
+              </a:lnSpc>
+              <a:buNone/>
+            </a:pPr>
+            <a:r>
+              <a:rPr lang="pt-PT" sz="3400" dirty="0" smtClean="0"/>
+              <a:t>21. Renovar uma requisição, não excedendo o número máximo de renovações permitido.</a:t>
+            </a:r>
+            <a:endParaRPr lang="en-US" sz="3400" dirty="0" smtClean="0"/>
+          </a:p>
+          <a:p>
+            <a:pPr marL="0" lvl="0" indent="0" algn="just" fontAlgn="base">
+              <a:lnSpc>
+                <a:spcPct val="170000"/>
+              </a:lnSpc>
+              <a:buNone/>
+            </a:pPr>
+            <a:r>
+              <a:rPr lang="pt-PT" sz="3400" dirty="0" smtClean="0"/>
+              <a:t>22. Concluir requisição, que corresponde à devolução do exemplar requisitado.</a:t>
+            </a:r>
+            <a:endParaRPr lang="en-US" sz="3400" dirty="0" smtClean="0"/>
+          </a:p>
+          <a:p>
+            <a:pPr marL="0" lvl="0" indent="0" algn="just" fontAlgn="base">
+              <a:lnSpc>
+                <a:spcPct val="170000"/>
+              </a:lnSpc>
+              <a:buNone/>
+            </a:pPr>
+            <a:r>
+              <a:rPr lang="pt-PT" sz="3400" dirty="0" smtClean="0"/>
+              <a:t>23. Gerar estatísticas de número de renovações médio e saber quantos utilizadores usam o número máximo de requisições permitidas.</a:t>
+            </a:r>
+            <a:endParaRPr lang="en-US" sz="3400" dirty="0" smtClean="0"/>
+          </a:p>
+          <a:p>
+            <a:pPr marL="0" lvl="0" indent="0" algn="just" fontAlgn="base">
+              <a:lnSpc>
+                <a:spcPct val="170000"/>
+              </a:lnSpc>
+              <a:buNone/>
+            </a:pPr>
+            <a:r>
+              <a:rPr lang="pt-PT" sz="3400" dirty="0" smtClean="0"/>
+              <a:t>24. Registar utilizadores internos ou externos como requisitantes.</a:t>
+            </a:r>
+            <a:endParaRPr lang="en-US" sz="3400" dirty="0" smtClean="0"/>
+          </a:p>
+          <a:p>
+            <a:endParaRPr lang="en-US" dirty="0"/>
+          </a:p>
+        </p:txBody>
+      </p:sp>
+      <p:pic>
+        <p:nvPicPr>
+          <p:cNvPr id="9218" name="Picture 2" descr="http://blogdoscursos.com.br/wp-content/uploads/5-ti/2013/06/Requisitos-b_sicos.jpg"/>
+          <p:cNvPicPr>
+            <a:picLocks noChangeAspect="1" noChangeArrowheads="1"/>
+          </p:cNvPicPr>
+          <p:nvPr/>
+        </p:nvPicPr>
+        <p:blipFill>
+          <a:blip r:embed="rId2" cstate="print">
+            <a:extLst>
+              <a:ext uri="{28A0092B-C50C-407E-A947-70E740481C1C}">
+                <a14:useLocalDpi xmlns:a14="http://schemas.microsoft.com/office/drawing/2010/main" val="0"/>
+              </a:ext>
+            </a:extLst>
+          </a:blip>
+          <a:srcRect/>
+          <a:stretch>
+            <a:fillRect/>
+          </a:stretch>
+        </p:blipFill>
+        <p:spPr bwMode="auto">
+          <a:xfrm>
+            <a:off x="237365" y="214311"/>
+            <a:ext cx="970860" cy="776688"/>
+          </a:xfrm>
+          <a:prstGeom prst="rect">
+            <a:avLst/>
+          </a:prstGeom>
+          <a:noFill/>
+          <a:extLst>
+            <a:ext uri="{909E8E84-426E-40DD-AFC4-6F175D3DCCD1}">
+              <a14:hiddenFill xmlns:a14="http://schemas.microsoft.com/office/drawing/2010/main">
+                <a:solidFill>
+                  <a:srgbClr val="FFFFFF"/>
+                </a:solidFill>
+              </a14:hiddenFill>
+            </a:ext>
+          </a:extLst>
+        </p:spPr>
+      </p:pic>
+      <p:pic>
+        <p:nvPicPr>
+          <p:cNvPr id="8" name="Picture 2" descr="http://blogdoscursos.com.br/wp-content/uploads/5-ti/2013/06/Requisitos-b_sicos.jpg"/>
+          <p:cNvPicPr>
+            <a:picLocks noChangeAspect="1" noChangeArrowheads="1"/>
+          </p:cNvPicPr>
+          <p:nvPr/>
+        </p:nvPicPr>
+        <p:blipFill>
+          <a:blip r:embed="rId2" cstate="print">
+            <a:extLst>
+              <a:ext uri="{28A0092B-C50C-407E-A947-70E740481C1C}">
+                <a14:useLocalDpi xmlns:a14="http://schemas.microsoft.com/office/drawing/2010/main" val="0"/>
+              </a:ext>
+            </a:extLst>
+          </a:blip>
+          <a:srcRect/>
+          <a:stretch>
+            <a:fillRect/>
+          </a:stretch>
+        </p:blipFill>
+        <p:spPr bwMode="auto">
+          <a:xfrm>
+            <a:off x="1208225" y="222802"/>
+            <a:ext cx="970860" cy="776688"/>
+          </a:xfrm>
+          <a:prstGeom prst="rect">
+            <a:avLst/>
+          </a:prstGeom>
+          <a:noFill/>
+          <a:extLst>
+            <a:ext uri="{909E8E84-426E-40DD-AFC4-6F175D3DCCD1}">
+              <a14:hiddenFill xmlns:a14="http://schemas.microsoft.com/office/drawing/2010/main">
+                <a:solidFill>
+                  <a:srgbClr val="FFFFFF"/>
+                </a:solidFill>
+              </a14:hiddenFill>
+            </a:ext>
+          </a:extLst>
+        </p:spPr>
+      </p:pic>
+      <p:pic>
+        <p:nvPicPr>
+          <p:cNvPr id="9" name="Picture 2" descr="http://blogdoscursos.com.br/wp-content/uploads/5-ti/2013/06/Requisitos-b_sicos.jpg"/>
+          <p:cNvPicPr>
+            <a:picLocks noChangeAspect="1" noChangeArrowheads="1"/>
+          </p:cNvPicPr>
+          <p:nvPr/>
+        </p:nvPicPr>
+        <p:blipFill>
+          <a:blip r:embed="rId2" cstate="print">
+            <a:extLst>
+              <a:ext uri="{28A0092B-C50C-407E-A947-70E740481C1C}">
+                <a14:useLocalDpi xmlns:a14="http://schemas.microsoft.com/office/drawing/2010/main" val="0"/>
+              </a:ext>
+            </a:extLst>
+          </a:blip>
+          <a:srcRect/>
+          <a:stretch>
+            <a:fillRect/>
+          </a:stretch>
+        </p:blipFill>
+        <p:spPr bwMode="auto">
+          <a:xfrm>
+            <a:off x="2179085" y="201575"/>
+            <a:ext cx="970860" cy="776688"/>
+          </a:xfrm>
+          <a:prstGeom prst="rect">
+            <a:avLst/>
+          </a:prstGeom>
+          <a:noFill/>
+          <a:extLst>
+            <a:ext uri="{909E8E84-426E-40DD-AFC4-6F175D3DCCD1}">
+              <a14:hiddenFill xmlns:a14="http://schemas.microsoft.com/office/drawing/2010/main">
+                <a:solidFill>
+                  <a:srgbClr val="FFFFFF"/>
+                </a:solidFill>
+              </a14:hiddenFill>
+            </a:ext>
+          </a:extLst>
+        </p:spPr>
+      </p:pic>
+      <p:pic>
+        <p:nvPicPr>
+          <p:cNvPr id="10" name="Picture 2" descr="http://blogdoscursos.com.br/wp-content/uploads/5-ti/2013/06/Requisitos-b_sicos.jpg"/>
+          <p:cNvPicPr>
+            <a:picLocks noChangeAspect="1" noChangeArrowheads="1"/>
+          </p:cNvPicPr>
+          <p:nvPr/>
+        </p:nvPicPr>
+        <p:blipFill>
+          <a:blip r:embed="rId2" cstate="print">
+            <a:extLst>
+              <a:ext uri="{28A0092B-C50C-407E-A947-70E740481C1C}">
+                <a14:useLocalDpi xmlns:a14="http://schemas.microsoft.com/office/drawing/2010/main" val="0"/>
+              </a:ext>
+            </a:extLst>
+          </a:blip>
+          <a:srcRect/>
+          <a:stretch>
+            <a:fillRect/>
+          </a:stretch>
+        </p:blipFill>
+        <p:spPr bwMode="auto">
+          <a:xfrm>
+            <a:off x="3149945" y="210066"/>
+            <a:ext cx="970860" cy="776688"/>
+          </a:xfrm>
+          <a:prstGeom prst="rect">
+            <a:avLst/>
+          </a:prstGeom>
+          <a:noFill/>
+          <a:extLst>
+            <a:ext uri="{909E8E84-426E-40DD-AFC4-6F175D3DCCD1}">
+              <a14:hiddenFill xmlns:a14="http://schemas.microsoft.com/office/drawing/2010/main">
+                <a:solidFill>
+                  <a:srgbClr val="FFFFFF"/>
+                </a:solidFill>
+              </a14:hiddenFill>
+            </a:ext>
+          </a:extLst>
+        </p:spPr>
+      </p:pic>
+      <p:pic>
+        <p:nvPicPr>
+          <p:cNvPr id="11" name="Picture 2" descr="http://blogdoscursos.com.br/wp-content/uploads/5-ti/2013/06/Requisitos-b_sicos.jpg"/>
+          <p:cNvPicPr>
+            <a:picLocks noChangeAspect="1" noChangeArrowheads="1"/>
+          </p:cNvPicPr>
+          <p:nvPr/>
+        </p:nvPicPr>
+        <p:blipFill>
+          <a:blip r:embed="rId2" cstate="print">
+            <a:extLst>
+              <a:ext uri="{28A0092B-C50C-407E-A947-70E740481C1C}">
+                <a14:useLocalDpi xmlns:a14="http://schemas.microsoft.com/office/drawing/2010/main" val="0"/>
+              </a:ext>
+            </a:extLst>
+          </a:blip>
+          <a:srcRect/>
+          <a:stretch>
+            <a:fillRect/>
+          </a:stretch>
+        </p:blipFill>
+        <p:spPr bwMode="auto">
+          <a:xfrm>
+            <a:off x="4120805" y="226989"/>
+            <a:ext cx="970860" cy="776688"/>
+          </a:xfrm>
+          <a:prstGeom prst="rect">
+            <a:avLst/>
+          </a:prstGeom>
+          <a:noFill/>
+          <a:extLst>
+            <a:ext uri="{909E8E84-426E-40DD-AFC4-6F175D3DCCD1}">
+              <a14:hiddenFill xmlns:a14="http://schemas.microsoft.com/office/drawing/2010/main">
+                <a:solidFill>
+                  <a:srgbClr val="FFFFFF"/>
+                </a:solidFill>
+              </a14:hiddenFill>
+            </a:ext>
+          </a:extLst>
+        </p:spPr>
+      </p:pic>
+      <p:pic>
+        <p:nvPicPr>
+          <p:cNvPr id="12" name="Picture 2" descr="http://blogdoscursos.com.br/wp-content/uploads/5-ti/2013/06/Requisitos-b_sicos.jpg"/>
+          <p:cNvPicPr>
+            <a:picLocks noChangeAspect="1" noChangeArrowheads="1"/>
+          </p:cNvPicPr>
+          <p:nvPr/>
+        </p:nvPicPr>
+        <p:blipFill>
+          <a:blip r:embed="rId2" cstate="print">
+            <a:extLst>
+              <a:ext uri="{28A0092B-C50C-407E-A947-70E740481C1C}">
+                <a14:useLocalDpi xmlns:a14="http://schemas.microsoft.com/office/drawing/2010/main" val="0"/>
+              </a:ext>
+            </a:extLst>
+          </a:blip>
+          <a:srcRect/>
+          <a:stretch>
+            <a:fillRect/>
+          </a:stretch>
+        </p:blipFill>
+        <p:spPr bwMode="auto">
+          <a:xfrm>
+            <a:off x="5091665" y="235480"/>
+            <a:ext cx="970860" cy="776688"/>
+          </a:xfrm>
+          <a:prstGeom prst="rect">
+            <a:avLst/>
+          </a:prstGeom>
+          <a:noFill/>
+          <a:extLst>
+            <a:ext uri="{909E8E84-426E-40DD-AFC4-6F175D3DCCD1}">
+              <a14:hiddenFill xmlns:a14="http://schemas.microsoft.com/office/drawing/2010/main">
+                <a:solidFill>
+                  <a:srgbClr val="FFFFFF"/>
+                </a:solidFill>
+              </a14:hiddenFill>
+            </a:ext>
+          </a:extLst>
+        </p:spPr>
+      </p:pic>
+      <p:pic>
+        <p:nvPicPr>
+          <p:cNvPr id="13" name="Picture 2" descr="http://blogdoscursos.com.br/wp-content/uploads/5-ti/2013/06/Requisitos-b_sicos.jpg"/>
+          <p:cNvPicPr>
+            <a:picLocks noChangeAspect="1" noChangeArrowheads="1"/>
+          </p:cNvPicPr>
+          <p:nvPr/>
+        </p:nvPicPr>
+        <p:blipFill>
+          <a:blip r:embed="rId2" cstate="print">
+            <a:extLst>
+              <a:ext uri="{28A0092B-C50C-407E-A947-70E740481C1C}">
+                <a14:useLocalDpi xmlns:a14="http://schemas.microsoft.com/office/drawing/2010/main" val="0"/>
+              </a:ext>
+            </a:extLst>
+          </a:blip>
+          <a:srcRect/>
+          <a:stretch>
+            <a:fillRect/>
+          </a:stretch>
+        </p:blipFill>
+        <p:spPr bwMode="auto">
+          <a:xfrm>
+            <a:off x="6062525" y="214253"/>
+            <a:ext cx="970860" cy="776688"/>
+          </a:xfrm>
+          <a:prstGeom prst="rect">
+            <a:avLst/>
+          </a:prstGeom>
+          <a:noFill/>
+          <a:extLst>
+            <a:ext uri="{909E8E84-426E-40DD-AFC4-6F175D3DCCD1}">
+              <a14:hiddenFill xmlns:a14="http://schemas.microsoft.com/office/drawing/2010/main">
+                <a:solidFill>
+                  <a:srgbClr val="FFFFFF"/>
+                </a:solidFill>
+              </a14:hiddenFill>
+            </a:ext>
+          </a:extLst>
+        </p:spPr>
+      </p:pic>
+      <p:pic>
+        <p:nvPicPr>
+          <p:cNvPr id="14" name="Picture 2" descr="http://blogdoscursos.com.br/wp-content/uploads/5-ti/2013/06/Requisitos-b_sicos.jpg"/>
+          <p:cNvPicPr>
+            <a:picLocks noChangeAspect="1" noChangeArrowheads="1"/>
+          </p:cNvPicPr>
+          <p:nvPr/>
+        </p:nvPicPr>
+        <p:blipFill>
+          <a:blip r:embed="rId2" cstate="print">
+            <a:extLst>
+              <a:ext uri="{28A0092B-C50C-407E-A947-70E740481C1C}">
+                <a14:useLocalDpi xmlns:a14="http://schemas.microsoft.com/office/drawing/2010/main" val="0"/>
+              </a:ext>
+            </a:extLst>
+          </a:blip>
+          <a:srcRect/>
+          <a:stretch>
+            <a:fillRect/>
+          </a:stretch>
+        </p:blipFill>
+        <p:spPr bwMode="auto">
+          <a:xfrm>
+            <a:off x="7033385" y="222744"/>
+            <a:ext cx="970860" cy="776688"/>
+          </a:xfrm>
+          <a:prstGeom prst="rect">
+            <a:avLst/>
+          </a:prstGeom>
+          <a:noFill/>
+          <a:extLst>
+            <a:ext uri="{909E8E84-426E-40DD-AFC4-6F175D3DCCD1}">
+              <a14:hiddenFill xmlns:a14="http://schemas.microsoft.com/office/drawing/2010/main">
+                <a:solidFill>
+                  <a:srgbClr val="FFFFFF"/>
+                </a:solidFill>
+              </a14:hiddenFill>
+            </a:ext>
+          </a:extLst>
+        </p:spPr>
+      </p:pic>
+      <p:pic>
+        <p:nvPicPr>
+          <p:cNvPr id="15" name="Picture 2" descr="http://blogdoscursos.com.br/wp-content/uploads/5-ti/2013/06/Requisitos-b_sicos.jpg"/>
+          <p:cNvPicPr>
+            <a:picLocks noChangeAspect="1" noChangeArrowheads="1"/>
+          </p:cNvPicPr>
+          <p:nvPr/>
+        </p:nvPicPr>
+        <p:blipFill>
+          <a:blip r:embed="rId2" cstate="print">
+            <a:extLst>
+              <a:ext uri="{28A0092B-C50C-407E-A947-70E740481C1C}">
+                <a14:useLocalDpi xmlns:a14="http://schemas.microsoft.com/office/drawing/2010/main" val="0"/>
+              </a:ext>
+            </a:extLst>
+          </a:blip>
+          <a:srcRect/>
+          <a:stretch>
+            <a:fillRect/>
+          </a:stretch>
+        </p:blipFill>
+        <p:spPr bwMode="auto">
+          <a:xfrm>
+            <a:off x="8004245" y="276240"/>
+            <a:ext cx="970860" cy="776688"/>
+          </a:xfrm>
+          <a:prstGeom prst="rect">
+            <a:avLst/>
+          </a:prstGeom>
+          <a:noFill/>
+          <a:extLst>
+            <a:ext uri="{909E8E84-426E-40DD-AFC4-6F175D3DCCD1}">
+              <a14:hiddenFill xmlns:a14="http://schemas.microsoft.com/office/drawing/2010/main">
+                <a:solidFill>
+                  <a:srgbClr val="FFFFFF"/>
+                </a:solidFill>
+              </a14:hiddenFill>
+            </a:ext>
+          </a:extLst>
+        </p:spPr>
+      </p:pic>
+      <p:pic>
+        <p:nvPicPr>
+          <p:cNvPr id="16" name="Picture 2" descr="http://blogdoscursos.com.br/wp-content/uploads/5-ti/2013/06/Requisitos-b_sicos.jpg"/>
+          <p:cNvPicPr>
+            <a:picLocks noChangeAspect="1" noChangeArrowheads="1"/>
+          </p:cNvPicPr>
+          <p:nvPr/>
+        </p:nvPicPr>
+        <p:blipFill>
+          <a:blip r:embed="rId2" cstate="print">
+            <a:extLst>
+              <a:ext uri="{28A0092B-C50C-407E-A947-70E740481C1C}">
+                <a14:useLocalDpi xmlns:a14="http://schemas.microsoft.com/office/drawing/2010/main" val="0"/>
+              </a:ext>
+            </a:extLst>
+          </a:blip>
+          <a:srcRect/>
+          <a:stretch>
+            <a:fillRect/>
+          </a:stretch>
+        </p:blipFill>
+        <p:spPr bwMode="auto">
+          <a:xfrm>
+            <a:off x="8975105" y="284731"/>
+            <a:ext cx="970860" cy="776688"/>
+          </a:xfrm>
+          <a:prstGeom prst="rect">
+            <a:avLst/>
+          </a:prstGeom>
+          <a:noFill/>
+          <a:extLst>
+            <a:ext uri="{909E8E84-426E-40DD-AFC4-6F175D3DCCD1}">
+              <a14:hiddenFill xmlns:a14="http://schemas.microsoft.com/office/drawing/2010/main">
+                <a:solidFill>
+                  <a:srgbClr val="FFFFFF"/>
+                </a:solidFill>
+              </a14:hiddenFill>
+            </a:ext>
+          </a:extLst>
+        </p:spPr>
+      </p:pic>
+      <p:pic>
+        <p:nvPicPr>
+          <p:cNvPr id="17" name="Picture 2" descr="http://blogdoscursos.com.br/wp-content/uploads/5-ti/2013/06/Requisitos-b_sicos.jpg"/>
+          <p:cNvPicPr>
+            <a:picLocks noChangeAspect="1" noChangeArrowheads="1"/>
+          </p:cNvPicPr>
+          <p:nvPr/>
+        </p:nvPicPr>
+        <p:blipFill>
+          <a:blip r:embed="rId2" cstate="print">
+            <a:extLst>
+              <a:ext uri="{28A0092B-C50C-407E-A947-70E740481C1C}">
+                <a14:useLocalDpi xmlns:a14="http://schemas.microsoft.com/office/drawing/2010/main" val="0"/>
+              </a:ext>
+            </a:extLst>
+          </a:blip>
+          <a:srcRect/>
+          <a:stretch>
+            <a:fillRect/>
+          </a:stretch>
+        </p:blipFill>
+        <p:spPr bwMode="auto">
+          <a:xfrm>
+            <a:off x="9945965" y="263504"/>
+            <a:ext cx="970860" cy="776688"/>
+          </a:xfrm>
+          <a:prstGeom prst="rect">
+            <a:avLst/>
+          </a:prstGeom>
+          <a:noFill/>
+          <a:extLst>
+            <a:ext uri="{909E8E84-426E-40DD-AFC4-6F175D3DCCD1}">
+              <a14:hiddenFill xmlns:a14="http://schemas.microsoft.com/office/drawing/2010/main">
+                <a:solidFill>
+                  <a:srgbClr val="FFFFFF"/>
+                </a:solidFill>
+              </a14:hiddenFill>
+            </a:ext>
+          </a:extLst>
+        </p:spPr>
+      </p:pic>
+      <p:pic>
+        <p:nvPicPr>
+          <p:cNvPr id="18" name="Picture 2" descr="http://blogdoscursos.com.br/wp-content/uploads/5-ti/2013/06/Requisitos-b_sicos.jpg"/>
+          <p:cNvPicPr>
+            <a:picLocks noChangeAspect="1" noChangeArrowheads="1"/>
+          </p:cNvPicPr>
+          <p:nvPr/>
+        </p:nvPicPr>
+        <p:blipFill>
+          <a:blip r:embed="rId2" cstate="print">
+            <a:extLst>
+              <a:ext uri="{28A0092B-C50C-407E-A947-70E740481C1C}">
+                <a14:useLocalDpi xmlns:a14="http://schemas.microsoft.com/office/drawing/2010/main" val="0"/>
+              </a:ext>
+            </a:extLst>
+          </a:blip>
+          <a:srcRect/>
+          <a:stretch>
+            <a:fillRect/>
+          </a:stretch>
+        </p:blipFill>
+        <p:spPr bwMode="auto">
+          <a:xfrm>
+            <a:off x="10916825" y="271995"/>
+            <a:ext cx="970860" cy="776688"/>
+          </a:xfrm>
+          <a:prstGeom prst="rect">
+            <a:avLst/>
+          </a:prstGeom>
+          <a:noFill/>
+          <a:extLst>
+            <a:ext uri="{909E8E84-426E-40DD-AFC4-6F175D3DCCD1}">
+              <a14:hiddenFill xmlns:a14="http://schemas.microsoft.com/office/drawing/2010/main">
+                <a:solidFill>
+                  <a:srgbClr val="FFFFFF"/>
+                </a:solidFill>
+              </a14:hiddenFill>
+            </a:ext>
+          </a:extLst>
+        </p:spPr>
+      </p:pic>
+    </p:spTree>
+    <p:extLst>
+      <p:ext uri="{BB962C8B-B14F-4D97-AF65-F5344CB8AC3E}">
+        <p14:creationId xmlns:p14="http://schemas.microsoft.com/office/powerpoint/2010/main" val="2941225425"/>
+      </p:ext>
+    </p:extLst>
+  </p:cSld>
+  <p:clrMapOvr>
+    <a:masterClrMapping/>
+  </p:clrMapOvr>
+</p:sld>
+</file>
+
+<file path=ppt/slides/slide12.xml><?xml version="1.0" encoding="utf-8"?>
+<p:sld xmlns:a="http://schemas.openxmlformats.org/drawingml/2006/main" xmlns:r="http://schemas.openxmlformats.org/officeDocument/2006/relationships" xmlns:p="http://schemas.openxmlformats.org/presentationml/2006/main">
+  <p:cSld>
+    <p:spTree>
+      <p:nvGrpSpPr>
+        <p:cNvPr id="1" name=""/>
+        <p:cNvGrpSpPr/>
+        <p:nvPr/>
+      </p:nvGrpSpPr>
+      <p:grpSpPr>
+        <a:xfrm>
+          <a:off x="0" y="0"/>
+          <a:ext cx="0" cy="0"/>
+          <a:chOff x="0" y="0"/>
+          <a:chExt cx="0" cy="0"/>
+        </a:xfrm>
+      </p:grpSpPr>
+      <p:sp>
+        <p:nvSpPr>
+          <p:cNvPr id="2" name="Título 1"/>
+          <p:cNvSpPr>
+            <a:spLocks noGrp="1"/>
+          </p:cNvSpPr>
+          <p:nvPr>
+            <p:ph type="title"/>
+          </p:nvPr>
+        </p:nvSpPr>
+        <p:spPr/>
+        <p:txBody>
+          <a:bodyPr/>
+          <a:lstStyle/>
+          <a:p>
+            <a:r>
+              <a:rPr lang="pt-PT" dirty="0" smtClean="0"/>
+              <a:t>Identificação das Entidades</a:t>
+            </a:r>
+            <a:endParaRPr lang="en-US" dirty="0"/>
+          </a:p>
+        </p:txBody>
+      </p:sp>
+      <p:sp>
+        <p:nvSpPr>
+          <p:cNvPr id="3" name="Marcador de Posição de Conteúdo 2"/>
+          <p:cNvSpPr>
+            <a:spLocks noGrp="1"/>
+          </p:cNvSpPr>
+          <p:nvPr>
+            <p:ph idx="1"/>
+          </p:nvPr>
+        </p:nvSpPr>
+        <p:spPr/>
+        <p:txBody>
+          <a:bodyPr/>
+          <a:lstStyle/>
+          <a:p>
+            <a:r>
+              <a:rPr lang="pt-PT" dirty="0" smtClean="0"/>
+              <a:t>Livro</a:t>
+            </a:r>
+          </a:p>
+          <a:p>
+            <a:r>
+              <a:rPr lang="pt-PT" dirty="0" smtClean="0"/>
+              <a:t>Autor e Editora</a:t>
+            </a:r>
+          </a:p>
+          <a:p>
+            <a:r>
+              <a:rPr lang="pt-PT" dirty="0" smtClean="0"/>
+              <a:t>Exemplar e Utilizador</a:t>
+            </a:r>
+          </a:p>
+          <a:p>
+            <a:r>
+              <a:rPr lang="pt-PT" dirty="0" smtClean="0"/>
+              <a:t>Utilizador</a:t>
+            </a:r>
+          </a:p>
+          <a:p>
+            <a:r>
+              <a:rPr lang="pt-PT" dirty="0" smtClean="0"/>
+              <a:t>Requisições</a:t>
+            </a:r>
+          </a:p>
+          <a:p>
+            <a:r>
+              <a:rPr lang="pt-PT" dirty="0" smtClean="0"/>
+              <a:t>Localização</a:t>
+            </a:r>
+          </a:p>
+          <a:p>
+            <a:r>
+              <a:rPr lang="pt-PT" dirty="0" smtClean="0"/>
+              <a:t>Coleção</a:t>
+            </a:r>
+          </a:p>
+          <a:p>
+            <a:endParaRPr lang="en-US" dirty="0"/>
+          </a:p>
+        </p:txBody>
+      </p:sp>
+      <p:pic>
+        <p:nvPicPr>
+          <p:cNvPr id="10244" name="Picture 4" descr="http://pngimg.com/upload/book_PNG2116.png"/>
+          <p:cNvPicPr>
+            <a:picLocks noChangeAspect="1" noChangeArrowheads="1"/>
+          </p:cNvPicPr>
+          <p:nvPr/>
+        </p:nvPicPr>
+        <p:blipFill>
+          <a:blip r:embed="rId2" cstate="print">
+            <a:extLst>
+              <a:ext uri="{28A0092B-C50C-407E-A947-70E740481C1C}">
+                <a14:useLocalDpi xmlns:a14="http://schemas.microsoft.com/office/drawing/2010/main" val="0"/>
+              </a:ext>
+            </a:extLst>
+          </a:blip>
+          <a:srcRect/>
+          <a:stretch>
+            <a:fillRect/>
+          </a:stretch>
+        </p:blipFill>
+        <p:spPr bwMode="auto">
+          <a:xfrm>
+            <a:off x="8386615" y="365125"/>
+            <a:ext cx="1738046" cy="1355676"/>
+          </a:xfrm>
+          <a:prstGeom prst="rect">
+            <a:avLst/>
+          </a:prstGeom>
+          <a:noFill/>
+          <a:extLst>
+            <a:ext uri="{909E8E84-426E-40DD-AFC4-6F175D3DCCD1}">
+              <a14:hiddenFill xmlns:a14="http://schemas.microsoft.com/office/drawing/2010/main">
+                <a:solidFill>
+                  <a:srgbClr val="FFFFFF"/>
+                </a:solidFill>
+              </a14:hiddenFill>
+            </a:ext>
+          </a:extLst>
+        </p:spPr>
+      </p:pic>
+      <p:pic>
+        <p:nvPicPr>
+          <p:cNvPr id="10246" name="Picture 6" descr="http://upload.wikimedia.org/wikipedia/commons/3/3f/Der_Autor.jpg"/>
+          <p:cNvPicPr>
+            <a:picLocks noChangeAspect="1" noChangeArrowheads="1"/>
+          </p:cNvPicPr>
+          <p:nvPr/>
+        </p:nvPicPr>
+        <p:blipFill>
+          <a:blip r:embed="rId3" cstate="print">
+            <a:extLst>
+              <a:ext uri="{28A0092B-C50C-407E-A947-70E740481C1C}">
+                <a14:useLocalDpi xmlns:a14="http://schemas.microsoft.com/office/drawing/2010/main" val="0"/>
+              </a:ext>
+            </a:extLst>
+          </a:blip>
+          <a:srcRect/>
+          <a:stretch>
+            <a:fillRect/>
+          </a:stretch>
+        </p:blipFill>
+        <p:spPr bwMode="auto">
+          <a:xfrm>
+            <a:off x="4586327" y="1720801"/>
+            <a:ext cx="1317624" cy="896664"/>
+          </a:xfrm>
+          <a:prstGeom prst="rect">
+            <a:avLst/>
+          </a:prstGeom>
+          <a:noFill/>
+          <a:extLst>
+            <a:ext uri="{909E8E84-426E-40DD-AFC4-6F175D3DCCD1}">
+              <a14:hiddenFill xmlns:a14="http://schemas.microsoft.com/office/drawing/2010/main">
+                <a:solidFill>
+                  <a:srgbClr val="FFFFFF"/>
+                </a:solidFill>
+              </a14:hiddenFill>
+            </a:ext>
+          </a:extLst>
+        </p:spPr>
+      </p:pic>
+      <p:pic>
+        <p:nvPicPr>
+          <p:cNvPr id="10248" name="Picture 8" descr="http://diariodigital.sapo.pt/images_content/2013/PortoEditoraLogo.jpg"/>
+          <p:cNvPicPr>
+            <a:picLocks noChangeAspect="1" noChangeArrowheads="1"/>
+          </p:cNvPicPr>
+          <p:nvPr/>
+        </p:nvPicPr>
+        <p:blipFill>
+          <a:blip r:embed="rId4" cstate="print">
+            <a:extLst>
+              <a:ext uri="{28A0092B-C50C-407E-A947-70E740481C1C}">
+                <a14:useLocalDpi xmlns:a14="http://schemas.microsoft.com/office/drawing/2010/main" val="0"/>
+              </a:ext>
+            </a:extLst>
+          </a:blip>
+          <a:srcRect/>
+          <a:stretch>
+            <a:fillRect/>
+          </a:stretch>
+        </p:blipFill>
+        <p:spPr bwMode="auto">
+          <a:xfrm>
+            <a:off x="6096000" y="1505991"/>
+            <a:ext cx="1349334" cy="579042"/>
+          </a:xfrm>
+          <a:prstGeom prst="rect">
+            <a:avLst/>
+          </a:prstGeom>
+          <a:noFill/>
+          <a:extLst>
+            <a:ext uri="{909E8E84-426E-40DD-AFC4-6F175D3DCCD1}">
+              <a14:hiddenFill xmlns:a14="http://schemas.microsoft.com/office/drawing/2010/main">
+                <a:solidFill>
+                  <a:srgbClr val="FFFFFF"/>
+                </a:solidFill>
+              </a14:hiddenFill>
+            </a:ext>
+          </a:extLst>
+        </p:spPr>
+      </p:pic>
+      <p:pic>
+        <p:nvPicPr>
+          <p:cNvPr id="10250" name="Picture 10" descr="http://algunsmomentos.com.br/wp-content/uploads/2014/07/garota_exemplar_Alguns_Momentos-3-2.jpg"/>
+          <p:cNvPicPr>
+            <a:picLocks noChangeAspect="1" noChangeArrowheads="1"/>
+          </p:cNvPicPr>
+          <p:nvPr/>
+        </p:nvPicPr>
+        <p:blipFill>
+          <a:blip r:embed="rId5" cstate="print">
+            <a:extLst>
+              <a:ext uri="{28A0092B-C50C-407E-A947-70E740481C1C}">
+                <a14:useLocalDpi xmlns:a14="http://schemas.microsoft.com/office/drawing/2010/main" val="0"/>
+              </a:ext>
+            </a:extLst>
+          </a:blip>
+          <a:srcRect/>
+          <a:stretch>
+            <a:fillRect/>
+          </a:stretch>
+        </p:blipFill>
+        <p:spPr bwMode="auto">
+          <a:xfrm>
+            <a:off x="9333031" y="2085033"/>
+            <a:ext cx="2491409" cy="1661750"/>
+          </a:xfrm>
+          <a:prstGeom prst="roundRect">
+            <a:avLst>
+              <a:gd name="adj" fmla="val 16667"/>
+            </a:avLst>
+          </a:prstGeom>
+          <a:ln>
+            <a:noFill/>
+          </a:ln>
+          <a:effectLst>
+            <a:outerShdw blurRad="76200" dist="38100" dir="7800000" algn="tl" rotWithShape="0">
+              <a:srgbClr val="000000">
+                <a:alpha val="40000"/>
+              </a:srgbClr>
+            </a:outerShdw>
+          </a:effectLst>
+          <a:scene3d>
+            <a:camera prst="orthographicFront"/>
+            <a:lightRig rig="contrasting" dir="t">
+              <a:rot lat="0" lon="0" rev="4200000"/>
+            </a:lightRig>
+          </a:scene3d>
+          <a:sp3d prstMaterial="plastic">
+            <a:bevelT w="381000" h="114300" prst="relaxedInset"/>
+            <a:contourClr>
+              <a:srgbClr val="969696"/>
+            </a:contourClr>
+          </a:sp3d>
+          <a:extLst>
+            <a:ext uri="{909E8E84-426E-40DD-AFC4-6F175D3DCCD1}">
+              <a14:hiddenFill xmlns:a14="http://schemas.microsoft.com/office/drawing/2010/main">
+                <a:solidFill>
+                  <a:srgbClr val="FFFFFF"/>
+                </a:solidFill>
+              </a14:hiddenFill>
+            </a:ext>
+          </a:extLst>
+        </p:spPr>
+      </p:pic>
+      <p:pic>
+        <p:nvPicPr>
+          <p:cNvPr id="10254" name="Picture 14" descr="http://consultoriajl.com.br/wp-content/uploads/2015/12/usuario.png"/>
+          <p:cNvPicPr>
+            <a:picLocks noChangeAspect="1" noChangeArrowheads="1"/>
+          </p:cNvPicPr>
+          <p:nvPr/>
+        </p:nvPicPr>
+        <p:blipFill>
+          <a:blip r:embed="rId6">
+            <a:extLst>
+              <a:ext uri="{28A0092B-C50C-407E-A947-70E740481C1C}">
+                <a14:useLocalDpi xmlns:a14="http://schemas.microsoft.com/office/drawing/2010/main" val="0"/>
+              </a:ext>
+            </a:extLst>
+          </a:blip>
+          <a:srcRect/>
+          <a:stretch>
+            <a:fillRect/>
+          </a:stretch>
+        </p:blipFill>
+        <p:spPr bwMode="auto">
+          <a:xfrm>
+            <a:off x="6574379" y="2690112"/>
+            <a:ext cx="1340857" cy="1340857"/>
+          </a:xfrm>
+          <a:prstGeom prst="rect">
+            <a:avLst/>
+          </a:prstGeom>
+          <a:noFill/>
+          <a:extLst>
+            <a:ext uri="{909E8E84-426E-40DD-AFC4-6F175D3DCCD1}">
+              <a14:hiddenFill xmlns:a14="http://schemas.microsoft.com/office/drawing/2010/main">
+                <a:solidFill>
+                  <a:srgbClr val="FFFFFF"/>
+                </a:solidFill>
+              </a14:hiddenFill>
+            </a:ext>
+          </a:extLst>
+        </p:spPr>
+      </p:pic>
+      <p:pic>
+        <p:nvPicPr>
+          <p:cNvPr id="10256" name="Picture 16" descr="http://www.esenviseu.net/principal/biblioteca/img/1_computador_livros%5B1%5D.gif"/>
+          <p:cNvPicPr>
+            <a:picLocks noChangeAspect="1" noChangeArrowheads="1"/>
+          </p:cNvPicPr>
+          <p:nvPr/>
+        </p:nvPicPr>
+        <p:blipFill>
+          <a:blip r:embed="rId7">
+            <a:extLst>
+              <a:ext uri="{28A0092B-C50C-407E-A947-70E740481C1C}">
+                <a14:useLocalDpi xmlns:a14="http://schemas.microsoft.com/office/drawing/2010/main" val="0"/>
+              </a:ext>
+            </a:extLst>
+          </a:blip>
+          <a:srcRect/>
+          <a:stretch>
+            <a:fillRect/>
+          </a:stretch>
+        </p:blipFill>
+        <p:spPr bwMode="auto">
+          <a:xfrm>
+            <a:off x="6359484" y="4378324"/>
+            <a:ext cx="2171700" cy="1933576"/>
+          </a:xfrm>
+          <a:prstGeom prst="rect">
+            <a:avLst/>
+          </a:prstGeom>
+          <a:noFill/>
+          <a:extLst>
+            <a:ext uri="{909E8E84-426E-40DD-AFC4-6F175D3DCCD1}">
+              <a14:hiddenFill xmlns:a14="http://schemas.microsoft.com/office/drawing/2010/main">
+                <a:solidFill>
+                  <a:srgbClr val="FFFFFF"/>
+                </a:solidFill>
+              </a14:hiddenFill>
+            </a:ext>
+          </a:extLst>
+        </p:spPr>
+      </p:pic>
+      <p:sp>
+        <p:nvSpPr>
+          <p:cNvPr id="6" name="AutoShape 20" descr="data:image/jpeg;base64,/9j/4AAQSkZJRgABAQAAAQABAAD/2wCEAAkGBxQTEhUUEhQWFhUXGRcYGBgYGSIaGhoeHR4dHRgcHBgdHSggGBonHBwaIjEhJSkrLi4uGB8zODMsNygtLisBCgoKDg0OGxAQGywlICU0LCwvLDQ0NywsLCwsLCwsLCwsNCw0LCwsLCwsLCwsLCwsLCwsLCwsLCwsLCwsLCwsLP/AABEIAMIBBAMBIgACEQEDEQH/xAAbAAABBQEBAAAAAAAAAAAAAAAFAAIDBAYBB//EAFEQAAEDAgMEBQYKBgYJBAMAAAECAxEAIQQSMQUiQVEGE2FxgRQjMkKRoQcVM0NSYpKxwdEWU4LS4fAkRJOiwuI0VGNyg6Oy0/Elc7PDF3SE/8QAGgEAAwEBAQEAAAAAAAAAAAAAAAECAwQFBv/EADoRAAECAwUECAQGAgMBAAAAAAEAAgMRIQQSEzFRQZGh8AUUIlJhgbHRMkJx4RUjM0NTwaLxYpLSJP/aAAwDAQACEQMRAD8AK5a6BUYdp4eFQsl1L7e7mWQVKUkDIoyU5iRugjRCj4VcTh0E5Q80Tlzel6sxMxGtvCsY5iUgFrEdYkh19aYRnCkuZgmCJtCjIPaIipTjmwtSutUlThSpYUwoAkKJgAKBSmDBAM2BnUFTXQ2A5wmAVr3GQkOErRDYBWb2BEg+jexm1SMYcKCilxJyEhQOYFJACiCkpkHKQdNCKyODxjScM6z15Ic6sZuqUICENoiM15yE6iMxp+OxGHWVFt7JmyEkoUpYUkkyHCZ3pAVMkpTE3sTCfVn90rYs7PUpIUlSSCAQZ1BEg6cq65s9SRJKQO/nYcOdYppxkKB8oSoAgjMFhQIyGcyVjMZSRBEZcqdEworhNsMt4ZDKXUZkpQCYgKKYlREHUiefbxpEhHV390o2Gx+sb1j0uNWhsxf1fbWXO00QfPszCfUTqnna4gmOUDtojgekaU/KPoUIEARrxOg15cPuCUYDtCi3xa5yHtFL4vWOA9o/Oqn6Ts/rE+2onukDRM9aBpoeU/nU308B2hVkakcQSD2EWI75qj8Z3jKPFf8AliaHbHeh94pJLbzjjiSZsVEnQ6SPwqtjFoCjmYBuZjOTPZuGfbQ50sglDhtJIcjydo/UT/af5KSNpE+oJ7HP8tZ9PVESGB7FfuiuYcsqSFeTkTzCgfYRbxpXjody0MOHqtF8Zq/Vf3x+VL4zV+pV9tP50DQWgqzRBHZ+Nh99ODTX6n/ppF50RhM1Rr41V+oX9pP508bUP6h3+7+9QQobGrRHin8DSX1PFC/A/kbUYngdyMFhyRsbVEwWnh+wD9yqR2sn9W9/Z/xoO0GSbBzwX+RqZeHTw6z7SvwNBitCWC3n/aN4TFpcBKQoRaFJynvg8O2pqHbGEBVlWIuoq/x93CiDxUn5twyJGVBVbwFaNcCJrne2TpBdrhqNLxJjq3h2lpYHtKakMzEK+yr8u2mSBmokVyuGoDjkTBJGuqVDTvFNTjkGQDMAk2Og8O0U5okrFcNR+UJ0kfzP5H2VE9j20iVLAEx460rwKJKxTTUWGxaHAShQUBYxwqaqSXIpUopUIWQ640uuNQTXJpKkJ23jih0SYMAif463q9+kSVG+KMEXJQDcwTKclrlUwTMa1I3tVDBUjFEQspUiRMIUnKdNIEe2ntdKsKRKsuYifQ0O+eXaB7Km6vTZb5Ma0ty52gqsnpDxOJRJEnzeh3U33b7s3+r23iXt4o3kvtqIhITl4RrBEfyedWMPt7DIYSApsuJbVMtgyspkXKTMKtSY2/hjkQUs5g0D1qkCAuIgjLfibzeKLqsdJDu+nsgo2t2ikxtSw4dhMx41pfjjAkogMAZyVZkC6ZcgXFr5PCBQ/bu1MKWAGgwXMwkpCZAKl6EJGb1QREAQYFINW56YOd3j9lVx+2QXFFJBE27qrNbWgctdTNEFbT2aZ82Rysrl+f3VDjsds8oX1aYVC8u6qJnc1Gsazbvp3EN6YkB2cvH7KEbWq9h9opIbumcxnnG7E9mvvoTsp7ClJ64JCptqLW5JPbXUFlLyC0W1jMndAkxEqJlIBFj7aeEg9Mzrd4q1sHbbzXlCSM2VKlpKjYRwJ7R7xUmHxbi2+sDKiSFHcMgkdka9lVOi20ShDi3AlUa9YApCrEXSqxMnjxirw6UN/wCq4Ej/APWR+Fathg5rz2Q3PJLTxQtHSRcQWZ8PzmrCNulSboI7gP4UVwm3sEQetwuAQZ0GFm1ryFC9zb6vbVpvbez4sxgZiY6hSfeFd3tpmC3RW1j2mp4rOo2wIBIUPEfvVYG3relHigdn0uVHTtXZ1gMPhLn1UrSBqZsvmAPEcL11OP2aZ8zhxc+u8me2y+N/dztJghXJxFZ7/usurbIB9Kf20/hMU4bdHM/bH7taVS9mKN2GD2+UPjj/AL0aXppY2WQD5OzJm3lboNuci1PCGigtjToTvQ3AdIVFSUJUUzYZgFXOmjZJk2sONEHXsQRqs/8ACUP/AKB2e0U53DbLQM4wra44DFKVMmPRUmDzvwqPyzZZ12ejwKP+1RgDRSIEc1A4qfBbcLbbqHAtKwRdQgFPMDXmNOVWh0h2kQkpwa1IgZDuSU+rosHSsh0ofwSUoOEZU0taiFgqBSUgCwAACSVEew1uNn49BZQVvQtKUJAyjgBEGL3J48K54zLplJDewSH5/SfqoEdItojXAPeCfycqV3pTjTdWAf8ABpf+En+QK6jaiASFKMWiET7ZN9avYfFtKhXWgGDEi/pcb6mZ8TWUpbFUO0Q50HCXoVRb6Z4kETgcVb/Yvc5+gaX6aLHpYTFj/hu/i3Vr40RoXkSndHm1aAmLhcGfypo20hMQ8DEEQhXDnv8AfR5cU+tszpuPuuYfp0lM5sK+ZjVpVvaiuvdOsMZzYdwd7Yj3pruL26hW91u9HDMjwsuKZhOk+SYVM8FLJA7gTb+NWAdFi61QSagcU7AdMcItQaQCFrOVIyJTfhpRih2H6USTKpmxGadeQPGiNW1c8V7H1YuGlSpVos1hSqmKVTFGmakCkqWjd2ZhVhHWN5zlAkqNrcpsJnSqI2Xg/wDV254+cVyPM87fnR9WysPPoq5WWoadk1XfwGHSbA6cXFdvbpavLEGLP4uJXc2I1uYmhZ2PgouwiZ0606RY+lrNopDYmAOuHRrB88fHjRNLOG7ezfV2zxqy3s9ogEJMf+4q/vp4MbvcSqxmd1AnNg4DKkjDIKr5h15ATA5ze8cLTSHR3AkE+SJsFEf0g3IjKNbZr34RWlRs5mPRM/8AuKH4m9SfFrVoSTp84rx40sKP3uJUmIzQrKp6N4A64X2YkniB9Mc/dU+G6I7PUklWHUm4EB9a59irfwrRp2cj6B4fOHtnj3U7yNoTY8PnY4Xm/OmYdo2P/wAipMRkqT3LM7S6GbObQVdUuwJIDiyTA4DNrVbAdHMDkLzbbiVJStSQpatQk6jMa3K9jYdQE5/BZrDdNFdQ8pDBVAZKiCqZJCrEnhAHtq4MO0O7N+v1K5ojTiXhks30P2anHDqFqUgZSVFMSCCNJtxFbTZnRhbDSUNYx5KEyQnI0qJBcOrZJ3j76826PbUW2la2ypC0JNwL+kmQOf8ACibXSnGFAKXD3FItw5cq9llgdaG7CND/AKOqDEa3NelHow6SCcc5I08012T6nZVPbmxXG0JV5USQq0so1yqE2jgT7uVYb9MMePnFexP7tR4rpTjHBlW4qAQdE/gml+Cu0buPstIUeEHgvBI2rTNtuZ1K65u+UEHDpItJmM4g73uFHWuiLoSEjEYcgR6WDzHxPX3rzJO2cQD6RnX1fy7KMN9OccfX9qE/lR+DRDQAc+S2tNosxlhAjXma2TvQpxRku4Q2II8jIBB7sRIPaINVtodA3HG1I6zBoKiCFt4UoWmCDCT1ptaO4ms3+nOMHro8UCnjp3jObf2P81WOhbQMgKeK5cZiLbK+Dh1kqK3sO+CIh1pcDtBS4CDT8V0C3FDJhgYISoLfGUn0TBWoKgxY8qEJ6e4z/Yn9g/v05zp7iYulk6eqof46o9HWwbOIQIkNA+mnRx3DJbzltQClK83MDMG0wZAJkoJ0tJr0n4MtpNowSA462hXWKJC1AEpKRoD2/dWB6R7aXi8KVuBIVITui1iDxJ50sM4yhLJfsgoIsQCYnSdbke2uZsBznYb896ou7JIXt+Ix7diH2kiD6UG5FiDmHGO/31CMagj5fDE35Rwi2fv91eW4R7DL+dajMIClJn1dZPIqJOlqmKMKUpPWMXKQYyyBmKSdeQCvGq6j48FlfK9JS8k6uYQ+A/eqSEEmDhT9HdHPQ3vavNkYLDKKYWxE8k6ZUxN9CSfEHuqo0MNkCwlsEfWGYECxAOoJ1/CpdZANp3LRk3TqvWEYMH0kYeLaJ9v40mdmtXztYfsyoHvkVaXhESYZZibbqa75Gn9S37BWOB4qcRUUbJZPpsYecxiEA7vDUaxQfGABxQGkmI0rRfFzdpYb1g7oNqzD6YUoDQEj30xDupOdeqmmlXJpU1C87KqnwDrIUS+UhIGqlZRMjjIqmVVUxanBlU2z15SoKLcSCL6gcpBngYqHsvtLQZeIWjTIrSu9ImConrWzrfrUibSOPE1Lh9uYYzmeQOXnRf32rEvLeIP/AKSkKIVvZFE5jouI1Bkxpfsp7OFdWHFKw5ZKsg6vqFqSqBvGUJ3SoyYiL8q5T0dMfqHnzXVDiAmTqDetcnbrV/OIiXAPPCd0qyW5KABnhNcb260QJXBzRHWCI3rz4C3bWXOyomESDY/0V4GDeYycIi08+wxJ2Gvq8iSkE7ubqHwTEGTLPhfn7K/D/wDmefNWSzvDcd2S2eH2y0UrlyCkKKR1qd4hSgkejaQEn9up07UazAdaYPrdaiB6Wu7rZI/a7KxTeDUTKhvXE+TvmwhOvUzcSsW1MGOFB3CqS+hS8Kt5rKcyWm3UyTm1Km0EGYNraX1FSejjsiHnzVuiQ2toQT9CF6KnaiP1i9To6jgSAboFiL8+yrmVkmfKFfab/crzR5/DI3l7PxKERBnML88xMfzHGQF2hjGlLV5O0ptJSISq5mTmvfhHsqHdHPOUU8+ayxwflXs7jgT6L6zr6yeAn6ND3ej7Tq1uqfcKloIIJRA3Ytuzwrz9rGsETkFx6xQPaCq3Cx5e0W88lbjpQIGRUcOQtFOFY4zDMRTuz8M03Fp2BTbNurKZAJMx7fwo+/s1CfWVEkWI4R2dtAdgtid5UHeIKueWw8TaTzo664gky8k2SZ4HMBnHpWKSe45TcG1e9CEVrRdcQPNeVHgRohnDRDD9G87aXErMKMXULSrIPUNppiejmZAUFqKTlBuLFS8gEZb7w4cqgTjFIBCMTupGYBKtSFkQE59YGeeSqQfKYSHxkGW4MgDOqCEg3ghK4139DFa4loyvneVPVY0hTiM1PiOiK0AkmUpBVIINhJn0e+qjWw0lNlgTzKQefMGphjXlAJLqSknqjvggAEASfo8ZE2E1Jgw4EFSHEp3cxTmgyIBBEagmPCdKkujD5kjZ7ROgMvJVR0ejRaeGhSdLj5zspj2wsurg9k9vBZ5iibBfUvKFpnM4i5tuESfRNjNrUPSpbm/CDI+mkGw5SIph9oyB9FDoVpGw8E07DKADnG99Xx+lyNSno+8eB5jza/C9SvLdXlBSN0CIUnQ2HrQfRj/zVxnbWM0Ste7Ftwxa3uH3VTI1sDZE+iAyNOoPD3QPGtZGhh5laj4C/b3VvejO2MRhMP1bLTbgJJUS8EEEWtrOnEffWH2YovYtaozrU3Nxf0iVR266UUcGz0k52CIIBuNQRnBldjB04ZhXmxXuxDezXs2aymJBDi4A6U8PFbf9LsWYnCoN4tiEmez5M1J+lDswrZ4J0s4g8AT81/M1i8InBZEZiwiRKSVJGeNbzpMjwo+0nZ5nq14E7qCnzqQoEZesBhWkZrm9Zwo5eSJSks4sK5tBRE9JJG9syZ7GjP8Ay6gf2/hhHWbKidJaZP8AhpN4fClIOXCBQMwl6REDTzgvOYVdwmzcC58qhkRGWHyec+vbhW986rGSb+nbBEKwbs9raD4G4qBfSfAj0sGuOQaTP91dEx0b2adEJ8Hlfgul+iGzz837HnP+5SvJLIudIUBRKRCZsCyZjgJmtINrsYgksJUgJgFKhBnnqatp6H4LglY/4q/xVTHdktIBcAWFhRSMys1jqfGpcSUpKKlTc1Ks1K81JohsLGJbUuZlSClJABgyDME9lCyao7QxGUoGcIzEyoxAhJPHmbeND23mkLqs5hiIMT4dq2ruME2U8LmRkn7jbj7qQ2gA3BU5mmcxbtEK7e0fZmsGMUuQPKW9FEGRAiIBPCZ91cdxLwHyzapIEZuZAn3z4GuXAGq9kRrBtB3BeiM4uNVLMlMHqgqBeedzKfdUb2JTmJCiBJMFmIk24HtHbWC8txI0ebJuN1R4Aq1t/wCTTncbikpKusb3RJAUZA9vP3nnV4DNUCLYZzkdwWrxSGVYlbikktwkIGRNyEBJzJMDWTbjUyzhZHmoix3AOEcHBesqrE4sFUONnmc5E98q91QjbWKzZC4kHMpN1mAUgE+tITEXiD4Vs2QbIHJa9ZsNJ3qCXNEaxGzk3TkJTn1UBOSBEiYnU1Litk4YoJS1B4HqwBOuvWGLdlCUbXxtwCJABgK5zBG92GpWdp43PFhfXMIvF/SsdL60qaqzbLEZVy50V/DbPYBObCodGVuIITlITv6ayr7u2ptp7EYzLLOGyoLT0Ai85VFMdsQZB+6TRO1cTmQSUkyUplM3kAiCYBkC/YDRN9/FJxOTFQDkeJgzA6lZtCiBY8OdU0rGLHsLgS01kdc5U2S86Kz8GOy2ncCoqQFrDrgO7mULJyg2t2TUrOwXdwOswkISFqQ2MxvdwCICiMsoAtvkTaIPgm2oGcG6khzzmIJCkECIS2LkniRy0mtQOlCeD2JH9mR38/8AxWm3NeMIUVwm1pIWVxOw3OrWUtBVnMsJTmBSypTeYCQQteQGNFAjQ2t4To+z1iuty5A2FjMkJUVKzDL6IO7lnST1gkCIrVYTpUhKpU5iFiIyqSiBpeRefHjVbEdIsxJRi3kSVGOqCgJiAL6Ac58KZJ2FWyzxTm0jyP8AQKxLWyU5ElxCMym21oCUE5iqc6HCAOpKRBuB6UbxSQWtbHbIbzNwSFFY6tZiEtFIBgXVnVyghQ9QzuWukZHWTjFnMhaUeYO4omUKuDmyi0HXjUfx2c0+VhQykQvCSAc4VmlKQfk5RE8c14imHO1SfAiNPwk+R/sIJsToew6zmcaCVyRERppYk69/KpR0NY4sLHcQaJnaYvGJaNjBXhuOW2aGxmTmvAgxF7XJYva2CLagjyfrMpyqW0AM0WJ3OdE3zo8pAOGbPVZ3GdB8Mhsryq0EC5ubAQO0ihmyOi2GeVlJIMZgBOkxeRY9lbLCbWwYTvqwWa/qpFp3bwL5dba1Za2vs9RuvCx9VSQe2niRO8d6zIOd1eMbBQfK8RdSEtKW2lYGkLIElQImJ/KtAjFlCQnyhaoEAqU2VcLyQDO6LmhvwddKDh04ndzdYvOSomZJP5kzW8a2051HX5EBIGaOsMngQd3SRp2nnXNEbedNwmu2yPhkFpaCRXyWPwr/AFbaUIeskQJ6tSjrxm5v76icYzpeHWx1oCVQhAMBOSAQq1v54Vr8D0rXGbqQoRHylrCSfQ5An29tTHpGkkg4NBIMG6Tc85R261ncaDsUm22TYzifZZDHOLcS4gwQpJQVJbBJBB085PrKue3xHu7LBBlIURCZOHknhYhzS1bHH7ZYUghWCQgnRRQgxoeKRw+8URaw2GUlKvi1g5kZwerZuAASdBwI+0KpsOWQVNttnHwt8p/Zeds7CBVbKMrhc3mSlJkZco3oIqRWwkaQ1/ZqF9DeO/21vMQvBoQHFbPbCTABCGeIChorkRVIPYZclvCAJMRCEdoOir3/AJvScCKlasttmNJcVk9n7MQ0pa1ZCnKnd3rQbkSOMgWrW7BbSFqypA3eBPPtpJeww9LDlIFySgiO4JP8xqKs4RzDKhTSYvlCilQGbiAVKImCLVIaS6dVMa1WfDLGhEZpU2lXQvGXmajVfH4JS0BSVKEmABEW48/fwqUmtL8S+aZCXgFLuJbJuUlRFlcADfs0rOJGZCle25bVqAsO3svEFMdahK5ICVKiRa4POTEVC1gH1AZcQ1J4FcEHlpexnnrapumLymXupUpCyEhRITETNiMxvEHxoPsptb7obbCcxCjvGAAlJUok3tANbtcHCYVA1qVocDsp5Q+UbJjUqsTmKSBa5ET3Ec6kGy3ClKszMKy3J0zaTu+2JqgdhYwKWk4cgoCzMGF5FBJCCAc5lQiqOIZxLaSteGcQgAEqUhSUibDeIi5ol4LvbaIYEp8EZxmz1NozqDSkzEpgzroImLVSS+n6A9lCE7Tj1R7a9DR0KVAJfb5WSowYzQYBi171zxozIUr5lNdMO0wdRuWZQ+n6I9hqRC08hfwrUHoYQJOIbG6V3ChugSTdPIV39EDMB9rWNFa8vR1rn65BPzLrbarL8xH/AFKC7N2ct9YbaSVLgkDNGlyZJgVdZYV/SlOqX1jWGdUCpWa5yt3JmRlWr3cqJMdEH0kqQ+2kp1KVLBHA3CZ5j21O50Zdaw+LdW6hYVhliQVE+m2riBwSR402WuCXBodVZ2h1jLHXLuVKEGayfRbELGF6pIUQpanTl1sLXNgIBNta71KZyguzMRmTM6RdOs0c6E9G31YVt9t1lKXQtASuZ9JSeA8anc6EYlt1KlOMElRUBnWmeJghBiNa1PSEFriyYmJ8F5rGwpfqOFBkZV3Kr5fik/O4kXA+bN7wPQ119nZSXtbFZSS6+UFMyUIyxznJp20Z/RvFW+SP/wDRMnh6TOtz35qr4no7i8uRSRlICSEvIggCAB5rhUDpCGe5xUCBD/kdvHsh6dsYlI+Uei2rSTANh6vZbxjjXHNtvkpUXFbpzCcPawKTMRIg/dV1zB4pFylyZmzjRudQJSMosDA0IqsprErzNoadkoUB8lxzSDvCBKpkXrVlqDjIBh8yrFmdmIjuH/lVj0pWDCsQ2exeH0tH0+X505vpWowOsYUbm7F9SeC7gTHgKp4HZT7GZZwLi1GxWFtqSU6xlOYAggaawKrK2e5iCHmsM7OijLeXiSClABSqSNRPursk2U7vquYGLiXcUynnJvsrKsasmevTe/oECp9pY5S2XN9GWDIRImU5BYi11ZjfhXdm4cMoWcVgXXJIhQJATzmPvpm3kNqaJZwT7KkypS1lRRkg2udZIM9lQbpHwrqe+LUGLMfRv9VTPgf2UziHnUYhGdGQmJKbgiDKSDz48a3G1NkYZsutt4VwoGgDj5Ct0GyusjUkaVg/g4gB0wD3gH76GnpU8Ih8+iCdxIvBkaaAxfjNZOm43RsWECJhOvaiWclv3diYRJEYdyDyW9ayjxJ4gD9oUjsjCz8m8LTIdWL2tdJ/kVhE9KMQTu4lfggcwNMvafdTj0yxYE+UKIgH0OMc455R+1Suv19UTs38Q3rZL2LhlD+sJvEF8c4mC0bQAav4IIbJKH3QQAkS40RAQlMDzA4JTJ5pFYJHTTF2h8zaQUm38++nDpzjASOtnlum9z9YRp76YDxtTvWX+LiVsOkDjRaDalqUnMkw2UkggAA+iBGURagWFTh0mxeP++lJFz2EQaGq6fYy8Ptm03BnQ29Oxm3jUDnwg40CQ62q4EZTOkzc6cKRDzSaAbJmYX+SOrQ2+tCErW3mOWzYA3jF/OdtbDZvRVxpkILoKG1F8AtwpRjKBPWEAcdJrzs9PscmJ6kylKhuHiYuc1bvYnSJ59lsuKu4hKlAaXEmOyhrrlHbVjGZCcZw2y1rNEKVNJpU1zrzEmrqOlTicrcIOQCCTli0a84PvoeqgONSpa1LZBVkErJTITHE2IA7TFDoTXyvDJatMkS20wnEul1eULUBORxIBgWJ1vEDwFQbNwZZUpbLmVRQpE50ZgFWMGbGNCKFB5fNv7I7eztqxh9nPviWwlUHLuwLwTHCbAmtA26JBXebotThtp4nIkNuIylsBUpTvJG7CyfTORpI47scSar7bGIxYSh9xMBQVIjU7s+ke2w0lXOg7eExaRlAT3E33giB/wAxFvr1aYXi2ypa0JgpKTcjUC+h4LSf2hzrMiL4LUGBKoVf9DVlQSlYVMiQLCCQZ48J00rfJ2hioCVDDiLmS4Pq3AJmQe6FVkcPjMSFEpbJUlRQYJkKgyk7vpC9qa5jMQkKUpBAHpEmAJUU3OWAMySnvBFYRbO6LK+AZKgYC1G1tvPtqCChlzMhOUjOAkZlAASNQRF+ztqv+lLx/q7MGPXUmdDeNTIEkzpWe2il90DOyoFAVe9hIUZEDTMPtjnVFWEdTJU1YaymALlNyTbekd4jhU9QhS+H191IfDW0R00xEQGmlFZCQA4oqM6AbusmL391T4jpW8W14bEYcNpW31Z3yFgKggjMiJIFYBL7yHEONCFIIIMpsU3Tb86tYnbGJedS4/BylBJECyQALDjFNnR8BpDg2o+vui+yeS9X+DLCOObOY842lIzFAU2VG6iqc2cTc8uFat3ZSlRmdZURIEtm06/OdgrDfBjic2BSlKoyHKRkUsiYIJykATJt2UdG0nCWkpCczrrjYC0rSIR1krnMZBCBaPWFN3R0Fzi4tr7rC8rOISlNlKbiHFTkVEIJCySFmwJ/vdtTO4b0YWwozCcqlGLE8JgZTPcaoL2O8qJQwd1Q+VdFnSCsExzSO7hxqo3sld0BptPV9W7Z931wpIjdk2SQoGx7an8Mg907z7oDwrjuwyRurw97fKGecRBM03BbBebUVJXhiFJggum4mNcnO1UXtlKay+b1ziUuLIAA6wzmiBKRBPEjnT8TsHKiFIO9kZGVy284MoPH0lT3VsyytYZtnvWotLgJU3IirALF0qQFrGRBDhVBgaS1J8Tz5Wq4jYeaCop6wJTLiFBLhsSCSEgmwJg+y9RObLchKi2d1QcSQ6LKCbEcZytnvE84oelsNOHDw4hYyt+mkpEo3d8pKfRUdfwreraptL4vZFdq02z9l4xAKFJbcQb58wQvQAApG6qw1t3UD+ETBvN7OfKW0JQEb2kwohNgDAgnlV5/pAWlJQoGSBELBFzlBlIMXof0sDuKDmADjKXHEyZdzQkEHNlCM0W0sakxJZlS+E5krwzWZ+DHZbbuGcWpakKCoABAzW7QfdRAdB8GcvmlidfRt3x+FP8Ag2bKcItGeCHHEmOYgEib8KLNO3icUJIuUyBx1C7C8HupXakom2Qmgb/QTCJ0Q6bTu3jssscvupq+gGF3h523Yog8o89ejiwVfOYlMAD0T2D6Vz+ZrqEqUpKeudBI4tmNOJzWP8aLqfY14IS18GmHUMwdUCeYVOvHztO//GLfB4/3/wDufzNaPEOqQkqJbIH+zJPsBJoSrGEkkOAAbxSWiBHIS3PEcaV06qvy9eCA/wD46YUoecVKlESUq1GpO9YdvGp1fBQ3+t++juEW6oylSFAWIIyg+1ufZVsuu/qmvtn9ygg6pSh68FkcR8GCURL5EkJFz4AbpijextjlpCcriFobSE6KzWEDVIvap9p7SW2jfQhGaQlQJVBgwY6sjwOtUdj4l5xWYuJWgTmGQJvFrxNp099BZMVScGAUKMTSps0qFyLy9Rql0f6XnB9cnqgokLSngCSok9YPXTew4b30jVkmjuCWlCUpdQuYPqHnzitBRU4kCgXmS35JMASSYAgCeQ4DspzL5BsrL3GNRB48rV6qnEsT8mqL6oOvD1RUpxGEPzZ/sz+VNRiHReXsPAqPWPqA3bjMT6SQr2JE/spFWQtnKB5U5fKFDKoAAkJVxvCBpyAHCK9HUvBn1B4t9ndzrjqMCRZDc21bHjqO6iaWIdF5m04jKVeUKS5mVaFXsSFZp1UQBz9lTqQ1dIxZKDYy2sAgArEpzRGcx3qJr0NOF2fF0M/2aBxv6vKuJwezjqhkfsp5n6vKPaaEYngvPMRiCLoxSlqJym602KUySoqvcBJH1BytUxOOdIhSyoGdVE6kqOv1iT3k16cNl7OJMpZi0EAdsyI5R7aY/sTZ9sqGieN4+4ihPFGi8tRiLgkSJEiSJHETwnStf0p6S4Z9lhDDWUpRlCYgNbySQD85IBEn/Ea0T/R7Z/qobOvrHs7e/wBlDNubFwreGeU0hIcAbCCFEkEutgxfXKT76lrw4JiICZLR9HGUs4LDqSvqutQ2VFObUJ9JW/EdsWmrjmCbeAK8UFFsLUAJKki2Y2WCJJHtHOrTAabSlhIKktDIApIUcqSBfTjHATE8KWZhMgISnUWajQgajtCfszwrMiPzJdPZ0VMbFagZcQAbyC6tBHCCA4bg2I7KkTsRtKk58SrK4N0h11II1Er6wiLmJ1zWqV9nDA76GwQM0hvlBsRrwMVYxPk/oOFEJAsWyQBGYetwo/8Ao5kiTVWb2ShzItL7ipugnEuZriLBQlJIMEa3IqRvZWckB94woKPn1GCPRN0dlj2U9ODwyFdaAgKBsrIqZBnWbiVTyk86ssqbEoSE7wuCDBHIzNoVp20r1o053okzmajb2ApKQhGJdCQkJCQ6YCYgJgt6RUTex8UlalIxCpWQSorBJgACZRyAHhTx1BJTDM3EW7ZtHYfYa6nqARdnhG97PwikXx9o53q2NuGY54KB/ZuLgBS1rTKSQVoCVZSFD1J1Aq0nALGKGKU0jPlymMuaCPRmBMaSTMTV5OOWQlSSkhNkkGYm3Kq20NqqaacWq6QFLUBqSkSYlIv40nXzm3neh7r57Xsst0GaayPgozZcS7dWWSmTAMjxtRPGbWwQUpBSEKQRmhIOpAAumDJUkeNDugm2UHCIBaStZcdJlIUSJzanQX1nhWkexyCk/wBESDzKGyPYYkVthONZLmMRoMryFHHYRJAMyM0jKm+WVHQcB91SMYzCrX1aCc/EZB2njAFgfs1P5Qg3GGb5f6O0bix9bnNPZx+HHpYRBVOow7Y1EgWm8UYLtClit7yupaY/VH3fvVUUWQSCoAjgQkRynzlMO0m7/wBGRrb+jDT7XIipUbXwwG/h76EhoAeybWowX6FGK3vBdwzjJUBIVb0Rr3/Km2lXD1I+aWfH/PVb41w3+rLH/DP501W28KNWVjvSRy+t2j2ikYTtCmIje8FKtbSQVKSUgcVTH/yVzyrDqBDcFcTZU6amMx7qqPbdwt0luedlEe5dcRtHCKBDKMizAmCOdrnkDRhuzkUXxlMJ80qYaVCheXlVQudInUqIgWtr4g+ypEJKiEjUkAd5sKvYz4NdoZyUtoULfOAcBPHnVyG1azIQ5rbbrigEoJPILjT2VOnaGIv5te7rv6T99WdndBNotOoWrDEhJJ3VoPAj6Yoi1sLH5SHMI5IKsuUJggjKBAVandasnveDQIT5fif1bnt/hXFbVfSJKHQBqSTHjaKK4vZeJSoOKwzoCUrB3DG9EEx3RVB7OW1I6t2VhQB6tV8wsBaDof5mi6FIiRT8qqo6QrPFZPYsVMx0jWkicxg3BIv2GgGAwTqXUKUy5CVAmxEZbm8cLGimMW2pxcYRwqOa4BEk5YOThzn60xelILeq1Gx9trfzZUtgpgkKUAYESR9UxfXU86bj9qLQApRQAd0ZVA3A9x/GsuhC0vIWGXRC2yT1aoygjMIjlqONO224pbKUobcADzqspBOoG9GUZQbwOGl6JNSDpjJFnOkRBhQI74qntragcwy5sUFpSYywo5tFQZiMxi1wKzrbbhUM6VkfWB/GiGxcEV5W3EkIcfw6FSCJClkEA84nTnScGgTVNcV7QWIUR5QgKSQCC2bFUQPTvqNKlOAMEl5oganqp/8As1v76q7R2k2Fw4wFQowqREnKcxJTu6i/DLXMTtNloqaLJCc/qkAEpS2oG0RZSPsmvMFtccp8F2dX0Cup2Ys6PNGf9kf+52adlcc2coEFTrEkwCpESeXpG8UKXtDCKUU9SoqHFPNSwgCc2qlKA/aMxer6sdh95vIvK0HFHkAmAozm1J0m8gntq+uOGu4I6vLYpzs1agRLBgxxgHlGUwdPdT29nuBV+pBPJRk6fU7B7KFIfwcpSEOAkmE7wMgwRGfXMoiDxCuU0SZxOHytuzlAIbQVTEpC0xrGil37uIFM2xw13KXQJVKedjHUJZmZMk/fkqJOwlTdvD20ubf8u1S4rHYZ0JCnEkZpSQVJ3gJ9IHkdOM1Dh8PhiodWtKlCCAl1R00tmvYVPXpZ+im74p/kGJTZAaCZBgLPDQ/J0L6XYZ9ODfUoIIDbqjCjaUmSN0Xot8TIAyy4OMdYubcZzSB99CulmECcDilJKrsOC6lEERcwTE21qxbJkD+vJQWUWG+CVCHCtDyStKUkpSM1jKbym/ttWzxGFw2YjqCQCR8o4Drx3x2GNfdIb4MsIlDCnQhZWRlBREHjBnQzF61Kmc11YZRIVIkA66q9Cxn22rrxogMhPf8AdZYUMioCHnBYbgw4CSLZ3Qb/ALV+HtpqtmMAmcO6NIOd4E2FoPaSP2SeIoi2yc2byZYJKTIiZBBmco0/AU1jCZTu4UpAgiCNRA0y8BoeynjxdTv+6MCFoFQVs1n9Q/M3hbsi8H3Enw7bPb2Ph8slrEa2GZwcNRI7xRJOHUokqbWk8D6Xfa0fwqPFYNz1UFQyxvSPDU2pY8XU71Ys8Dw3Kr8Ts/q8T9tfhwpzewWCd5GJHaVqMXnlzAPgKtpafTYJtNrdv31KrDFYT1gXPYNJ10pY8XU70jBhaBUnOj7A08p+2v8AdpN7CYT5yXioAxnUTwMap7TSVgXIMNHW2+q4vfSx0qdKHEtqzBSRy1HAakWp4r9SpwmaBUJpUwmlTWS82wCyHWyNQtJ94r0h7FtuqKy0sk2JS4U/R+isD1U+yvKnMV1Yz8QRHtpielTo0IHgfzpuv/Kh5dsXrAebSrN1bybg/KqCZtwzxFhbvOpNGcPtla0lSUKImOH514j+lb30h7D+dOT0se+knjz42PupfmKJxJ5Bez4/aDy21JShaSeJSFDtkGQba/hQ7+kZgoosCgwG9ADmMbvOCNI515gOmuIgjrBfW57tdaf+m+J16wfaV+VHbWrYsRokAF6QRiEhUIJJzXLZEhR9YAXJ9sjU8JsH1iXErLW6lRzWUpQVlAEW1vfw5V5onpxiR66eHrHhpwro6bYmZzJmSfSOp19Wl+Zoq6xElKS9jO1xxbXw+bUddOFQK20ydUn7B/KvKR07xX0k8PX/AMtVx0qe+gj7f8KJxNFi5z/lC9P2jjWVgQSgpINke4yNPZpWf6b4xJRgQ2YUnFMnNl4iYNxGtZFPSRxZgMhSlCN1YKjr2X41NhdpnEv4RC0hITi8PKc2YmVwRA040ds0IVMixKAii9axig2QM7xmSYCN0CJJ3LC9RNbTZM+edAEXKRe0mBkm2h5ERV3FKbQqCy+RbeQVkXtFlTPhF6Q6o+piBccHIuBebwLwZ4gzpXF1NmgXcDTIqJ91CcnnFKK5KRCZIFybxAEgSeKk864nFMH55F7XTrNr37Pu7KcCyTEPyJ1Su3iRFxSShlRiXQTAgoPG0SUxwpdTboE5+BXW2G3CcqmlkXPmwdbSd7jHuq0jBQIlAHINwP8Aq5VAvBhvQuBMapDYA75A0AqHr0xPWuRE/NnjHDuoNk8FF8aqw+y2mAtbYJmApAvGsArvTGksgyl1mdbAC0f73KKrPhCvSUpUTq2hXKYt3VxGAQqybg2+REX1BIT7aXUhpxSvhX+sB+dbvI9KJ58b/wAaC9Nlf+n4opWlQDShZUxNqtPbKbSQFFoEXALabTqRym9A+nbWTZ2IWhSCFhCSUpAmVgag3IvVNsvaBrv8UF1FV6KwnAtghSkkZylJuTMW9gNWnsRh1qAyLICSsE8/owCDmkxERrfkO6IbRS1g20KUELkmS2VyDMXAPfE8KL/HKYB61uQf1CgCLanJY11TqoJlsVbB4hoyA2q4B9BR1uCd48vA+NdxjjbRyuJGcjMBy1A+cuqBw08RNk7VbsUvN5og+YVBN+SQRw9lTnbGEiFFBMX82oSfs6TQXJiuySosdJwhtIBAgExlzQACbkLPfJN5tNyLeEdbcTm6zQyQFLCgVQTlPWCBpbTWnt7UwUfNxPBtXh6vb76d8bYA2zJ7IQv8E0TTKHYvaLSSMpWBlgHM6DGsFQcHGfu7KJ7NxRz+bKlA81rUY7nFmCKYraOBOp/uL7/o9vvrvxnguC1eCXP3ac0UUuN2vlKiSQADJv3aA8/Gq52ipaImyoPE+8qNV8VjMFB31AkHVLn5c6G7OIGeHAsSIAzWtvTmSnUxYTFMFS/JESaVQ567VrnXlC2FPDq2xKiQQJA077VZTsbGpCR1KYsBvJ8PX1tU3Rkw9P1T+FaV7FGUX9YfjWl0FbNe5h7JWXc2RjgJLAAH10930+2nDYuPH9X96f3q168UCCDcHUVDhtolByKJI9VX4E8/57jDCvrEbvLJfEOO3v6Md7uPCOdP+Ksbxwaj+zW3GP7a4vaRAN6WGEC0RRkVhVbKxn+pufYn8K58X4of1F3waP7v8zW9a2sqQM82k6e4iPuqVe11BSYUYJM+yjDCfWYuvALC7PS62nKvZanDJOZTSpuZA9DQC1SBZtOyVcPUUNP+Hxrbp2uS4FA2ya+M6057b5F8+h0nXdJg9lQbO0mdd591jMrz1ttzylDowbrKAIypQoicpE2SNZFVMOh1lansi0FLra0FSSLhSimJGvGOyvU2ekCiJzHW1cxOO69WHCiFBGIQ4oKvZLb02461RaGN+iACTJJvaeJmBtjCnvCO33209+ldO2MYACNp4QzkHopPpKKRcctTYQCJijhfwokKQ1NyJbTYcO/vqqpvDfQwpnnh0zy1nWZrLHYtsF6E7J27tB5tLnlmESFISuCASJJGUgesOPiOFTL29j0uhryvBklBWDkOX5QNRINlSQY7aJtYXAmc7OEVyhhA++ajTs7BcWcFwj+jI/P+YpY7EsGIheG6T7QXmCXsEShxxv0VRKFpQSCD6JzpIPKeRpP9J9ooy5vIjncQ1ICtVKKQTvWAgK5wsHnBZrZWDJ/0fBG40wyNL9uul+w87cOysEJJYwIAmT5OkcLcbXg+0dtZGIZ0cNyeE/RVBt3aNrYAyeGe14kxwnlNQu9K8ehtTgRgSlKVqISpYJy58wSPWMoOnMHQ0R+JcJww+C0/1Ya+2pWNi4IHfw+DI7MOkGeGs21qREd3xu+6MJ+iyyfhIxxTm8nwsET8ugG/YXJnsiaF9M+lr7uH6l5psJdKDKVLJGUtr0UkA2UBItrW8d2Ls8SfJsKALyWh41ifhPwGHRhmXMK0yk9YJU0gJkFJKdLkTW4iNc4SUljwKos30fsyk5LJSYJuqLqIHDdPgTVhPRdH0UzJg5jpAgfz2VdG1kJZYeWhZKm0mEJlO8DFyoZoy+8c6XxuxcBtXOMoHLh1l9dOw1F1xWl8Aqq70ZamcqZmZzGkros0R6KM2l1Hsgff7aILxzKMuZBTmFgEiwz5CbORAgqMcBOtQMbWYyrUG3BlCFEFAzbxIgDrdQSZ4X4zculBiUkqiOigE2bHKCqxtTmuiaRBPV6zYqHA9p4keyr2Jx+HQASyohSUrkITooE6dZMwDaOE8Kmw2PYck5FDL1ZlTcWWQEn0+EXm4CaqSi8hg6HjMFKU2rSfSm1jB9tNPQtIIKFoTAA9YmfWv2iKKr2k0n6RgkWbPD9v2c6vbPdS6CpFoMXTB0B+kef30sk5hZDFdFQ4QEvskpBzC6iL2tNuV+VORsxOFSlJUkqMkkWGtgAa0atnJZXnTmKnNyQJAAzLvKrCSo+NA+mDMpbXINymI7AedE5JSvUUHlKfpD2iuVnoFKniJYA1Qzo3gVuPZWxJykngABF5UQK1bnRrEWiNRO8nT7VYzBYxLL0OchwniLRxrUYXayEnMQY85CcvFSQE+/7q62BpbOa5I0aI2Jda2av/AKNP9n2k/nTXOiryhBAI7x+dRsbcYmVt2IukIgA5VhUdilFJ7I7BT2Nu4cETKgEkGW7k582YjT0eHGSKcm6qRGi93ncmtdF8UDESmLHj3Hn309zotiCIy+4/lVfZ+12UpSFCYXJIb1F5BkGeERHKp07Yw5DRWmSn0x1cZpABuBw3j3xRdbqkI8aXwc7lSX0dxDRTmbcOa260tXtypMeNWz0bxRghpdvqKH3ppydsMZYIB3UieqiTKs3q2lOWuPbXY34gyFZfNxlOY5AN36BvPEC9qd1uqRtMUD4OdyYOjeKC/kVxlj0Fc+6kvo7iv1K9fonlHKquL2kjNuqtlToCLxfhzqmzjcqlEOKynQEkke6IouN1SbaohDiWSlx+lEYa2HiUz5lWv0T+VDdruuMrabhSXSvMABcpCHAbam/ZwqdnbAvK1aGLnWhOPxs4vDvElSUJUFG5InNA58ffURWhrCRXwWtitT4kZrXMkJipyz8k3E47Fdag5cQW7Z8re9x0Kk66V1zHu5jl8uCIMTh2yQbRNgFDXlwoiOkiP1iv7JX5VJ+kaP1h/s1flXm4zh+1zuX0cSzQnuLsaU9JS9UK+Mnp/rgANicMgki1rRlPpc9E9sdb2m9Bk4kG0f0RJAved/esVcvfYyz0kai7hPbkUPwrn6Uo5j+9+5QIxP7XO5QbHCH7/O9BG9tYpKxBeyxc+TAK4+rcRPbzqb40dMyt4kkiTgxBG6R60jezT3AiiT/SNCx6ZT/ulQ/wdvuFRnbyT86vgLKV2f7PsrRsTWHLn6LM2VuyLzvQV3bmKbX5sKNvSOHyHui9o404dKdofRP9j/CtGjpQnn/1fuU9vpS2fSVHdmP+GsnRTthc7lYsbf5+H3QDDbfxjhKXwoIyqM9QdQCU8LbwF+FCsXtTEPNhtSCW2yFiGyk7tySf92SfbW0d6SN2yuxzlKj+FVtrdIW1MupSolSkLEQbyCBG6I9ppsjVH5cufoiJY2hv6oOfPxKqzs3ajjOZjrMq1Zmyl9CEhsiwCS4CnhYpERUR2JtwAkqdA4nyluP/AJKP7I6UdRhcIhKUrPVgLEmbRAkWTbnVrafTBPXFIcCEZGyBlCpKus6wFRsICUidJVxmugRDOS4H2ctY15ND4+qyaNmbYkS44RYwMW1JHZ53vvVv4u2jwViOX+nM68IObkDareJ6QthCilbRUEKKYabuqAQMuWYKiePCtIrpDhkkhLDZHCIE8KHRCFLIRdksSGMfPyj5sbeXsTaJvPATw4inJw+0CoALxEnh5czJ4iL8j7xW2PSbDgk9S3oINrzEjTtPsqP9KWIJDTYULjS5tP48eFTinRX1dyyZ2ftLniYt/XGfH1u6oXtnbWPyZxFtZxLau7RVbb9KWQojI2UyIIMSP4VC70qQlasrbZTNrwSIGpnnPCniHYFDoJbmscdl7YCZK3p+j1yZ/wCqI8aqPrxzbebElakZhErSuLGfRJgQU68xXoGF6WNLVCmglPMrPbw8B7aE7bxjCktJZShIhRWEaTugSO4R3CjEJoQENZtCzLWMSoTP3Uqif2KCSULyg8Msgd17DspUpN1WldEJ2cJxipvGaJrQqpUqp/soZt+qgd0pp40qVJaJoNPTSpUFUlTxXKVJCadaRrtKjYmkK7SpUHJDM08CukUqVZFdCcBUaqVKmEFICnN0qVCS6mpEUqVIphRKNdWL0qVMJFOI0qTIOQrlKkoK7kHIU4JtSpUkLqBauxalSoGaE1YqFVKlTCSSRUopUqFJyT5pUqVUkv/Z"/>
+          <p:cNvSpPr>
+            <a:spLocks noChangeAspect="1" noChangeArrowheads="1"/>
+          </p:cNvSpPr>
+          <p:nvPr/>
+        </p:nvSpPr>
+        <p:spPr bwMode="auto">
+          <a:xfrm>
+            <a:off x="307975" y="7937"/>
+            <a:ext cx="304800" cy="304801"/>
+          </a:xfrm>
+          <a:prstGeom prst="rect">
+            <a:avLst/>
+          </a:prstGeom>
+          <a:noFill/>
+          <a:extLst>
+            <a:ext uri="{909E8E84-426E-40DD-AFC4-6F175D3DCCD1}">
+              <a14:hiddenFill xmlns:a14="http://schemas.microsoft.com/office/drawing/2010/main">
+                <a:solidFill>
+                  <a:srgbClr val="FFFFFF"/>
+                </a:solidFill>
+              </a14:hiddenFill>
+            </a:ext>
+          </a:extLst>
+        </p:spPr>
+        <p:txBody>
+          <a:bodyPr vert="horz" wrap="square" lIns="91440" tIns="45720" rIns="91440" bIns="45720" numCol="1" anchor="t" anchorCtr="0" compatLnSpc="1">
+            <a:prstTxWarp prst="textNoShape">
+              <a:avLst/>
+            </a:prstTxWarp>
+          </a:bodyPr>
+          <a:lstStyle/>
+          <a:p>
+            <a:endParaRPr lang="en-US"/>
+          </a:p>
+        </p:txBody>
+      </p:sp>
+      <p:pic>
+        <p:nvPicPr>
+          <p:cNvPr id="10266" name="Picture 26" descr="http://mlb-s2-p.mlstatic.com/fundamentos-da-matematica-elementar-70-livros-frete-gratis-285001-MLB20252774318_022015-O.jpg"/>
+          <p:cNvPicPr>
+            <a:picLocks noChangeAspect="1" noChangeArrowheads="1"/>
+          </p:cNvPicPr>
+          <p:nvPr/>
+        </p:nvPicPr>
+        <p:blipFill>
+          <a:blip r:embed="rId8">
+            <a:extLst>
+              <a:ext uri="{28A0092B-C50C-407E-A947-70E740481C1C}">
+                <a14:useLocalDpi xmlns:a14="http://schemas.microsoft.com/office/drawing/2010/main" val="0"/>
+              </a:ext>
+            </a:extLst>
+          </a:blip>
+          <a:srcRect/>
+          <a:stretch>
+            <a:fillRect/>
+          </a:stretch>
+        </p:blipFill>
+        <p:spPr bwMode="auto">
+          <a:xfrm>
+            <a:off x="9145113" y="4200763"/>
+            <a:ext cx="2679327" cy="1998778"/>
+          </a:xfrm>
+          <a:prstGeom prst="rect">
+            <a:avLst/>
+          </a:prstGeom>
+          <a:ln>
+            <a:noFill/>
+          </a:ln>
+          <a:effectLst>
+            <a:outerShdw blurRad="292100" dist="139700" dir="2700000" algn="tl" rotWithShape="0">
+              <a:srgbClr val="333333">
+                <a:alpha val="65000"/>
+              </a:srgbClr>
+            </a:outerShdw>
+          </a:effectLst>
+          <a:extLst>
+            <a:ext uri="{909E8E84-426E-40DD-AFC4-6F175D3DCCD1}">
+              <a14:hiddenFill xmlns:a14="http://schemas.microsoft.com/office/drawing/2010/main">
+                <a:solidFill>
+                  <a:srgbClr val="FFFFFF"/>
+                </a:solidFill>
+              </a14:hiddenFill>
+            </a:ext>
+          </a:extLst>
+        </p:spPr>
+      </p:pic>
+      <p:pic>
+        <p:nvPicPr>
+          <p:cNvPr id="10268" name="Picture 28" descr="http://www.depoisdosquinze.com/wp-content/uploads/2014/03/estante-de-livros-brunavieira.jpg"/>
+          <p:cNvPicPr>
+            <a:picLocks noChangeAspect="1" noChangeArrowheads="1"/>
+          </p:cNvPicPr>
+          <p:nvPr/>
+        </p:nvPicPr>
+        <p:blipFill>
+          <a:blip r:embed="rId9" cstate="print">
+            <a:extLst>
+              <a:ext uri="{28A0092B-C50C-407E-A947-70E740481C1C}">
+                <a14:useLocalDpi xmlns:a14="http://schemas.microsoft.com/office/drawing/2010/main" val="0"/>
+              </a:ext>
+            </a:extLst>
+          </a:blip>
+          <a:srcRect/>
+          <a:stretch>
+            <a:fillRect/>
+          </a:stretch>
+        </p:blipFill>
+        <p:spPr bwMode="auto">
+          <a:xfrm>
+            <a:off x="3132700" y="3938204"/>
+            <a:ext cx="2866899" cy="1912631"/>
+          </a:xfrm>
+          <a:prstGeom prst="ellipse">
+            <a:avLst/>
+          </a:prstGeom>
+          <a:ln>
+            <a:noFill/>
+          </a:ln>
+          <a:effectLst>
+            <a:softEdge rad="112500"/>
+          </a:effectLst>
+          <a:extLst>
+            <a:ext uri="{909E8E84-426E-40DD-AFC4-6F175D3DCCD1}">
+              <a14:hiddenFill xmlns:a14="http://schemas.microsoft.com/office/drawing/2010/main">
+                <a:solidFill>
+                  <a:srgbClr val="FFFFFF"/>
+                </a:solidFill>
+              </a14:hiddenFill>
+            </a:ext>
+          </a:extLst>
+        </p:spPr>
+      </p:pic>
+    </p:spTree>
+    <p:extLst>
+      <p:ext uri="{BB962C8B-B14F-4D97-AF65-F5344CB8AC3E}">
+        <p14:creationId xmlns:p14="http://schemas.microsoft.com/office/powerpoint/2010/main" val="4052964007"/>
+      </p:ext>
+    </p:extLst>
+  </p:cSld>
+  <p:clrMapOvr>
+    <a:masterClrMapping/>
+  </p:clrMapOvr>
+</p:sld>
+</file>
+
+<file path=ppt/slides/slide13.xml><?xml version="1.0" encoding="utf-8"?>
+<p:sld xmlns:a="http://schemas.openxmlformats.org/drawingml/2006/main" xmlns:r="http://schemas.openxmlformats.org/officeDocument/2006/relationships" xmlns:p="http://schemas.openxmlformats.org/presentationml/2006/main">
+  <p:cSld>
+    <p:spTree>
+      <p:nvGrpSpPr>
+        <p:cNvPr id="1" name=""/>
+        <p:cNvGrpSpPr/>
+        <p:nvPr/>
+      </p:nvGrpSpPr>
+      <p:grpSpPr>
+        <a:xfrm>
+          <a:off x="0" y="0"/>
+          <a:ext cx="0" cy="0"/>
+          <a:chOff x="0" y="0"/>
+          <a:chExt cx="0" cy="0"/>
+        </a:xfrm>
+      </p:grpSpPr>
+      <p:sp>
+        <p:nvSpPr>
+          <p:cNvPr id="2" name="Título 1"/>
+          <p:cNvSpPr>
+            <a:spLocks noGrp="1"/>
+          </p:cNvSpPr>
+          <p:nvPr>
+            <p:ph type="title"/>
+          </p:nvPr>
+        </p:nvSpPr>
+        <p:spPr/>
+        <p:txBody>
+          <a:bodyPr/>
+          <a:lstStyle/>
+          <a:p>
+            <a:r>
+              <a:rPr lang="pt-PT" dirty="0" smtClean="0"/>
+              <a:t>Identificação dos Relacionamentos</a:t>
+            </a:r>
+            <a:endParaRPr lang="en-US" dirty="0"/>
+          </a:p>
+        </p:txBody>
+      </p:sp>
+      <p:sp>
+        <p:nvSpPr>
+          <p:cNvPr id="3" name="Marcador de Posição de Conteúdo 2"/>
+          <p:cNvSpPr>
+            <a:spLocks noGrp="1"/>
+          </p:cNvSpPr>
+          <p:nvPr>
+            <p:ph idx="1"/>
+          </p:nvPr>
+        </p:nvSpPr>
+        <p:spPr/>
+        <p:txBody>
+          <a:bodyPr/>
+          <a:lstStyle/>
+          <a:p>
+            <a:pPr marL="514350" indent="-514350">
+              <a:buFont typeface="+mj-lt"/>
+              <a:buAutoNum type="arabicPeriod"/>
+            </a:pPr>
+            <a:r>
+              <a:rPr lang="pt-PT" dirty="0" smtClean="0"/>
+              <a:t>Livro-Autor</a:t>
+            </a:r>
+          </a:p>
+          <a:p>
+            <a:pPr marL="514350" indent="-514350">
+              <a:buFont typeface="+mj-lt"/>
+              <a:buAutoNum type="arabicPeriod"/>
+            </a:pPr>
+            <a:r>
+              <a:rPr lang="pt-PT" dirty="0" smtClean="0"/>
+              <a:t>Livro-Editora</a:t>
+            </a:r>
+          </a:p>
+          <a:p>
+            <a:pPr marL="514350" indent="-514350">
+              <a:buFont typeface="+mj-lt"/>
+              <a:buAutoNum type="arabicPeriod"/>
+            </a:pPr>
+            <a:r>
+              <a:rPr lang="pt-PT" dirty="0" smtClean="0"/>
+              <a:t>Livro-Exemplar</a:t>
+            </a:r>
+          </a:p>
+          <a:p>
+            <a:pPr marL="514350" indent="-514350">
+              <a:buFont typeface="+mj-lt"/>
+              <a:buAutoNum type="arabicPeriod"/>
+            </a:pPr>
+            <a:r>
+              <a:rPr lang="pt-PT" dirty="0" smtClean="0"/>
+              <a:t>Exemplar-Requisição</a:t>
+            </a:r>
+          </a:p>
+          <a:p>
+            <a:pPr marL="514350" indent="-514350">
+              <a:buFont typeface="+mj-lt"/>
+              <a:buAutoNum type="arabicPeriod"/>
+            </a:pPr>
+            <a:r>
+              <a:rPr lang="pt-PT" dirty="0" smtClean="0"/>
+              <a:t>Exemplar-Utilizador</a:t>
+            </a:r>
+          </a:p>
+          <a:p>
+            <a:pPr marL="514350" indent="-514350">
+              <a:buFont typeface="+mj-lt"/>
+              <a:buAutoNum type="arabicPeriod"/>
+            </a:pPr>
+            <a:r>
+              <a:rPr lang="pt-PT" dirty="0" smtClean="0"/>
+              <a:t>Exemplar-Localização</a:t>
+            </a:r>
+          </a:p>
+          <a:p>
+            <a:pPr marL="514350" indent="-514350">
+              <a:buFont typeface="+mj-lt"/>
+              <a:buAutoNum type="arabicPeriod"/>
+            </a:pPr>
+            <a:r>
+              <a:rPr lang="pt-PT" dirty="0" smtClean="0"/>
+              <a:t>Requisição-Utilizador</a:t>
+            </a:r>
+          </a:p>
+          <a:p>
+            <a:pPr marL="514350" indent="-514350">
+              <a:buFont typeface="+mj-lt"/>
+              <a:buAutoNum type="arabicPeriod"/>
+            </a:pPr>
+            <a:r>
+              <a:rPr lang="pt-PT" dirty="0" smtClean="0"/>
+              <a:t>Coleção-Livro</a:t>
+            </a:r>
+          </a:p>
+          <a:p>
+            <a:endParaRPr lang="pt-PT" dirty="0" smtClean="0"/>
+          </a:p>
+          <a:p>
+            <a:endParaRPr lang="en-US" dirty="0"/>
+          </a:p>
+        </p:txBody>
+      </p:sp>
+    </p:spTree>
+    <p:extLst>
+      <p:ext uri="{BB962C8B-B14F-4D97-AF65-F5344CB8AC3E}">
+        <p14:creationId xmlns:p14="http://schemas.microsoft.com/office/powerpoint/2010/main" val="1976290187"/>
+      </p:ext>
+    </p:extLst>
+  </p:cSld>
+  <p:clrMapOvr>
+    <a:masterClrMapping/>
+  </p:clrMapOvr>
+</p:sld>
+</file>
+
+<file path=ppt/slides/slide14.xml><?xml version="1.0" encoding="utf-8"?>
+<p:sld xmlns:a="http://schemas.openxmlformats.org/drawingml/2006/main" xmlns:r="http://schemas.openxmlformats.org/officeDocument/2006/relationships" xmlns:p="http://schemas.openxmlformats.org/presentationml/2006/main">
+  <p:cSld>
+    <p:spTree>
+      <p:nvGrpSpPr>
+        <p:cNvPr id="1" name=""/>
+        <p:cNvGrpSpPr/>
+        <p:nvPr/>
+      </p:nvGrpSpPr>
+      <p:grpSpPr>
+        <a:xfrm>
+          <a:off x="0" y="0"/>
+          <a:ext cx="0" cy="0"/>
+          <a:chOff x="0" y="0"/>
+          <a:chExt cx="0" cy="0"/>
+        </a:xfrm>
+      </p:grpSpPr>
+      <p:sp>
+        <p:nvSpPr>
+          <p:cNvPr id="2" name="Título 1"/>
+          <p:cNvSpPr>
+            <a:spLocks noGrp="1"/>
+          </p:cNvSpPr>
+          <p:nvPr>
+            <p:ph type="title"/>
+          </p:nvPr>
+        </p:nvSpPr>
+        <p:spPr/>
+        <p:txBody>
+          <a:bodyPr/>
+          <a:lstStyle/>
+          <a:p>
+            <a:r>
+              <a:rPr lang="pt-PT" dirty="0" smtClean="0"/>
+              <a:t>Identificação dos Atributos</a:t>
+            </a:r>
+            <a:endParaRPr lang="en-US" dirty="0"/>
+          </a:p>
+        </p:txBody>
+      </p:sp>
+      <p:sp>
+        <p:nvSpPr>
+          <p:cNvPr id="3" name="Marcador de Posição de Conteúdo 2"/>
+          <p:cNvSpPr>
+            <a:spLocks noGrp="1"/>
+          </p:cNvSpPr>
+          <p:nvPr>
+            <p:ph idx="1"/>
+          </p:nvPr>
+        </p:nvSpPr>
+        <p:spPr/>
+        <p:txBody>
+          <a:bodyPr>
+            <a:normAutofit/>
+          </a:bodyPr>
+          <a:lstStyle/>
+          <a:p>
+            <a:pPr marL="514350" indent="-514350">
+              <a:buFont typeface="+mj-lt"/>
+              <a:buAutoNum type="arabicPeriod"/>
+            </a:pPr>
+            <a:r>
+              <a:rPr lang="pt-PT" dirty="0" smtClean="0"/>
+              <a:t>Atributos do Livro</a:t>
+            </a:r>
+          </a:p>
+          <a:p>
+            <a:pPr marL="514350" indent="-514350">
+              <a:buFont typeface="+mj-lt"/>
+              <a:buAutoNum type="arabicPeriod"/>
+            </a:pPr>
+            <a:r>
+              <a:rPr lang="pt-PT" dirty="0" smtClean="0"/>
+              <a:t>Do Autor</a:t>
+            </a:r>
+          </a:p>
+          <a:p>
+            <a:pPr marL="514350" indent="-514350">
+              <a:buFont typeface="+mj-lt"/>
+              <a:buAutoNum type="arabicPeriod"/>
+            </a:pPr>
+            <a:r>
+              <a:rPr lang="pt-PT" dirty="0" smtClean="0"/>
+              <a:t>De Editora</a:t>
+            </a:r>
+          </a:p>
+          <a:p>
+            <a:pPr marL="514350" indent="-514350">
+              <a:buFont typeface="+mj-lt"/>
+              <a:buAutoNum type="arabicPeriod"/>
+            </a:pPr>
+            <a:r>
+              <a:rPr lang="pt-PT" dirty="0" smtClean="0"/>
+              <a:t>De Exemplar</a:t>
+            </a:r>
+          </a:p>
+          <a:p>
+            <a:pPr marL="514350" indent="-514350">
+              <a:buFont typeface="+mj-lt"/>
+              <a:buAutoNum type="arabicPeriod"/>
+            </a:pPr>
+            <a:r>
+              <a:rPr lang="pt-PT" dirty="0" smtClean="0"/>
+              <a:t>De Requisição</a:t>
+            </a:r>
+          </a:p>
+          <a:p>
+            <a:pPr marL="514350" indent="-514350">
+              <a:buFont typeface="+mj-lt"/>
+              <a:buAutoNum type="arabicPeriod"/>
+            </a:pPr>
+            <a:r>
+              <a:rPr lang="pt-PT" dirty="0" smtClean="0"/>
+              <a:t>De Utilizador</a:t>
+            </a:r>
+          </a:p>
+          <a:p>
+            <a:pPr marL="514350" indent="-514350">
+              <a:buFont typeface="+mj-lt"/>
+              <a:buAutoNum type="arabicPeriod"/>
+            </a:pPr>
+            <a:r>
+              <a:rPr lang="pt-PT" dirty="0" smtClean="0"/>
+              <a:t>De Localização</a:t>
+            </a:r>
+          </a:p>
+          <a:p>
+            <a:pPr marL="514350" indent="-514350">
+              <a:buFont typeface="+mj-lt"/>
+              <a:buAutoNum type="arabicPeriod"/>
+            </a:pPr>
+            <a:r>
+              <a:rPr lang="pt-PT" dirty="0" smtClean="0"/>
+              <a:t>De Coleç</a:t>
+            </a:r>
+            <a:r>
+              <a:rPr lang="en-US" dirty="0" smtClean="0"/>
+              <a:t>ão</a:t>
+            </a:r>
+          </a:p>
+        </p:txBody>
+      </p:sp>
+    </p:spTree>
+    <p:extLst>
+      <p:ext uri="{BB962C8B-B14F-4D97-AF65-F5344CB8AC3E}">
+        <p14:creationId xmlns:p14="http://schemas.microsoft.com/office/powerpoint/2010/main" val="3081524983"/>
+      </p:ext>
+    </p:extLst>
+  </p:cSld>
+  <p:clrMapOvr>
+    <a:masterClrMapping/>
+  </p:clrMapOvr>
+</p:sld>
+</file>
+
+<file path=ppt/slides/slide15.xml><?xml version="1.0" encoding="utf-8"?>
+<p:sld xmlns:a="http://schemas.openxmlformats.org/drawingml/2006/main" xmlns:r="http://schemas.openxmlformats.org/officeDocument/2006/relationships" xmlns:p="http://schemas.openxmlformats.org/presentationml/2006/main">
+  <p:cSld>
+    <p:spTree>
+      <p:nvGrpSpPr>
+        <p:cNvPr id="1" name=""/>
+        <p:cNvGrpSpPr/>
+        <p:nvPr/>
+      </p:nvGrpSpPr>
+      <p:grpSpPr>
+        <a:xfrm>
+          <a:off x="0" y="0"/>
+          <a:ext cx="0" cy="0"/>
+          <a:chOff x="0" y="0"/>
+          <a:chExt cx="0" cy="0"/>
+        </a:xfrm>
+      </p:grpSpPr>
+      <p:sp>
+        <p:nvSpPr>
+          <p:cNvPr id="2" name="Título 1"/>
+          <p:cNvSpPr>
+            <a:spLocks noGrp="1"/>
+          </p:cNvSpPr>
+          <p:nvPr>
+            <p:ph type="title"/>
+          </p:nvPr>
+        </p:nvSpPr>
+        <p:spPr/>
+        <p:txBody>
+          <a:bodyPr/>
+          <a:lstStyle/>
+          <a:p>
+            <a:pPr>
+              <a:lnSpc>
+                <a:spcPct val="150000"/>
+              </a:lnSpc>
+            </a:pPr>
+            <a:r>
+              <a:rPr lang="pt-PT" dirty="0" smtClean="0"/>
+              <a:t>Identificação das Chaves</a:t>
+            </a:r>
+            <a:endParaRPr lang="pt-PT" dirty="0" smtClean="0"/>
+          </a:p>
+        </p:txBody>
+      </p:sp>
+      <p:sp>
+        <p:nvSpPr>
+          <p:cNvPr id="3" name="Marcador de Posição de Conteúdo 2"/>
+          <p:cNvSpPr>
+            <a:spLocks noGrp="1"/>
+          </p:cNvSpPr>
+          <p:nvPr>
+            <p:ph idx="1"/>
+          </p:nvPr>
+        </p:nvSpPr>
+        <p:spPr/>
+        <p:txBody>
+          <a:bodyPr/>
+          <a:lstStyle/>
+          <a:p>
+            <a:pPr marL="514350" indent="-514350">
+              <a:buFont typeface="+mj-lt"/>
+              <a:buAutoNum type="arabicPeriod"/>
+            </a:pPr>
+            <a:r>
+              <a:rPr lang="pt-PT" dirty="0" smtClean="0"/>
+              <a:t>Livro</a:t>
+            </a:r>
+          </a:p>
+          <a:p>
+            <a:pPr marL="514350" indent="-514350">
+              <a:buFont typeface="+mj-lt"/>
+              <a:buAutoNum type="arabicPeriod"/>
+            </a:pPr>
+            <a:r>
+              <a:rPr lang="pt-PT" dirty="0" smtClean="0"/>
+              <a:t>Autor</a:t>
+            </a:r>
+          </a:p>
+          <a:p>
+            <a:pPr marL="514350" indent="-514350">
+              <a:buFont typeface="+mj-lt"/>
+              <a:buAutoNum type="arabicPeriod"/>
+            </a:pPr>
+            <a:r>
+              <a:rPr lang="pt-PT" dirty="0" smtClean="0"/>
+              <a:t>Editora</a:t>
+            </a:r>
+          </a:p>
+          <a:p>
+            <a:pPr marL="514350" indent="-514350">
+              <a:buFont typeface="+mj-lt"/>
+              <a:buAutoNum type="arabicPeriod"/>
+            </a:pPr>
+            <a:r>
+              <a:rPr lang="pt-PT" dirty="0" smtClean="0"/>
+              <a:t>Exemplar</a:t>
+            </a:r>
+          </a:p>
+          <a:p>
+            <a:pPr marL="514350" indent="-514350">
+              <a:buFont typeface="+mj-lt"/>
+              <a:buAutoNum type="arabicPeriod"/>
+            </a:pPr>
+            <a:r>
+              <a:rPr lang="pt-PT" dirty="0" smtClean="0"/>
+              <a:t>Requisição</a:t>
+            </a:r>
+          </a:p>
+          <a:p>
+            <a:pPr marL="514350" indent="-514350">
+              <a:buFont typeface="+mj-lt"/>
+              <a:buAutoNum type="arabicPeriod"/>
+            </a:pPr>
+            <a:r>
+              <a:rPr lang="pt-PT" dirty="0" smtClean="0"/>
+              <a:t>Localização</a:t>
+            </a:r>
+          </a:p>
+          <a:p>
+            <a:pPr marL="514350" indent="-514350">
+              <a:buFont typeface="+mj-lt"/>
+              <a:buAutoNum type="arabicPeriod"/>
+            </a:pPr>
+            <a:r>
+              <a:rPr lang="pt-PT" dirty="0" smtClean="0"/>
+              <a:t>Utilizador</a:t>
+            </a:r>
+          </a:p>
+          <a:p>
+            <a:pPr marL="514350" indent="-514350">
+              <a:buFont typeface="+mj-lt"/>
+              <a:buAutoNum type="arabicPeriod"/>
+            </a:pPr>
+            <a:r>
+              <a:rPr lang="pt-PT" dirty="0" smtClean="0"/>
+              <a:t>Coleção</a:t>
+            </a:r>
+          </a:p>
+          <a:p>
+            <a:pPr marL="514350" indent="-514350">
+              <a:buFont typeface="+mj-lt"/>
+              <a:buAutoNum type="arabicPeriod"/>
+            </a:pPr>
+            <a:endParaRPr lang="pt-PT" dirty="0" smtClean="0"/>
+          </a:p>
+          <a:p>
+            <a:endParaRPr lang="en-US" dirty="0"/>
+          </a:p>
+        </p:txBody>
+      </p:sp>
+    </p:spTree>
+    <p:extLst>
+      <p:ext uri="{BB962C8B-B14F-4D97-AF65-F5344CB8AC3E}">
+        <p14:creationId xmlns:p14="http://schemas.microsoft.com/office/powerpoint/2010/main" val="2055100121"/>
+      </p:ext>
+    </p:extLst>
+  </p:cSld>
+  <p:clrMapOvr>
+    <a:masterClrMapping/>
+  </p:clrMapOvr>
+</p:sld>
+</file>
+
+<file path=ppt/slides/slide16.xml><?xml version="1.0" encoding="utf-8"?>
+<p:sld xmlns:a="http://schemas.openxmlformats.org/drawingml/2006/main" xmlns:r="http://schemas.openxmlformats.org/officeDocument/2006/relationships" xmlns:p="http://schemas.openxmlformats.org/presentationml/2006/main">
+  <p:cSld>
+    <p:spTree>
+      <p:nvGrpSpPr>
+        <p:cNvPr id="1" name=""/>
+        <p:cNvGrpSpPr/>
+        <p:nvPr/>
+      </p:nvGrpSpPr>
+      <p:grpSpPr>
+        <a:xfrm>
+          <a:off x="0" y="0"/>
+          <a:ext cx="0" cy="0"/>
+          <a:chOff x="0" y="0"/>
+          <a:chExt cx="0" cy="0"/>
+        </a:xfrm>
+      </p:grpSpPr>
+      <p:sp>
+        <p:nvSpPr>
+          <p:cNvPr id="2" name="Título 1"/>
+          <p:cNvSpPr>
+            <a:spLocks noGrp="1"/>
+          </p:cNvSpPr>
+          <p:nvPr>
+            <p:ph type="title"/>
+          </p:nvPr>
+        </p:nvSpPr>
+        <p:spPr/>
+        <p:txBody>
+          <a:bodyPr>
+            <a:normAutofit/>
+          </a:bodyPr>
+          <a:lstStyle/>
+          <a:p>
+            <a:r>
+              <a:rPr lang="pt-PT" dirty="0" smtClean="0"/>
+              <a:t>Validação do Modelo Conceptual segundo os requisitos</a:t>
+            </a:r>
+            <a:endParaRPr lang="en-US" dirty="0"/>
+          </a:p>
+        </p:txBody>
+      </p:sp>
+      <p:sp>
+        <p:nvSpPr>
+          <p:cNvPr id="3" name="Marcador de Posição de Conteúdo 2"/>
+          <p:cNvSpPr>
+            <a:spLocks noGrp="1"/>
+          </p:cNvSpPr>
+          <p:nvPr>
+            <p:ph idx="1"/>
+          </p:nvPr>
+        </p:nvSpPr>
+        <p:spPr>
+          <a:xfrm>
+            <a:off x="944218" y="1865381"/>
+            <a:ext cx="10515600" cy="4351338"/>
+          </a:xfrm>
+        </p:spPr>
+        <p:txBody>
+          <a:bodyPr>
+            <a:normAutofit fontScale="70000" lnSpcReduction="20000"/>
+          </a:bodyPr>
+          <a:lstStyle/>
+          <a:p>
+            <a:pPr marL="514350" indent="-514350" fontAlgn="base">
+              <a:lnSpc>
+                <a:spcPct val="120000"/>
+              </a:lnSpc>
+              <a:buFont typeface="+mj-lt"/>
+              <a:buAutoNum type="arabicPeriod"/>
+            </a:pPr>
+            <a:r>
+              <a:rPr lang="en-US" dirty="0" smtClean="0"/>
+              <a:t>Sa</a:t>
+            </a:r>
+            <a:r>
+              <a:rPr lang="pt-PT" dirty="0" smtClean="0"/>
+              <a:t>ber </a:t>
+            </a:r>
+            <a:r>
+              <a:rPr lang="pt-PT" dirty="0"/>
+              <a:t>a designação de todas as coleções </a:t>
+            </a:r>
+            <a:r>
+              <a:rPr lang="pt-PT" dirty="0" smtClean="0"/>
+              <a:t>existentes</a:t>
+            </a:r>
+            <a:endParaRPr lang="en-US" dirty="0"/>
+          </a:p>
+          <a:p>
+            <a:pPr marL="514350" lvl="0" indent="-514350" fontAlgn="base">
+              <a:lnSpc>
+                <a:spcPct val="120000"/>
+              </a:lnSpc>
+              <a:buFont typeface="+mj-lt"/>
+              <a:buAutoNum type="arabicPeriod"/>
+            </a:pPr>
+            <a:r>
+              <a:rPr lang="pt-PT" dirty="0"/>
+              <a:t>Saber quantos livros cada colecção </a:t>
+            </a:r>
+            <a:r>
+              <a:rPr lang="pt-PT" dirty="0" smtClean="0"/>
+              <a:t>tem</a:t>
+            </a:r>
+            <a:endParaRPr lang="en-US" dirty="0"/>
+          </a:p>
+          <a:p>
+            <a:pPr marL="514350" lvl="0" indent="-514350" fontAlgn="base">
+              <a:lnSpc>
+                <a:spcPct val="120000"/>
+              </a:lnSpc>
+              <a:buFont typeface="+mj-lt"/>
+              <a:buAutoNum type="arabicPeriod"/>
+            </a:pPr>
+            <a:r>
+              <a:rPr lang="pt-PT" dirty="0"/>
+              <a:t>Saber lista de nomes dos autores dos livros da biblioteca.</a:t>
+            </a:r>
+            <a:endParaRPr lang="en-US" dirty="0"/>
+          </a:p>
+          <a:p>
+            <a:pPr marL="514350" lvl="0" indent="-514350" fontAlgn="base">
+              <a:lnSpc>
+                <a:spcPct val="120000"/>
+              </a:lnSpc>
+              <a:buFont typeface="+mj-lt"/>
+              <a:buAutoNum type="arabicPeriod"/>
+            </a:pPr>
+            <a:r>
+              <a:rPr lang="pt-PT" dirty="0"/>
+              <a:t>Saber o apelido e primeiros nomes de um autor.</a:t>
+            </a:r>
+            <a:endParaRPr lang="en-US" dirty="0"/>
+          </a:p>
+          <a:p>
+            <a:pPr marL="514350" lvl="0" indent="-514350" fontAlgn="base">
+              <a:lnSpc>
+                <a:spcPct val="120000"/>
+              </a:lnSpc>
+              <a:buFont typeface="+mj-lt"/>
+              <a:buAutoNum type="arabicPeriod"/>
+            </a:pPr>
+            <a:r>
+              <a:rPr lang="pt-PT" dirty="0"/>
+              <a:t>Saber lista de editoras dos livros da biblioteca</a:t>
+            </a:r>
+            <a:r>
+              <a:rPr lang="pt-PT" dirty="0" smtClean="0"/>
+              <a:t>.</a:t>
+            </a:r>
+          </a:p>
+          <a:p>
+            <a:pPr marL="514350" indent="-514350" fontAlgn="base">
+              <a:lnSpc>
+                <a:spcPct val="120000"/>
+              </a:lnSpc>
+              <a:buFont typeface="+mj-lt"/>
+              <a:buAutoNum type="arabicPeriod"/>
+            </a:pPr>
+            <a:r>
+              <a:rPr lang="pt-PT" dirty="0"/>
+              <a:t>Para uma dada editora, saber a sua designação.</a:t>
+            </a:r>
+            <a:endParaRPr lang="en-US" dirty="0"/>
+          </a:p>
+          <a:p>
+            <a:pPr marL="514350" indent="-514350" fontAlgn="base">
+              <a:lnSpc>
+                <a:spcPct val="120000"/>
+              </a:lnSpc>
+              <a:buFont typeface="+mj-lt"/>
+              <a:buAutoNum type="arabicPeriod"/>
+            </a:pPr>
+            <a:r>
+              <a:rPr lang="pt-PT" dirty="0"/>
+              <a:t>Pesquisar um livro segundo: ISSN, ISBN, código de barras e título.</a:t>
+            </a:r>
+            <a:endParaRPr lang="en-US" dirty="0"/>
+          </a:p>
+          <a:p>
+            <a:pPr marL="514350" indent="-514350" fontAlgn="base">
+              <a:lnSpc>
+                <a:spcPct val="120000"/>
+              </a:lnSpc>
+              <a:buFont typeface="+mj-lt"/>
+              <a:buAutoNum type="arabicPeriod"/>
+            </a:pPr>
+            <a:r>
+              <a:rPr lang="pt-PT" dirty="0"/>
+              <a:t>Saber os livros que um autor escreveu.</a:t>
+            </a:r>
+            <a:endParaRPr lang="en-US" dirty="0"/>
+          </a:p>
+          <a:p>
+            <a:pPr marL="514350" indent="-514350" fontAlgn="base">
+              <a:lnSpc>
+                <a:spcPct val="120000"/>
+              </a:lnSpc>
+              <a:buFont typeface="+mj-lt"/>
+              <a:buAutoNum type="arabicPeriod"/>
+            </a:pPr>
+            <a:r>
+              <a:rPr lang="pt-PT" dirty="0"/>
+              <a:t>Saber os livros que uma editora publicou.</a:t>
+            </a:r>
+            <a:endParaRPr lang="en-US" dirty="0"/>
+          </a:p>
+          <a:p>
+            <a:pPr marL="514350" indent="-514350" fontAlgn="base">
+              <a:lnSpc>
+                <a:spcPct val="120000"/>
+              </a:lnSpc>
+              <a:buFont typeface="+mj-lt"/>
+              <a:buAutoNum type="arabicPeriod"/>
+            </a:pPr>
+            <a:r>
+              <a:rPr lang="pt-PT" dirty="0"/>
+              <a:t>Saber os livros pertencentes a uma colecção</a:t>
+            </a:r>
+            <a:r>
+              <a:rPr lang="pt-PT" dirty="0" smtClean="0"/>
+              <a:t>.</a:t>
+            </a:r>
+            <a:endParaRPr lang="en-US" dirty="0"/>
+          </a:p>
+          <a:p>
+            <a:pPr marL="514350" indent="-514350" fontAlgn="base">
+              <a:buFont typeface="+mj-lt"/>
+              <a:buAutoNum type="arabicPeriod"/>
+            </a:pPr>
+            <a:endParaRPr lang="en-US" dirty="0"/>
+          </a:p>
+          <a:p>
+            <a:pPr marL="0" indent="0">
+              <a:buNone/>
+            </a:pPr>
+            <a:endParaRPr lang="en-US" dirty="0"/>
+          </a:p>
+        </p:txBody>
+      </p:sp>
+    </p:spTree>
+    <p:extLst>
+      <p:ext uri="{BB962C8B-B14F-4D97-AF65-F5344CB8AC3E}">
+        <p14:creationId xmlns:p14="http://schemas.microsoft.com/office/powerpoint/2010/main" val="127093835"/>
+      </p:ext>
+    </p:extLst>
+  </p:cSld>
+  <p:clrMapOvr>
+    <a:masterClrMapping/>
+  </p:clrMapOvr>
+</p:sld>
+</file>
+
+<file path=ppt/slides/slide17.xml><?xml version="1.0" encoding="utf-8"?>
+<p:sld xmlns:a="http://schemas.openxmlformats.org/drawingml/2006/main" xmlns:r="http://schemas.openxmlformats.org/officeDocument/2006/relationships" xmlns:p="http://schemas.openxmlformats.org/presentationml/2006/main">
+  <p:cSld>
+    <p:spTree>
+      <p:nvGrpSpPr>
+        <p:cNvPr id="1" name=""/>
+        <p:cNvGrpSpPr/>
+        <p:nvPr/>
+      </p:nvGrpSpPr>
+      <p:grpSpPr>
+        <a:xfrm>
+          <a:off x="0" y="0"/>
+          <a:ext cx="0" cy="0"/>
+          <a:chOff x="0" y="0"/>
+          <a:chExt cx="0" cy="0"/>
+        </a:xfrm>
+      </p:grpSpPr>
+      <p:sp>
+        <p:nvSpPr>
+          <p:cNvPr id="3" name="Marcador de Posição de Conteúdo 2"/>
+          <p:cNvSpPr>
+            <a:spLocks noGrp="1"/>
+          </p:cNvSpPr>
+          <p:nvPr>
+            <p:ph idx="1"/>
+          </p:nvPr>
+        </p:nvSpPr>
+        <p:spPr>
+          <a:xfrm>
+            <a:off x="838200" y="516834"/>
+            <a:ext cx="10515600" cy="6341165"/>
+          </a:xfrm>
+        </p:spPr>
+        <p:txBody>
+          <a:bodyPr>
+            <a:normAutofit fontScale="85000" lnSpcReduction="10000"/>
+          </a:bodyPr>
+          <a:lstStyle/>
+          <a:p>
+            <a:pPr marL="514350" indent="-514350" fontAlgn="base">
+              <a:lnSpc>
+                <a:spcPct val="120000"/>
+              </a:lnSpc>
+              <a:buFont typeface="+mj-lt"/>
+              <a:buAutoNum type="arabicPeriod" startAt="11"/>
+            </a:pPr>
+            <a:r>
+              <a:rPr lang="pt-PT" dirty="0" smtClean="0"/>
+              <a:t>Saber os livros que têm uma dada CDU.</a:t>
+            </a:r>
+            <a:endParaRPr lang="en-US" dirty="0" smtClean="0"/>
+          </a:p>
+          <a:p>
+            <a:pPr marL="514350" indent="-514350" fontAlgn="base">
+              <a:lnSpc>
+                <a:spcPct val="120000"/>
+              </a:lnSpc>
+              <a:buFont typeface="+mj-lt"/>
+              <a:buAutoNum type="arabicPeriod" startAt="11"/>
+            </a:pPr>
+            <a:r>
+              <a:rPr lang="pt-PT" dirty="0" smtClean="0"/>
+              <a:t>Fazer pesquisa por título do livro, que corresponde a obter uma lista de livros que têm no seu título o conjunto de palavras indicado no campo da pesquisa.</a:t>
+            </a:r>
+            <a:endParaRPr lang="en-US" dirty="0" smtClean="0"/>
+          </a:p>
+          <a:p>
+            <a:pPr marL="514350" indent="-514350" fontAlgn="base">
+              <a:lnSpc>
+                <a:spcPct val="120000"/>
+              </a:lnSpc>
+              <a:buFont typeface="+mj-lt"/>
+              <a:buAutoNum type="arabicPeriod" startAt="11"/>
+            </a:pPr>
+            <a:r>
+              <a:rPr lang="pt-PT" dirty="0" smtClean="0"/>
+              <a:t>Para um dado livro, saber o seu ISSN, ISBN, código de barras, título, editora, autor, edição, CDU, ano de publicação e número de exemplares.</a:t>
+            </a:r>
+            <a:endParaRPr lang="en-US" dirty="0" smtClean="0"/>
+          </a:p>
+          <a:p>
+            <a:pPr marL="514350" indent="-514350" fontAlgn="base">
+              <a:lnSpc>
+                <a:spcPct val="120000"/>
+              </a:lnSpc>
+              <a:buFont typeface="+mj-lt"/>
+              <a:buAutoNum type="arabicPeriod" startAt="11"/>
+            </a:pPr>
+            <a:r>
+              <a:rPr lang="pt-PT" dirty="0" smtClean="0"/>
+              <a:t>Saber a localização de livros de uma certa CDU.</a:t>
+            </a:r>
+            <a:endParaRPr lang="en-US" dirty="0" smtClean="0"/>
+          </a:p>
+          <a:p>
+            <a:pPr marL="514350" indent="-514350" fontAlgn="base">
+              <a:lnSpc>
+                <a:spcPct val="120000"/>
+              </a:lnSpc>
+              <a:buFont typeface="+mj-lt"/>
+              <a:buAutoNum type="arabicPeriod" startAt="11"/>
+            </a:pPr>
+            <a:r>
+              <a:rPr lang="pt-PT" dirty="0" smtClean="0"/>
+              <a:t>Para cada exemplar saber o estado de disponibilidade (reservado, requisitado ou não requisitável), o estado de conservação do exemplar bem como a sua localização na biblioteca (piso, estante e prateleira).</a:t>
+            </a:r>
+            <a:endParaRPr lang="en-US" dirty="0" smtClean="0"/>
+          </a:p>
+          <a:p>
+            <a:pPr marL="514350" lvl="0" indent="-514350" fontAlgn="base">
+              <a:lnSpc>
+                <a:spcPct val="120000"/>
+              </a:lnSpc>
+              <a:buFont typeface="+mj-lt"/>
+              <a:buAutoNum type="arabicPeriod" startAt="11"/>
+            </a:pPr>
+            <a:r>
+              <a:rPr lang="pt-PT" dirty="0" smtClean="0"/>
+              <a:t>Reservar exemplares de um ou mais livros.</a:t>
+            </a:r>
+            <a:endParaRPr lang="en-US" dirty="0" smtClean="0"/>
+          </a:p>
+          <a:p>
+            <a:pPr marL="514350" indent="-514350" fontAlgn="base">
+              <a:lnSpc>
+                <a:spcPct val="120000"/>
+              </a:lnSpc>
+              <a:buFont typeface="+mj-lt"/>
+              <a:buAutoNum type="arabicPeriod" startAt="11"/>
+            </a:pPr>
+            <a:r>
+              <a:rPr lang="pt-PT" dirty="0" smtClean="0"/>
+              <a:t>Saber data de reserva e seu estado (pendente, exemplar disponível para levantamento, reserva concluída ou cancelada).</a:t>
+            </a:r>
+            <a:endParaRPr lang="en-US" dirty="0" smtClean="0"/>
+          </a:p>
+          <a:p>
+            <a:pPr marL="514350" indent="-514350" fontAlgn="base">
+              <a:lnSpc>
+                <a:spcPct val="120000"/>
+              </a:lnSpc>
+              <a:buFont typeface="+mj-lt"/>
+              <a:buAutoNum type="arabicPeriod" startAt="11"/>
+            </a:pPr>
+            <a:r>
+              <a:rPr lang="pt-PT" dirty="0" smtClean="0"/>
+              <a:t>Cancelar reserva de exemplar.</a:t>
+            </a:r>
+            <a:endParaRPr lang="en-US" dirty="0" smtClean="0"/>
+          </a:p>
+        </p:txBody>
+      </p:sp>
+    </p:spTree>
+    <p:extLst>
+      <p:ext uri="{BB962C8B-B14F-4D97-AF65-F5344CB8AC3E}">
+        <p14:creationId xmlns:p14="http://schemas.microsoft.com/office/powerpoint/2010/main" val="2769558942"/>
+      </p:ext>
+    </p:extLst>
+  </p:cSld>
+  <p:clrMapOvr>
+    <a:masterClrMapping/>
+  </p:clrMapOvr>
+</p:sld>
+</file>
+
+<file path=ppt/slides/slide18.xml><?xml version="1.0" encoding="utf-8"?>
+<p:sld xmlns:a="http://schemas.openxmlformats.org/drawingml/2006/main" xmlns:r="http://schemas.openxmlformats.org/officeDocument/2006/relationships" xmlns:p="http://schemas.openxmlformats.org/presentationml/2006/main">
+  <p:cSld>
+    <p:spTree>
+      <p:nvGrpSpPr>
+        <p:cNvPr id="1" name=""/>
+        <p:cNvGrpSpPr/>
+        <p:nvPr/>
+      </p:nvGrpSpPr>
+      <p:grpSpPr>
+        <a:xfrm>
+          <a:off x="0" y="0"/>
+          <a:ext cx="0" cy="0"/>
+          <a:chOff x="0" y="0"/>
+          <a:chExt cx="0" cy="0"/>
+        </a:xfrm>
+      </p:grpSpPr>
+      <p:sp>
+        <p:nvSpPr>
+          <p:cNvPr id="3" name="Marcador de Posição de Conteúdo 2"/>
+          <p:cNvSpPr>
+            <a:spLocks noGrp="1"/>
+          </p:cNvSpPr>
+          <p:nvPr>
+            <p:ph idx="1"/>
+          </p:nvPr>
+        </p:nvSpPr>
+        <p:spPr>
+          <a:xfrm>
+            <a:off x="746760" y="384313"/>
+            <a:ext cx="10515600" cy="6241773"/>
+          </a:xfrm>
+        </p:spPr>
+        <p:txBody>
+          <a:bodyPr>
+            <a:normAutofit fontScale="85000" lnSpcReduction="20000"/>
+          </a:bodyPr>
+          <a:lstStyle/>
+          <a:p>
+            <a:pPr marL="514350" indent="-514350" fontAlgn="base">
+              <a:lnSpc>
+                <a:spcPct val="120000"/>
+              </a:lnSpc>
+              <a:buFont typeface="+mj-lt"/>
+              <a:buAutoNum type="arabicPeriod" startAt="19"/>
+            </a:pPr>
+            <a:r>
+              <a:rPr lang="pt-PT" dirty="0" smtClean="0"/>
+              <a:t>Efetuar requisição de um exemplar.</a:t>
+            </a:r>
+            <a:endParaRPr lang="en-US" dirty="0" smtClean="0"/>
+          </a:p>
+          <a:p>
+            <a:pPr marL="514350" indent="-514350" fontAlgn="base">
+              <a:lnSpc>
+                <a:spcPct val="120000"/>
+              </a:lnSpc>
+              <a:buFont typeface="+mj-lt"/>
+              <a:buAutoNum type="arabicPeriod" startAt="19"/>
+            </a:pPr>
+            <a:r>
+              <a:rPr lang="pt-PT" dirty="0" smtClean="0"/>
+              <a:t>Para uma requisição, saber o seu estado (ativa ou não), em que data foi realizada, em que data deverá ser entregue o exemplar qual o número de renovações efetuado e qual o número de máximo de renovações em vigor na data da reserva.</a:t>
+            </a:r>
+            <a:endParaRPr lang="en-US" dirty="0" smtClean="0"/>
+          </a:p>
+          <a:p>
+            <a:pPr marL="514350" indent="-514350" fontAlgn="base">
+              <a:lnSpc>
+                <a:spcPct val="120000"/>
+              </a:lnSpc>
+              <a:buFont typeface="+mj-lt"/>
+              <a:buAutoNum type="arabicPeriod" startAt="19"/>
+            </a:pPr>
+            <a:r>
+              <a:rPr lang="pt-PT" dirty="0" smtClean="0"/>
+              <a:t>Renovar uma requisição, não excedendo o número máximo de renovações permitido.</a:t>
+            </a:r>
+            <a:endParaRPr lang="pt-PT" dirty="0" smtClean="0"/>
+          </a:p>
+          <a:p>
+            <a:pPr marL="514350" lvl="0" indent="-514350">
+              <a:lnSpc>
+                <a:spcPct val="120000"/>
+              </a:lnSpc>
+              <a:buFont typeface="+mj-lt"/>
+              <a:buAutoNum type="arabicPeriod" startAt="22"/>
+            </a:pPr>
+            <a:r>
+              <a:rPr lang="pt-PT" dirty="0" smtClean="0"/>
+              <a:t>Concluir </a:t>
+            </a:r>
+            <a:r>
+              <a:rPr lang="pt-PT" dirty="0"/>
+              <a:t>requisição, que corresponde à devolução do exemplar requisitado</a:t>
+            </a:r>
+            <a:r>
+              <a:rPr lang="pt-PT" dirty="0" smtClean="0"/>
+              <a:t>.</a:t>
+            </a:r>
+            <a:endParaRPr lang="en-US" dirty="0"/>
+          </a:p>
+          <a:p>
+            <a:pPr marL="514350" lvl="0" indent="-514350" fontAlgn="base">
+              <a:lnSpc>
+                <a:spcPct val="120000"/>
+              </a:lnSpc>
+              <a:buFont typeface="+mj-lt"/>
+              <a:buAutoNum type="arabicPeriod" startAt="22"/>
+            </a:pPr>
+            <a:r>
+              <a:rPr lang="pt-PT" dirty="0"/>
+              <a:t>Gerar estatísticas de número de renovações médio e saber quantos utilizadores usam o número máximo de requisições permitidas</a:t>
+            </a:r>
+            <a:r>
+              <a:rPr lang="pt-PT" dirty="0" smtClean="0"/>
+              <a:t>.</a:t>
+            </a:r>
+          </a:p>
+          <a:p>
+            <a:pPr marL="514350" indent="-514350" fontAlgn="base">
+              <a:lnSpc>
+                <a:spcPct val="120000"/>
+              </a:lnSpc>
+              <a:buFont typeface="+mj-lt"/>
+              <a:buAutoNum type="arabicPeriod" startAt="22"/>
+            </a:pPr>
+            <a:r>
+              <a:rPr lang="pt-PT" dirty="0" smtClean="0">
+                <a:effectLst/>
+              </a:rPr>
+              <a:t>Registar utilizadores internos ou externos como requisitantes.</a:t>
+            </a:r>
+            <a:endParaRPr lang="en-US" dirty="0" smtClean="0">
+              <a:effectLst/>
+            </a:endParaRPr>
+          </a:p>
+          <a:p>
+            <a:pPr marL="514350" indent="-514350" fontAlgn="base">
+              <a:lnSpc>
+                <a:spcPct val="120000"/>
+              </a:lnSpc>
+              <a:buFont typeface="+mj-lt"/>
+              <a:buAutoNum type="arabicPeriod" startAt="22"/>
+            </a:pPr>
+            <a:r>
+              <a:rPr lang="pt-PT" dirty="0" smtClean="0">
+                <a:effectLst/>
+              </a:rPr>
+              <a:t>Para um dado utilizador, saber o seu tipo, nome, email (contacto principal), CC, número mecanográfico e contacto alternativo (telefone).</a:t>
+            </a:r>
+            <a:endParaRPr lang="en-US" dirty="0" smtClean="0">
+              <a:effectLst/>
+            </a:endParaRPr>
+          </a:p>
+          <a:p>
+            <a:pPr marL="514350" indent="-514350" fontAlgn="base">
+              <a:lnSpc>
+                <a:spcPct val="120000"/>
+              </a:lnSpc>
+              <a:buFont typeface="+mj-lt"/>
+              <a:buAutoNum type="arabicPeriod" startAt="22"/>
+            </a:pPr>
+            <a:r>
+              <a:rPr lang="pt-PT" dirty="0"/>
+              <a:t>Saber os utilizadores que reservaram/requisitaram determinado exemplar</a:t>
+            </a:r>
+            <a:r>
+              <a:rPr lang="pt-PT" dirty="0" smtClean="0"/>
+              <a:t>.</a:t>
+            </a:r>
+            <a:endParaRPr lang="en-US" dirty="0"/>
+          </a:p>
+          <a:p>
+            <a:endParaRPr lang="en-US" dirty="0"/>
+          </a:p>
+        </p:txBody>
+      </p:sp>
+    </p:spTree>
+    <p:extLst>
+      <p:ext uri="{BB962C8B-B14F-4D97-AF65-F5344CB8AC3E}">
+        <p14:creationId xmlns:p14="http://schemas.microsoft.com/office/powerpoint/2010/main" val="2856968020"/>
+      </p:ext>
+    </p:extLst>
+  </p:cSld>
+  <p:clrMapOvr>
+    <a:masterClrMapping/>
+  </p:clrMapOvr>
+</p:sld>
+</file>
+
+<file path=ppt/slides/slide19.xml><?xml version="1.0" encoding="utf-8"?>
+<p:sld xmlns:a="http://schemas.openxmlformats.org/drawingml/2006/main" xmlns:r="http://schemas.openxmlformats.org/officeDocument/2006/relationships" xmlns:p="http://schemas.openxmlformats.org/presentationml/2006/main">
+  <p:cSld>
+    <p:spTree>
+      <p:nvGrpSpPr>
+        <p:cNvPr id="1" name=""/>
+        <p:cNvGrpSpPr/>
+        <p:nvPr/>
+      </p:nvGrpSpPr>
+      <p:grpSpPr>
+        <a:xfrm>
+          <a:off x="0" y="0"/>
+          <a:ext cx="0" cy="0"/>
+          <a:chOff x="0" y="0"/>
+          <a:chExt cx="0" cy="0"/>
+        </a:xfrm>
+      </p:grpSpPr>
+      <p:sp>
+        <p:nvSpPr>
+          <p:cNvPr id="2" name="Título 1"/>
+          <p:cNvSpPr>
+            <a:spLocks noGrp="1"/>
+          </p:cNvSpPr>
+          <p:nvPr>
+            <p:ph type="title"/>
+          </p:nvPr>
+        </p:nvSpPr>
+        <p:spPr/>
+        <p:txBody>
+          <a:bodyPr/>
+          <a:lstStyle/>
+          <a:p>
+            <a:pPr lvl="1" algn="l" rtl="0">
+              <a:lnSpc>
+                <a:spcPct val="90000"/>
+              </a:lnSpc>
+              <a:spcBef>
+                <a:spcPct val="0"/>
+              </a:spcBef>
+            </a:pPr>
+            <a:r>
+              <a:rPr lang="pt-PT" sz="2800" b="1" dirty="0" smtClean="0"/>
+              <a:t>Validação do Modelo Conceptual segundo as </a:t>
+            </a:r>
+            <a:r>
+              <a:rPr lang="pt-PT" sz="2800" b="1" u="sng" dirty="0" smtClean="0"/>
+              <a:t>transações</a:t>
+            </a:r>
+            <a:endParaRPr lang="en-US" b="1" u="sng" dirty="0"/>
+          </a:p>
+        </p:txBody>
+      </p:sp>
+      <p:sp>
+        <p:nvSpPr>
+          <p:cNvPr id="3" name="Marcador de Posição de Conteúdo 2"/>
+          <p:cNvSpPr>
+            <a:spLocks noGrp="1"/>
+          </p:cNvSpPr>
+          <p:nvPr>
+            <p:ph idx="1"/>
+          </p:nvPr>
+        </p:nvSpPr>
+        <p:spPr/>
+        <p:txBody>
+          <a:bodyPr/>
+          <a:lstStyle/>
+          <a:p>
+            <a:pPr marL="514350" lvl="0" indent="-514350">
+              <a:lnSpc>
+                <a:spcPct val="200000"/>
+              </a:lnSpc>
+              <a:buFont typeface="+mj-lt"/>
+              <a:buAutoNum type="arabicPeriod"/>
+            </a:pPr>
+            <a:r>
+              <a:rPr lang="pt-PT" dirty="0"/>
+              <a:t>Qual(is) a(s) localização(ões) (piso, estante e prateleira) dos exemplares de um livro com determinado título?</a:t>
+            </a:r>
+            <a:endParaRPr lang="en-US" dirty="0"/>
+          </a:p>
+          <a:p>
+            <a:pPr marL="514350" lvl="0" indent="-514350">
+              <a:lnSpc>
+                <a:spcPct val="200000"/>
+              </a:lnSpc>
+              <a:buFont typeface="+mj-lt"/>
+              <a:buAutoNum type="arabicPeriod"/>
+            </a:pPr>
+            <a:r>
+              <a:rPr lang="pt-PT" dirty="0"/>
+              <a:t>Efetuar uma requisição</a:t>
+            </a:r>
+            <a:endParaRPr lang="en-US" dirty="0"/>
+          </a:p>
+          <a:p>
+            <a:pPr marL="514350" lvl="0" indent="-514350">
+              <a:lnSpc>
+                <a:spcPct val="200000"/>
+              </a:lnSpc>
+              <a:buFont typeface="+mj-lt"/>
+              <a:buAutoNum type="arabicPeriod"/>
+            </a:pPr>
+            <a:r>
+              <a:rPr lang="pt-PT" dirty="0" smtClean="0"/>
+              <a:t>Efetuar </a:t>
+            </a:r>
+            <a:r>
+              <a:rPr lang="pt-PT" dirty="0"/>
+              <a:t>uma reserva</a:t>
+            </a:r>
+            <a:endParaRPr lang="en-US" dirty="0"/>
+          </a:p>
+          <a:p>
+            <a:endParaRPr lang="en-US" dirty="0"/>
+          </a:p>
+        </p:txBody>
+      </p:sp>
+    </p:spTree>
+    <p:extLst>
+      <p:ext uri="{BB962C8B-B14F-4D97-AF65-F5344CB8AC3E}">
+        <p14:creationId xmlns:p14="http://schemas.microsoft.com/office/powerpoint/2010/main" val="273823033"/>
+      </p:ext>
+    </p:extLst>
+  </p:cSld>
+  <p:clrMapOvr>
+    <a:masterClrMapping/>
+  </p:clrMapOvr>
+</p:sld>
+</file>
+
+<file path=ppt/slides/slide2.xml><?xml version="1.0" encoding="utf-8"?>
+<p:sld xmlns:a="http://schemas.openxmlformats.org/drawingml/2006/main" xmlns:r="http://schemas.openxmlformats.org/officeDocument/2006/relationships" xmlns:p="http://schemas.openxmlformats.org/presentationml/2006/main" showMasterSp="0">
+  <p:cSld>
+    <p:spTree>
+      <p:nvGrpSpPr>
+        <p:cNvPr id="1" name=""/>
+        <p:cNvGrpSpPr/>
+        <p:nvPr/>
+      </p:nvGrpSpPr>
+      <p:grpSpPr>
+        <a:xfrm>
+          <a:off x="0" y="0"/>
+          <a:ext cx="0" cy="0"/>
+          <a:chOff x="0" y="0"/>
+          <a:chExt cx="0" cy="0"/>
+        </a:xfrm>
+      </p:grpSpPr>
+      <p:sp>
+        <p:nvSpPr>
+          <p:cNvPr id="2" name="Título 1"/>
+          <p:cNvSpPr>
+            <a:spLocks noGrp="1"/>
+          </p:cNvSpPr>
+          <p:nvPr>
+            <p:ph type="title"/>
+          </p:nvPr>
+        </p:nvSpPr>
+        <p:spPr>
+          <a:xfrm>
+            <a:off x="501650" y="352425"/>
+            <a:ext cx="10515600" cy="1325563"/>
+          </a:xfrm>
+        </p:spPr>
+        <p:txBody>
+          <a:bodyPr/>
+          <a:lstStyle/>
+          <a:p>
+            <a:r>
+              <a:rPr lang="pt-PT" dirty="0" smtClean="0"/>
+              <a:t>Conteúdo</a:t>
+            </a:r>
+            <a:endParaRPr lang="en-US" dirty="0"/>
+          </a:p>
+        </p:txBody>
+      </p:sp>
+      <p:sp>
+        <p:nvSpPr>
+          <p:cNvPr id="4" name="Retângulo 3"/>
+          <p:cNvSpPr/>
+          <p:nvPr/>
+        </p:nvSpPr>
+        <p:spPr>
+          <a:xfrm>
+            <a:off x="501650" y="1574008"/>
+            <a:ext cx="5232400" cy="4886324"/>
+          </a:xfrm>
+          <a:prstGeom prst="rect">
+            <a:avLst/>
+          </a:prstGeom>
+        </p:spPr>
+        <p:style>
+          <a:lnRef idx="2">
+            <a:schemeClr val="accent6"/>
+          </a:lnRef>
+          <a:fillRef idx="1">
+            <a:schemeClr val="lt1"/>
+          </a:fillRef>
+          <a:effectRef idx="0">
+            <a:schemeClr val="accent6"/>
+          </a:effectRef>
+          <a:fontRef idx="minor">
+            <a:schemeClr val="dk1"/>
+          </a:fontRef>
+        </p:style>
+        <p:txBody>
+          <a:bodyPr rtlCol="0" anchor="ctr"/>
+          <a:lstStyle/>
+          <a:p>
+            <a:pPr algn="ctr"/>
+            <a:endParaRPr lang="en-US"/>
+          </a:p>
+        </p:txBody>
+      </p:sp>
+      <p:sp>
+        <p:nvSpPr>
+          <p:cNvPr id="8" name="Retângulo 7"/>
+          <p:cNvSpPr/>
+          <p:nvPr/>
+        </p:nvSpPr>
+        <p:spPr>
+          <a:xfrm>
+            <a:off x="6096000" y="1573216"/>
+            <a:ext cx="5626100" cy="4886324"/>
+          </a:xfrm>
+          <a:prstGeom prst="rect">
+            <a:avLst/>
+          </a:prstGeom>
+        </p:spPr>
+        <p:style>
+          <a:lnRef idx="2">
+            <a:schemeClr val="accent6"/>
+          </a:lnRef>
+          <a:fillRef idx="1">
+            <a:schemeClr val="lt1"/>
+          </a:fillRef>
+          <a:effectRef idx="0">
+            <a:schemeClr val="accent6"/>
+          </a:effectRef>
+          <a:fontRef idx="minor">
+            <a:schemeClr val="dk1"/>
+          </a:fontRef>
+        </p:style>
+        <p:txBody>
+          <a:bodyPr rtlCol="0" anchor="ctr"/>
+          <a:lstStyle/>
+          <a:p>
+            <a:pPr algn="ctr"/>
+            <a:endParaRPr lang="en-US"/>
+          </a:p>
+        </p:txBody>
+      </p:sp>
+      <p:sp>
+        <p:nvSpPr>
+          <p:cNvPr id="9" name="Marcador de Posição de Conteúdo 2"/>
+          <p:cNvSpPr txBox="1">
+            <a:spLocks/>
+          </p:cNvSpPr>
+          <p:nvPr/>
+        </p:nvSpPr>
+        <p:spPr>
+          <a:xfrm>
+            <a:off x="501650" y="1574008"/>
+            <a:ext cx="11474450" cy="4740275"/>
+          </a:xfrm>
+          <a:prstGeom prst="rect">
+            <a:avLst/>
+          </a:prstGeom>
+        </p:spPr>
+        <p:txBody>
+          <a:bodyPr vert="horz" lIns="91440" tIns="45720" rIns="91440" bIns="45720" numCol="2" rtlCol="0">
+            <a:noAutofit/>
+          </a:bodyPr>
+          <a:lstStyle>
+            <a:lvl1pPr marL="228600" indent="-228600" algn="l" defTabSz="914400" rtl="0" eaLnBrk="1" latinLnBrk="0" hangingPunct="1">
+              <a:lnSpc>
+                <a:spcPct val="90000"/>
+              </a:lnSpc>
+              <a:spcBef>
+                <a:spcPts val="1000"/>
+              </a:spcBef>
+              <a:buFont typeface="Arial" panose="020B0604020202020204" pitchFamily="34" charset="0"/>
+              <a:buChar char="•"/>
+              <a:defRPr sz="2800" kern="1200">
+                <a:solidFill>
+                  <a:schemeClr val="tx1"/>
+                </a:solidFill>
+                <a:latin typeface="+mn-lt"/>
+                <a:ea typeface="+mn-ea"/>
+                <a:cs typeface="+mn-cs"/>
+              </a:defRPr>
+            </a:lvl1pPr>
+            <a:lvl2pPr marL="685800" indent="-228600" algn="l" defTabSz="914400" rtl="0" eaLnBrk="1" latinLnBrk="0" hangingPunct="1">
+              <a:lnSpc>
+                <a:spcPct val="90000"/>
+              </a:lnSpc>
+              <a:spcBef>
+                <a:spcPts val="500"/>
+              </a:spcBef>
+              <a:buFont typeface="Arial" panose="020B0604020202020204" pitchFamily="34" charset="0"/>
+              <a:buChar char="•"/>
+              <a:defRPr sz="2400" kern="1200">
+                <a:solidFill>
+                  <a:schemeClr val="tx1"/>
+                </a:solidFill>
+                <a:latin typeface="+mn-lt"/>
+                <a:ea typeface="+mn-ea"/>
+                <a:cs typeface="+mn-cs"/>
+              </a:defRPr>
+            </a:lvl2pPr>
+            <a:lvl3pPr marL="1143000" indent="-228600" algn="l" defTabSz="914400" rtl="0" eaLnBrk="1" latinLnBrk="0" hangingPunct="1">
+              <a:lnSpc>
+                <a:spcPct val="90000"/>
+              </a:lnSpc>
+              <a:spcBef>
+                <a:spcPts val="500"/>
+              </a:spcBef>
+              <a:buFont typeface="Arial" panose="020B0604020202020204" pitchFamily="34" charset="0"/>
+              <a:buChar char="•"/>
+              <a:defRPr sz="2000" kern="1200">
+                <a:solidFill>
+                  <a:schemeClr val="tx1"/>
+                </a:solidFill>
+                <a:latin typeface="+mn-lt"/>
+                <a:ea typeface="+mn-ea"/>
+                <a:cs typeface="+mn-cs"/>
+              </a:defRPr>
+            </a:lvl3pPr>
+            <a:lvl4pPr marL="1600200" indent="-228600" algn="l" defTabSz="914400" rtl="0" eaLnBrk="1" latinLnBrk="0" hangingPunct="1">
+              <a:lnSpc>
+                <a:spcPct val="90000"/>
+              </a:lnSpc>
+              <a:spcBef>
+                <a:spcPts val="500"/>
+              </a:spcBef>
+              <a:buFont typeface="Arial" panose="020B0604020202020204" pitchFamily="34" charset="0"/>
+              <a:buChar char="•"/>
+              <a:defRPr sz="1800" kern="1200">
+                <a:solidFill>
+                  <a:schemeClr val="tx1"/>
+                </a:solidFill>
+                <a:latin typeface="+mn-lt"/>
+                <a:ea typeface="+mn-ea"/>
+                <a:cs typeface="+mn-cs"/>
+              </a:defRPr>
+            </a:lvl4pPr>
+            <a:lvl5pPr marL="2057400" indent="-228600" algn="l" defTabSz="914400" rtl="0" eaLnBrk="1" latinLnBrk="0" hangingPunct="1">
+              <a:lnSpc>
+                <a:spcPct val="90000"/>
+              </a:lnSpc>
+              <a:spcBef>
+                <a:spcPts val="500"/>
+              </a:spcBef>
+              <a:buFont typeface="Arial" panose="020B0604020202020204" pitchFamily="34" charset="0"/>
+              <a:buChar char="•"/>
+              <a:defRPr sz="1800" kern="1200">
+                <a:solidFill>
+                  <a:schemeClr val="tx1"/>
+                </a:solidFill>
+                <a:latin typeface="+mn-lt"/>
+                <a:ea typeface="+mn-ea"/>
+                <a:cs typeface="+mn-cs"/>
+              </a:defRPr>
+            </a:lvl5pPr>
+            <a:lvl6pPr marL="2514600" indent="-228600" algn="l" defTabSz="914400" rtl="0" eaLnBrk="1" latinLnBrk="0" hangingPunct="1">
+              <a:lnSpc>
+                <a:spcPct val="90000"/>
+              </a:lnSpc>
+              <a:spcBef>
+                <a:spcPts val="500"/>
+              </a:spcBef>
+              <a:buFont typeface="Arial" panose="020B0604020202020204" pitchFamily="34" charset="0"/>
+              <a:buChar char="•"/>
+              <a:defRPr sz="1800" kern="1200">
+                <a:solidFill>
+                  <a:schemeClr val="tx1"/>
+                </a:solidFill>
+                <a:latin typeface="+mn-lt"/>
+                <a:ea typeface="+mn-ea"/>
+                <a:cs typeface="+mn-cs"/>
+              </a:defRPr>
+            </a:lvl6pPr>
+            <a:lvl7pPr marL="2971800" indent="-228600" algn="l" defTabSz="914400" rtl="0" eaLnBrk="1" latinLnBrk="0" hangingPunct="1">
+              <a:lnSpc>
+                <a:spcPct val="90000"/>
+              </a:lnSpc>
+              <a:spcBef>
+                <a:spcPts val="500"/>
+              </a:spcBef>
+              <a:buFont typeface="Arial" panose="020B0604020202020204" pitchFamily="34" charset="0"/>
+              <a:buChar char="•"/>
+              <a:defRPr sz="1800" kern="1200">
+                <a:solidFill>
+                  <a:schemeClr val="tx1"/>
+                </a:solidFill>
+                <a:latin typeface="+mn-lt"/>
+                <a:ea typeface="+mn-ea"/>
+                <a:cs typeface="+mn-cs"/>
+              </a:defRPr>
+            </a:lvl7pPr>
+            <a:lvl8pPr marL="3429000" indent="-228600" algn="l" defTabSz="914400" rtl="0" eaLnBrk="1" latinLnBrk="0" hangingPunct="1">
+              <a:lnSpc>
+                <a:spcPct val="90000"/>
+              </a:lnSpc>
+              <a:spcBef>
+                <a:spcPts val="500"/>
+              </a:spcBef>
+              <a:buFont typeface="Arial" panose="020B0604020202020204" pitchFamily="34" charset="0"/>
+              <a:buChar char="•"/>
+              <a:defRPr sz="1800" kern="1200">
+                <a:solidFill>
+                  <a:schemeClr val="tx1"/>
+                </a:solidFill>
+                <a:latin typeface="+mn-lt"/>
+                <a:ea typeface="+mn-ea"/>
+                <a:cs typeface="+mn-cs"/>
+              </a:defRPr>
+            </a:lvl8pPr>
+            <a:lvl9pPr marL="3886200" indent="-228600" algn="l" defTabSz="914400" rtl="0" eaLnBrk="1" latinLnBrk="0" hangingPunct="1">
+              <a:lnSpc>
+                <a:spcPct val="90000"/>
+              </a:lnSpc>
+              <a:spcBef>
+                <a:spcPts val="500"/>
+              </a:spcBef>
+              <a:buFont typeface="Arial" panose="020B0604020202020204" pitchFamily="34" charset="0"/>
+              <a:buChar char="•"/>
+              <a:defRPr sz="1800" kern="1200">
+                <a:solidFill>
+                  <a:schemeClr val="tx1"/>
+                </a:solidFill>
+                <a:latin typeface="+mn-lt"/>
+                <a:ea typeface="+mn-ea"/>
+                <a:cs typeface="+mn-cs"/>
+              </a:defRPr>
+            </a:lvl9pPr>
+          </a:lstStyle>
+          <a:p>
+            <a:pPr>
+              <a:lnSpc>
+                <a:spcPct val="170000"/>
+              </a:lnSpc>
+            </a:pPr>
+            <a:r>
+              <a:rPr lang="pt-PT" sz="1800" dirty="0" smtClean="0"/>
+              <a:t>Resumo</a:t>
+            </a:r>
+          </a:p>
+          <a:p>
+            <a:pPr lvl="1">
+              <a:lnSpc>
+                <a:spcPct val="170000"/>
+              </a:lnSpc>
+              <a:buFont typeface="Wingdings" panose="05000000000000000000" pitchFamily="2" charset="2"/>
+              <a:buChar char="§"/>
+            </a:pPr>
+            <a:r>
+              <a:rPr lang="pt-PT" sz="1600" dirty="0" smtClean="0"/>
+              <a:t>Contextualização</a:t>
+            </a:r>
+          </a:p>
+          <a:p>
+            <a:pPr lvl="1">
+              <a:lnSpc>
+                <a:spcPct val="170000"/>
+              </a:lnSpc>
+              <a:buFont typeface="Wingdings" panose="05000000000000000000" pitchFamily="2" charset="2"/>
+              <a:buChar char="§"/>
+            </a:pPr>
+            <a:r>
+              <a:rPr lang="pt-PT" sz="1600" dirty="0" smtClean="0"/>
+              <a:t>Caso de estudo</a:t>
+            </a:r>
+          </a:p>
+          <a:p>
+            <a:pPr lvl="1">
+              <a:lnSpc>
+                <a:spcPct val="170000"/>
+              </a:lnSpc>
+              <a:buFont typeface="Wingdings" panose="05000000000000000000" pitchFamily="2" charset="2"/>
+              <a:buChar char="§"/>
+            </a:pPr>
+            <a:r>
+              <a:rPr lang="pt-PT" sz="1600" dirty="0" smtClean="0"/>
+              <a:t>Motivação</a:t>
+            </a:r>
+          </a:p>
+          <a:p>
+            <a:pPr lvl="1">
+              <a:lnSpc>
+                <a:spcPct val="170000"/>
+              </a:lnSpc>
+              <a:buFont typeface="Wingdings" panose="05000000000000000000" pitchFamily="2" charset="2"/>
+              <a:buChar char="§"/>
+            </a:pPr>
+            <a:r>
+              <a:rPr lang="pt-PT" sz="1600" dirty="0" smtClean="0"/>
+              <a:t>Objetivos</a:t>
+            </a:r>
+          </a:p>
+          <a:p>
+            <a:pPr>
+              <a:lnSpc>
+                <a:spcPct val="170000"/>
+              </a:lnSpc>
+            </a:pPr>
+            <a:r>
+              <a:rPr lang="pt-PT" sz="1800" dirty="0" smtClean="0"/>
+              <a:t>Modelo Conceptual</a:t>
+            </a:r>
+          </a:p>
+          <a:p>
+            <a:pPr lvl="1">
+              <a:lnSpc>
+                <a:spcPct val="170000"/>
+              </a:lnSpc>
+              <a:buFont typeface="Wingdings" panose="05000000000000000000" pitchFamily="2" charset="2"/>
+              <a:buChar char="§"/>
+            </a:pPr>
+            <a:r>
+              <a:rPr lang="pt-PT" sz="1600" dirty="0" smtClean="0"/>
+              <a:t>Técnicas de levantamento de requisitos</a:t>
+            </a:r>
+          </a:p>
+          <a:p>
+            <a:pPr lvl="1">
+              <a:lnSpc>
+                <a:spcPct val="170000"/>
+              </a:lnSpc>
+              <a:buFont typeface="Wingdings" panose="05000000000000000000" pitchFamily="2" charset="2"/>
+              <a:buChar char="§"/>
+            </a:pPr>
+            <a:r>
+              <a:rPr lang="pt-PT" sz="1600" dirty="0" smtClean="0"/>
+              <a:t>Requisitos</a:t>
+            </a:r>
+          </a:p>
+          <a:p>
+            <a:pPr lvl="1" algn="just">
+              <a:lnSpc>
+                <a:spcPct val="170000"/>
+              </a:lnSpc>
+              <a:buFont typeface="Wingdings" panose="05000000000000000000" pitchFamily="2" charset="2"/>
+              <a:buChar char="ü"/>
+            </a:pPr>
+            <a:r>
+              <a:rPr lang="pt-PT" sz="1600" dirty="0" smtClean="0"/>
+              <a:t>Identificação das Entidades</a:t>
+            </a:r>
+          </a:p>
+          <a:p>
+            <a:pPr lvl="1" algn="just">
+              <a:lnSpc>
+                <a:spcPct val="170000"/>
+              </a:lnSpc>
+              <a:buFont typeface="Wingdings" panose="05000000000000000000" pitchFamily="2" charset="2"/>
+              <a:buChar char="ü"/>
+            </a:pPr>
+            <a:r>
+              <a:rPr lang="pt-PT" sz="1600" dirty="0" smtClean="0"/>
+              <a:t>Identificação dos Relacionamentos</a:t>
+            </a:r>
+          </a:p>
+          <a:p>
+            <a:pPr lvl="1" algn="just">
+              <a:lnSpc>
+                <a:spcPct val="170000"/>
+              </a:lnSpc>
+              <a:buFont typeface="Wingdings" panose="05000000000000000000" pitchFamily="2" charset="2"/>
+              <a:buChar char="ü"/>
+            </a:pPr>
+            <a:r>
+              <a:rPr lang="pt-PT" sz="1600" dirty="0" smtClean="0"/>
+              <a:t>Identificação dos Atributos</a:t>
+            </a:r>
+          </a:p>
+          <a:p>
+            <a:pPr lvl="1" algn="just">
+              <a:lnSpc>
+                <a:spcPct val="170000"/>
+              </a:lnSpc>
+              <a:buFont typeface="Wingdings" panose="05000000000000000000" pitchFamily="2" charset="2"/>
+              <a:buChar char="ü"/>
+            </a:pPr>
+            <a:r>
+              <a:rPr lang="pt-PT" sz="1600" dirty="0" smtClean="0"/>
+              <a:t>Identificação das Chaves</a:t>
+            </a:r>
+          </a:p>
+          <a:p>
+            <a:pPr lvl="1" algn="just">
+              <a:lnSpc>
+                <a:spcPct val="170000"/>
+              </a:lnSpc>
+              <a:buFont typeface="Wingdings" panose="05000000000000000000" pitchFamily="2" charset="2"/>
+              <a:buChar char="ü"/>
+            </a:pPr>
+            <a:r>
+              <a:rPr lang="pt-PT" sz="1600" dirty="0" smtClean="0"/>
+              <a:t>Validação do Modelo Conceptual segundo os requisitos</a:t>
+            </a:r>
+          </a:p>
+          <a:p>
+            <a:pPr lvl="1" algn="just">
+              <a:lnSpc>
+                <a:spcPct val="170000"/>
+              </a:lnSpc>
+              <a:buFont typeface="Wingdings" panose="05000000000000000000" pitchFamily="2" charset="2"/>
+              <a:buChar char="ü"/>
+            </a:pPr>
+            <a:r>
+              <a:rPr lang="pt-PT" sz="1600" dirty="0"/>
+              <a:t>Validação do Modelo Conceptual segundo as transações</a:t>
+            </a:r>
+          </a:p>
+          <a:p>
+            <a:pPr>
+              <a:lnSpc>
+                <a:spcPct val="170000"/>
+              </a:lnSpc>
+            </a:pPr>
+            <a:r>
+              <a:rPr lang="pt-PT" sz="1800" dirty="0" smtClean="0"/>
+              <a:t>Modelo Lógico</a:t>
+            </a:r>
+          </a:p>
+          <a:p>
+            <a:pPr>
+              <a:lnSpc>
+                <a:spcPct val="170000"/>
+              </a:lnSpc>
+            </a:pPr>
+            <a:r>
+              <a:rPr lang="pt-PT" sz="1800" dirty="0" smtClean="0"/>
+              <a:t>Modelo físico</a:t>
+            </a:r>
+            <a:endParaRPr lang="pt-PT" sz="1800" dirty="0" smtClean="0"/>
+          </a:p>
+        </p:txBody>
+      </p:sp>
+    </p:spTree>
+    <p:extLst>
+      <p:ext uri="{BB962C8B-B14F-4D97-AF65-F5344CB8AC3E}">
+        <p14:creationId xmlns:p14="http://schemas.microsoft.com/office/powerpoint/2010/main" val="2202879028"/>
+      </p:ext>
+    </p:extLst>
+  </p:cSld>
+  <p:clrMapOvr>
+    <a:masterClrMapping/>
+  </p:clrMapOvr>
+  <p:timing>
+    <p:tnLst>
+      <p:par>
+        <p:cTn id="1" dur="indefinite" restart="never" nodeType="tmRoot"/>
+      </p:par>
+    </p:tnLst>
+  </p:timing>
+</p:sld>
+</file>
+
+<file path=ppt/slides/slide20.xml><?xml version="1.0" encoding="utf-8"?>
 <p:sld xmlns:a="http://schemas.openxmlformats.org/drawingml/2006/main" xmlns:r="http://schemas.openxmlformats.org/officeDocument/2006/relationships" xmlns:p="http://schemas.openxmlformats.org/presentationml/2006/main" showMasterSp="0">
   <p:cSld>
     <p:spTree>
@@ -3967,7 +7075,7 @@
 </p:sld>
 </file>
 
-<file path=ppt/slides/slide11.xml><?xml version="1.0" encoding="utf-8"?>
+<file path=ppt/slides/slide21.xml><?xml version="1.0" encoding="utf-8"?>
 <p:sld xmlns:a="http://schemas.openxmlformats.org/drawingml/2006/main" xmlns:r="http://schemas.openxmlformats.org/officeDocument/2006/relationships" xmlns:p="http://schemas.openxmlformats.org/presentationml/2006/main" showMasterSp="0">
   <p:cSld>
     <p:spTree>
@@ -4025,7 +7133,7 @@
         </p:spPr>
         <p:txBody>
           <a:bodyPr>
-            <a:normAutofit fontScale="85000" lnSpcReduction="20000"/>
+            <a:normAutofit fontScale="70000" lnSpcReduction="20000"/>
           </a:bodyPr>
           <a:lstStyle/>
           <a:p>
@@ -4098,15 +7206,7 @@
             <a:pPr lvl="1"/>
             <a:r>
               <a:rPr lang="pt-PT" b="1" dirty="0"/>
-              <a:t>Qual(</a:t>
-            </a:r>
-            <a:r>
-              <a:rPr lang="pt-PT" b="1" dirty="0" err="1"/>
-              <a:t>is</a:t>
-            </a:r>
-            <a:r>
-              <a:rPr lang="pt-PT" b="1" dirty="0"/>
-              <a:t>) a(s) localização(ões) (piso, estante e prateleira) dos exemplares de um livro com determinado título?</a:t>
+              <a:t>Qual(is) a(s) localização(ões) (piso, estante e prateleira) dos exemplares de um livro com determinado título?</a:t>
             </a:r>
             <a:endParaRPr lang="en-US" b="1" dirty="0"/>
           </a:p>
@@ -4235,7 +7335,7 @@
 </p:sld>
 </file>
 
-<file path=ppt/slides/slide12.xml><?xml version="1.0" encoding="utf-8"?>
+<file path=ppt/slides/slide22.xml><?xml version="1.0" encoding="utf-8"?>
 <p:sld xmlns:a="http://schemas.openxmlformats.org/drawingml/2006/main" xmlns:r="http://schemas.openxmlformats.org/officeDocument/2006/relationships" xmlns:p="http://schemas.openxmlformats.org/presentationml/2006/main" showMasterSp="0">
   <p:cSld>
     <p:spTree>
@@ -4267,7 +7367,7 @@
           <a:bodyPr/>
           <a:lstStyle/>
           <a:p>
-            <a:endParaRPr lang="en-US"/>
+            <a:endParaRPr lang="en-US" dirty="0"/>
           </a:p>
         </p:txBody>
       </p:sp>
@@ -4286,7 +7386,7 @@
           <a:bodyPr/>
           <a:lstStyle/>
           <a:p>
-            <a:endParaRPr lang="en-US"/>
+            <a:endParaRPr lang="en-US" dirty="0"/>
           </a:p>
         </p:txBody>
       </p:sp>
@@ -4303,7 +7403,7 @@
 </p:sld>
 </file>
 
-<file path=ppt/slides/slide13.xml><?xml version="1.0" encoding="utf-8"?>
+<file path=ppt/slides/slide23.xml><?xml version="1.0" encoding="utf-8"?>
 <p:sld xmlns:a="http://schemas.openxmlformats.org/drawingml/2006/main" xmlns:r="http://schemas.openxmlformats.org/officeDocument/2006/relationships" xmlns:p="http://schemas.openxmlformats.org/presentationml/2006/main" showMasterSp="0">
   <p:cSld>
     <p:spTree>
@@ -4387,7 +7487,7 @@
 </p:sld>
 </file>
 
-<file path=ppt/slides/slide14.xml><?xml version="1.0" encoding="utf-8"?>
+<file path=ppt/slides/slide24.xml><?xml version="1.0" encoding="utf-8"?>
 <p:sld xmlns:a="http://schemas.openxmlformats.org/drawingml/2006/main" xmlns:r="http://schemas.openxmlformats.org/officeDocument/2006/relationships" xmlns:p="http://schemas.openxmlformats.org/presentationml/2006/main" showMasterSp="0">
   <p:cSld>
     <p:spTree>
@@ -4439,7 +7539,9 @@
         </p:nvSpPr>
         <p:spPr/>
         <p:txBody>
-          <a:bodyPr/>
+          <a:bodyPr>
+            <a:normAutofit lnSpcReduction="10000"/>
+          </a:bodyPr>
           <a:lstStyle/>
           <a:p>
             <a:r>
@@ -4552,7 +7654,7 @@
 </p:sld>
 </file>
 
-<file path=ppt/slides/slide15.xml><?xml version="1.0" encoding="utf-8"?>
+<file path=ppt/slides/slide25.xml><?xml version="1.0" encoding="utf-8"?>
 <p:sld xmlns:a="http://schemas.openxmlformats.org/drawingml/2006/main" xmlns:r="http://schemas.openxmlformats.org/officeDocument/2006/relationships" xmlns:p="http://schemas.openxmlformats.org/presentationml/2006/main">
   <p:cSld>
     <p:spTree>
@@ -4584,7 +7686,7 @@
           <a:bodyPr/>
           <a:lstStyle/>
           <a:p>
-            <a:endParaRPr lang="en-US"/>
+            <a:endParaRPr lang="en-US" dirty="0"/>
           </a:p>
         </p:txBody>
       </p:sp>
@@ -4603,7 +7705,7 @@
           <a:bodyPr/>
           <a:lstStyle/>
           <a:p>
-            <a:endParaRPr lang="en-US"/>
+            <a:endParaRPr lang="en-US" dirty="0"/>
           </a:p>
         </p:txBody>
       </p:sp>
@@ -4620,7 +7722,7 @@
 </p:sld>
 </file>
 
-<file path=ppt/slides/slide16.xml><?xml version="1.0" encoding="utf-8"?>
+<file path=ppt/slides/slide26.xml><?xml version="1.0" encoding="utf-8"?>
 <p:sld xmlns:a="http://schemas.openxmlformats.org/drawingml/2006/main" xmlns:r="http://schemas.openxmlformats.org/officeDocument/2006/relationships" xmlns:p="http://schemas.openxmlformats.org/presentationml/2006/main">
   <p:cSld>
     <p:spTree>
@@ -4680,7 +7782,7 @@
           <a:bodyPr/>
           <a:lstStyle/>
           <a:p>
-            <a:endParaRPr lang="en-US"/>
+            <a:endParaRPr lang="en-US" dirty="0"/>
           </a:p>
         </p:txBody>
       </p:sp>
@@ -4688,78 +7790,6 @@
     <p:extLst>
       <p:ext uri="{BB962C8B-B14F-4D97-AF65-F5344CB8AC3E}">
         <p14:creationId xmlns:p14="http://schemas.microsoft.com/office/powerpoint/2010/main" val="3237368206"/>
-      </p:ext>
-    </p:extLst>
-  </p:cSld>
-  <p:clrMapOvr>
-    <a:masterClrMapping/>
-  </p:clrMapOvr>
-</p:sld>
-</file>
-
-<file path=ppt/slides/slide2.xml><?xml version="1.0" encoding="utf-8"?>
-<p:sld xmlns:a="http://schemas.openxmlformats.org/drawingml/2006/main" xmlns:r="http://schemas.openxmlformats.org/officeDocument/2006/relationships" xmlns:p="http://schemas.openxmlformats.org/presentationml/2006/main" showMasterSp="0">
-  <p:cSld>
-    <p:spTree>
-      <p:nvGrpSpPr>
-        <p:cNvPr id="1" name=""/>
-        <p:cNvGrpSpPr/>
-        <p:nvPr/>
-      </p:nvGrpSpPr>
-      <p:grpSpPr>
-        <a:xfrm>
-          <a:off x="0" y="0"/>
-          <a:ext cx="0" cy="0"/>
-          <a:chOff x="0" y="0"/>
-          <a:chExt cx="0" cy="0"/>
-        </a:xfrm>
-      </p:grpSpPr>
-      <p:sp>
-        <p:nvSpPr>
-          <p:cNvPr id="2" name="Título 1"/>
-          <p:cNvSpPr>
-            <a:spLocks noGrp="1"/>
-          </p:cNvSpPr>
-          <p:nvPr>
-            <p:ph type="title"/>
-          </p:nvPr>
-        </p:nvSpPr>
-        <p:spPr/>
-        <p:txBody>
-          <a:bodyPr/>
-          <a:lstStyle/>
-          <a:p>
-            <a:r>
-              <a:rPr lang="pt-PT" dirty="0" smtClean="0"/>
-              <a:t>Índice	</a:t>
-            </a:r>
-            <a:endParaRPr lang="en-US" dirty="0"/>
-          </a:p>
-        </p:txBody>
-      </p:sp>
-      <p:sp>
-        <p:nvSpPr>
-          <p:cNvPr id="3" name="Marcador de Posição de Conteúdo 2"/>
-          <p:cNvSpPr>
-            <a:spLocks noGrp="1"/>
-          </p:cNvSpPr>
-          <p:nvPr>
-            <p:ph idx="1"/>
-          </p:nvPr>
-        </p:nvSpPr>
-        <p:spPr/>
-        <p:txBody>
-          <a:bodyPr/>
-          <a:lstStyle/>
-          <a:p>
-            <a:endParaRPr lang="en-US"/>
-          </a:p>
-        </p:txBody>
-      </p:sp>
-    </p:spTree>
-    <p:extLst>
-      <p:ext uri="{BB962C8B-B14F-4D97-AF65-F5344CB8AC3E}">
-        <p14:creationId xmlns:p14="http://schemas.microsoft.com/office/powerpoint/2010/main" val="2202879028"/>
       </p:ext>
     </p:extLst>
   </p:cSld>
@@ -4819,56 +7849,102 @@
             <p:ph idx="1"/>
           </p:nvPr>
         </p:nvSpPr>
-        <p:spPr/>
-        <p:txBody>
-          <a:bodyPr/>
-          <a:lstStyle/>
-          <a:p>
-            <a:r>
-              <a:rPr lang="pt-PT" dirty="0" smtClean="0"/>
+        <p:spPr>
+          <a:xfrm>
+            <a:off x="838200" y="1825624"/>
+            <a:ext cx="10922000" cy="4575175"/>
+          </a:xfrm>
+        </p:spPr>
+        <p:txBody>
+          <a:bodyPr>
+            <a:noAutofit/>
+          </a:bodyPr>
+          <a:lstStyle/>
+          <a:p>
+            <a:pPr algn="just">
+              <a:lnSpc>
+                <a:spcPct val="150000"/>
+              </a:lnSpc>
+            </a:pPr>
+            <a:r>
+              <a:rPr lang="pt-PT" sz="2400" dirty="0" smtClean="0"/>
               <a:t>Desenvolvimento de uma base de dados </a:t>
             </a:r>
           </a:p>
           <a:p>
-            <a:r>
-              <a:rPr lang="pt-PT" dirty="0" smtClean="0"/>
+            <a:pPr algn="just">
+              <a:lnSpc>
+                <a:spcPct val="150000"/>
+              </a:lnSpc>
+            </a:pPr>
+            <a:r>
+              <a:rPr lang="pt-PT" sz="2400" dirty="0" smtClean="0"/>
               <a:t>Requisitos de funcionamento da Biblioteca Geral da Universidade do Minho (BGUM)</a:t>
             </a:r>
           </a:p>
           <a:p>
-            <a:r>
-              <a:rPr lang="pt-PT" dirty="0" smtClean="0"/>
-              <a:t>Sistemas de consultas bibliográficas e de requisiç</a:t>
-            </a:r>
-            <a:r>
-              <a:rPr lang="pt-PT" dirty="0" smtClean="0"/>
-              <a:t>ões</a:t>
-            </a:r>
-          </a:p>
-          <a:p>
-            <a:endParaRPr lang="pt-PT" dirty="0"/>
-          </a:p>
-          <a:p>
-            <a:r>
-              <a:rPr lang="pt-PT" dirty="0" smtClean="0"/>
-              <a:t>1º Levantamento de Requisitos e análise </a:t>
-            </a:r>
-          </a:p>
-          <a:p>
-            <a:r>
-              <a:rPr lang="pt-PT" dirty="0" smtClean="0"/>
-              <a:t>2º Modelo conceptual e L</a:t>
-            </a:r>
-            <a:r>
-              <a:rPr lang="en-US" dirty="0" err="1" smtClean="0"/>
+            <a:pPr algn="just">
+              <a:lnSpc>
+                <a:spcPct val="150000"/>
+              </a:lnSpc>
+            </a:pPr>
+            <a:r>
+              <a:rPr lang="pt-PT" sz="2400" dirty="0" smtClean="0"/>
+              <a:t>Sistemas de consultas bibliográficas e de </a:t>
+            </a:r>
+            <a:r>
+              <a:rPr lang="pt-PT" sz="2400" dirty="0" smtClean="0"/>
+              <a:t>requisições</a:t>
+            </a:r>
+            <a:endParaRPr lang="pt-PT" sz="2400" dirty="0"/>
+          </a:p>
+          <a:p>
+            <a:pPr algn="just">
+              <a:lnSpc>
+                <a:spcPct val="150000"/>
+              </a:lnSpc>
+            </a:pPr>
+            <a:r>
+              <a:rPr lang="pt-PT" sz="2400" dirty="0" smtClean="0"/>
+              <a:t>Levantamento </a:t>
+            </a:r>
+            <a:r>
+              <a:rPr lang="pt-PT" sz="2400" dirty="0" smtClean="0"/>
+              <a:t>de Requisitos e análise </a:t>
+            </a:r>
+          </a:p>
+          <a:p>
+            <a:pPr algn="just">
+              <a:lnSpc>
+                <a:spcPct val="150000"/>
+              </a:lnSpc>
+            </a:pPr>
+            <a:r>
+              <a:rPr lang="pt-PT" sz="2400" dirty="0" smtClean="0"/>
+              <a:t>Modelo </a:t>
+            </a:r>
+            <a:r>
+              <a:rPr lang="pt-PT" sz="2400" dirty="0" smtClean="0"/>
+              <a:t>conceptual e L</a:t>
+            </a:r>
+            <a:r>
+              <a:rPr lang="en-US" sz="2400" dirty="0" smtClean="0"/>
               <a:t>ógico</a:t>
             </a:r>
-            <a:endParaRPr lang="en-US" dirty="0" smtClean="0"/>
-          </a:p>
-          <a:p>
-            <a:r>
-              <a:rPr lang="pt-PT" dirty="0" smtClean="0"/>
-              <a:t>3º Modelo físico, tamanho, povoamento…</a:t>
+          </a:p>
+          <a:p>
+            <a:pPr algn="just">
+              <a:lnSpc>
+                <a:spcPct val="150000"/>
+              </a:lnSpc>
+            </a:pPr>
+            <a:r>
+              <a:rPr lang="pt-PT" sz="2400" dirty="0" smtClean="0"/>
+              <a:t>Modelo </a:t>
+            </a:r>
+            <a:r>
+              <a:rPr lang="pt-PT" sz="2400" dirty="0" smtClean="0"/>
+              <a:t>físico, tamanho, povoamento…</a:t>
             </a:r>
           </a:p>
         </p:txBody>
@@ -4941,42 +8017,47 @@
           <a:bodyPr/>
           <a:lstStyle/>
           <a:p>
-            <a:r>
-              <a:rPr lang="pt-PT" dirty="0" smtClean="0"/>
+            <a:pPr algn="just">
+              <a:lnSpc>
+                <a:spcPct val="150000"/>
+              </a:lnSpc>
+            </a:pPr>
+            <a:r>
+              <a:rPr lang="pt-PT" sz="2400" dirty="0" smtClean="0"/>
               <a:t>As universidades são consideradas como portais maiores de conhecimento.</a:t>
             </a:r>
           </a:p>
           <a:p>
-            <a:r>
-              <a:rPr lang="pt-PT" dirty="0" smtClean="0"/>
-              <a:t>Aquisição de compe</a:t>
-            </a:r>
-            <a:r>
-              <a:rPr lang="pt-PT" dirty="0" smtClean="0"/>
-              <a:t>tências práticas e desenvolvimento do pensamento crítico e analítico. </a:t>
-            </a:r>
-          </a:p>
-          <a:p>
-            <a:r>
-              <a:rPr lang="pt-PT" dirty="0" smtClean="0"/>
+            <a:pPr algn="just">
+              <a:lnSpc>
+                <a:spcPct val="150000"/>
+              </a:lnSpc>
+            </a:pPr>
+            <a:r>
+              <a:rPr lang="pt-PT" sz="2400" dirty="0" smtClean="0"/>
+              <a:t>Aquisição de competências práticas e desenvolvimento do pensamento crítico e analítico. </a:t>
+            </a:r>
+          </a:p>
+          <a:p>
+            <a:pPr algn="just">
+              <a:lnSpc>
+                <a:spcPct val="150000"/>
+              </a:lnSpc>
+            </a:pPr>
+            <a:r>
+              <a:rPr lang="pt-PT" sz="2400" dirty="0" smtClean="0"/>
               <a:t>Acesso fácil à informação.</a:t>
             </a:r>
           </a:p>
           <a:p>
+            <a:pPr algn="just"/>
             <a:endParaRPr lang="pt-PT" dirty="0"/>
           </a:p>
           <a:p>
-            <a:r>
-              <a:rPr lang="pt-PT" dirty="0" smtClean="0"/>
-              <a:t>Internet </a:t>
-            </a:r>
-            <a:r>
-              <a:rPr lang="pt-PT" dirty="0" err="1" smtClean="0"/>
-              <a:t>vs</a:t>
-            </a:r>
-            <a:r>
-              <a:rPr lang="pt-PT" dirty="0" smtClean="0"/>
-              <a:t> Biblioteca</a:t>
+            <a:pPr algn="just"/>
+            <a:r>
+              <a:rPr lang="pt-PT" b="1" dirty="0" smtClean="0"/>
+              <a:t>Internet vs Biblioteca</a:t>
             </a:r>
           </a:p>
           <a:p>
@@ -4987,6 +8068,59 @@
           </a:p>
         </p:txBody>
       </p:sp>
+      <p:pic>
+        <p:nvPicPr>
+          <p:cNvPr id="2050" name="Picture 2" descr="https://alexleonuri.files.wordpress.com/2011/08/books-vs-net3.jpg"/>
+          <p:cNvPicPr>
+            <a:picLocks noChangeAspect="1" noChangeArrowheads="1"/>
+          </p:cNvPicPr>
+          <p:nvPr/>
+        </p:nvPicPr>
+        <p:blipFill>
+          <a:blip r:embed="rId2">
+            <a:extLst>
+              <a:ext uri="{28A0092B-C50C-407E-A947-70E740481C1C}">
+                <a14:useLocalDpi xmlns:a14="http://schemas.microsoft.com/office/drawing/2010/main" val="0"/>
+              </a:ext>
+            </a:extLst>
+          </a:blip>
+          <a:srcRect/>
+          <a:stretch>
+            <a:fillRect/>
+          </a:stretch>
+        </p:blipFill>
+        <p:spPr bwMode="auto">
+          <a:xfrm>
+            <a:off x="7254875" y="3630612"/>
+            <a:ext cx="2819400" cy="2266951"/>
+          </a:xfrm>
+          <a:prstGeom prst="roundRect">
+            <a:avLst>
+              <a:gd name="adj" fmla="val 8594"/>
+            </a:avLst>
+          </a:prstGeom>
+          <a:solidFill>
+            <a:srgbClr val="FFFFFF">
+              <a:shade val="85000"/>
+            </a:srgbClr>
+          </a:solidFill>
+          <a:ln>
+            <a:noFill/>
+          </a:ln>
+          <a:effectLst>
+            <a:reflection blurRad="12700" stA="38000" endPos="28000" dist="5000" dir="5400000" sy="-100000" algn="bl" rotWithShape="0"/>
+          </a:effectLst>
+          <a:extLst>
+            <a:ext uri="{909E8E84-426E-40DD-AFC4-6F175D3DCCD1}">
+              <a14:hiddenFill xmlns:a14="http://schemas.microsoft.com/office/drawing/2010/main">
+                <a:solidFill>
+                  <a:srgbClr val="FFFFFF"/>
+                </a:solidFill>
+              </a14:hiddenFill>
+            </a:ext>
+          </a:extLst>
+        </p:spPr>
+      </p:pic>
     </p:spTree>
     <p:extLst>
       <p:ext uri="{BB962C8B-B14F-4D97-AF65-F5344CB8AC3E}">
@@ -5050,21 +8184,32 @@
             <p:ph idx="1"/>
           </p:nvPr>
         </p:nvSpPr>
-        <p:spPr/>
+        <p:spPr>
+          <a:xfrm>
+            <a:off x="331304" y="1690688"/>
+            <a:ext cx="11542644" cy="4908895"/>
+          </a:xfrm>
+        </p:spPr>
         <p:txBody>
           <a:bodyPr>
-            <a:normAutofit lnSpcReduction="10000"/>
+            <a:normAutofit fontScale="70000" lnSpcReduction="20000"/>
           </a:bodyPr>
           <a:lstStyle/>
           <a:p>
-            <a:pPr lvl="0"/>
-            <a:r>
-              <a:rPr lang="pt-PT" dirty="0" smtClean="0"/>
+            <a:pPr marL="0" lvl="0" indent="0" algn="just">
+              <a:buNone/>
+            </a:pPr>
+            <a:r>
+              <a:rPr lang="pt-PT" b="1" dirty="0" smtClean="0"/>
               <a:t>Serviços:</a:t>
             </a:r>
           </a:p>
           <a:p>
-            <a:pPr lvl="0"/>
+            <a:pPr lvl="0" algn="just">
+              <a:lnSpc>
+                <a:spcPct val="170000"/>
+              </a:lnSpc>
+            </a:pPr>
             <a:r>
               <a:rPr lang="pt-PT" dirty="0" smtClean="0"/>
               <a:t>Consulta </a:t>
@@ -5076,7 +8221,11 @@
             <a:endParaRPr lang="en-US" dirty="0"/>
           </a:p>
           <a:p>
-            <a:pPr lvl="0"/>
+            <a:pPr lvl="0" algn="just">
+              <a:lnSpc>
+                <a:spcPct val="170000"/>
+              </a:lnSpc>
+            </a:pPr>
             <a:r>
               <a:rPr lang="pt-PT" dirty="0"/>
               <a:t>Empréstimo de publicações para leitura domiciliária; </a:t>
@@ -5084,7 +8233,11 @@
             <a:endParaRPr lang="en-US" dirty="0"/>
           </a:p>
           <a:p>
-            <a:pPr lvl="0"/>
+            <a:pPr lvl="0" algn="just">
+              <a:lnSpc>
+                <a:spcPct val="170000"/>
+              </a:lnSpc>
+            </a:pPr>
             <a:r>
               <a:rPr lang="pt-PT" dirty="0"/>
               <a:t>Assistência a pesquisas em bases de dados a pedido dos utilizadores; </a:t>
@@ -5092,16 +8245,24 @@
             <a:endParaRPr lang="en-US" dirty="0"/>
           </a:p>
           <a:p>
+            <a:pPr algn="just"/>
             <a:endParaRPr lang="pt-PT" dirty="0" smtClean="0"/>
           </a:p>
           <a:p>
-            <a:r>
-              <a:rPr lang="pt-PT" dirty="0" smtClean="0"/>
+            <a:pPr marL="0" indent="0" algn="just">
+              <a:buNone/>
+            </a:pPr>
+            <a:r>
+              <a:rPr lang="pt-PT" b="1" dirty="0" smtClean="0"/>
               <a:t>Ações:</a:t>
             </a:r>
           </a:p>
           <a:p>
-            <a:pPr lvl="0"/>
+            <a:pPr lvl="0" algn="just">
+              <a:lnSpc>
+                <a:spcPct val="170000"/>
+              </a:lnSpc>
+            </a:pPr>
             <a:r>
               <a:rPr lang="pt-PT" dirty="0"/>
               <a:t>Consultar o catálogo bibliográfico da UM (livros, revistas e outros suportes de informação disponíveis nas bibliotecas UM), bases de dados bibliográficas, revistas em formato eletrónico e outros recursos de informação; </a:t>
@@ -5109,7 +8270,11 @@
             <a:endParaRPr lang="en-US" dirty="0"/>
           </a:p>
           <a:p>
-            <a:pPr lvl="0"/>
+            <a:pPr lvl="0" algn="just">
+              <a:lnSpc>
+                <a:spcPct val="170000"/>
+              </a:lnSpc>
+            </a:pPr>
             <a:r>
               <a:rPr lang="pt-PT" dirty="0"/>
               <a:t>Consultar ficha de utilizador, onde é possível renovar e reservar empréstimos e publicações</a:t>
@@ -5122,6 +8287,56 @@
           </a:p>
         </p:txBody>
       </p:sp>
+      <p:pic>
+        <p:nvPicPr>
+          <p:cNvPr id="3074" name="Picture 2" descr="http://gonzaloblog.files.wordpress.com/2011/08/internet-vs-biblioteca1.jpg"/>
+          <p:cNvPicPr>
+            <a:picLocks noChangeAspect="1" noChangeArrowheads="1"/>
+          </p:cNvPicPr>
+          <p:nvPr/>
+        </p:nvPicPr>
+        <p:blipFill>
+          <a:blip r:embed="rId2">
+            <a:extLst>
+              <a:ext uri="{28A0092B-C50C-407E-A947-70E740481C1C}">
+                <a14:useLocalDpi xmlns:a14="http://schemas.microsoft.com/office/drawing/2010/main" val="0"/>
+              </a:ext>
+            </a:extLst>
+          </a:blip>
+          <a:srcRect/>
+          <a:stretch>
+            <a:fillRect/>
+          </a:stretch>
+        </p:blipFill>
+        <p:spPr bwMode="auto">
+          <a:xfrm>
+            <a:off x="8321675" y="676275"/>
+            <a:ext cx="2857500" cy="2028826"/>
+          </a:xfrm>
+          <a:prstGeom prst="rect">
+            <a:avLst/>
+          </a:prstGeom>
+          <a:ln>
+            <a:noFill/>
+          </a:ln>
+          <a:effectLst>
+            <a:outerShdw blurRad="292100" dist="139700" dir="2700000" algn="tl" rotWithShape="0">
+              <a:srgbClr val="333333">
+                <a:alpha val="65000"/>
+              </a:srgbClr>
+            </a:outerShdw>
+          </a:effectLst>
+          <a:extLst>
+            <a:ext uri="{909E8E84-426E-40DD-AFC4-6F175D3DCCD1}">
+              <a14:hiddenFill xmlns:a14="http://schemas.microsoft.com/office/drawing/2010/main">
+                <a:solidFill>
+                  <a:srgbClr val="FFFFFF"/>
+                </a:solidFill>
+              </a14:hiddenFill>
+            </a:ext>
+          </a:extLst>
+        </p:spPr>
+      </p:pic>
     </p:spTree>
     <p:extLst>
       <p:ext uri="{BB962C8B-B14F-4D97-AF65-F5344CB8AC3E}">
@@ -5152,6 +8367,47 @@
           <a:chExt cx="0" cy="0"/>
         </a:xfrm>
       </p:grpSpPr>
+      <p:pic>
+        <p:nvPicPr>
+          <p:cNvPr id="4100" name="Picture 4" descr="http://www.richgrof.com/wp-content/uploads/2014/09/Employee-Motivation1.jpg?7b4755"/>
+          <p:cNvPicPr>
+            <a:picLocks noChangeAspect="1" noChangeArrowheads="1"/>
+          </p:cNvPicPr>
+          <p:nvPr/>
+        </p:nvPicPr>
+        <p:blipFill>
+          <a:blip r:embed="rId2" cstate="print">
+            <a:extLst>
+              <a:ext uri="{28A0092B-C50C-407E-A947-70E740481C1C}">
+                <a14:useLocalDpi xmlns:a14="http://schemas.microsoft.com/office/drawing/2010/main" val="0"/>
+              </a:ext>
+            </a:extLst>
+          </a:blip>
+          <a:srcRect/>
+          <a:stretch>
+            <a:fillRect/>
+          </a:stretch>
+        </p:blipFill>
+        <p:spPr bwMode="auto">
+          <a:xfrm>
+            <a:off x="8944553" y="4791678"/>
+            <a:ext cx="3247447" cy="2030431"/>
+          </a:xfrm>
+          <a:prstGeom prst="rect">
+            <a:avLst/>
+          </a:prstGeom>
+          <a:noFill/>
+          <a:extLst>
+            <a:ext uri="{909E8E84-426E-40DD-AFC4-6F175D3DCCD1}">
+              <a14:hiddenFill xmlns:a14="http://schemas.microsoft.com/office/drawing/2010/main">
+                <a:solidFill>
+                  <a:srgbClr val="FFFFFF"/>
+                </a:solidFill>
+              </a14:hiddenFill>
+            </a:ext>
+          </a:extLst>
+        </p:spPr>
+      </p:pic>
       <p:sp>
         <p:nvSpPr>
           <p:cNvPr id="2" name="Título 1"/>
@@ -5187,39 +8443,70 @@
         </p:nvSpPr>
         <p:spPr/>
         <p:txBody>
-          <a:bodyPr/>
-          <a:lstStyle/>
-          <a:p>
+          <a:bodyPr>
+            <a:normAutofit fontScale="77500" lnSpcReduction="20000"/>
+          </a:bodyPr>
+          <a:lstStyle/>
+          <a:p>
+            <a:pPr algn="just">
+              <a:lnSpc>
+                <a:spcPct val="170000"/>
+              </a:lnSpc>
+            </a:pPr>
             <a:r>
               <a:rPr lang="pt-PT" dirty="0" smtClean="0"/>
               <a:t>Sistemas de informação estão acrescer em dimensão;</a:t>
             </a:r>
           </a:p>
           <a:p>
-            <a:r>
-              <a:rPr lang="pt-PT" dirty="0" smtClean="0"/>
-              <a:t>Necessidade premente de uma resposta eficiente e eficaz.</a:t>
-            </a:r>
-          </a:p>
-          <a:p>
+            <a:pPr algn="just">
+              <a:lnSpc>
+                <a:spcPct val="170000"/>
+              </a:lnSpc>
+            </a:pPr>
+            <a:r>
+              <a:rPr lang="pt-PT" dirty="0" smtClean="0"/>
+              <a:t>Necessidade premente de uma resposta eficiente e eficaz</a:t>
+            </a:r>
+            <a:r>
+              <a:rPr lang="pt-PT" dirty="0" smtClean="0"/>
+              <a:t>.</a:t>
+            </a:r>
             <a:endParaRPr lang="pt-PT" dirty="0"/>
           </a:p>
           <a:p>
+            <a:pPr algn="just">
+              <a:lnSpc>
+                <a:spcPct val="170000"/>
+              </a:lnSpc>
+            </a:pPr>
             <a:r>
               <a:rPr lang="pt-PT" dirty="0" smtClean="0"/>
               <a:t>O caso de estudo permite perceber o funcionamento de uma biblioteca.</a:t>
             </a:r>
           </a:p>
           <a:p>
-            <a:r>
-              <a:rPr lang="pt-PT" dirty="0" smtClean="0"/>
-              <a:t>Pode ser reaproveitado para outros casos de estudo (comércio a retalho, etc. …) pois envolve a catalogação e localização dos produtos em questão.</a:t>
-            </a:r>
-          </a:p>
-          <a:p>
+            <a:pPr algn="just">
+              <a:lnSpc>
+                <a:spcPct val="170000"/>
+              </a:lnSpc>
+            </a:pPr>
+            <a:r>
+              <a:rPr lang="pt-PT" dirty="0" smtClean="0"/>
+              <a:t>Pode ser reaproveitado para outros casos de estudo (comércio a retalho, etc. …) pois envolve a catalogação e localização dos produtos em questão</a:t>
+            </a:r>
+            <a:r>
+              <a:rPr lang="pt-PT" dirty="0" smtClean="0"/>
+              <a:t>.</a:t>
+            </a:r>
             <a:endParaRPr lang="pt-PT" dirty="0"/>
           </a:p>
           <a:p>
+            <a:pPr algn="just">
+              <a:lnSpc>
+                <a:spcPct val="170000"/>
+              </a:lnSpc>
+            </a:pPr>
             <a:r>
               <a:rPr lang="pt-PT" dirty="0" smtClean="0"/>
               <a:t>Solidificar de forma estruturada conhecimentos fundamentais na conceção, desenho e implementação de uma base de dados relacional.</a:t>
@@ -5228,6 +8515,45 @@
           </a:p>
         </p:txBody>
       </p:sp>
+      <p:pic>
+        <p:nvPicPr>
+          <p:cNvPr id="4098" name="Picture 2" descr="http://thumbs.dreamstime.com/z/m%C3%BAsculo-9035476.jpg"/>
+          <p:cNvPicPr>
+            <a:picLocks noChangeAspect="1" noChangeArrowheads="1"/>
+          </p:cNvPicPr>
+          <p:nvPr/>
+        </p:nvPicPr>
+        <p:blipFill rotWithShape="1">
+          <a:blip r:embed="rId3" cstate="print">
+            <a:extLst>
+              <a:ext uri="{28A0092B-C50C-407E-A947-70E740481C1C}">
+                <a14:useLocalDpi xmlns:a14="http://schemas.microsoft.com/office/drawing/2010/main" val="0"/>
+              </a:ext>
+            </a:extLst>
+          </a:blip>
+          <a:srcRect b="9578"/>
+          <a:stretch/>
+        </p:blipFill>
+        <p:spPr bwMode="auto">
+          <a:xfrm>
+            <a:off x="10109123" y="58139"/>
+            <a:ext cx="2082877" cy="1767486"/>
+          </a:xfrm>
+          <a:prstGeom prst="rect">
+            <a:avLst/>
+          </a:prstGeom>
+          <a:noFill/>
+          <a:extLst>
+            <a:ext uri="{909E8E84-426E-40DD-AFC4-6F175D3DCCD1}">
+              <a14:hiddenFill xmlns:a14="http://schemas.microsoft.com/office/drawing/2010/main">
+                <a:solidFill>
+                  <a:srgbClr val="FFFFFF"/>
+                </a:solidFill>
+              </a14:hiddenFill>
+            </a:ext>
+          </a:extLst>
+        </p:spPr>
+      </p:pic>
     </p:spTree>
     <p:extLst>
       <p:ext uri="{BB962C8B-B14F-4D97-AF65-F5344CB8AC3E}">
@@ -5291,62 +8617,173 @@
             <p:ph idx="1"/>
           </p:nvPr>
         </p:nvSpPr>
-        <p:spPr/>
+        <p:spPr>
+          <a:xfrm>
+            <a:off x="838200" y="1444486"/>
+            <a:ext cx="10515600" cy="4943061"/>
+          </a:xfrm>
+        </p:spPr>
         <p:txBody>
           <a:bodyPr>
-            <a:normAutofit/>
+            <a:normAutofit fontScale="92500" lnSpcReduction="10000"/>
           </a:bodyPr>
           <a:lstStyle/>
           <a:p>
-            <a:pPr algn="just"/>
+            <a:pPr algn="just">
+              <a:lnSpc>
+                <a:spcPct val="150000"/>
+              </a:lnSpc>
+            </a:pPr>
             <a:r>
               <a:rPr lang="pt-PT" sz="3200" dirty="0" smtClean="0"/>
               <a:t>Criar um sistema de Base de Dados que respeite os requisitos da BGUM para satisfazer os seus utilizadores.</a:t>
             </a:r>
           </a:p>
           <a:p>
-            <a:pPr lvl="1" algn="just"/>
+            <a:pPr lvl="1" algn="just">
+              <a:lnSpc>
+                <a:spcPct val="150000"/>
+              </a:lnSpc>
+              <a:buFont typeface="Wingdings" panose="05000000000000000000" pitchFamily="2" charset="2"/>
+              <a:buChar char="§"/>
+            </a:pPr>
             <a:r>
               <a:rPr lang="pt-PT" sz="2800" dirty="0" smtClean="0"/>
               <a:t>Para isso foi seguido um modelo de desenvolvimento de base de dados por etapas:</a:t>
             </a:r>
           </a:p>
           <a:p>
-            <a:pPr lvl="2" algn="just"/>
+            <a:pPr lvl="2" algn="just">
+              <a:lnSpc>
+                <a:spcPct val="150000"/>
+              </a:lnSpc>
+              <a:buFont typeface="Wingdings" panose="05000000000000000000" pitchFamily="2" charset="2"/>
+              <a:buChar char="§"/>
+            </a:pPr>
             <a:r>
               <a:rPr lang="pt-PT" sz="2000" dirty="0" smtClean="0"/>
               <a:t>Recolher informação</a:t>
             </a:r>
           </a:p>
           <a:p>
-            <a:pPr lvl="2" algn="just"/>
+            <a:pPr lvl="2" algn="just">
+              <a:lnSpc>
+                <a:spcPct val="150000"/>
+              </a:lnSpc>
+              <a:buFont typeface="Wingdings" panose="05000000000000000000" pitchFamily="2" charset="2"/>
+              <a:buChar char="§"/>
+            </a:pPr>
             <a:r>
               <a:rPr lang="pt-PT" sz="2000" dirty="0" smtClean="0"/>
               <a:t>Analisar informação</a:t>
             </a:r>
           </a:p>
           <a:p>
-            <a:pPr lvl="2" algn="just"/>
+            <a:pPr lvl="2" algn="just">
+              <a:lnSpc>
+                <a:spcPct val="150000"/>
+              </a:lnSpc>
+              <a:buFont typeface="Wingdings" panose="05000000000000000000" pitchFamily="2" charset="2"/>
+              <a:buChar char="§"/>
+            </a:pPr>
             <a:r>
               <a:rPr lang="pt-PT" sz="2000" dirty="0" smtClean="0"/>
-              <a:t>Elaborar modelos conceptual, lógico e físico (de acordo com os requisitos)</a:t>
-            </a:r>
-          </a:p>
-          <a:p>
-            <a:pPr lvl="2" algn="just"/>
+              <a:t>Elaborar modelos </a:t>
+            </a:r>
             <a:r>
               <a:rPr lang="pt-PT" sz="2000" dirty="0" smtClean="0"/>
-              <a:t>Validar os mesmos</a:t>
-            </a:r>
-          </a:p>
-          <a:p>
-            <a:endParaRPr lang="pt-PT" dirty="0"/>
-          </a:p>
-          <a:p>
-            <a:endParaRPr lang="en-US" dirty="0"/>
-          </a:p>
-        </p:txBody>
-      </p:sp>
+              <a:t>conceptual</a:t>
+            </a:r>
+          </a:p>
+          <a:p>
+            <a:pPr marL="914400" lvl="2" indent="0" algn="just">
+              <a:lnSpc>
+                <a:spcPct val="150000"/>
+              </a:lnSpc>
+              <a:buNone/>
+            </a:pPr>
+            <a:r>
+              <a:rPr lang="pt-PT" sz="2000" dirty="0" smtClean="0"/>
+              <a:t>lógico </a:t>
+            </a:r>
+            <a:r>
+              <a:rPr lang="pt-PT" sz="2000" dirty="0" smtClean="0"/>
+              <a:t>e físico (de acordo com os requisitos)</a:t>
+            </a:r>
+          </a:p>
+          <a:p>
+            <a:pPr lvl="2" algn="just">
+              <a:lnSpc>
+                <a:spcPct val="150000"/>
+              </a:lnSpc>
+              <a:buFont typeface="Wingdings" panose="05000000000000000000" pitchFamily="2" charset="2"/>
+              <a:buChar char="§"/>
+            </a:pPr>
+            <a:r>
+              <a:rPr lang="pt-PT" sz="2000" dirty="0" smtClean="0"/>
+              <a:t>Validar os </a:t>
+            </a:r>
+            <a:r>
+              <a:rPr lang="pt-PT" sz="2000" dirty="0" smtClean="0"/>
+              <a:t>mesmos</a:t>
+            </a:r>
+            <a:endParaRPr lang="pt-PT" sz="2000" dirty="0" smtClean="0"/>
+          </a:p>
+        </p:txBody>
+      </p:sp>
+      <p:pic>
+        <p:nvPicPr>
+          <p:cNvPr id="4" name="Picture 6" descr="http://seekingawesome.com/wp-content/uploads/2013/10/Goals-1.png"/>
+          <p:cNvPicPr>
+            <a:picLocks noChangeAspect="1" noChangeArrowheads="1"/>
+          </p:cNvPicPr>
+          <p:nvPr/>
+        </p:nvPicPr>
+        <p:blipFill>
+          <a:blip r:embed="rId2" cstate="print">
+            <a:extLst>
+              <a:ext uri="{28A0092B-C50C-407E-A947-70E740481C1C}">
+                <a14:useLocalDpi xmlns:a14="http://schemas.microsoft.com/office/drawing/2010/main" val="0"/>
+              </a:ext>
+            </a:extLst>
+          </a:blip>
+          <a:srcRect/>
+          <a:stretch>
+            <a:fillRect/>
+          </a:stretch>
+        </p:blipFill>
+        <p:spPr bwMode="auto">
+          <a:xfrm>
+            <a:off x="6778349" y="4197100"/>
+            <a:ext cx="4575451" cy="2190447"/>
+          </a:xfrm>
+          <a:prstGeom prst="roundRect">
+            <a:avLst>
+              <a:gd name="adj" fmla="val 8594"/>
+            </a:avLst>
+          </a:prstGeom>
+          <a:solidFill>
+            <a:srgbClr val="FFFFFF">
+              <a:shade val="85000"/>
+            </a:srgbClr>
+          </a:solidFill>
+          <a:ln>
+            <a:noFill/>
+          </a:ln>
+          <a:effectLst>
+            <a:reflection blurRad="12700" stA="38000" endPos="28000" dist="5000" dir="5400000" sy="-100000" algn="bl" rotWithShape="0"/>
+          </a:effectLst>
+          <a:extLst>
+            <a:ext uri="{909E8E84-426E-40DD-AFC4-6F175D3DCCD1}">
+              <a14:hiddenFill xmlns:a14="http://schemas.microsoft.com/office/drawing/2010/main">
+                <a:solidFill>
+                  <a:srgbClr val="FFFFFF"/>
+                </a:solidFill>
+              </a14:hiddenFill>
+            </a:ext>
+          </a:extLst>
+        </p:spPr>
+      </p:pic>
     </p:spTree>
     <p:extLst>
       <p:ext uri="{BB962C8B-B14F-4D97-AF65-F5344CB8AC3E}">
@@ -5412,59 +8849,167 @@
         </p:nvSpPr>
         <p:spPr/>
         <p:txBody>
-          <a:bodyPr/>
-          <a:lstStyle/>
-          <a:p>
-            <a:r>
-              <a:rPr lang="pt-PT" dirty="0" smtClean="0"/>
+          <a:bodyPr>
+            <a:normAutofit fontScale="77500" lnSpcReduction="20000"/>
+          </a:bodyPr>
+          <a:lstStyle/>
+          <a:p>
+            <a:pPr algn="just">
+              <a:lnSpc>
+                <a:spcPct val="150000"/>
+              </a:lnSpc>
+            </a:pPr>
+            <a:r>
+              <a:rPr lang="pt-PT" sz="3000" dirty="0" smtClean="0"/>
               <a:t>Levantamento de Requisitos</a:t>
             </a:r>
           </a:p>
           <a:p>
-            <a:r>
-              <a:rPr lang="pt-PT" dirty="0" smtClean="0"/>
+            <a:pPr algn="just">
+              <a:lnSpc>
+                <a:spcPct val="150000"/>
+              </a:lnSpc>
+            </a:pPr>
+            <a:r>
+              <a:rPr lang="pt-PT" sz="3000" dirty="0" smtClean="0"/>
               <a:t>Identificação das Entidades</a:t>
             </a:r>
           </a:p>
           <a:p>
-            <a:r>
-              <a:rPr lang="pt-PT" dirty="0" smtClean="0"/>
-              <a:t>Identificação dos Relacionamentos</a:t>
-            </a:r>
-          </a:p>
-          <a:p>
-            <a:r>
-              <a:rPr lang="pt-PT" dirty="0" smtClean="0"/>
+            <a:pPr algn="just">
+              <a:lnSpc>
+                <a:spcPct val="150000"/>
+              </a:lnSpc>
+            </a:pPr>
+            <a:r>
+              <a:rPr lang="pt-PT" sz="3000" dirty="0" smtClean="0"/>
+              <a:t>Identificação dos </a:t>
+            </a:r>
+            <a:r>
+              <a:rPr lang="pt-PT" sz="3000" dirty="0" smtClean="0"/>
+              <a:t>Relacionamentos</a:t>
+            </a:r>
+          </a:p>
+          <a:p>
+            <a:pPr algn="just">
+              <a:lnSpc>
+                <a:spcPct val="150000"/>
+              </a:lnSpc>
+            </a:pPr>
+            <a:r>
+              <a:rPr lang="pt-PT" dirty="0" smtClean="0"/>
+              <a:t>Identificação dos Atributos</a:t>
+            </a:r>
+            <a:endParaRPr lang="pt-PT" sz="3000" dirty="0" smtClean="0"/>
+          </a:p>
+          <a:p>
+            <a:pPr algn="just">
+              <a:lnSpc>
+                <a:spcPct val="150000"/>
+              </a:lnSpc>
+            </a:pPr>
+            <a:r>
+              <a:rPr lang="pt-PT" sz="3000" dirty="0" smtClean="0"/>
               <a:t>Identificação das Chaves</a:t>
             </a:r>
           </a:p>
           <a:p>
-            <a:r>
-              <a:rPr lang="pt-PT" dirty="0"/>
+            <a:pPr algn="just">
+              <a:lnSpc>
+                <a:spcPct val="150000"/>
+              </a:lnSpc>
+            </a:pPr>
+            <a:r>
+              <a:rPr lang="pt-PT" sz="3000" dirty="0"/>
               <a:t>Validação do Modelo Conceptual segundo os </a:t>
             </a:r>
             <a:r>
-              <a:rPr lang="pt-PT" dirty="0" smtClean="0"/>
+              <a:rPr lang="pt-PT" sz="3000" dirty="0" smtClean="0"/>
               <a:t>requisitos</a:t>
             </a:r>
           </a:p>
           <a:p>
-            <a:pPr marL="228600" lvl="1">
+            <a:pPr marL="228600" lvl="1" algn="just">
+              <a:lnSpc>
+                <a:spcPct val="150000"/>
+              </a:lnSpc>
               <a:spcBef>
                 <a:spcPts val="1000"/>
               </a:spcBef>
             </a:pPr>
             <a:r>
-              <a:rPr lang="pt-PT" b="1" dirty="0"/>
+              <a:rPr lang="pt-PT" sz="3000" dirty="0"/>
               <a:t>Validação do Modelo Conceptual segundo as transações</a:t>
             </a:r>
-            <a:endParaRPr lang="en-US" b="1" dirty="0"/>
+            <a:endParaRPr lang="en-US" sz="3000" dirty="0"/>
           </a:p>
           <a:p>
             <a:endParaRPr lang="en-US" dirty="0"/>
           </a:p>
         </p:txBody>
       </p:sp>
+      <p:pic>
+        <p:nvPicPr>
+          <p:cNvPr id="5124" name="Picture 4" descr="http://thumbs.dreamstime.com/z/d-white-people-search-database-concept-man-magnifying-glass-conceptual-background-57351564.jpg"/>
+          <p:cNvPicPr>
+            <a:picLocks noChangeAspect="1" noChangeArrowheads="1"/>
+          </p:cNvPicPr>
+          <p:nvPr/>
+        </p:nvPicPr>
+        <p:blipFill rotWithShape="1">
+          <a:blip r:embed="rId2" cstate="print">
+            <a:extLst>
+              <a:ext uri="{28A0092B-C50C-407E-A947-70E740481C1C}">
+                <a14:useLocalDpi xmlns:a14="http://schemas.microsoft.com/office/drawing/2010/main" val="0"/>
+              </a:ext>
+            </a:extLst>
+          </a:blip>
+          <a:srcRect b="8897"/>
+          <a:stretch/>
+        </p:blipFill>
+        <p:spPr bwMode="auto">
+          <a:xfrm>
+            <a:off x="7535459" y="761999"/>
+            <a:ext cx="3975307" cy="3571461"/>
+          </a:xfrm>
+          <a:prstGeom prst="roundRect">
+            <a:avLst>
+              <a:gd name="adj" fmla="val 16667"/>
+            </a:avLst>
+          </a:prstGeom>
+          <a:ln>
+            <a:noFill/>
+          </a:ln>
+          <a:effectLst>
+            <a:outerShdw blurRad="152400" dist="12000" dir="900000" sy="98000" kx="110000" ky="200000" algn="tl" rotWithShape="0">
+              <a:srgbClr val="000000">
+                <a:alpha val="30000"/>
+              </a:srgbClr>
+            </a:outerShdw>
+          </a:effectLst>
+          <a:scene3d>
+            <a:camera prst="perspectiveRelaxed">
+              <a:rot lat="19800000" lon="1200000" rev="20820000"/>
+            </a:camera>
+            <a:lightRig rig="threePt" dir="t"/>
+          </a:scene3d>
+          <a:sp3d contourW="6350" prstMaterial="matte">
+            <a:bevelT w="101600" h="101600"/>
+            <a:contourClr>
+              <a:srgbClr val="969696"/>
+            </a:contourClr>
+          </a:sp3d>
+          <a:extLst>
+            <a:ext uri="{909E8E84-426E-40DD-AFC4-6F175D3DCCD1}">
+              <a14:hiddenFill xmlns:a14="http://schemas.microsoft.com/office/drawing/2010/main">
+                <a:solidFill>
+                  <a:srgbClr val="FFFFFF"/>
+                </a:solidFill>
+              </a14:hiddenFill>
+            </a:ext>
+          </a:extLst>
+        </p:spPr>
+      </p:pic>
     </p:spTree>
     <p:extLst>
       <p:ext uri="{BB962C8B-B14F-4D97-AF65-F5344CB8AC3E}">
@@ -5510,7 +9055,11 @@
           <a:bodyPr/>
           <a:lstStyle/>
           <a:p>
-            <a:endParaRPr lang="en-US"/>
+            <a:r>
+              <a:rPr lang="pt-PT" dirty="0" smtClean="0"/>
+              <a:t>Levantamento de requisitos - técnicas</a:t>
+            </a:r>
+            <a:endParaRPr lang="en-US" dirty="0"/>
           </a:p>
         </p:txBody>
       </p:sp>
@@ -5524,15 +9073,172 @@
             <p:ph idx="1"/>
           </p:nvPr>
         </p:nvSpPr>
-        <p:spPr/>
+        <p:spPr>
+          <a:xfrm>
+            <a:off x="385832" y="1825625"/>
+            <a:ext cx="10515600" cy="4351338"/>
+          </a:xfrm>
+        </p:spPr>
         <p:txBody>
           <a:bodyPr/>
           <a:lstStyle/>
           <a:p>
-            <a:endParaRPr lang="en-US"/>
-          </a:p>
-        </p:txBody>
-      </p:sp>
+            <a:pPr>
+              <a:lnSpc>
+                <a:spcPct val="150000"/>
+              </a:lnSpc>
+            </a:pPr>
+            <a:r>
+              <a:rPr lang="pt-PT" sz="3600" dirty="0" smtClean="0"/>
+              <a:t>Técnicas de levantamento de requisitos</a:t>
+            </a:r>
+          </a:p>
+          <a:p>
+            <a:pPr lvl="1">
+              <a:lnSpc>
+                <a:spcPct val="150000"/>
+              </a:lnSpc>
+            </a:pPr>
+            <a:r>
+              <a:rPr lang="pt-PT" sz="3200" dirty="0" smtClean="0"/>
+              <a:t>Observação do comportamento</a:t>
+            </a:r>
+          </a:p>
+          <a:p>
+            <a:pPr lvl="1">
+              <a:lnSpc>
+                <a:spcPct val="150000"/>
+              </a:lnSpc>
+            </a:pPr>
+            <a:r>
+              <a:rPr lang="pt-PT" sz="3200" dirty="0" smtClean="0"/>
+              <a:t>Entrevistas</a:t>
+            </a:r>
+          </a:p>
+          <a:p>
+            <a:pPr lvl="1">
+              <a:lnSpc>
+                <a:spcPct val="150000"/>
+              </a:lnSpc>
+            </a:pPr>
+            <a:r>
+              <a:rPr lang="pt-PT" sz="3200" dirty="0" smtClean="0"/>
+              <a:t>Pesquisas na internet</a:t>
+            </a:r>
+          </a:p>
+          <a:p>
+            <a:pPr marL="457200" lvl="1" indent="0">
+              <a:buNone/>
+            </a:pPr>
+            <a:endParaRPr lang="en-US" dirty="0"/>
+          </a:p>
+        </p:txBody>
+      </p:sp>
+      <p:pic>
+        <p:nvPicPr>
+          <p:cNvPr id="7170" name="Picture 2" descr="http://www.dumblittleman.com/wp-content/uploads/2014/06/Answering-hard-questions-during-a-job-interview.jpg"/>
+          <p:cNvPicPr>
+            <a:picLocks noChangeAspect="1" noChangeArrowheads="1"/>
+          </p:cNvPicPr>
+          <p:nvPr/>
+        </p:nvPicPr>
+        <p:blipFill>
+          <a:blip r:embed="rId2" cstate="print">
+            <a:extLst>
+              <a:ext uri="{28A0092B-C50C-407E-A947-70E740481C1C}">
+                <a14:useLocalDpi xmlns:a14="http://schemas.microsoft.com/office/drawing/2010/main" val="0"/>
+              </a:ext>
+            </a:extLst>
+          </a:blip>
+          <a:srcRect/>
+          <a:stretch>
+            <a:fillRect/>
+          </a:stretch>
+        </p:blipFill>
+        <p:spPr bwMode="auto">
+          <a:xfrm>
+            <a:off x="7733058" y="3578349"/>
+            <a:ext cx="3779768" cy="2733551"/>
+          </a:xfrm>
+          <a:prstGeom prst="roundRect">
+            <a:avLst>
+              <a:gd name="adj" fmla="val 16667"/>
+            </a:avLst>
+          </a:prstGeom>
+          <a:ln>
+            <a:noFill/>
+          </a:ln>
+          <a:effectLst>
+            <a:outerShdw blurRad="76200" dist="38100" dir="7800000" algn="tl" rotWithShape="0">
+              <a:srgbClr val="000000">
+                <a:alpha val="40000"/>
+              </a:srgbClr>
+            </a:outerShdw>
+          </a:effectLst>
+          <a:scene3d>
+            <a:camera prst="orthographicFront"/>
+            <a:lightRig rig="contrasting" dir="t">
+              <a:rot lat="0" lon="0" rev="4200000"/>
+            </a:lightRig>
+          </a:scene3d>
+          <a:sp3d prstMaterial="plastic">
+            <a:bevelT w="381000" h="114300" prst="relaxedInset"/>
+            <a:contourClr>
+              <a:srgbClr val="969696"/>
+            </a:contourClr>
+          </a:sp3d>
+          <a:extLst>
+            <a:ext uri="{909E8E84-426E-40DD-AFC4-6F175D3DCCD1}">
+              <a14:hiddenFill xmlns:a14="http://schemas.microsoft.com/office/drawing/2010/main">
+                <a:solidFill>
+                  <a:srgbClr val="FFFFFF"/>
+                </a:solidFill>
+              </a14:hiddenFill>
+            </a:ext>
+          </a:extLst>
+        </p:spPr>
+      </p:pic>
+      <p:pic>
+        <p:nvPicPr>
+          <p:cNvPr id="7172" name="Picture 4" descr="https://encrypted-tbn2.gstatic.com/images?q=tbn:ANd9GcQMnTBgMwiV8Jjn9SGY8WL50kf1l-0I_0rFqXy90xGs-XcsW6D3HQ"/>
+          <p:cNvPicPr>
+            <a:picLocks noChangeAspect="1" noChangeArrowheads="1"/>
+          </p:cNvPicPr>
+          <p:nvPr/>
+        </p:nvPicPr>
+        <p:blipFill>
+          <a:blip r:embed="rId3">
+            <a:extLst>
+              <a:ext uri="{28A0092B-C50C-407E-A947-70E740481C1C}">
+                <a14:useLocalDpi xmlns:a14="http://schemas.microsoft.com/office/drawing/2010/main" val="0"/>
+              </a:ext>
+            </a:extLst>
+          </a:blip>
+          <a:srcRect/>
+          <a:stretch>
+            <a:fillRect/>
+          </a:stretch>
+        </p:blipFill>
+        <p:spPr bwMode="auto">
+          <a:xfrm>
+            <a:off x="9948932" y="1388305"/>
+            <a:ext cx="1905000" cy="1762126"/>
+          </a:xfrm>
+          <a:prstGeom prst="rect">
+            <a:avLst/>
+          </a:prstGeom>
+          <a:noFill/>
+          <a:extLst>
+            <a:ext uri="{909E8E84-426E-40DD-AFC4-6F175D3DCCD1}">
+              <a14:hiddenFill xmlns:a14="http://schemas.microsoft.com/office/drawing/2010/main">
+                <a:solidFill>
+                  <a:srgbClr val="FFFFFF"/>
+                </a:solidFill>
+              </a14:hiddenFill>
+            </a:ext>
+          </a:extLst>
+        </p:spPr>
+      </p:pic>
     </p:spTree>
     <p:extLst>
       <p:ext uri="{BB962C8B-B14F-4D97-AF65-F5344CB8AC3E}">
@@ -5547,47 +9253,47 @@
 </file>
 
 <file path=ppt/theme/theme1.xml><?xml version="1.0" encoding="utf-8"?>
-<a:theme xmlns:a="http://schemas.openxmlformats.org/drawingml/2006/main" name="Retrospetiva">
+<a:theme xmlns:a="http://schemas.openxmlformats.org/drawingml/2006/main" name="Tema do Office">
   <a:themeElements>
-    <a:clrScheme name="Retrospetiva">
+    <a:clrScheme name="Office">
       <a:dk1>
-        <a:srgbClr val="000000"/>
+        <a:sysClr val="windowText" lastClr="000000"/>
       </a:dk1>
       <a:lt1>
         <a:sysClr val="window" lastClr="FFFFFF"/>
       </a:lt1>
       <a:dk2>
-        <a:srgbClr val="637052"/>
+        <a:srgbClr val="44546A"/>
       </a:dk2>
       <a:lt2>
-        <a:srgbClr val="CCDDEA"/>
+        <a:srgbClr val="E7E6E6"/>
       </a:lt2>
       <a:accent1>
-        <a:srgbClr val="E48312"/>
+        <a:srgbClr val="5B9BD5"/>
       </a:accent1>
       <a:accent2>
-        <a:srgbClr val="BD582C"/>
+        <a:srgbClr val="ED7D31"/>
       </a:accent2>
       <a:accent3>
-        <a:srgbClr val="865640"/>
+        <a:srgbClr val="A5A5A5"/>
       </a:accent3>
       <a:accent4>
-        <a:srgbClr val="9B8357"/>
+        <a:srgbClr val="FFC000"/>
       </a:accent4>
       <a:accent5>
-        <a:srgbClr val="C2BC80"/>
+        <a:srgbClr val="4472C4"/>
       </a:accent5>
       <a:accent6>
-        <a:srgbClr val="94A088"/>
+        <a:srgbClr val="70AD47"/>
       </a:accent6>
       <a:hlink>
-        <a:srgbClr val="2998E3"/>
+        <a:srgbClr val="0563C1"/>
       </a:hlink>
       <a:folHlink>
-        <a:srgbClr val="8C8C8C"/>
+        <a:srgbClr val="954F72"/>
       </a:folHlink>
     </a:clrScheme>
-    <a:fontScheme name="Retrospetiva">
+    <a:fontScheme name="Office">
       <a:majorFont>
         <a:latin typeface="Calibri Light" panose="020F0302020204030204"/>
         <a:ea typeface=""/>
@@ -5659,7 +9365,7 @@
         <a:font script="Geor" typeface="Sylfaen"/>
       </a:minorFont>
     </a:fontScheme>
-    <a:fmtScheme name="Retrospetiva">
+    <a:fmtScheme name="Office">
       <a:fillStyleLst>
         <a:solidFill>
           <a:schemeClr val="phClr"/>
@@ -5668,81 +9374,76 @@
           <a:gsLst>
             <a:gs pos="0">
               <a:schemeClr val="phClr">
-                <a:tint val="65000"/>
-                <a:shade val="92000"/>
-                <a:satMod val="130000"/>
+                <a:lumMod val="110000"/>
+                <a:satMod val="105000"/>
+                <a:tint val="67000"/>
               </a:schemeClr>
             </a:gs>
-            <a:gs pos="45000">
+            <a:gs pos="50000">
               <a:schemeClr val="phClr">
-                <a:tint val="60000"/>
-                <a:shade val="99000"/>
-                <a:satMod val="120000"/>
+                <a:lumMod val="105000"/>
+                <a:satMod val="103000"/>
+                <a:tint val="73000"/>
               </a:schemeClr>
             </a:gs>
             <a:gs pos="100000">
               <a:schemeClr val="phClr">
-                <a:tint val="55000"/>
-                <a:satMod val="140000"/>
+                <a:lumMod val="105000"/>
+                <a:satMod val="109000"/>
+                <a:tint val="81000"/>
               </a:schemeClr>
             </a:gs>
           </a:gsLst>
-          <a:path path="circle">
-            <a:fillToRect l="100000" t="100000" r="100000" b="100000"/>
-          </a:path>
+          <a:lin ang="5400000" scaled="0"/>
         </a:gradFill>
         <a:gradFill rotWithShape="1">
           <a:gsLst>
             <a:gs pos="0">
               <a:schemeClr val="phClr">
-                <a:shade val="85000"/>
-                <a:satMod val="130000"/>
+                <a:satMod val="103000"/>
+                <a:lumMod val="102000"/>
+                <a:tint val="94000"/>
               </a:schemeClr>
             </a:gs>
-            <a:gs pos="34000">
+            <a:gs pos="50000">
               <a:schemeClr val="phClr">
-                <a:shade val="87000"/>
-                <a:satMod val="125000"/>
-              </a:schemeClr>
-            </a:gs>
-            <a:gs pos="70000">
-              <a:schemeClr val="phClr">
-                <a:tint val="100000"/>
-                <a:shade val="90000"/>
-                <a:satMod val="130000"/>
+                <a:satMod val="110000"/>
+                <a:lumMod val="100000"/>
+                <a:shade val="100000"/>
               </a:schemeClr>
             </a:gs>
             <a:gs pos="100000">
               <a:schemeClr val="phClr">
-                <a:tint val="100000"/>
-                <a:shade val="100000"/>
-                <a:satMod val="110000"/>
+                <a:lumMod val="99000"/>
+                <a:satMod val="120000"/>
+                <a:shade val="78000"/>
               </a:schemeClr>
             </a:gs>
           </a:gsLst>
-          <a:path path="circle">
-            <a:fillToRect l="100000" t="100000" r="100000" b="100000"/>
-          </a:path>
+          <a:lin ang="5400000" scaled="0"/>
         </a:gradFill>
       </a:fillStyleLst>
       <a:lnStyleLst>
+        <a:ln w="6350" cap="flat" cmpd="sng" algn="ctr">
+          <a:solidFill>
+            <a:schemeClr val="phClr"/>
+          </a:solidFill>
+          <a:prstDash val="solid"/>
+          <a:miter lim="800000"/>
+        </a:ln>
         <a:ln w="12700" cap="flat" cmpd="sng" algn="ctr">
           <a:solidFill>
             <a:schemeClr val="phClr"/>
           </a:solidFill>
           <a:prstDash val="solid"/>
+          <a:miter lim="800000"/>
         </a:ln>
-        <a:ln w="15875" cap="flat" cmpd="sng" algn="ctr">
+        <a:ln w="19050" cap="flat" cmpd="sng" algn="ctr">
           <a:solidFill>
             <a:schemeClr val="phClr"/>
           </a:solidFill>
           <a:prstDash val="solid"/>
-        </a:ln>
-        <a:ln w="25400" cap="flat" cmpd="sng" algn="ctr">
-          <a:solidFill>
-            <a:schemeClr val="phClr"/>
-          </a:solidFill>
-          <a:prstDash val="solid"/>
+          <a:miter lim="800000"/>
         </a:ln>
       </a:lnStyleLst>
       <a:effectStyleLst>
@@ -5750,33 +9451,16 @@
           <a:effectLst/>
         </a:effectStyle>
         <a:effectStyle>
+          <a:effectLst/>
+        </a:effectStyle>
+        <a:effectStyle>
           <a:effectLst>
-            <a:outerShdw blurRad="38100" dist="25400" dir="2700000" algn="br" rotWithShape="0">
+            <a:outerShdw blurRad="57150" dist="19050" dir="5400000" algn="ctr" rotWithShape="0">
               <a:srgbClr val="000000">
-                <a:alpha val="60000"/>
+                <a:alpha val="63000"/>
               </a:srgbClr>
             </a:outerShdw>
           </a:effectLst>
-        </a:effectStyle>
-        <a:effectStyle>
-          <a:effectLst>
-            <a:outerShdw blurRad="44450" dist="25400" dir="2700000" algn="br" rotWithShape="0">
-              <a:srgbClr val="000000">
-                <a:alpha val="60000"/>
-              </a:srgbClr>
-            </a:outerShdw>
-          </a:effectLst>
-          <a:scene3d>
-            <a:camera prst="orthographicFront">
-              <a:rot lat="0" lon="0" rev="0"/>
-            </a:camera>
-            <a:lightRig rig="threePt" dir="t">
-              <a:rot lat="0" lon="0" rev="19800000"/>
-            </a:lightRig>
-          </a:scene3d>
-          <a:sp3d prstMaterial="flat">
-            <a:bevelT w="25400" h="31750"/>
-          </a:sp3d>
         </a:effectStyle>
       </a:effectStyleLst>
       <a:bgFillStyleLst>
@@ -5785,36 +9469,36 @@
         </a:solidFill>
         <a:solidFill>
           <a:schemeClr val="phClr">
-            <a:tint val="90000"/>
-            <a:shade val="97000"/>
-            <a:satMod val="130000"/>
+            <a:tint val="95000"/>
+            <a:satMod val="170000"/>
           </a:schemeClr>
         </a:solidFill>
         <a:gradFill rotWithShape="1">
           <a:gsLst>
             <a:gs pos="0">
               <a:schemeClr val="phClr">
-                <a:tint val="96000"/>
-                <a:shade val="99000"/>
-                <a:satMod val="140000"/>
+                <a:tint val="93000"/>
+                <a:satMod val="150000"/>
+                <a:shade val="98000"/>
+                <a:lumMod val="102000"/>
               </a:schemeClr>
             </a:gs>
-            <a:gs pos="65000">
+            <a:gs pos="50000">
               <a:schemeClr val="phClr">
-                <a:tint val="100000"/>
-                <a:shade val="80000"/>
+                <a:tint val="98000"/>
                 <a:satMod val="130000"/>
+                <a:shade val="90000"/>
+                <a:lumMod val="103000"/>
               </a:schemeClr>
             </a:gs>
             <a:gs pos="100000">
               <a:schemeClr val="phClr">
-                <a:tint val="100000"/>
-                <a:shade val="48000"/>
+                <a:shade val="63000"/>
                 <a:satMod val="120000"/>
               </a:schemeClr>
             </a:gs>
           </a:gsLst>
-          <a:lin ang="16200000" scaled="0"/>
+          <a:lin ang="5400000" scaled="0"/>
         </a:gradFill>
       </a:bgFillStyleLst>
     </a:fmtScheme>
@@ -5823,7 +9507,7 @@
   <a:extraClrSchemeLst/>
   <a:extLst>
     <a:ext uri="{05A4C25C-085E-4340-85A3-A5531E510DB2}">
-      <thm15:themeFamily xmlns:thm15="http://schemas.microsoft.com/office/thememl/2012/main" name="Retrospect" id="{5F128B03-DCCA-4EEB-AB3B-CF2899314A46}" vid="{3F1AAB62-24C6-49D2-8E01-B56FAC9A3DCD}"/>
+      <thm15:themeFamily xmlns:thm15="http://schemas.microsoft.com/office/thememl/2012/main" name="Office Theme" id="{62F939B6-93AF-4DB8-9C6B-D6C7DFDC589F}" vid="{4A3C46E8-61CC-4603-A589-7422A47A8E4A}"/>
     </a:ext>
   </a:extLst>
 </a:theme>

--- a/begininPP.pptx
+++ b/begininPP.pptx
@@ -17,20 +17,24 @@
     <p:sldId id="277" r:id="rId11"/>
     <p:sldId id="278" r:id="rId12"/>
     <p:sldId id="272" r:id="rId13"/>
-    <p:sldId id="273" r:id="rId14"/>
-    <p:sldId id="279" r:id="rId15"/>
-    <p:sldId id="274" r:id="rId16"/>
-    <p:sldId id="275" r:id="rId17"/>
-    <p:sldId id="280" r:id="rId18"/>
-    <p:sldId id="281" r:id="rId19"/>
-    <p:sldId id="276" r:id="rId20"/>
-    <p:sldId id="265" r:id="rId21"/>
-    <p:sldId id="264" r:id="rId22"/>
-    <p:sldId id="269" r:id="rId23"/>
-    <p:sldId id="267" r:id="rId24"/>
-    <p:sldId id="266" r:id="rId25"/>
-    <p:sldId id="270" r:id="rId26"/>
-    <p:sldId id="271" r:id="rId27"/>
+    <p:sldId id="282" r:id="rId14"/>
+    <p:sldId id="283" r:id="rId15"/>
+    <p:sldId id="273" r:id="rId16"/>
+    <p:sldId id="284" r:id="rId17"/>
+    <p:sldId id="285" r:id="rId18"/>
+    <p:sldId id="279" r:id="rId19"/>
+    <p:sldId id="274" r:id="rId20"/>
+    <p:sldId id="275" r:id="rId21"/>
+    <p:sldId id="280" r:id="rId22"/>
+    <p:sldId id="281" r:id="rId23"/>
+    <p:sldId id="276" r:id="rId24"/>
+    <p:sldId id="265" r:id="rId25"/>
+    <p:sldId id="264" r:id="rId26"/>
+    <p:sldId id="269" r:id="rId27"/>
+    <p:sldId id="267" r:id="rId28"/>
+    <p:sldId id="266" r:id="rId29"/>
+    <p:sldId id="270" r:id="rId30"/>
+    <p:sldId id="271" r:id="rId31"/>
   </p:sldIdLst>
   <p:sldSz cx="12192000" cy="6858000"/>
   <p:notesSz cx="6858000" cy="9144000"/>
@@ -3023,11 +3027,7 @@
             </a:pPr>
             <a:r>
               <a:rPr lang="pt-PT" dirty="0" smtClean="0"/>
-              <a:t>BGUM – Gestão de Base de </a:t>
-            </a:r>
-            <a:r>
-              <a:rPr lang="pt-PT" dirty="0" smtClean="0"/>
-              <a:t>dados</a:t>
+              <a:t>BGUM – Gestão de Base de dados</a:t>
             </a:r>
             <a:br>
               <a:rPr lang="pt-PT" dirty="0" smtClean="0"/>
@@ -3334,13 +3334,8 @@
             <a:pPr algn="r"/>
             <a:r>
               <a:rPr lang="pt-PT" sz="1600" dirty="0"/>
-              <a:t>Mariana Carvalho </a:t>
-            </a:r>
-            <a:r>
-              <a:rPr lang="pt-PT" sz="1600" dirty="0"/>
-              <a:t>a67635</a:t>
-            </a:r>
-            <a:endParaRPr lang="pt-PT" sz="1600" dirty="0"/>
+              <a:t>Mariana Carvalho a67635</a:t>
+            </a:r>
           </a:p>
           <a:p>
             <a:pPr algn="r">
@@ -3358,13 +3353,8 @@
             </a:r>
             <a:r>
               <a:rPr lang="pt-PT" sz="1600" dirty="0"/>
-              <a:t>a</a:t>
-            </a:r>
-            <a:r>
-              <a:rPr lang="pt-PT" sz="1600" dirty="0"/>
-              <a:t>61778</a:t>
-            </a:r>
-            <a:endParaRPr lang="pt-PT" sz="1600" dirty="0"/>
+              <a:t>a61778</a:t>
+            </a:r>
           </a:p>
           <a:p>
             <a:pPr algn="r"/>
@@ -4785,42 +4775,70 @@
           <a:bodyPr/>
           <a:lstStyle/>
           <a:p>
+            <a:pPr marL="514350" indent="-514350">
+              <a:buFont typeface="+mj-lt"/>
+              <a:buAutoNum type="arabicPeriod"/>
+            </a:pPr>
             <a:r>
               <a:rPr lang="pt-PT" dirty="0" smtClean="0"/>
               <a:t>Livro</a:t>
             </a:r>
           </a:p>
           <a:p>
+            <a:pPr marL="514350" indent="-514350">
+              <a:buFont typeface="+mj-lt"/>
+              <a:buAutoNum type="arabicPeriod"/>
+            </a:pPr>
             <a:r>
               <a:rPr lang="pt-PT" dirty="0" smtClean="0"/>
               <a:t>Autor e Editora</a:t>
             </a:r>
           </a:p>
           <a:p>
+            <a:pPr marL="514350" indent="-514350">
+              <a:buFont typeface="+mj-lt"/>
+              <a:buAutoNum type="arabicPeriod"/>
+            </a:pPr>
             <a:r>
               <a:rPr lang="pt-PT" dirty="0" smtClean="0"/>
               <a:t>Exemplar e Utilizador</a:t>
             </a:r>
           </a:p>
           <a:p>
+            <a:pPr marL="514350" indent="-514350">
+              <a:buFont typeface="+mj-lt"/>
+              <a:buAutoNum type="arabicPeriod"/>
+            </a:pPr>
             <a:r>
               <a:rPr lang="pt-PT" dirty="0" smtClean="0"/>
               <a:t>Utilizador</a:t>
             </a:r>
           </a:p>
           <a:p>
+            <a:pPr marL="514350" indent="-514350">
+              <a:buFont typeface="+mj-lt"/>
+              <a:buAutoNum type="arabicPeriod"/>
+            </a:pPr>
             <a:r>
               <a:rPr lang="pt-PT" dirty="0" smtClean="0"/>
               <a:t>Requisições</a:t>
             </a:r>
           </a:p>
           <a:p>
+            <a:pPr marL="514350" indent="-514350">
+              <a:buFont typeface="+mj-lt"/>
+              <a:buAutoNum type="arabicPeriod"/>
+            </a:pPr>
             <a:r>
               <a:rPr lang="pt-PT" dirty="0" smtClean="0"/>
               <a:t>Localização</a:t>
             </a:r>
           </a:p>
           <a:p>
+            <a:pPr marL="514350" indent="-514350">
+              <a:buFont typeface="+mj-lt"/>
+              <a:buAutoNum type="arabicPeriod"/>
+            </a:pPr>
             <a:r>
               <a:rPr lang="pt-PT" dirty="0" smtClean="0"/>
               <a:t>Coleção</a:t>
@@ -5267,29 +5285,6 @@
       </p:grpSpPr>
       <p:sp>
         <p:nvSpPr>
-          <p:cNvPr id="2" name="Título 1"/>
-          <p:cNvSpPr>
-            <a:spLocks noGrp="1"/>
-          </p:cNvSpPr>
-          <p:nvPr>
-            <p:ph type="title"/>
-          </p:nvPr>
-        </p:nvSpPr>
-        <p:spPr/>
-        <p:txBody>
-          <a:bodyPr/>
-          <a:lstStyle/>
-          <a:p>
-            <a:r>
-              <a:rPr lang="pt-PT" dirty="0" smtClean="0"/>
-              <a:t>Identificação dos Relacionamentos</a:t>
-            </a:r>
-            <a:endParaRPr lang="en-US" dirty="0"/>
-          </a:p>
-        </p:txBody>
-      </p:sp>
-      <p:sp>
-        <p:nvSpPr>
           <p:cNvPr id="3" name="Marcador de Posição de Conteúdo 2"/>
           <p:cNvSpPr>
             <a:spLocks noGrp="1"/>
@@ -5298,102 +5293,715 @@
             <p:ph idx="1"/>
           </p:nvPr>
         </p:nvSpPr>
-        <p:spPr/>
-        <p:txBody>
-          <a:bodyPr/>
+        <p:spPr>
+          <a:xfrm>
+            <a:off x="1676400" y="1575743"/>
+            <a:ext cx="10515600" cy="490318"/>
+          </a:xfrm>
+        </p:spPr>
+        <p:txBody>
+          <a:bodyPr>
+            <a:normAutofit fontScale="92500"/>
+          </a:bodyPr>
           <a:lstStyle/>
           <a:p>
-            <a:pPr marL="514350" indent="-514350">
-              <a:buFont typeface="+mj-lt"/>
-              <a:buAutoNum type="arabicPeriod"/>
-            </a:pPr>
-            <a:r>
-              <a:rPr lang="pt-PT" dirty="0" smtClean="0"/>
-              <a:t>Livro-Autor</a:t>
-            </a:r>
-          </a:p>
-          <a:p>
-            <a:pPr marL="514350" indent="-514350">
-              <a:buFont typeface="+mj-lt"/>
-              <a:buAutoNum type="arabicPeriod"/>
-            </a:pPr>
-            <a:r>
-              <a:rPr lang="pt-PT" dirty="0" smtClean="0"/>
-              <a:t>Livro-Editora</a:t>
-            </a:r>
-          </a:p>
-          <a:p>
-            <a:pPr marL="514350" indent="-514350">
-              <a:buFont typeface="+mj-lt"/>
-              <a:buAutoNum type="arabicPeriod"/>
-            </a:pPr>
-            <a:r>
-              <a:rPr lang="pt-PT" dirty="0" smtClean="0"/>
-              <a:t>Livro-Exemplar</a:t>
-            </a:r>
-          </a:p>
-          <a:p>
-            <a:pPr marL="514350" indent="-514350">
-              <a:buFont typeface="+mj-lt"/>
-              <a:buAutoNum type="arabicPeriod"/>
-            </a:pPr>
-            <a:r>
-              <a:rPr lang="pt-PT" dirty="0" smtClean="0"/>
-              <a:t>Exemplar-Requisição</a:t>
-            </a:r>
-          </a:p>
-          <a:p>
-            <a:pPr marL="514350" indent="-514350">
-              <a:buFont typeface="+mj-lt"/>
-              <a:buAutoNum type="arabicPeriod"/>
-            </a:pPr>
-            <a:r>
-              <a:rPr lang="pt-PT" dirty="0" smtClean="0"/>
-              <a:t>Exemplar-Utilizador</a:t>
-            </a:r>
-          </a:p>
-          <a:p>
-            <a:pPr marL="514350" indent="-514350">
-              <a:buFont typeface="+mj-lt"/>
-              <a:buAutoNum type="arabicPeriod"/>
-            </a:pPr>
-            <a:r>
-              <a:rPr lang="pt-PT" dirty="0" smtClean="0"/>
-              <a:t>Exemplar-Localização</a:t>
-            </a:r>
-          </a:p>
-          <a:p>
-            <a:pPr marL="514350" indent="-514350">
-              <a:buFont typeface="+mj-lt"/>
-              <a:buAutoNum type="arabicPeriod"/>
-            </a:pPr>
-            <a:r>
-              <a:rPr lang="pt-PT" dirty="0" smtClean="0"/>
-              <a:t>Requisição-Utilizador</a:t>
-            </a:r>
-          </a:p>
-          <a:p>
-            <a:pPr marL="514350" indent="-514350">
-              <a:buFont typeface="+mj-lt"/>
-              <a:buAutoNum type="arabicPeriod"/>
-            </a:pPr>
-            <a:r>
-              <a:rPr lang="pt-PT" dirty="0" smtClean="0"/>
-              <a:t>Coleção-Livro</a:t>
-            </a:r>
-          </a:p>
-          <a:p>
+            <a:r>
+              <a:rPr lang="pt-PT" dirty="0" smtClean="0"/>
+              <a:t>1. Livro: consulta e gestão de requisições/reservas feitas pelos utentes</a:t>
+            </a:r>
+            <a:endParaRPr lang="en-US" dirty="0"/>
+          </a:p>
+        </p:txBody>
+      </p:sp>
+      <p:pic>
+        <p:nvPicPr>
+          <p:cNvPr id="4" name="Picture 4" descr="http://pngimg.com/upload/book_PNG2116.png"/>
+          <p:cNvPicPr>
+            <a:picLocks noChangeAspect="1" noChangeArrowheads="1"/>
+          </p:cNvPicPr>
+          <p:nvPr/>
+        </p:nvPicPr>
+        <p:blipFill>
+          <a:blip r:embed="rId2" cstate="print">
+            <a:extLst>
+              <a:ext uri="{28A0092B-C50C-407E-A947-70E740481C1C}">
+                <a14:useLocalDpi xmlns:a14="http://schemas.microsoft.com/office/drawing/2010/main" val="0"/>
+              </a:ext>
+            </a:extLst>
+          </a:blip>
+          <a:srcRect/>
+          <a:stretch>
+            <a:fillRect/>
+          </a:stretch>
+        </p:blipFill>
+        <p:spPr bwMode="auto">
+          <a:xfrm>
+            <a:off x="422059" y="365125"/>
+            <a:ext cx="1738046" cy="1355676"/>
+          </a:xfrm>
+          <a:prstGeom prst="rect">
+            <a:avLst/>
+          </a:prstGeom>
+          <a:noFill/>
+          <a:extLst>
+            <a:ext uri="{909E8E84-426E-40DD-AFC4-6F175D3DCCD1}">
+              <a14:hiddenFill xmlns:a14="http://schemas.microsoft.com/office/drawing/2010/main">
+                <a:solidFill>
+                  <a:srgbClr val="FFFFFF"/>
+                </a:solidFill>
+              </a14:hiddenFill>
+            </a:ext>
+          </a:extLst>
+        </p:spPr>
+      </p:pic>
+      <p:pic>
+        <p:nvPicPr>
+          <p:cNvPr id="5" name="Picture 6" descr="http://upload.wikimedia.org/wikipedia/commons/3/3f/Der_Autor.jpg"/>
+          <p:cNvPicPr>
+            <a:picLocks noChangeAspect="1" noChangeArrowheads="1"/>
+          </p:cNvPicPr>
+          <p:nvPr/>
+        </p:nvPicPr>
+        <p:blipFill>
+          <a:blip r:embed="rId3" cstate="print">
+            <a:extLst>
+              <a:ext uri="{28A0092B-C50C-407E-A947-70E740481C1C}">
+                <a14:useLocalDpi xmlns:a14="http://schemas.microsoft.com/office/drawing/2010/main" val="0"/>
+              </a:ext>
+            </a:extLst>
+          </a:blip>
+          <a:srcRect/>
+          <a:stretch>
+            <a:fillRect/>
+          </a:stretch>
+        </p:blipFill>
+        <p:spPr bwMode="auto">
+          <a:xfrm>
+            <a:off x="422059" y="2840941"/>
+            <a:ext cx="1317624" cy="896664"/>
+          </a:xfrm>
+          <a:prstGeom prst="rect">
+            <a:avLst/>
+          </a:prstGeom>
+          <a:noFill/>
+          <a:extLst>
+            <a:ext uri="{909E8E84-426E-40DD-AFC4-6F175D3DCCD1}">
+              <a14:hiddenFill xmlns:a14="http://schemas.microsoft.com/office/drawing/2010/main">
+                <a:solidFill>
+                  <a:srgbClr val="FFFFFF"/>
+                </a:solidFill>
+              </a14:hiddenFill>
+            </a:ext>
+          </a:extLst>
+        </p:spPr>
+      </p:pic>
+      <p:pic>
+        <p:nvPicPr>
+          <p:cNvPr id="6" name="Picture 8" descr="http://diariodigital.sapo.pt/images_content/2013/PortoEditoraLogo.jpg"/>
+          <p:cNvPicPr>
+            <a:picLocks noChangeAspect="1" noChangeArrowheads="1"/>
+          </p:cNvPicPr>
+          <p:nvPr/>
+        </p:nvPicPr>
+        <p:blipFill>
+          <a:blip r:embed="rId4" cstate="print">
+            <a:extLst>
+              <a:ext uri="{28A0092B-C50C-407E-A947-70E740481C1C}">
+                <a14:useLocalDpi xmlns:a14="http://schemas.microsoft.com/office/drawing/2010/main" val="0"/>
+              </a:ext>
+            </a:extLst>
+          </a:blip>
+          <a:srcRect/>
+          <a:stretch>
+            <a:fillRect/>
+          </a:stretch>
+        </p:blipFill>
+        <p:spPr bwMode="auto">
+          <a:xfrm>
+            <a:off x="1676400" y="2471450"/>
+            <a:ext cx="1349334" cy="579042"/>
+          </a:xfrm>
+          <a:prstGeom prst="rect">
+            <a:avLst/>
+          </a:prstGeom>
+          <a:noFill/>
+          <a:extLst>
+            <a:ext uri="{909E8E84-426E-40DD-AFC4-6F175D3DCCD1}">
+              <a14:hiddenFill xmlns:a14="http://schemas.microsoft.com/office/drawing/2010/main">
+                <a:solidFill>
+                  <a:srgbClr val="FFFFFF"/>
+                </a:solidFill>
+              </a14:hiddenFill>
+            </a:ext>
+          </a:extLst>
+        </p:spPr>
+      </p:pic>
+      <p:sp>
+        <p:nvSpPr>
+          <p:cNvPr id="7" name="Marcador de Posição de Conteúdo 2"/>
+          <p:cNvSpPr txBox="1">
+            <a:spLocks/>
+          </p:cNvSpPr>
+          <p:nvPr/>
+        </p:nvSpPr>
+        <p:spPr>
+          <a:xfrm>
+            <a:off x="1676400" y="3174824"/>
+            <a:ext cx="10515600" cy="1337662"/>
+          </a:xfrm>
+          <a:prstGeom prst="rect">
+            <a:avLst/>
+          </a:prstGeom>
+        </p:spPr>
+        <p:txBody>
+          <a:bodyPr vert="horz" lIns="91440" tIns="45720" rIns="91440" bIns="45720" rtlCol="0">
+            <a:normAutofit fontScale="92500"/>
+          </a:bodyPr>
+          <a:lstStyle>
+            <a:lvl1pPr marL="228600" indent="-228600" algn="l" defTabSz="914400" rtl="0" eaLnBrk="1" latinLnBrk="0" hangingPunct="1">
+              <a:lnSpc>
+                <a:spcPct val="90000"/>
+              </a:lnSpc>
+              <a:spcBef>
+                <a:spcPts val="1000"/>
+              </a:spcBef>
+              <a:buFont typeface="Arial" panose="020B0604020202020204" pitchFamily="34" charset="0"/>
+              <a:buChar char="•"/>
+              <a:defRPr sz="2800" kern="1200">
+                <a:solidFill>
+                  <a:schemeClr val="tx1"/>
+                </a:solidFill>
+                <a:latin typeface="+mn-lt"/>
+                <a:ea typeface="+mn-ea"/>
+                <a:cs typeface="+mn-cs"/>
+              </a:defRPr>
+            </a:lvl1pPr>
+            <a:lvl2pPr marL="685800" indent="-228600" algn="l" defTabSz="914400" rtl="0" eaLnBrk="1" latinLnBrk="0" hangingPunct="1">
+              <a:lnSpc>
+                <a:spcPct val="90000"/>
+              </a:lnSpc>
+              <a:spcBef>
+                <a:spcPts val="500"/>
+              </a:spcBef>
+              <a:buFont typeface="Arial" panose="020B0604020202020204" pitchFamily="34" charset="0"/>
+              <a:buChar char="•"/>
+              <a:defRPr sz="2400" kern="1200">
+                <a:solidFill>
+                  <a:schemeClr val="tx1"/>
+                </a:solidFill>
+                <a:latin typeface="+mn-lt"/>
+                <a:ea typeface="+mn-ea"/>
+                <a:cs typeface="+mn-cs"/>
+              </a:defRPr>
+            </a:lvl2pPr>
+            <a:lvl3pPr marL="1143000" indent="-228600" algn="l" defTabSz="914400" rtl="0" eaLnBrk="1" latinLnBrk="0" hangingPunct="1">
+              <a:lnSpc>
+                <a:spcPct val="90000"/>
+              </a:lnSpc>
+              <a:spcBef>
+                <a:spcPts val="500"/>
+              </a:spcBef>
+              <a:buFont typeface="Arial" panose="020B0604020202020204" pitchFamily="34" charset="0"/>
+              <a:buChar char="•"/>
+              <a:defRPr sz="2000" kern="1200">
+                <a:solidFill>
+                  <a:schemeClr val="tx1"/>
+                </a:solidFill>
+                <a:latin typeface="+mn-lt"/>
+                <a:ea typeface="+mn-ea"/>
+                <a:cs typeface="+mn-cs"/>
+              </a:defRPr>
+            </a:lvl3pPr>
+            <a:lvl4pPr marL="1600200" indent="-228600" algn="l" defTabSz="914400" rtl="0" eaLnBrk="1" latinLnBrk="0" hangingPunct="1">
+              <a:lnSpc>
+                <a:spcPct val="90000"/>
+              </a:lnSpc>
+              <a:spcBef>
+                <a:spcPts val="500"/>
+              </a:spcBef>
+              <a:buFont typeface="Arial" panose="020B0604020202020204" pitchFamily="34" charset="0"/>
+              <a:buChar char="•"/>
+              <a:defRPr sz="1800" kern="1200">
+                <a:solidFill>
+                  <a:schemeClr val="tx1"/>
+                </a:solidFill>
+                <a:latin typeface="+mn-lt"/>
+                <a:ea typeface="+mn-ea"/>
+                <a:cs typeface="+mn-cs"/>
+              </a:defRPr>
+            </a:lvl4pPr>
+            <a:lvl5pPr marL="2057400" indent="-228600" algn="l" defTabSz="914400" rtl="0" eaLnBrk="1" latinLnBrk="0" hangingPunct="1">
+              <a:lnSpc>
+                <a:spcPct val="90000"/>
+              </a:lnSpc>
+              <a:spcBef>
+                <a:spcPts val="500"/>
+              </a:spcBef>
+              <a:buFont typeface="Arial" panose="020B0604020202020204" pitchFamily="34" charset="0"/>
+              <a:buChar char="•"/>
+              <a:defRPr sz="1800" kern="1200">
+                <a:solidFill>
+                  <a:schemeClr val="tx1"/>
+                </a:solidFill>
+                <a:latin typeface="+mn-lt"/>
+                <a:ea typeface="+mn-ea"/>
+                <a:cs typeface="+mn-cs"/>
+              </a:defRPr>
+            </a:lvl5pPr>
+            <a:lvl6pPr marL="2514600" indent="-228600" algn="l" defTabSz="914400" rtl="0" eaLnBrk="1" latinLnBrk="0" hangingPunct="1">
+              <a:lnSpc>
+                <a:spcPct val="90000"/>
+              </a:lnSpc>
+              <a:spcBef>
+                <a:spcPts val="500"/>
+              </a:spcBef>
+              <a:buFont typeface="Arial" panose="020B0604020202020204" pitchFamily="34" charset="0"/>
+              <a:buChar char="•"/>
+              <a:defRPr sz="1800" kern="1200">
+                <a:solidFill>
+                  <a:schemeClr val="tx1"/>
+                </a:solidFill>
+                <a:latin typeface="+mn-lt"/>
+                <a:ea typeface="+mn-ea"/>
+                <a:cs typeface="+mn-cs"/>
+              </a:defRPr>
+            </a:lvl6pPr>
+            <a:lvl7pPr marL="2971800" indent="-228600" algn="l" defTabSz="914400" rtl="0" eaLnBrk="1" latinLnBrk="0" hangingPunct="1">
+              <a:lnSpc>
+                <a:spcPct val="90000"/>
+              </a:lnSpc>
+              <a:spcBef>
+                <a:spcPts val="500"/>
+              </a:spcBef>
+              <a:buFont typeface="Arial" panose="020B0604020202020204" pitchFamily="34" charset="0"/>
+              <a:buChar char="•"/>
+              <a:defRPr sz="1800" kern="1200">
+                <a:solidFill>
+                  <a:schemeClr val="tx1"/>
+                </a:solidFill>
+                <a:latin typeface="+mn-lt"/>
+                <a:ea typeface="+mn-ea"/>
+                <a:cs typeface="+mn-cs"/>
+              </a:defRPr>
+            </a:lvl7pPr>
+            <a:lvl8pPr marL="3429000" indent="-228600" algn="l" defTabSz="914400" rtl="0" eaLnBrk="1" latinLnBrk="0" hangingPunct="1">
+              <a:lnSpc>
+                <a:spcPct val="90000"/>
+              </a:lnSpc>
+              <a:spcBef>
+                <a:spcPts val="500"/>
+              </a:spcBef>
+              <a:buFont typeface="Arial" panose="020B0604020202020204" pitchFamily="34" charset="0"/>
+              <a:buChar char="•"/>
+              <a:defRPr sz="1800" kern="1200">
+                <a:solidFill>
+                  <a:schemeClr val="tx1"/>
+                </a:solidFill>
+                <a:latin typeface="+mn-lt"/>
+                <a:ea typeface="+mn-ea"/>
+                <a:cs typeface="+mn-cs"/>
+              </a:defRPr>
+            </a:lvl8pPr>
+            <a:lvl9pPr marL="3886200" indent="-228600" algn="l" defTabSz="914400" rtl="0" eaLnBrk="1" latinLnBrk="0" hangingPunct="1">
+              <a:lnSpc>
+                <a:spcPct val="90000"/>
+              </a:lnSpc>
+              <a:spcBef>
+                <a:spcPts val="500"/>
+              </a:spcBef>
+              <a:buFont typeface="Arial" panose="020B0604020202020204" pitchFamily="34" charset="0"/>
+              <a:buChar char="•"/>
+              <a:defRPr sz="1800" kern="1200">
+                <a:solidFill>
+                  <a:schemeClr val="tx1"/>
+                </a:solidFill>
+                <a:latin typeface="+mn-lt"/>
+                <a:ea typeface="+mn-ea"/>
+                <a:cs typeface="+mn-cs"/>
+              </a:defRPr>
+            </a:lvl9pPr>
+          </a:lstStyle>
+          <a:p>
+            <a:r>
+              <a:rPr lang="pt-PT" dirty="0"/>
+              <a:t>2</a:t>
+            </a:r>
+            <a:r>
+              <a:rPr lang="pt-PT" dirty="0" smtClean="0"/>
+              <a:t>. Escritor e Editora: prevenir duplicação de dados e evitar redundância; </a:t>
+            </a:r>
+            <a:br>
+              <a:rPr lang="pt-PT" dirty="0" smtClean="0"/>
+            </a:br>
+            <a:r>
+              <a:rPr lang="pt-PT" dirty="0" smtClean="0"/>
+              <a:t>Podiam ser atributos mas são entidades pois a editora </a:t>
+            </a:r>
+            <a:r>
+              <a:rPr lang="pt-PT" dirty="0" err="1" smtClean="0"/>
+              <a:t>tamb</a:t>
+            </a:r>
+            <a:r>
+              <a:rPr lang="en-US" dirty="0" err="1" smtClean="0"/>
+              <a:t>ém</a:t>
+            </a:r>
+            <a:r>
+              <a:rPr lang="en-US" dirty="0" smtClean="0"/>
+              <a:t> </a:t>
+            </a:r>
+            <a:r>
+              <a:rPr lang="en-US" dirty="0" err="1" smtClean="0"/>
+              <a:t>pode</a:t>
+            </a:r>
+            <a:r>
+              <a:rPr lang="en-US" dirty="0" smtClean="0"/>
+              <a:t> </a:t>
+            </a:r>
+            <a:r>
+              <a:rPr lang="en-US" dirty="0" err="1" smtClean="0"/>
+              <a:t>ter</a:t>
+            </a:r>
+            <a:r>
+              <a:rPr lang="en-US" dirty="0" smtClean="0"/>
+              <a:t> </a:t>
+            </a:r>
+            <a:r>
+              <a:rPr lang="en-US" dirty="0" err="1" smtClean="0"/>
+              <a:t>muitas</a:t>
+            </a:r>
+            <a:r>
+              <a:rPr lang="en-US" dirty="0" smtClean="0"/>
+              <a:t> </a:t>
+            </a:r>
+            <a:r>
+              <a:rPr lang="en-US" dirty="0" err="1" smtClean="0"/>
+              <a:t>publicações</a:t>
+            </a:r>
+            <a:r>
+              <a:rPr lang="en-US" dirty="0"/>
+              <a:t> </a:t>
+            </a:r>
+            <a:r>
+              <a:rPr lang="en-US" dirty="0" smtClean="0"/>
+              <a:t>-&gt; </a:t>
+            </a:r>
+            <a:r>
+              <a:rPr lang="en-US" dirty="0" err="1" smtClean="0"/>
+              <a:t>redundâncias</a:t>
+            </a:r>
             <a:endParaRPr lang="pt-PT" dirty="0" smtClean="0"/>
           </a:p>
-          <a:p>
-            <a:endParaRPr lang="en-US" dirty="0"/>
+        </p:txBody>
+      </p:sp>
+      <p:pic>
+        <p:nvPicPr>
+          <p:cNvPr id="8" name="Picture 10" descr="http://algunsmomentos.com.br/wp-content/uploads/2014/07/garota_exemplar_Alguns_Momentos-3-2.jpg"/>
+          <p:cNvPicPr>
+            <a:picLocks noChangeAspect="1" noChangeArrowheads="1"/>
+          </p:cNvPicPr>
+          <p:nvPr/>
+        </p:nvPicPr>
+        <p:blipFill>
+          <a:blip r:embed="rId5" cstate="print">
+            <a:extLst>
+              <a:ext uri="{28A0092B-C50C-407E-A947-70E740481C1C}">
+                <a14:useLocalDpi xmlns:a14="http://schemas.microsoft.com/office/drawing/2010/main" val="0"/>
+              </a:ext>
+            </a:extLst>
+          </a:blip>
+          <a:srcRect/>
+          <a:stretch>
+            <a:fillRect/>
+          </a:stretch>
+        </p:blipFill>
+        <p:spPr bwMode="auto">
+          <a:xfrm>
+            <a:off x="493978" y="4520207"/>
+            <a:ext cx="2491409" cy="1661750"/>
+          </a:xfrm>
+          <a:prstGeom prst="roundRect">
+            <a:avLst>
+              <a:gd name="adj" fmla="val 16667"/>
+            </a:avLst>
+          </a:prstGeom>
+          <a:ln>
+            <a:noFill/>
+          </a:ln>
+          <a:effectLst>
+            <a:outerShdw blurRad="76200" dist="38100" dir="7800000" algn="tl" rotWithShape="0">
+              <a:srgbClr val="000000">
+                <a:alpha val="40000"/>
+              </a:srgbClr>
+            </a:outerShdw>
+          </a:effectLst>
+          <a:scene3d>
+            <a:camera prst="orthographicFront"/>
+            <a:lightRig rig="contrasting" dir="t">
+              <a:rot lat="0" lon="0" rev="4200000"/>
+            </a:lightRig>
+          </a:scene3d>
+          <a:sp3d prstMaterial="plastic">
+            <a:bevelT w="381000" h="114300" prst="relaxedInset"/>
+            <a:contourClr>
+              <a:srgbClr val="969696"/>
+            </a:contourClr>
+          </a:sp3d>
+          <a:extLst>
+            <a:ext uri="{909E8E84-426E-40DD-AFC4-6F175D3DCCD1}">
+              <a14:hiddenFill xmlns:a14="http://schemas.microsoft.com/office/drawing/2010/main">
+                <a:solidFill>
+                  <a:srgbClr val="FFFFFF"/>
+                </a:solidFill>
+              </a14:hiddenFill>
+            </a:ext>
+          </a:extLst>
+        </p:spPr>
+      </p:pic>
+      <p:pic>
+        <p:nvPicPr>
+          <p:cNvPr id="9" name="Picture 14" descr="http://consultoriajl.com.br/wp-content/uploads/2015/12/usuario.png"/>
+          <p:cNvPicPr>
+            <a:picLocks noChangeAspect="1" noChangeArrowheads="1"/>
+          </p:cNvPicPr>
+          <p:nvPr/>
+        </p:nvPicPr>
+        <p:blipFill>
+          <a:blip r:embed="rId6">
+            <a:extLst>
+              <a:ext uri="{28A0092B-C50C-407E-A947-70E740481C1C}">
+                <a14:useLocalDpi xmlns:a14="http://schemas.microsoft.com/office/drawing/2010/main" val="0"/>
+              </a:ext>
+            </a:extLst>
+          </a:blip>
+          <a:srcRect/>
+          <a:stretch>
+            <a:fillRect/>
+          </a:stretch>
+        </p:blipFill>
+        <p:spPr bwMode="auto">
+          <a:xfrm>
+            <a:off x="2377703" y="5351082"/>
+            <a:ext cx="1340857" cy="1340857"/>
+          </a:xfrm>
+          <a:prstGeom prst="rect">
+            <a:avLst/>
+          </a:prstGeom>
+          <a:noFill/>
+          <a:extLst>
+            <a:ext uri="{909E8E84-426E-40DD-AFC4-6F175D3DCCD1}">
+              <a14:hiddenFill xmlns:a14="http://schemas.microsoft.com/office/drawing/2010/main">
+                <a:solidFill>
+                  <a:srgbClr val="FFFFFF"/>
+                </a:solidFill>
+              </a14:hiddenFill>
+            </a:ext>
+          </a:extLst>
+        </p:spPr>
+      </p:pic>
+      <p:sp>
+        <p:nvSpPr>
+          <p:cNvPr id="10" name="Marcador de Posição de Conteúdo 2"/>
+          <p:cNvSpPr txBox="1">
+            <a:spLocks/>
+          </p:cNvSpPr>
+          <p:nvPr/>
+        </p:nvSpPr>
+        <p:spPr>
+          <a:xfrm>
+            <a:off x="3718560" y="4952417"/>
+            <a:ext cx="8214360" cy="1739521"/>
+          </a:xfrm>
+          <a:prstGeom prst="rect">
+            <a:avLst/>
+          </a:prstGeom>
+        </p:spPr>
+        <p:txBody>
+          <a:bodyPr vert="horz" lIns="91440" tIns="45720" rIns="91440" bIns="45720" rtlCol="0">
+            <a:normAutofit/>
+          </a:bodyPr>
+          <a:lstStyle>
+            <a:lvl1pPr marL="228600" indent="-228600" algn="l" defTabSz="914400" rtl="0" eaLnBrk="1" latinLnBrk="0" hangingPunct="1">
+              <a:lnSpc>
+                <a:spcPct val="90000"/>
+              </a:lnSpc>
+              <a:spcBef>
+                <a:spcPts val="1000"/>
+              </a:spcBef>
+              <a:buFont typeface="Arial" panose="020B0604020202020204" pitchFamily="34" charset="0"/>
+              <a:buChar char="•"/>
+              <a:defRPr sz="2800" kern="1200">
+                <a:solidFill>
+                  <a:schemeClr val="tx1"/>
+                </a:solidFill>
+                <a:latin typeface="+mn-lt"/>
+                <a:ea typeface="+mn-ea"/>
+                <a:cs typeface="+mn-cs"/>
+              </a:defRPr>
+            </a:lvl1pPr>
+            <a:lvl2pPr marL="685800" indent="-228600" algn="l" defTabSz="914400" rtl="0" eaLnBrk="1" latinLnBrk="0" hangingPunct="1">
+              <a:lnSpc>
+                <a:spcPct val="90000"/>
+              </a:lnSpc>
+              <a:spcBef>
+                <a:spcPts val="500"/>
+              </a:spcBef>
+              <a:buFont typeface="Arial" panose="020B0604020202020204" pitchFamily="34" charset="0"/>
+              <a:buChar char="•"/>
+              <a:defRPr sz="2400" kern="1200">
+                <a:solidFill>
+                  <a:schemeClr val="tx1"/>
+                </a:solidFill>
+                <a:latin typeface="+mn-lt"/>
+                <a:ea typeface="+mn-ea"/>
+                <a:cs typeface="+mn-cs"/>
+              </a:defRPr>
+            </a:lvl2pPr>
+            <a:lvl3pPr marL="1143000" indent="-228600" algn="l" defTabSz="914400" rtl="0" eaLnBrk="1" latinLnBrk="0" hangingPunct="1">
+              <a:lnSpc>
+                <a:spcPct val="90000"/>
+              </a:lnSpc>
+              <a:spcBef>
+                <a:spcPts val="500"/>
+              </a:spcBef>
+              <a:buFont typeface="Arial" panose="020B0604020202020204" pitchFamily="34" charset="0"/>
+              <a:buChar char="•"/>
+              <a:defRPr sz="2000" kern="1200">
+                <a:solidFill>
+                  <a:schemeClr val="tx1"/>
+                </a:solidFill>
+                <a:latin typeface="+mn-lt"/>
+                <a:ea typeface="+mn-ea"/>
+                <a:cs typeface="+mn-cs"/>
+              </a:defRPr>
+            </a:lvl3pPr>
+            <a:lvl4pPr marL="1600200" indent="-228600" algn="l" defTabSz="914400" rtl="0" eaLnBrk="1" latinLnBrk="0" hangingPunct="1">
+              <a:lnSpc>
+                <a:spcPct val="90000"/>
+              </a:lnSpc>
+              <a:spcBef>
+                <a:spcPts val="500"/>
+              </a:spcBef>
+              <a:buFont typeface="Arial" panose="020B0604020202020204" pitchFamily="34" charset="0"/>
+              <a:buChar char="•"/>
+              <a:defRPr sz="1800" kern="1200">
+                <a:solidFill>
+                  <a:schemeClr val="tx1"/>
+                </a:solidFill>
+                <a:latin typeface="+mn-lt"/>
+                <a:ea typeface="+mn-ea"/>
+                <a:cs typeface="+mn-cs"/>
+              </a:defRPr>
+            </a:lvl4pPr>
+            <a:lvl5pPr marL="2057400" indent="-228600" algn="l" defTabSz="914400" rtl="0" eaLnBrk="1" latinLnBrk="0" hangingPunct="1">
+              <a:lnSpc>
+                <a:spcPct val="90000"/>
+              </a:lnSpc>
+              <a:spcBef>
+                <a:spcPts val="500"/>
+              </a:spcBef>
+              <a:buFont typeface="Arial" panose="020B0604020202020204" pitchFamily="34" charset="0"/>
+              <a:buChar char="•"/>
+              <a:defRPr sz="1800" kern="1200">
+                <a:solidFill>
+                  <a:schemeClr val="tx1"/>
+                </a:solidFill>
+                <a:latin typeface="+mn-lt"/>
+                <a:ea typeface="+mn-ea"/>
+                <a:cs typeface="+mn-cs"/>
+              </a:defRPr>
+            </a:lvl5pPr>
+            <a:lvl6pPr marL="2514600" indent="-228600" algn="l" defTabSz="914400" rtl="0" eaLnBrk="1" latinLnBrk="0" hangingPunct="1">
+              <a:lnSpc>
+                <a:spcPct val="90000"/>
+              </a:lnSpc>
+              <a:spcBef>
+                <a:spcPts val="500"/>
+              </a:spcBef>
+              <a:buFont typeface="Arial" panose="020B0604020202020204" pitchFamily="34" charset="0"/>
+              <a:buChar char="•"/>
+              <a:defRPr sz="1800" kern="1200">
+                <a:solidFill>
+                  <a:schemeClr val="tx1"/>
+                </a:solidFill>
+                <a:latin typeface="+mn-lt"/>
+                <a:ea typeface="+mn-ea"/>
+                <a:cs typeface="+mn-cs"/>
+              </a:defRPr>
+            </a:lvl6pPr>
+            <a:lvl7pPr marL="2971800" indent="-228600" algn="l" defTabSz="914400" rtl="0" eaLnBrk="1" latinLnBrk="0" hangingPunct="1">
+              <a:lnSpc>
+                <a:spcPct val="90000"/>
+              </a:lnSpc>
+              <a:spcBef>
+                <a:spcPts val="500"/>
+              </a:spcBef>
+              <a:buFont typeface="Arial" panose="020B0604020202020204" pitchFamily="34" charset="0"/>
+              <a:buChar char="•"/>
+              <a:defRPr sz="1800" kern="1200">
+                <a:solidFill>
+                  <a:schemeClr val="tx1"/>
+                </a:solidFill>
+                <a:latin typeface="+mn-lt"/>
+                <a:ea typeface="+mn-ea"/>
+                <a:cs typeface="+mn-cs"/>
+              </a:defRPr>
+            </a:lvl7pPr>
+            <a:lvl8pPr marL="3429000" indent="-228600" algn="l" defTabSz="914400" rtl="0" eaLnBrk="1" latinLnBrk="0" hangingPunct="1">
+              <a:lnSpc>
+                <a:spcPct val="90000"/>
+              </a:lnSpc>
+              <a:spcBef>
+                <a:spcPts val="500"/>
+              </a:spcBef>
+              <a:buFont typeface="Arial" panose="020B0604020202020204" pitchFamily="34" charset="0"/>
+              <a:buChar char="•"/>
+              <a:defRPr sz="1800" kern="1200">
+                <a:solidFill>
+                  <a:schemeClr val="tx1"/>
+                </a:solidFill>
+                <a:latin typeface="+mn-lt"/>
+                <a:ea typeface="+mn-ea"/>
+                <a:cs typeface="+mn-cs"/>
+              </a:defRPr>
+            </a:lvl8pPr>
+            <a:lvl9pPr marL="3886200" indent="-228600" algn="l" defTabSz="914400" rtl="0" eaLnBrk="1" latinLnBrk="0" hangingPunct="1">
+              <a:lnSpc>
+                <a:spcPct val="90000"/>
+              </a:lnSpc>
+              <a:spcBef>
+                <a:spcPts val="500"/>
+              </a:spcBef>
+              <a:buFont typeface="Arial" panose="020B0604020202020204" pitchFamily="34" charset="0"/>
+              <a:buChar char="•"/>
+              <a:defRPr sz="1800" kern="1200">
+                <a:solidFill>
+                  <a:schemeClr val="tx1"/>
+                </a:solidFill>
+                <a:latin typeface="+mn-lt"/>
+                <a:ea typeface="+mn-ea"/>
+                <a:cs typeface="+mn-cs"/>
+              </a:defRPr>
+            </a:lvl9pPr>
+          </a:lstStyle>
+          <a:p>
+            <a:r>
+              <a:rPr lang="pt-PT" dirty="0" smtClean="0"/>
+              <a:t>3. Exemplar = cópia do livro</a:t>
+            </a:r>
+            <a:br>
+              <a:rPr lang="pt-PT" dirty="0" smtClean="0"/>
+            </a:br>
+            <a:r>
+              <a:rPr lang="pt-PT" dirty="0" smtClean="0"/>
+              <a:t>Primeiro tínhamos livro e atributo nº de cópias que seriam decrementadas MAS difícil expressar requisição/reserva de cada um…</a:t>
+            </a:r>
           </a:p>
         </p:txBody>
       </p:sp>
     </p:spTree>
     <p:extLst>
       <p:ext uri="{BB962C8B-B14F-4D97-AF65-F5344CB8AC3E}">
-        <p14:creationId xmlns:p14="http://schemas.microsoft.com/office/powerpoint/2010/main" val="1976290187"/>
+        <p14:creationId xmlns:p14="http://schemas.microsoft.com/office/powerpoint/2010/main" val="2570013343"/>
       </p:ext>
     </p:extLst>
   </p:cSld>
@@ -5422,29 +6030,6 @@
       </p:grpSpPr>
       <p:sp>
         <p:nvSpPr>
-          <p:cNvPr id="2" name="Título 1"/>
-          <p:cNvSpPr>
-            <a:spLocks noGrp="1"/>
-          </p:cNvSpPr>
-          <p:nvPr>
-            <p:ph type="title"/>
-          </p:nvPr>
-        </p:nvSpPr>
-        <p:spPr/>
-        <p:txBody>
-          <a:bodyPr/>
-          <a:lstStyle/>
-          <a:p>
-            <a:r>
-              <a:rPr lang="pt-PT" dirty="0" smtClean="0"/>
-              <a:t>Identificação dos Atributos</a:t>
-            </a:r>
-            <a:endParaRPr lang="en-US" dirty="0"/>
-          </a:p>
-        </p:txBody>
-      </p:sp>
-      <p:sp>
-        <p:nvSpPr>
           <p:cNvPr id="3" name="Marcador de Posição de Conteúdo 2"/>
           <p:cNvSpPr>
             <a:spLocks noGrp="1"/>
@@ -5453,102 +6038,816 @@
             <p:ph idx="1"/>
           </p:nvPr>
         </p:nvSpPr>
-        <p:spPr/>
-        <p:txBody>
-          <a:bodyPr>
+        <p:spPr>
+          <a:xfrm>
+            <a:off x="1736387" y="294996"/>
+            <a:ext cx="10515600" cy="1169330"/>
+          </a:xfrm>
+        </p:spPr>
+        <p:txBody>
+          <a:bodyPr/>
+          <a:lstStyle/>
+          <a:p>
+            <a:r>
+              <a:rPr lang="pt-PT" dirty="0" smtClean="0"/>
+              <a:t>Utilizador = utente da biblioteca: faz consultas sobre o sistema; participa em reservas e requisições; é identificado univocamente.</a:t>
+            </a:r>
+            <a:endParaRPr lang="en-US" dirty="0"/>
+          </a:p>
+        </p:txBody>
+      </p:sp>
+      <p:pic>
+        <p:nvPicPr>
+          <p:cNvPr id="4" name="Picture 14" descr="http://consultoriajl.com.br/wp-content/uploads/2015/12/usuario.png"/>
+          <p:cNvPicPr>
+            <a:picLocks noChangeAspect="1" noChangeArrowheads="1"/>
+          </p:cNvPicPr>
+          <p:nvPr/>
+        </p:nvPicPr>
+        <p:blipFill>
+          <a:blip r:embed="rId2">
+            <a:extLst>
+              <a:ext uri="{28A0092B-C50C-407E-A947-70E740481C1C}">
+                <a14:useLocalDpi xmlns:a14="http://schemas.microsoft.com/office/drawing/2010/main" val="0"/>
+              </a:ext>
+            </a:extLst>
+          </a:blip>
+          <a:srcRect/>
+          <a:stretch>
+            <a:fillRect/>
+          </a:stretch>
+        </p:blipFill>
+        <p:spPr bwMode="auto">
+          <a:xfrm>
+            <a:off x="342458" y="123468"/>
+            <a:ext cx="1340857" cy="1340857"/>
+          </a:xfrm>
+          <a:prstGeom prst="rect">
+            <a:avLst/>
+          </a:prstGeom>
+          <a:noFill/>
+          <a:extLst>
+            <a:ext uri="{909E8E84-426E-40DD-AFC4-6F175D3DCCD1}">
+              <a14:hiddenFill xmlns:a14="http://schemas.microsoft.com/office/drawing/2010/main">
+                <a:solidFill>
+                  <a:srgbClr val="FFFFFF"/>
+                </a:solidFill>
+              </a14:hiddenFill>
+            </a:ext>
+          </a:extLst>
+        </p:spPr>
+      </p:pic>
+      <p:pic>
+        <p:nvPicPr>
+          <p:cNvPr id="5" name="Picture 16" descr="http://www.esenviseu.net/principal/biblioteca/img/1_computador_livros%5B1%5D.gif"/>
+          <p:cNvPicPr>
+            <a:picLocks noChangeAspect="1" noChangeArrowheads="1"/>
+          </p:cNvPicPr>
+          <p:nvPr/>
+        </p:nvPicPr>
+        <p:blipFill>
+          <a:blip r:embed="rId3">
+            <a:extLst>
+              <a:ext uri="{28A0092B-C50C-407E-A947-70E740481C1C}">
+                <a14:useLocalDpi xmlns:a14="http://schemas.microsoft.com/office/drawing/2010/main" val="0"/>
+              </a:ext>
+            </a:extLst>
+          </a:blip>
+          <a:srcRect/>
+          <a:stretch>
+            <a:fillRect/>
+          </a:stretch>
+        </p:blipFill>
+        <p:spPr bwMode="auto">
+          <a:xfrm>
+            <a:off x="415778" y="1610439"/>
+            <a:ext cx="2171700" cy="1933576"/>
+          </a:xfrm>
+          <a:prstGeom prst="rect">
+            <a:avLst/>
+          </a:prstGeom>
+          <a:noFill/>
+          <a:extLst>
+            <a:ext uri="{909E8E84-426E-40DD-AFC4-6F175D3DCCD1}">
+              <a14:hiddenFill xmlns:a14="http://schemas.microsoft.com/office/drawing/2010/main">
+                <a:solidFill>
+                  <a:srgbClr val="FFFFFF"/>
+                </a:solidFill>
+              </a14:hiddenFill>
+            </a:ext>
+          </a:extLst>
+        </p:spPr>
+      </p:pic>
+      <p:sp>
+        <p:nvSpPr>
+          <p:cNvPr id="6" name="Marcador de Posição de Conteúdo 2"/>
+          <p:cNvSpPr txBox="1">
+            <a:spLocks/>
+          </p:cNvSpPr>
+          <p:nvPr/>
+        </p:nvSpPr>
+        <p:spPr>
+          <a:xfrm>
+            <a:off x="2587478" y="1867841"/>
+            <a:ext cx="4962564" cy="1719263"/>
+          </a:xfrm>
+          <a:prstGeom prst="rect">
+            <a:avLst/>
+          </a:prstGeom>
+        </p:spPr>
+        <p:txBody>
+          <a:bodyPr vert="horz" lIns="91440" tIns="45720" rIns="91440" bIns="45720" rtlCol="0">
             <a:normAutofit/>
           </a:bodyPr>
-          <a:lstStyle/>
-          <a:p>
-            <a:pPr marL="514350" indent="-514350">
-              <a:buFont typeface="+mj-lt"/>
-              <a:buAutoNum type="arabicPeriod"/>
-            </a:pPr>
-            <a:r>
-              <a:rPr lang="pt-PT" dirty="0" smtClean="0"/>
-              <a:t>Atributos do Livro</a:t>
-            </a:r>
-          </a:p>
-          <a:p>
-            <a:pPr marL="514350" indent="-514350">
-              <a:buFont typeface="+mj-lt"/>
-              <a:buAutoNum type="arabicPeriod"/>
-            </a:pPr>
-            <a:r>
-              <a:rPr lang="pt-PT" dirty="0" smtClean="0"/>
-              <a:t>Do Autor</a:t>
-            </a:r>
-          </a:p>
-          <a:p>
-            <a:pPr marL="514350" indent="-514350">
-              <a:buFont typeface="+mj-lt"/>
-              <a:buAutoNum type="arabicPeriod"/>
-            </a:pPr>
-            <a:r>
-              <a:rPr lang="pt-PT" dirty="0" smtClean="0"/>
-              <a:t>De Editora</a:t>
-            </a:r>
-          </a:p>
-          <a:p>
-            <a:pPr marL="514350" indent="-514350">
-              <a:buFont typeface="+mj-lt"/>
-              <a:buAutoNum type="arabicPeriod"/>
-            </a:pPr>
-            <a:r>
-              <a:rPr lang="pt-PT" dirty="0" smtClean="0"/>
-              <a:t>De Exemplar</a:t>
-            </a:r>
-          </a:p>
-          <a:p>
-            <a:pPr marL="514350" indent="-514350">
-              <a:buFont typeface="+mj-lt"/>
-              <a:buAutoNum type="arabicPeriod"/>
-            </a:pPr>
-            <a:r>
-              <a:rPr lang="pt-PT" dirty="0" smtClean="0"/>
-              <a:t>De Requisição</a:t>
-            </a:r>
-          </a:p>
-          <a:p>
-            <a:pPr marL="514350" indent="-514350">
-              <a:buFont typeface="+mj-lt"/>
-              <a:buAutoNum type="arabicPeriod"/>
-            </a:pPr>
-            <a:r>
-              <a:rPr lang="pt-PT" dirty="0" smtClean="0"/>
-              <a:t>De Utilizador</a:t>
-            </a:r>
-          </a:p>
-          <a:p>
-            <a:pPr marL="514350" indent="-514350">
-              <a:buFont typeface="+mj-lt"/>
-              <a:buAutoNum type="arabicPeriod"/>
-            </a:pPr>
-            <a:r>
-              <a:rPr lang="pt-PT" dirty="0" smtClean="0"/>
-              <a:t>De Localização</a:t>
-            </a:r>
-          </a:p>
-          <a:p>
-            <a:pPr marL="514350" indent="-514350">
-              <a:buFont typeface="+mj-lt"/>
-              <a:buAutoNum type="arabicPeriod"/>
-            </a:pPr>
-            <a:r>
-              <a:rPr lang="pt-PT" dirty="0" smtClean="0"/>
-              <a:t>De Coleç</a:t>
-            </a:r>
-            <a:r>
-              <a:rPr lang="en-US" dirty="0" smtClean="0"/>
-              <a:t>ão</a:t>
-            </a:r>
+          <a:lstStyle>
+            <a:lvl1pPr marL="228600" indent="-228600" algn="l" defTabSz="914400" rtl="0" eaLnBrk="1" latinLnBrk="0" hangingPunct="1">
+              <a:lnSpc>
+                <a:spcPct val="90000"/>
+              </a:lnSpc>
+              <a:spcBef>
+                <a:spcPts val="1000"/>
+              </a:spcBef>
+              <a:buFont typeface="Arial" panose="020B0604020202020204" pitchFamily="34" charset="0"/>
+              <a:buChar char="•"/>
+              <a:defRPr sz="2800" kern="1200">
+                <a:solidFill>
+                  <a:schemeClr val="tx1"/>
+                </a:solidFill>
+                <a:latin typeface="+mn-lt"/>
+                <a:ea typeface="+mn-ea"/>
+                <a:cs typeface="+mn-cs"/>
+              </a:defRPr>
+            </a:lvl1pPr>
+            <a:lvl2pPr marL="685800" indent="-228600" algn="l" defTabSz="914400" rtl="0" eaLnBrk="1" latinLnBrk="0" hangingPunct="1">
+              <a:lnSpc>
+                <a:spcPct val="90000"/>
+              </a:lnSpc>
+              <a:spcBef>
+                <a:spcPts val="500"/>
+              </a:spcBef>
+              <a:buFont typeface="Arial" panose="020B0604020202020204" pitchFamily="34" charset="0"/>
+              <a:buChar char="•"/>
+              <a:defRPr sz="2400" kern="1200">
+                <a:solidFill>
+                  <a:schemeClr val="tx1"/>
+                </a:solidFill>
+                <a:latin typeface="+mn-lt"/>
+                <a:ea typeface="+mn-ea"/>
+                <a:cs typeface="+mn-cs"/>
+              </a:defRPr>
+            </a:lvl2pPr>
+            <a:lvl3pPr marL="1143000" indent="-228600" algn="l" defTabSz="914400" rtl="0" eaLnBrk="1" latinLnBrk="0" hangingPunct="1">
+              <a:lnSpc>
+                <a:spcPct val="90000"/>
+              </a:lnSpc>
+              <a:spcBef>
+                <a:spcPts val="500"/>
+              </a:spcBef>
+              <a:buFont typeface="Arial" panose="020B0604020202020204" pitchFamily="34" charset="0"/>
+              <a:buChar char="•"/>
+              <a:defRPr sz="2000" kern="1200">
+                <a:solidFill>
+                  <a:schemeClr val="tx1"/>
+                </a:solidFill>
+                <a:latin typeface="+mn-lt"/>
+                <a:ea typeface="+mn-ea"/>
+                <a:cs typeface="+mn-cs"/>
+              </a:defRPr>
+            </a:lvl3pPr>
+            <a:lvl4pPr marL="1600200" indent="-228600" algn="l" defTabSz="914400" rtl="0" eaLnBrk="1" latinLnBrk="0" hangingPunct="1">
+              <a:lnSpc>
+                <a:spcPct val="90000"/>
+              </a:lnSpc>
+              <a:spcBef>
+                <a:spcPts val="500"/>
+              </a:spcBef>
+              <a:buFont typeface="Arial" panose="020B0604020202020204" pitchFamily="34" charset="0"/>
+              <a:buChar char="•"/>
+              <a:defRPr sz="1800" kern="1200">
+                <a:solidFill>
+                  <a:schemeClr val="tx1"/>
+                </a:solidFill>
+                <a:latin typeface="+mn-lt"/>
+                <a:ea typeface="+mn-ea"/>
+                <a:cs typeface="+mn-cs"/>
+              </a:defRPr>
+            </a:lvl4pPr>
+            <a:lvl5pPr marL="2057400" indent="-228600" algn="l" defTabSz="914400" rtl="0" eaLnBrk="1" latinLnBrk="0" hangingPunct="1">
+              <a:lnSpc>
+                <a:spcPct val="90000"/>
+              </a:lnSpc>
+              <a:spcBef>
+                <a:spcPts val="500"/>
+              </a:spcBef>
+              <a:buFont typeface="Arial" panose="020B0604020202020204" pitchFamily="34" charset="0"/>
+              <a:buChar char="•"/>
+              <a:defRPr sz="1800" kern="1200">
+                <a:solidFill>
+                  <a:schemeClr val="tx1"/>
+                </a:solidFill>
+                <a:latin typeface="+mn-lt"/>
+                <a:ea typeface="+mn-ea"/>
+                <a:cs typeface="+mn-cs"/>
+              </a:defRPr>
+            </a:lvl5pPr>
+            <a:lvl6pPr marL="2514600" indent="-228600" algn="l" defTabSz="914400" rtl="0" eaLnBrk="1" latinLnBrk="0" hangingPunct="1">
+              <a:lnSpc>
+                <a:spcPct val="90000"/>
+              </a:lnSpc>
+              <a:spcBef>
+                <a:spcPts val="500"/>
+              </a:spcBef>
+              <a:buFont typeface="Arial" panose="020B0604020202020204" pitchFamily="34" charset="0"/>
+              <a:buChar char="•"/>
+              <a:defRPr sz="1800" kern="1200">
+                <a:solidFill>
+                  <a:schemeClr val="tx1"/>
+                </a:solidFill>
+                <a:latin typeface="+mn-lt"/>
+                <a:ea typeface="+mn-ea"/>
+                <a:cs typeface="+mn-cs"/>
+              </a:defRPr>
+            </a:lvl6pPr>
+            <a:lvl7pPr marL="2971800" indent="-228600" algn="l" defTabSz="914400" rtl="0" eaLnBrk="1" latinLnBrk="0" hangingPunct="1">
+              <a:lnSpc>
+                <a:spcPct val="90000"/>
+              </a:lnSpc>
+              <a:spcBef>
+                <a:spcPts val="500"/>
+              </a:spcBef>
+              <a:buFont typeface="Arial" panose="020B0604020202020204" pitchFamily="34" charset="0"/>
+              <a:buChar char="•"/>
+              <a:defRPr sz="1800" kern="1200">
+                <a:solidFill>
+                  <a:schemeClr val="tx1"/>
+                </a:solidFill>
+                <a:latin typeface="+mn-lt"/>
+                <a:ea typeface="+mn-ea"/>
+                <a:cs typeface="+mn-cs"/>
+              </a:defRPr>
+            </a:lvl7pPr>
+            <a:lvl8pPr marL="3429000" indent="-228600" algn="l" defTabSz="914400" rtl="0" eaLnBrk="1" latinLnBrk="0" hangingPunct="1">
+              <a:lnSpc>
+                <a:spcPct val="90000"/>
+              </a:lnSpc>
+              <a:spcBef>
+                <a:spcPts val="500"/>
+              </a:spcBef>
+              <a:buFont typeface="Arial" panose="020B0604020202020204" pitchFamily="34" charset="0"/>
+              <a:buChar char="•"/>
+              <a:defRPr sz="1800" kern="1200">
+                <a:solidFill>
+                  <a:schemeClr val="tx1"/>
+                </a:solidFill>
+                <a:latin typeface="+mn-lt"/>
+                <a:ea typeface="+mn-ea"/>
+                <a:cs typeface="+mn-cs"/>
+              </a:defRPr>
+            </a:lvl8pPr>
+            <a:lvl9pPr marL="3886200" indent="-228600" algn="l" defTabSz="914400" rtl="0" eaLnBrk="1" latinLnBrk="0" hangingPunct="1">
+              <a:lnSpc>
+                <a:spcPct val="90000"/>
+              </a:lnSpc>
+              <a:spcBef>
+                <a:spcPts val="500"/>
+              </a:spcBef>
+              <a:buFont typeface="Arial" panose="020B0604020202020204" pitchFamily="34" charset="0"/>
+              <a:buChar char="•"/>
+              <a:defRPr sz="1800" kern="1200">
+                <a:solidFill>
+                  <a:schemeClr val="tx1"/>
+                </a:solidFill>
+                <a:latin typeface="+mn-lt"/>
+                <a:ea typeface="+mn-ea"/>
+                <a:cs typeface="+mn-cs"/>
+              </a:defRPr>
+            </a:lvl9pPr>
+          </a:lstStyle>
+          <a:p>
+            <a:r>
+              <a:rPr lang="pt-PT" dirty="0" smtClean="0"/>
+              <a:t>Requisições: estado próprio associado + identificador único -&gt; ENTIDADE</a:t>
+            </a:r>
+            <a:endParaRPr lang="en-US" dirty="0"/>
+          </a:p>
+        </p:txBody>
+      </p:sp>
+      <p:pic>
+        <p:nvPicPr>
+          <p:cNvPr id="7" name="Picture 28" descr="http://www.depoisdosquinze.com/wp-content/uploads/2014/03/estante-de-livros-brunavieira.jpg"/>
+          <p:cNvPicPr>
+            <a:picLocks noChangeAspect="1" noChangeArrowheads="1"/>
+          </p:cNvPicPr>
+          <p:nvPr/>
+        </p:nvPicPr>
+        <p:blipFill>
+          <a:blip r:embed="rId4" cstate="print">
+            <a:extLst>
+              <a:ext uri="{28A0092B-C50C-407E-A947-70E740481C1C}">
+                <a14:useLocalDpi xmlns:a14="http://schemas.microsoft.com/office/drawing/2010/main" val="0"/>
+              </a:ext>
+            </a:extLst>
+          </a:blip>
+          <a:srcRect/>
+          <a:stretch>
+            <a:fillRect/>
+          </a:stretch>
+        </p:blipFill>
+        <p:spPr bwMode="auto">
+          <a:xfrm>
+            <a:off x="-279421" y="4345713"/>
+            <a:ext cx="2866899" cy="1912631"/>
+          </a:xfrm>
+          <a:prstGeom prst="ellipse">
+            <a:avLst/>
+          </a:prstGeom>
+          <a:ln>
+            <a:noFill/>
+          </a:ln>
+          <a:effectLst>
+            <a:softEdge rad="112500"/>
+          </a:effectLst>
+          <a:extLst>
+            <a:ext uri="{909E8E84-426E-40DD-AFC4-6F175D3DCCD1}">
+              <a14:hiddenFill xmlns:a14="http://schemas.microsoft.com/office/drawing/2010/main">
+                <a:solidFill>
+                  <a:srgbClr val="FFFFFF"/>
+                </a:solidFill>
+              </a14:hiddenFill>
+            </a:ext>
+          </a:extLst>
+        </p:spPr>
+      </p:pic>
+      <p:sp>
+        <p:nvSpPr>
+          <p:cNvPr id="8" name="Marcador de Posição de Conteúdo 2"/>
+          <p:cNvSpPr txBox="1">
+            <a:spLocks/>
+          </p:cNvSpPr>
+          <p:nvPr/>
+        </p:nvSpPr>
+        <p:spPr>
+          <a:xfrm>
+            <a:off x="2247986" y="4409400"/>
+            <a:ext cx="8813419" cy="2097194"/>
+          </a:xfrm>
+          <a:prstGeom prst="rect">
+            <a:avLst/>
+          </a:prstGeom>
+        </p:spPr>
+        <p:txBody>
+          <a:bodyPr vert="horz" lIns="91440" tIns="45720" rIns="91440" bIns="45720" rtlCol="0">
+            <a:noAutofit/>
+          </a:bodyPr>
+          <a:lstStyle>
+            <a:lvl1pPr marL="228600" indent="-228600" algn="l" defTabSz="914400" rtl="0" eaLnBrk="1" latinLnBrk="0" hangingPunct="1">
+              <a:lnSpc>
+                <a:spcPct val="90000"/>
+              </a:lnSpc>
+              <a:spcBef>
+                <a:spcPts val="1000"/>
+              </a:spcBef>
+              <a:buFont typeface="Arial" panose="020B0604020202020204" pitchFamily="34" charset="0"/>
+              <a:buChar char="•"/>
+              <a:defRPr sz="2800" kern="1200">
+                <a:solidFill>
+                  <a:schemeClr val="tx1"/>
+                </a:solidFill>
+                <a:latin typeface="+mn-lt"/>
+                <a:ea typeface="+mn-ea"/>
+                <a:cs typeface="+mn-cs"/>
+              </a:defRPr>
+            </a:lvl1pPr>
+            <a:lvl2pPr marL="685800" indent="-228600" algn="l" defTabSz="914400" rtl="0" eaLnBrk="1" latinLnBrk="0" hangingPunct="1">
+              <a:lnSpc>
+                <a:spcPct val="90000"/>
+              </a:lnSpc>
+              <a:spcBef>
+                <a:spcPts val="500"/>
+              </a:spcBef>
+              <a:buFont typeface="Arial" panose="020B0604020202020204" pitchFamily="34" charset="0"/>
+              <a:buChar char="•"/>
+              <a:defRPr sz="2400" kern="1200">
+                <a:solidFill>
+                  <a:schemeClr val="tx1"/>
+                </a:solidFill>
+                <a:latin typeface="+mn-lt"/>
+                <a:ea typeface="+mn-ea"/>
+                <a:cs typeface="+mn-cs"/>
+              </a:defRPr>
+            </a:lvl2pPr>
+            <a:lvl3pPr marL="1143000" indent="-228600" algn="l" defTabSz="914400" rtl="0" eaLnBrk="1" latinLnBrk="0" hangingPunct="1">
+              <a:lnSpc>
+                <a:spcPct val="90000"/>
+              </a:lnSpc>
+              <a:spcBef>
+                <a:spcPts val="500"/>
+              </a:spcBef>
+              <a:buFont typeface="Arial" panose="020B0604020202020204" pitchFamily="34" charset="0"/>
+              <a:buChar char="•"/>
+              <a:defRPr sz="2000" kern="1200">
+                <a:solidFill>
+                  <a:schemeClr val="tx1"/>
+                </a:solidFill>
+                <a:latin typeface="+mn-lt"/>
+                <a:ea typeface="+mn-ea"/>
+                <a:cs typeface="+mn-cs"/>
+              </a:defRPr>
+            </a:lvl3pPr>
+            <a:lvl4pPr marL="1600200" indent="-228600" algn="l" defTabSz="914400" rtl="0" eaLnBrk="1" latinLnBrk="0" hangingPunct="1">
+              <a:lnSpc>
+                <a:spcPct val="90000"/>
+              </a:lnSpc>
+              <a:spcBef>
+                <a:spcPts val="500"/>
+              </a:spcBef>
+              <a:buFont typeface="Arial" panose="020B0604020202020204" pitchFamily="34" charset="0"/>
+              <a:buChar char="•"/>
+              <a:defRPr sz="1800" kern="1200">
+                <a:solidFill>
+                  <a:schemeClr val="tx1"/>
+                </a:solidFill>
+                <a:latin typeface="+mn-lt"/>
+                <a:ea typeface="+mn-ea"/>
+                <a:cs typeface="+mn-cs"/>
+              </a:defRPr>
+            </a:lvl4pPr>
+            <a:lvl5pPr marL="2057400" indent="-228600" algn="l" defTabSz="914400" rtl="0" eaLnBrk="1" latinLnBrk="0" hangingPunct="1">
+              <a:lnSpc>
+                <a:spcPct val="90000"/>
+              </a:lnSpc>
+              <a:spcBef>
+                <a:spcPts val="500"/>
+              </a:spcBef>
+              <a:buFont typeface="Arial" panose="020B0604020202020204" pitchFamily="34" charset="0"/>
+              <a:buChar char="•"/>
+              <a:defRPr sz="1800" kern="1200">
+                <a:solidFill>
+                  <a:schemeClr val="tx1"/>
+                </a:solidFill>
+                <a:latin typeface="+mn-lt"/>
+                <a:ea typeface="+mn-ea"/>
+                <a:cs typeface="+mn-cs"/>
+              </a:defRPr>
+            </a:lvl5pPr>
+            <a:lvl6pPr marL="2514600" indent="-228600" algn="l" defTabSz="914400" rtl="0" eaLnBrk="1" latinLnBrk="0" hangingPunct="1">
+              <a:lnSpc>
+                <a:spcPct val="90000"/>
+              </a:lnSpc>
+              <a:spcBef>
+                <a:spcPts val="500"/>
+              </a:spcBef>
+              <a:buFont typeface="Arial" panose="020B0604020202020204" pitchFamily="34" charset="0"/>
+              <a:buChar char="•"/>
+              <a:defRPr sz="1800" kern="1200">
+                <a:solidFill>
+                  <a:schemeClr val="tx1"/>
+                </a:solidFill>
+                <a:latin typeface="+mn-lt"/>
+                <a:ea typeface="+mn-ea"/>
+                <a:cs typeface="+mn-cs"/>
+              </a:defRPr>
+            </a:lvl6pPr>
+            <a:lvl7pPr marL="2971800" indent="-228600" algn="l" defTabSz="914400" rtl="0" eaLnBrk="1" latinLnBrk="0" hangingPunct="1">
+              <a:lnSpc>
+                <a:spcPct val="90000"/>
+              </a:lnSpc>
+              <a:spcBef>
+                <a:spcPts val="500"/>
+              </a:spcBef>
+              <a:buFont typeface="Arial" panose="020B0604020202020204" pitchFamily="34" charset="0"/>
+              <a:buChar char="•"/>
+              <a:defRPr sz="1800" kern="1200">
+                <a:solidFill>
+                  <a:schemeClr val="tx1"/>
+                </a:solidFill>
+                <a:latin typeface="+mn-lt"/>
+                <a:ea typeface="+mn-ea"/>
+                <a:cs typeface="+mn-cs"/>
+              </a:defRPr>
+            </a:lvl7pPr>
+            <a:lvl8pPr marL="3429000" indent="-228600" algn="l" defTabSz="914400" rtl="0" eaLnBrk="1" latinLnBrk="0" hangingPunct="1">
+              <a:lnSpc>
+                <a:spcPct val="90000"/>
+              </a:lnSpc>
+              <a:spcBef>
+                <a:spcPts val="500"/>
+              </a:spcBef>
+              <a:buFont typeface="Arial" panose="020B0604020202020204" pitchFamily="34" charset="0"/>
+              <a:buChar char="•"/>
+              <a:defRPr sz="1800" kern="1200">
+                <a:solidFill>
+                  <a:schemeClr val="tx1"/>
+                </a:solidFill>
+                <a:latin typeface="+mn-lt"/>
+                <a:ea typeface="+mn-ea"/>
+                <a:cs typeface="+mn-cs"/>
+              </a:defRPr>
+            </a:lvl8pPr>
+            <a:lvl9pPr marL="3886200" indent="-228600" algn="l" defTabSz="914400" rtl="0" eaLnBrk="1" latinLnBrk="0" hangingPunct="1">
+              <a:lnSpc>
+                <a:spcPct val="90000"/>
+              </a:lnSpc>
+              <a:spcBef>
+                <a:spcPts val="500"/>
+              </a:spcBef>
+              <a:buFont typeface="Arial" panose="020B0604020202020204" pitchFamily="34" charset="0"/>
+              <a:buChar char="•"/>
+              <a:defRPr sz="1800" kern="1200">
+                <a:solidFill>
+                  <a:schemeClr val="tx1"/>
+                </a:solidFill>
+                <a:latin typeface="+mn-lt"/>
+                <a:ea typeface="+mn-ea"/>
+                <a:cs typeface="+mn-cs"/>
+              </a:defRPr>
+            </a:lvl9pPr>
+          </a:lstStyle>
+          <a:p>
+            <a:r>
+              <a:rPr lang="pt-PT" dirty="0" smtClean="0"/>
+              <a:t>Localização: onde está o exemplar? </a:t>
+            </a:r>
+            <a:br>
+              <a:rPr lang="pt-PT" dirty="0" smtClean="0"/>
+            </a:br>
+            <a:r>
+              <a:rPr lang="pt-PT" dirty="0" smtClean="0"/>
+              <a:t>Piso? Estante? Prateleira?  </a:t>
+            </a:r>
+            <a:br>
+              <a:rPr lang="pt-PT" dirty="0" smtClean="0"/>
+            </a:br>
+            <a:r>
+              <a:rPr lang="pt-PT" dirty="0" smtClean="0"/>
+              <a:t>Funcionarias + leitores   </a:t>
+            </a:r>
+            <a:br>
+              <a:rPr lang="pt-PT" dirty="0" smtClean="0"/>
+            </a:br>
+            <a:r>
+              <a:rPr lang="pt-PT" dirty="0" smtClean="0"/>
+              <a:t>Podia ser atributo mas é ENTIDADE para evitar redundâncias</a:t>
+            </a:r>
+            <a:endParaRPr lang="en-US" dirty="0"/>
+          </a:p>
+        </p:txBody>
+      </p:sp>
+      <p:pic>
+        <p:nvPicPr>
+          <p:cNvPr id="9" name="Picture 26" descr="http://mlb-s2-p.mlstatic.com/fundamentos-da-matematica-elementar-70-livros-frete-gratis-285001-MLB20252774318_022015-O.jpg"/>
+          <p:cNvPicPr>
+            <a:picLocks noChangeAspect="1" noChangeArrowheads="1"/>
+          </p:cNvPicPr>
+          <p:nvPr/>
+        </p:nvPicPr>
+        <p:blipFill>
+          <a:blip r:embed="rId5">
+            <a:extLst>
+              <a:ext uri="{28A0092B-C50C-407E-A947-70E740481C1C}">
+                <a14:useLocalDpi xmlns:a14="http://schemas.microsoft.com/office/drawing/2010/main" val="0"/>
+              </a:ext>
+            </a:extLst>
+          </a:blip>
+          <a:srcRect/>
+          <a:stretch>
+            <a:fillRect/>
+          </a:stretch>
+        </p:blipFill>
+        <p:spPr bwMode="auto">
+          <a:xfrm>
+            <a:off x="8177631" y="1464325"/>
+            <a:ext cx="2493862" cy="1860421"/>
+          </a:xfrm>
+          <a:prstGeom prst="rect">
+            <a:avLst/>
+          </a:prstGeom>
+          <a:ln>
+            <a:noFill/>
+          </a:ln>
+          <a:effectLst>
+            <a:outerShdw blurRad="292100" dist="139700" dir="2700000" algn="tl" rotWithShape="0">
+              <a:srgbClr val="333333">
+                <a:alpha val="65000"/>
+              </a:srgbClr>
+            </a:outerShdw>
+          </a:effectLst>
+          <a:extLst>
+            <a:ext uri="{909E8E84-426E-40DD-AFC4-6F175D3DCCD1}">
+              <a14:hiddenFill xmlns:a14="http://schemas.microsoft.com/office/drawing/2010/main">
+                <a:solidFill>
+                  <a:srgbClr val="FFFFFF"/>
+                </a:solidFill>
+              </a14:hiddenFill>
+            </a:ext>
+          </a:extLst>
+        </p:spPr>
+      </p:pic>
+      <p:sp>
+        <p:nvSpPr>
+          <p:cNvPr id="10" name="Marcador de Posição de Conteúdo 2"/>
+          <p:cNvSpPr txBox="1">
+            <a:spLocks/>
+          </p:cNvSpPr>
+          <p:nvPr/>
+        </p:nvSpPr>
+        <p:spPr>
+          <a:xfrm>
+            <a:off x="7861489" y="3339273"/>
+            <a:ext cx="4094291" cy="1719263"/>
+          </a:xfrm>
+          <a:prstGeom prst="rect">
+            <a:avLst/>
+          </a:prstGeom>
+        </p:spPr>
+        <p:txBody>
+          <a:bodyPr vert="horz" lIns="91440" tIns="45720" rIns="91440" bIns="45720" rtlCol="0">
+            <a:normAutofit/>
+          </a:bodyPr>
+          <a:lstStyle>
+            <a:lvl1pPr marL="228600" indent="-228600" algn="l" defTabSz="914400" rtl="0" eaLnBrk="1" latinLnBrk="0" hangingPunct="1">
+              <a:lnSpc>
+                <a:spcPct val="90000"/>
+              </a:lnSpc>
+              <a:spcBef>
+                <a:spcPts val="1000"/>
+              </a:spcBef>
+              <a:buFont typeface="Arial" panose="020B0604020202020204" pitchFamily="34" charset="0"/>
+              <a:buChar char="•"/>
+              <a:defRPr sz="2800" kern="1200">
+                <a:solidFill>
+                  <a:schemeClr val="tx1"/>
+                </a:solidFill>
+                <a:latin typeface="+mn-lt"/>
+                <a:ea typeface="+mn-ea"/>
+                <a:cs typeface="+mn-cs"/>
+              </a:defRPr>
+            </a:lvl1pPr>
+            <a:lvl2pPr marL="685800" indent="-228600" algn="l" defTabSz="914400" rtl="0" eaLnBrk="1" latinLnBrk="0" hangingPunct="1">
+              <a:lnSpc>
+                <a:spcPct val="90000"/>
+              </a:lnSpc>
+              <a:spcBef>
+                <a:spcPts val="500"/>
+              </a:spcBef>
+              <a:buFont typeface="Arial" panose="020B0604020202020204" pitchFamily="34" charset="0"/>
+              <a:buChar char="•"/>
+              <a:defRPr sz="2400" kern="1200">
+                <a:solidFill>
+                  <a:schemeClr val="tx1"/>
+                </a:solidFill>
+                <a:latin typeface="+mn-lt"/>
+                <a:ea typeface="+mn-ea"/>
+                <a:cs typeface="+mn-cs"/>
+              </a:defRPr>
+            </a:lvl2pPr>
+            <a:lvl3pPr marL="1143000" indent="-228600" algn="l" defTabSz="914400" rtl="0" eaLnBrk="1" latinLnBrk="0" hangingPunct="1">
+              <a:lnSpc>
+                <a:spcPct val="90000"/>
+              </a:lnSpc>
+              <a:spcBef>
+                <a:spcPts val="500"/>
+              </a:spcBef>
+              <a:buFont typeface="Arial" panose="020B0604020202020204" pitchFamily="34" charset="0"/>
+              <a:buChar char="•"/>
+              <a:defRPr sz="2000" kern="1200">
+                <a:solidFill>
+                  <a:schemeClr val="tx1"/>
+                </a:solidFill>
+                <a:latin typeface="+mn-lt"/>
+                <a:ea typeface="+mn-ea"/>
+                <a:cs typeface="+mn-cs"/>
+              </a:defRPr>
+            </a:lvl3pPr>
+            <a:lvl4pPr marL="1600200" indent="-228600" algn="l" defTabSz="914400" rtl="0" eaLnBrk="1" latinLnBrk="0" hangingPunct="1">
+              <a:lnSpc>
+                <a:spcPct val="90000"/>
+              </a:lnSpc>
+              <a:spcBef>
+                <a:spcPts val="500"/>
+              </a:spcBef>
+              <a:buFont typeface="Arial" panose="020B0604020202020204" pitchFamily="34" charset="0"/>
+              <a:buChar char="•"/>
+              <a:defRPr sz="1800" kern="1200">
+                <a:solidFill>
+                  <a:schemeClr val="tx1"/>
+                </a:solidFill>
+                <a:latin typeface="+mn-lt"/>
+                <a:ea typeface="+mn-ea"/>
+                <a:cs typeface="+mn-cs"/>
+              </a:defRPr>
+            </a:lvl4pPr>
+            <a:lvl5pPr marL="2057400" indent="-228600" algn="l" defTabSz="914400" rtl="0" eaLnBrk="1" latinLnBrk="0" hangingPunct="1">
+              <a:lnSpc>
+                <a:spcPct val="90000"/>
+              </a:lnSpc>
+              <a:spcBef>
+                <a:spcPts val="500"/>
+              </a:spcBef>
+              <a:buFont typeface="Arial" panose="020B0604020202020204" pitchFamily="34" charset="0"/>
+              <a:buChar char="•"/>
+              <a:defRPr sz="1800" kern="1200">
+                <a:solidFill>
+                  <a:schemeClr val="tx1"/>
+                </a:solidFill>
+                <a:latin typeface="+mn-lt"/>
+                <a:ea typeface="+mn-ea"/>
+                <a:cs typeface="+mn-cs"/>
+              </a:defRPr>
+            </a:lvl5pPr>
+            <a:lvl6pPr marL="2514600" indent="-228600" algn="l" defTabSz="914400" rtl="0" eaLnBrk="1" latinLnBrk="0" hangingPunct="1">
+              <a:lnSpc>
+                <a:spcPct val="90000"/>
+              </a:lnSpc>
+              <a:spcBef>
+                <a:spcPts val="500"/>
+              </a:spcBef>
+              <a:buFont typeface="Arial" panose="020B0604020202020204" pitchFamily="34" charset="0"/>
+              <a:buChar char="•"/>
+              <a:defRPr sz="1800" kern="1200">
+                <a:solidFill>
+                  <a:schemeClr val="tx1"/>
+                </a:solidFill>
+                <a:latin typeface="+mn-lt"/>
+                <a:ea typeface="+mn-ea"/>
+                <a:cs typeface="+mn-cs"/>
+              </a:defRPr>
+            </a:lvl6pPr>
+            <a:lvl7pPr marL="2971800" indent="-228600" algn="l" defTabSz="914400" rtl="0" eaLnBrk="1" latinLnBrk="0" hangingPunct="1">
+              <a:lnSpc>
+                <a:spcPct val="90000"/>
+              </a:lnSpc>
+              <a:spcBef>
+                <a:spcPts val="500"/>
+              </a:spcBef>
+              <a:buFont typeface="Arial" panose="020B0604020202020204" pitchFamily="34" charset="0"/>
+              <a:buChar char="•"/>
+              <a:defRPr sz="1800" kern="1200">
+                <a:solidFill>
+                  <a:schemeClr val="tx1"/>
+                </a:solidFill>
+                <a:latin typeface="+mn-lt"/>
+                <a:ea typeface="+mn-ea"/>
+                <a:cs typeface="+mn-cs"/>
+              </a:defRPr>
+            </a:lvl7pPr>
+            <a:lvl8pPr marL="3429000" indent="-228600" algn="l" defTabSz="914400" rtl="0" eaLnBrk="1" latinLnBrk="0" hangingPunct="1">
+              <a:lnSpc>
+                <a:spcPct val="90000"/>
+              </a:lnSpc>
+              <a:spcBef>
+                <a:spcPts val="500"/>
+              </a:spcBef>
+              <a:buFont typeface="Arial" panose="020B0604020202020204" pitchFamily="34" charset="0"/>
+              <a:buChar char="•"/>
+              <a:defRPr sz="1800" kern="1200">
+                <a:solidFill>
+                  <a:schemeClr val="tx1"/>
+                </a:solidFill>
+                <a:latin typeface="+mn-lt"/>
+                <a:ea typeface="+mn-ea"/>
+                <a:cs typeface="+mn-cs"/>
+              </a:defRPr>
+            </a:lvl8pPr>
+            <a:lvl9pPr marL="3886200" indent="-228600" algn="l" defTabSz="914400" rtl="0" eaLnBrk="1" latinLnBrk="0" hangingPunct="1">
+              <a:lnSpc>
+                <a:spcPct val="90000"/>
+              </a:lnSpc>
+              <a:spcBef>
+                <a:spcPts val="500"/>
+              </a:spcBef>
+              <a:buFont typeface="Arial" panose="020B0604020202020204" pitchFamily="34" charset="0"/>
+              <a:buChar char="•"/>
+              <a:defRPr sz="1800" kern="1200">
+                <a:solidFill>
+                  <a:schemeClr val="tx1"/>
+                </a:solidFill>
+                <a:latin typeface="+mn-lt"/>
+                <a:ea typeface="+mn-ea"/>
+                <a:cs typeface="+mn-cs"/>
+              </a:defRPr>
+            </a:lvl9pPr>
+          </a:lstStyle>
+          <a:p>
+            <a:r>
+              <a:rPr lang="pt-PT" dirty="0" smtClean="0"/>
+              <a:t>Coleção: conjunto de livros;</a:t>
+            </a:r>
+            <a:br>
+              <a:rPr lang="pt-PT" dirty="0" smtClean="0"/>
+            </a:br>
+            <a:r>
+              <a:rPr lang="pt-PT" dirty="0" smtClean="0"/>
+              <a:t>Entidade pois coleção = vários livros</a:t>
+            </a:r>
+            <a:endParaRPr lang="en-US" dirty="0"/>
           </a:p>
         </p:txBody>
       </p:sp>
     </p:spTree>
     <p:extLst>
       <p:ext uri="{BB962C8B-B14F-4D97-AF65-F5344CB8AC3E}">
-        <p14:creationId xmlns:p14="http://schemas.microsoft.com/office/powerpoint/2010/main" val="3081524983"/>
+        <p14:creationId xmlns:p14="http://schemas.microsoft.com/office/powerpoint/2010/main" val="2895425075"/>
       </p:ext>
     </p:extLst>
   </p:cSld>
@@ -5590,16 +6889,11 @@
           <a:bodyPr/>
           <a:lstStyle/>
           <a:p>
-            <a:pPr>
-              <a:lnSpc>
-                <a:spcPct val="150000"/>
-              </a:lnSpc>
-            </a:pPr>
-            <a:r>
-              <a:rPr lang="pt-PT" dirty="0" smtClean="0"/>
-              <a:t>Identificação das Chaves</a:t>
-            </a:r>
-            <a:endParaRPr lang="pt-PT" dirty="0" smtClean="0"/>
+            <a:r>
+              <a:rPr lang="pt-PT" dirty="0" smtClean="0"/>
+              <a:t>Identificação dos Relacionamentos</a:t>
+            </a:r>
+            <a:endParaRPr lang="en-US" dirty="0"/>
           </a:p>
         </p:txBody>
       </p:sp>
@@ -5624,7 +6918,7 @@
             </a:pPr>
             <a:r>
               <a:rPr lang="pt-PT" dirty="0" smtClean="0"/>
-              <a:t>Livro</a:t>
+              <a:t>Livro-Autor</a:t>
             </a:r>
           </a:p>
           <a:p>
@@ -5634,7 +6928,7 @@
             </a:pPr>
             <a:r>
               <a:rPr lang="pt-PT" dirty="0" smtClean="0"/>
-              <a:t>Autor</a:t>
+              <a:t>Livro-Editora</a:t>
             </a:r>
           </a:p>
           <a:p>
@@ -5644,7 +6938,7 @@
             </a:pPr>
             <a:r>
               <a:rPr lang="pt-PT" dirty="0" smtClean="0"/>
-              <a:t>Editora</a:t>
+              <a:t>Livro-Exemplar</a:t>
             </a:r>
           </a:p>
           <a:p>
@@ -5654,7 +6948,7 @@
             </a:pPr>
             <a:r>
               <a:rPr lang="pt-PT" dirty="0" smtClean="0"/>
-              <a:t>Exemplar</a:t>
+              <a:t>Exemplar-Requisição</a:t>
             </a:r>
           </a:p>
           <a:p>
@@ -5664,7 +6958,7 @@
             </a:pPr>
             <a:r>
               <a:rPr lang="pt-PT" dirty="0" smtClean="0"/>
-              <a:t>Requisição</a:t>
+              <a:t>Exemplar-Utilizador</a:t>
             </a:r>
           </a:p>
           <a:p>
@@ -5674,7 +6968,7 @@
             </a:pPr>
             <a:r>
               <a:rPr lang="pt-PT" dirty="0" smtClean="0"/>
-              <a:t>Localização</a:t>
+              <a:t>Exemplar-Localização</a:t>
             </a:r>
           </a:p>
           <a:p>
@@ -5684,7 +6978,7 @@
             </a:pPr>
             <a:r>
               <a:rPr lang="pt-PT" dirty="0" smtClean="0"/>
-              <a:t>Utilizador</a:t>
+              <a:t>Requisição-Utilizador</a:t>
             </a:r>
           </a:p>
           <a:p>
@@ -5694,14 +6988,10 @@
             </a:pPr>
             <a:r>
               <a:rPr lang="pt-PT" dirty="0" smtClean="0"/>
-              <a:t>Coleção</a:t>
-            </a:r>
-          </a:p>
-          <a:p>
-            <a:pPr marL="514350" indent="-514350">
-              <a:buFont typeface="+mj-lt"/>
-              <a:buAutoNum type="arabicPeriod"/>
-            </a:pPr>
+              <a:t>Coleção-Livro</a:t>
+            </a:r>
+          </a:p>
+          <a:p>
             <a:endParaRPr lang="pt-PT" dirty="0" smtClean="0"/>
           </a:p>
           <a:p>
@@ -5712,7 +7002,7 @@
     </p:spTree>
     <p:extLst>
       <p:ext uri="{BB962C8B-B14F-4D97-AF65-F5344CB8AC3E}">
-        <p14:creationId xmlns:p14="http://schemas.microsoft.com/office/powerpoint/2010/main" val="2055100121"/>
+        <p14:creationId xmlns:p14="http://schemas.microsoft.com/office/powerpoint/2010/main" val="1976290187"/>
       </p:ext>
     </p:extLst>
   </p:cSld>
@@ -5741,31 +7031,6 @@
       </p:grpSpPr>
       <p:sp>
         <p:nvSpPr>
-          <p:cNvPr id="2" name="Título 1"/>
-          <p:cNvSpPr>
-            <a:spLocks noGrp="1"/>
-          </p:cNvSpPr>
-          <p:nvPr>
-            <p:ph type="title"/>
-          </p:nvPr>
-        </p:nvSpPr>
-        <p:spPr/>
-        <p:txBody>
-          <a:bodyPr>
-            <a:normAutofit/>
-          </a:bodyPr>
-          <a:lstStyle/>
-          <a:p>
-            <a:r>
-              <a:rPr lang="pt-PT" dirty="0" smtClean="0"/>
-              <a:t>Validação do Modelo Conceptual segundo os requisitos</a:t>
-            </a:r>
-            <a:endParaRPr lang="en-US" dirty="0"/>
-          </a:p>
-        </p:txBody>
-      </p:sp>
-      <p:sp>
-        <p:nvSpPr>
           <p:cNvPr id="3" name="Marcador de Posição de Conteúdo 2"/>
           <p:cNvSpPr>
             <a:spLocks noGrp="1"/>
@@ -5776,189 +7041,143 @@
         </p:nvSpPr>
         <p:spPr>
           <a:xfrm>
-            <a:off x="944218" y="1865381"/>
-            <a:ext cx="10515600" cy="4351338"/>
+            <a:off x="655320" y="568324"/>
+            <a:ext cx="10866120" cy="5923915"/>
           </a:xfrm>
         </p:spPr>
         <p:txBody>
-          <a:bodyPr>
-            <a:normAutofit fontScale="70000" lnSpcReduction="20000"/>
-          </a:bodyPr>
+          <a:bodyPr/>
           <a:lstStyle/>
           <a:p>
-            <a:pPr marL="514350" indent="-514350" fontAlgn="base">
-              <a:lnSpc>
-                <a:spcPct val="120000"/>
-              </a:lnSpc>
+            <a:pPr marL="514350" indent="-514350">
               <a:buFont typeface="+mj-lt"/>
               <a:buAutoNum type="arabicPeriod"/>
             </a:pPr>
             <a:r>
-              <a:rPr lang="en-US" dirty="0" smtClean="0"/>
-              <a:t>Sa</a:t>
-            </a:r>
-            <a:r>
-              <a:rPr lang="pt-PT" dirty="0" smtClean="0"/>
-              <a:t>ber </a:t>
-            </a:r>
-            <a:r>
-              <a:rPr lang="pt-PT" dirty="0"/>
-              <a:t>a designação de todas as coleções </a:t>
-            </a:r>
-            <a:r>
-              <a:rPr lang="pt-PT" dirty="0" smtClean="0"/>
-              <a:t>existentes</a:t>
-            </a:r>
-            <a:endParaRPr lang="en-US" dirty="0"/>
-          </a:p>
-          <a:p>
-            <a:pPr marL="514350" lvl="0" indent="-514350" fontAlgn="base">
-              <a:lnSpc>
-                <a:spcPct val="120000"/>
-              </a:lnSpc>
+              <a:rPr lang="pt-PT" dirty="0" smtClean="0"/>
+              <a:t>Livro-Autor</a:t>
+            </a:r>
+          </a:p>
+          <a:p>
+            <a:pPr marL="971550" lvl="1" indent="-514350">
               <a:buFont typeface="+mj-lt"/>
               <a:buAutoNum type="arabicPeriod"/>
             </a:pPr>
             <a:r>
-              <a:rPr lang="pt-PT" dirty="0"/>
-              <a:t>Saber quantos livros cada colecção </a:t>
-            </a:r>
-            <a:r>
-              <a:rPr lang="pt-PT" dirty="0" smtClean="0"/>
-              <a:t>tem</a:t>
-            </a:r>
-            <a:endParaRPr lang="en-US" dirty="0"/>
-          </a:p>
-          <a:p>
-            <a:pPr marL="514350" lvl="0" indent="-514350" fontAlgn="base">
-              <a:lnSpc>
-                <a:spcPct val="120000"/>
-              </a:lnSpc>
+              <a:rPr lang="pt-PT" dirty="0" smtClean="0"/>
+              <a:t>Um livro é escrito por um autor; N -&gt; N   </a:t>
+            </a:r>
+          </a:p>
+          <a:p>
+            <a:pPr marL="514350" indent="-514350">
               <a:buFont typeface="+mj-lt"/>
               <a:buAutoNum type="arabicPeriod"/>
             </a:pPr>
-            <a:r>
-              <a:rPr lang="pt-PT" dirty="0"/>
-              <a:t>Saber lista de nomes dos autores dos livros da biblioteca.</a:t>
-            </a:r>
-            <a:endParaRPr lang="en-US" dirty="0"/>
-          </a:p>
-          <a:p>
-            <a:pPr marL="514350" lvl="0" indent="-514350" fontAlgn="base">
-              <a:lnSpc>
-                <a:spcPct val="120000"/>
-              </a:lnSpc>
+            <a:endParaRPr lang="pt-PT" dirty="0"/>
+          </a:p>
+          <a:p>
+            <a:pPr marL="514350" indent="-514350">
               <a:buFont typeface="+mj-lt"/>
               <a:buAutoNum type="arabicPeriod"/>
             </a:pPr>
             <a:r>
-              <a:rPr lang="pt-PT" dirty="0"/>
-              <a:t>Saber o apelido e primeiros nomes de um autor.</a:t>
-            </a:r>
-            <a:endParaRPr lang="en-US" dirty="0"/>
-          </a:p>
-          <a:p>
-            <a:pPr marL="514350" lvl="0" indent="-514350" fontAlgn="base">
-              <a:lnSpc>
-                <a:spcPct val="120000"/>
-              </a:lnSpc>
+              <a:rPr lang="pt-PT" dirty="0" smtClean="0"/>
+              <a:t>Livro-Editora</a:t>
+            </a:r>
+          </a:p>
+          <a:p>
+            <a:pPr marL="971550" lvl="1" indent="-514350">
               <a:buFont typeface="+mj-lt"/>
               <a:buAutoNum type="arabicPeriod"/>
             </a:pPr>
             <a:r>
-              <a:rPr lang="pt-PT" dirty="0"/>
-              <a:t>Saber lista de editoras dos livros da biblioteca</a:t>
-            </a:r>
-            <a:r>
-              <a:rPr lang="pt-PT" dirty="0" smtClean="0"/>
-              <a:t>.</a:t>
-            </a:r>
-          </a:p>
-          <a:p>
-            <a:pPr marL="514350" indent="-514350" fontAlgn="base">
-              <a:lnSpc>
-                <a:spcPct val="120000"/>
-              </a:lnSpc>
+              <a:rPr lang="pt-PT" dirty="0" smtClean="0"/>
+              <a:t>Livro tem editora N -&gt; N </a:t>
+            </a:r>
+          </a:p>
+          <a:p>
+            <a:pPr marL="1428750" lvl="2" indent="-514350">
               <a:buFont typeface="+mj-lt"/>
               <a:buAutoNum type="arabicPeriod"/>
             </a:pPr>
             <a:r>
-              <a:rPr lang="pt-PT" dirty="0"/>
-              <a:t>Para uma dada editora, saber a sua designação.</a:t>
-            </a:r>
-            <a:endParaRPr lang="en-US" dirty="0"/>
-          </a:p>
-          <a:p>
-            <a:pPr marL="514350" indent="-514350" fontAlgn="base">
-              <a:lnSpc>
-                <a:spcPct val="120000"/>
-              </a:lnSpc>
+              <a:rPr lang="pt-PT" b="1" dirty="0" smtClean="0">
+                <a:latin typeface="Century Gothic" panose="020B0502020202020204" pitchFamily="34" charset="0"/>
+              </a:rPr>
+              <a:t>EDIÇAO: de um livro por uma dada editora</a:t>
+            </a:r>
+          </a:p>
+          <a:p>
+            <a:pPr marL="1428750" lvl="2" indent="-514350">
               <a:buFont typeface="+mj-lt"/>
               <a:buAutoNum type="arabicPeriod"/>
             </a:pPr>
             <a:r>
-              <a:rPr lang="pt-PT" dirty="0"/>
-              <a:t>Pesquisar um livro segundo: ISSN, ISBN, código de barras e título.</a:t>
-            </a:r>
-            <a:endParaRPr lang="en-US" dirty="0"/>
-          </a:p>
-          <a:p>
-            <a:pPr marL="514350" indent="-514350" fontAlgn="base">
-              <a:lnSpc>
-                <a:spcPct val="120000"/>
-              </a:lnSpc>
+              <a:rPr lang="pt-PT" b="1" dirty="0" smtClean="0">
+                <a:latin typeface="Century Gothic" panose="020B0502020202020204" pitchFamily="34" charset="0"/>
+              </a:rPr>
+              <a:t>ANO: em que uma edição de um livro foi publicada</a:t>
+            </a:r>
+          </a:p>
+          <a:p>
+            <a:pPr marL="457200" lvl="1" indent="0">
+              <a:buNone/>
+            </a:pPr>
+            <a:endParaRPr lang="pt-PT" dirty="0"/>
+          </a:p>
+          <a:p>
+            <a:pPr marL="514350" indent="-514350">
               <a:buFont typeface="+mj-lt"/>
               <a:buAutoNum type="arabicPeriod"/>
             </a:pPr>
             <a:r>
-              <a:rPr lang="pt-PT" dirty="0"/>
-              <a:t>Saber os livros que um autor escreveu.</a:t>
-            </a:r>
-            <a:endParaRPr lang="en-US" dirty="0"/>
-          </a:p>
-          <a:p>
-            <a:pPr marL="514350" indent="-514350" fontAlgn="base">
-              <a:lnSpc>
-                <a:spcPct val="120000"/>
-              </a:lnSpc>
+              <a:rPr lang="pt-PT" dirty="0" smtClean="0"/>
+              <a:t>Livro-Exemplar</a:t>
+            </a:r>
+          </a:p>
+          <a:p>
+            <a:pPr marL="971550" lvl="1" indent="-514350">
               <a:buFont typeface="+mj-lt"/>
               <a:buAutoNum type="arabicPeriod"/>
             </a:pPr>
             <a:r>
               <a:rPr lang="pt-PT" dirty="0"/>
-              <a:t>Saber os livros que uma editora publicou.</a:t>
-            </a:r>
-            <a:endParaRPr lang="en-US" dirty="0"/>
-          </a:p>
-          <a:p>
-            <a:pPr marL="514350" indent="-514350" fontAlgn="base">
-              <a:lnSpc>
-                <a:spcPct val="120000"/>
-              </a:lnSpc>
+              <a:t>1</a:t>
+            </a:r>
+            <a:r>
+              <a:rPr lang="pt-PT" dirty="0" smtClean="0"/>
+              <a:t> -&gt; N (1 livro tem n exemplares. 1 exemplar vem de 1 só livro)</a:t>
+            </a:r>
+          </a:p>
+          <a:p>
+            <a:pPr marL="971550" lvl="1" indent="-514350">
               <a:buFont typeface="+mj-lt"/>
               <a:buAutoNum type="arabicPeriod"/>
             </a:pPr>
-            <a:r>
-              <a:rPr lang="pt-PT" dirty="0"/>
-              <a:t>Saber os livros pertencentes a uma colecção</a:t>
-            </a:r>
-            <a:r>
-              <a:rPr lang="pt-PT" dirty="0" smtClean="0"/>
-              <a:t>.</a:t>
-            </a:r>
-            <a:endParaRPr lang="en-US" dirty="0"/>
-          </a:p>
-          <a:p>
-            <a:pPr marL="514350" indent="-514350" fontAlgn="base">
+            <a:endParaRPr lang="pt-PT" dirty="0"/>
+          </a:p>
+          <a:p>
+            <a:pPr marL="514350" indent="-514350">
               <a:buFont typeface="+mj-lt"/>
               <a:buAutoNum type="arabicPeriod"/>
             </a:pPr>
-            <a:endParaRPr lang="en-US" dirty="0"/>
-          </a:p>
-          <a:p>
-            <a:pPr marL="0" indent="0">
-              <a:buNone/>
-            </a:pPr>
+            <a:r>
+              <a:rPr lang="pt-PT" dirty="0" smtClean="0"/>
+              <a:t>Exemplar-Requisição</a:t>
+            </a:r>
+          </a:p>
+          <a:p>
+            <a:pPr marL="971550" lvl="1" indent="-514350">
+              <a:buFont typeface="+mj-lt"/>
+              <a:buAutoNum type="arabicPeriod"/>
+            </a:pPr>
+            <a:r>
+              <a:rPr lang="pt-PT" dirty="0" smtClean="0"/>
+              <a:t>Exemplar participa em uma requisição. 1 -&gt; N   1 só exemplar tem N requisições. 1 Requisição diz respeito a um único exemplar!  </a:t>
+            </a:r>
+            <a:endParaRPr lang="pt-PT" dirty="0"/>
+          </a:p>
+          <a:p>
             <a:endParaRPr lang="en-US" dirty="0"/>
           </a:p>
         </p:txBody>
@@ -5966,7 +7185,7 @@
     </p:spTree>
     <p:extLst>
       <p:ext uri="{BB962C8B-B14F-4D97-AF65-F5344CB8AC3E}">
-        <p14:creationId xmlns:p14="http://schemas.microsoft.com/office/powerpoint/2010/main" val="127093835"/>
+        <p14:creationId xmlns:p14="http://schemas.microsoft.com/office/powerpoint/2010/main" val="3031217419"/>
       </p:ext>
     </p:extLst>
   </p:cSld>
@@ -6005,133 +7224,120 @@
         </p:nvSpPr>
         <p:spPr>
           <a:xfrm>
-            <a:off x="838200" y="516834"/>
-            <a:ext cx="10515600" cy="6341165"/>
+            <a:off x="632460" y="454024"/>
+            <a:ext cx="11094720" cy="5741035"/>
           </a:xfrm>
         </p:spPr>
         <p:txBody>
-          <a:bodyPr>
-            <a:normAutofit fontScale="85000" lnSpcReduction="10000"/>
-          </a:bodyPr>
+          <a:bodyPr/>
           <a:lstStyle/>
           <a:p>
-            <a:pPr marL="514350" indent="-514350" fontAlgn="base">
-              <a:lnSpc>
-                <a:spcPct val="120000"/>
-              </a:lnSpc>
+            <a:pPr marL="514350" indent="-514350">
               <a:buFont typeface="+mj-lt"/>
-              <a:buAutoNum type="arabicPeriod" startAt="11"/>
-            </a:pPr>
-            <a:r>
-              <a:rPr lang="pt-PT" dirty="0" smtClean="0"/>
-              <a:t>Saber os livros que têm uma dada CDU.</a:t>
-            </a:r>
-            <a:endParaRPr lang="en-US" dirty="0" smtClean="0"/>
-          </a:p>
-          <a:p>
-            <a:pPr marL="514350" indent="-514350" fontAlgn="base">
-              <a:lnSpc>
-                <a:spcPct val="120000"/>
-              </a:lnSpc>
+              <a:buAutoNum type="arabicPeriod"/>
+            </a:pPr>
+            <a:r>
+              <a:rPr lang="pt-PT" dirty="0" smtClean="0"/>
+              <a:t>Exemplar-Utilizador</a:t>
+            </a:r>
+          </a:p>
+          <a:p>
+            <a:pPr marL="971550" lvl="1" indent="-514350">
               <a:buFont typeface="+mj-lt"/>
-              <a:buAutoNum type="arabicPeriod" startAt="11"/>
-            </a:pPr>
-            <a:r>
-              <a:rPr lang="pt-PT" dirty="0" smtClean="0"/>
-              <a:t>Fazer pesquisa por título do livro, que corresponde a obter uma lista de livros que têm no seu título o conjunto de palavras indicado no campo da pesquisa.</a:t>
-            </a:r>
-            <a:endParaRPr lang="en-US" dirty="0" smtClean="0"/>
-          </a:p>
-          <a:p>
-            <a:pPr marL="514350" indent="-514350" fontAlgn="base">
-              <a:lnSpc>
-                <a:spcPct val="120000"/>
-              </a:lnSpc>
+              <a:buAutoNum type="arabicPeriod"/>
+            </a:pPr>
+            <a:r>
+              <a:rPr lang="pt-PT" dirty="0"/>
+              <a:t>N</a:t>
+            </a:r>
+            <a:r>
+              <a:rPr lang="pt-PT" dirty="0" smtClean="0"/>
+              <a:t> exemplar são reservados por </a:t>
+            </a:r>
+            <a:r>
+              <a:rPr lang="pt-PT" dirty="0"/>
+              <a:t>N</a:t>
+            </a:r>
+            <a:r>
+              <a:rPr lang="pt-PT" dirty="0" smtClean="0"/>
+              <a:t> utilizadores;  N -&gt; N</a:t>
+            </a:r>
+          </a:p>
+          <a:p>
+            <a:pPr marL="1428750" lvl="2" indent="-514350">
               <a:buFont typeface="+mj-lt"/>
-              <a:buAutoNum type="arabicPeriod" startAt="11"/>
-            </a:pPr>
-            <a:r>
-              <a:rPr lang="pt-PT" dirty="0" smtClean="0"/>
-              <a:t>Para um dado livro, saber o seu ISSN, ISBN, código de barras, título, editora, autor, edição, CDU, ano de publicação e número de exemplares.</a:t>
-            </a:r>
-            <a:endParaRPr lang="en-US" dirty="0" smtClean="0"/>
-          </a:p>
-          <a:p>
-            <a:pPr marL="514350" indent="-514350" fontAlgn="base">
-              <a:lnSpc>
-                <a:spcPct val="120000"/>
-              </a:lnSpc>
+              <a:buAutoNum type="arabicPeriod"/>
+            </a:pPr>
+            <a:r>
+              <a:rPr lang="pt-PT" b="1" dirty="0">
+                <a:latin typeface="Century Gothic" panose="020B0502020202020204" pitchFamily="34" charset="0"/>
+              </a:rPr>
+              <a:t>DATA </a:t>
+            </a:r>
+            <a:r>
+              <a:rPr lang="pt-PT" b="1" dirty="0" smtClean="0">
+                <a:latin typeface="Century Gothic" panose="020B0502020202020204" pitchFamily="34" charset="0"/>
+              </a:rPr>
+              <a:t>RESERVA: data em que o pedido de reserva foi efetuado</a:t>
+            </a:r>
+            <a:endParaRPr lang="pt-PT" b="1" dirty="0">
+              <a:latin typeface="Century Gothic" panose="020B0502020202020204" pitchFamily="34" charset="0"/>
+            </a:endParaRPr>
+          </a:p>
+          <a:p>
+            <a:pPr marL="1428750" lvl="2" indent="-514350">
               <a:buFont typeface="+mj-lt"/>
-              <a:buAutoNum type="arabicPeriod" startAt="11"/>
-            </a:pPr>
-            <a:r>
-              <a:rPr lang="pt-PT" dirty="0" smtClean="0"/>
-              <a:t>Saber a localização de livros de uma certa CDU.</a:t>
-            </a:r>
-            <a:endParaRPr lang="en-US" dirty="0" smtClean="0"/>
-          </a:p>
-          <a:p>
-            <a:pPr marL="514350" indent="-514350" fontAlgn="base">
-              <a:lnSpc>
-                <a:spcPct val="120000"/>
-              </a:lnSpc>
+              <a:buAutoNum type="arabicPeriod"/>
+            </a:pPr>
+            <a:r>
+              <a:rPr lang="pt-PT" b="1" dirty="0" smtClean="0">
+                <a:latin typeface="Century Gothic" panose="020B0502020202020204" pitchFamily="34" charset="0"/>
+              </a:rPr>
+              <a:t>ESTADO: em que estado se encontra a reserva</a:t>
+            </a:r>
+            <a:endParaRPr lang="pt-PT" b="1" dirty="0">
+              <a:latin typeface="Century Gothic" panose="020B0502020202020204" pitchFamily="34" charset="0"/>
+            </a:endParaRPr>
+          </a:p>
+          <a:p>
+            <a:pPr marL="514350" indent="-514350">
               <a:buFont typeface="+mj-lt"/>
-              <a:buAutoNum type="arabicPeriod" startAt="11"/>
-            </a:pPr>
-            <a:r>
-              <a:rPr lang="pt-PT" dirty="0" smtClean="0"/>
-              <a:t>Para cada exemplar saber o estado de disponibilidade (reservado, requisitado ou não requisitável), o estado de conservação do exemplar bem como a sua localização na biblioteca (piso, estante e prateleira).</a:t>
-            </a:r>
-            <a:endParaRPr lang="en-US" dirty="0" smtClean="0"/>
-          </a:p>
-          <a:p>
-            <a:pPr marL="514350" lvl="0" indent="-514350" fontAlgn="base">
-              <a:lnSpc>
-                <a:spcPct val="120000"/>
-              </a:lnSpc>
+              <a:buAutoNum type="arabicPeriod"/>
+            </a:pPr>
+            <a:r>
+              <a:rPr lang="pt-PT" dirty="0"/>
+              <a:t>Exemplar-Localização</a:t>
+            </a:r>
+          </a:p>
+          <a:p>
+            <a:pPr marL="514350" indent="-514350">
               <a:buFont typeface="+mj-lt"/>
-              <a:buAutoNum type="arabicPeriod" startAt="11"/>
-            </a:pPr>
-            <a:r>
-              <a:rPr lang="pt-PT" dirty="0" smtClean="0"/>
-              <a:t>Reservar exemplares de um ou mais livros.</a:t>
-            </a:r>
-            <a:endParaRPr lang="en-US" dirty="0" smtClean="0"/>
-          </a:p>
-          <a:p>
-            <a:pPr marL="514350" indent="-514350" fontAlgn="base">
-              <a:lnSpc>
-                <a:spcPct val="120000"/>
-              </a:lnSpc>
+              <a:buAutoNum type="arabicPeriod"/>
+            </a:pPr>
+            <a:r>
+              <a:rPr lang="pt-PT" dirty="0"/>
+              <a:t>Requisição-Utilizador</a:t>
+            </a:r>
+          </a:p>
+          <a:p>
+            <a:pPr marL="514350" indent="-514350">
               <a:buFont typeface="+mj-lt"/>
-              <a:buAutoNum type="arabicPeriod" startAt="11"/>
-            </a:pPr>
-            <a:r>
-              <a:rPr lang="pt-PT" dirty="0" smtClean="0"/>
-              <a:t>Saber data de reserva e seu estado (pendente, exemplar disponível para levantamento, reserva concluída ou cancelada).</a:t>
-            </a:r>
-            <a:endParaRPr lang="en-US" dirty="0" smtClean="0"/>
-          </a:p>
-          <a:p>
-            <a:pPr marL="514350" indent="-514350" fontAlgn="base">
-              <a:lnSpc>
-                <a:spcPct val="120000"/>
-              </a:lnSpc>
-              <a:buFont typeface="+mj-lt"/>
-              <a:buAutoNum type="arabicPeriod" startAt="11"/>
-            </a:pPr>
-            <a:r>
-              <a:rPr lang="pt-PT" dirty="0" smtClean="0"/>
-              <a:t>Cancelar reserva de exemplar.</a:t>
-            </a:r>
-            <a:endParaRPr lang="en-US" dirty="0" smtClean="0"/>
+              <a:buAutoNum type="arabicPeriod"/>
+            </a:pPr>
+            <a:r>
+              <a:rPr lang="pt-PT" dirty="0"/>
+              <a:t>Coleção-Livro</a:t>
+            </a:r>
+          </a:p>
+          <a:p>
+            <a:endParaRPr lang="en-US" dirty="0"/>
           </a:p>
         </p:txBody>
       </p:sp>
     </p:spTree>
     <p:extLst>
       <p:ext uri="{BB962C8B-B14F-4D97-AF65-F5344CB8AC3E}">
-        <p14:creationId xmlns:p14="http://schemas.microsoft.com/office/powerpoint/2010/main" val="2769558942"/>
+        <p14:creationId xmlns:p14="http://schemas.microsoft.com/office/powerpoint/2010/main" val="4114242583"/>
       </p:ext>
     </p:extLst>
   </p:cSld>
@@ -6160,6 +7366,29 @@
       </p:grpSpPr>
       <p:sp>
         <p:nvSpPr>
+          <p:cNvPr id="2" name="Título 1"/>
+          <p:cNvSpPr>
+            <a:spLocks noGrp="1"/>
+          </p:cNvSpPr>
+          <p:nvPr>
+            <p:ph type="title"/>
+          </p:nvPr>
+        </p:nvSpPr>
+        <p:spPr/>
+        <p:txBody>
+          <a:bodyPr/>
+          <a:lstStyle/>
+          <a:p>
+            <a:r>
+              <a:rPr lang="pt-PT" dirty="0" smtClean="0"/>
+              <a:t>Identificação dos Atributos</a:t>
+            </a:r>
+            <a:endParaRPr lang="en-US" dirty="0"/>
+          </a:p>
+        </p:txBody>
+      </p:sp>
+      <p:sp>
+        <p:nvSpPr>
           <p:cNvPr id="3" name="Marcador de Posição de Conteúdo 2"/>
           <p:cNvSpPr>
             <a:spLocks noGrp="1"/>
@@ -6168,161 +7397,102 @@
             <p:ph idx="1"/>
           </p:nvPr>
         </p:nvSpPr>
-        <p:spPr>
-          <a:xfrm>
-            <a:off x="746760" y="384313"/>
-            <a:ext cx="10515600" cy="6241773"/>
-          </a:xfrm>
-        </p:spPr>
+        <p:spPr/>
         <p:txBody>
           <a:bodyPr>
-            <a:normAutofit fontScale="85000" lnSpcReduction="20000"/>
+            <a:normAutofit/>
           </a:bodyPr>
           <a:lstStyle/>
           <a:p>
-            <a:pPr marL="514350" indent="-514350" fontAlgn="base">
-              <a:lnSpc>
-                <a:spcPct val="120000"/>
-              </a:lnSpc>
+            <a:pPr marL="514350" indent="-514350">
               <a:buFont typeface="+mj-lt"/>
-              <a:buAutoNum type="arabicPeriod" startAt="19"/>
-            </a:pPr>
-            <a:r>
-              <a:rPr lang="pt-PT" dirty="0" smtClean="0"/>
-              <a:t>Efetuar requisição de um exemplar.</a:t>
-            </a:r>
-            <a:endParaRPr lang="en-US" dirty="0" smtClean="0"/>
-          </a:p>
-          <a:p>
-            <a:pPr marL="514350" indent="-514350" fontAlgn="base">
-              <a:lnSpc>
-                <a:spcPct val="120000"/>
-              </a:lnSpc>
+              <a:buAutoNum type="arabicPeriod"/>
+            </a:pPr>
+            <a:r>
+              <a:rPr lang="pt-PT" dirty="0" smtClean="0"/>
+              <a:t>Atributos do Livro</a:t>
+            </a:r>
+          </a:p>
+          <a:p>
+            <a:pPr marL="514350" indent="-514350">
               <a:buFont typeface="+mj-lt"/>
-              <a:buAutoNum type="arabicPeriod" startAt="19"/>
-            </a:pPr>
-            <a:r>
-              <a:rPr lang="pt-PT" dirty="0" smtClean="0"/>
-              <a:t>Para uma requisição, saber o seu estado (ativa ou não), em que data foi realizada, em que data deverá ser entregue o exemplar qual o número de renovações efetuado e qual o número de máximo de renovações em vigor na data da reserva.</a:t>
-            </a:r>
-            <a:endParaRPr lang="en-US" dirty="0" smtClean="0"/>
-          </a:p>
-          <a:p>
-            <a:pPr marL="514350" indent="-514350" fontAlgn="base">
-              <a:lnSpc>
-                <a:spcPct val="120000"/>
-              </a:lnSpc>
+              <a:buAutoNum type="arabicPeriod"/>
+            </a:pPr>
+            <a:r>
+              <a:rPr lang="pt-PT" dirty="0" smtClean="0"/>
+              <a:t>Do Autor</a:t>
+            </a:r>
+          </a:p>
+          <a:p>
+            <a:pPr marL="514350" indent="-514350">
               <a:buFont typeface="+mj-lt"/>
-              <a:buAutoNum type="arabicPeriod" startAt="19"/>
-            </a:pPr>
-            <a:r>
-              <a:rPr lang="pt-PT" dirty="0" smtClean="0"/>
-              <a:t>Renovar uma requisição, não excedendo o número máximo de renovações permitido.</a:t>
-            </a:r>
-            <a:endParaRPr lang="pt-PT" dirty="0" smtClean="0"/>
-          </a:p>
-          <a:p>
-            <a:pPr marL="514350" lvl="0" indent="-514350">
-              <a:lnSpc>
-                <a:spcPct val="120000"/>
-              </a:lnSpc>
+              <a:buAutoNum type="arabicPeriod"/>
+            </a:pPr>
+            <a:r>
+              <a:rPr lang="pt-PT" dirty="0" smtClean="0"/>
+              <a:t>De Editora</a:t>
+            </a:r>
+          </a:p>
+          <a:p>
+            <a:pPr marL="514350" indent="-514350">
               <a:buFont typeface="+mj-lt"/>
-              <a:buAutoNum type="arabicPeriod" startAt="22"/>
-            </a:pPr>
-            <a:r>
-              <a:rPr lang="pt-PT" dirty="0" smtClean="0"/>
-              <a:t>Concluir </a:t>
-            </a:r>
-            <a:r>
-              <a:rPr lang="pt-PT" dirty="0"/>
-              <a:t>requisição, que corresponde à devolução do exemplar requisitado</a:t>
-            </a:r>
-            <a:r>
-              <a:rPr lang="pt-PT" dirty="0" smtClean="0"/>
-              <a:t>.</a:t>
-            </a:r>
-            <a:endParaRPr lang="en-US" dirty="0"/>
-          </a:p>
-          <a:p>
-            <a:pPr marL="514350" lvl="0" indent="-514350" fontAlgn="base">
-              <a:lnSpc>
-                <a:spcPct val="120000"/>
-              </a:lnSpc>
+              <a:buAutoNum type="arabicPeriod"/>
+            </a:pPr>
+            <a:r>
+              <a:rPr lang="pt-PT" dirty="0" smtClean="0"/>
+              <a:t>De Exemplar</a:t>
+            </a:r>
+          </a:p>
+          <a:p>
+            <a:pPr marL="514350" indent="-514350">
               <a:buFont typeface="+mj-lt"/>
-              <a:buAutoNum type="arabicPeriod" startAt="22"/>
-            </a:pPr>
-            <a:r>
-              <a:rPr lang="pt-PT" dirty="0"/>
-              <a:t>Gerar estatísticas de número de renovações médio e saber quantos utilizadores usam o número máximo de requisições permitidas</a:t>
-            </a:r>
-            <a:r>
-              <a:rPr lang="pt-PT" dirty="0" smtClean="0"/>
-              <a:t>.</a:t>
-            </a:r>
-          </a:p>
-          <a:p>
-            <a:pPr marL="514350" indent="-514350" fontAlgn="base">
-              <a:lnSpc>
-                <a:spcPct val="120000"/>
-              </a:lnSpc>
+              <a:buAutoNum type="arabicPeriod"/>
+            </a:pPr>
+            <a:r>
+              <a:rPr lang="pt-PT" dirty="0" smtClean="0"/>
+              <a:t>De Requisição</a:t>
+            </a:r>
+          </a:p>
+          <a:p>
+            <a:pPr marL="514350" indent="-514350">
               <a:buFont typeface="+mj-lt"/>
-              <a:buAutoNum type="arabicPeriod" startAt="22"/>
-            </a:pPr>
-            <a:r>
-              <a:rPr lang="pt-PT" dirty="0" smtClean="0">
-                <a:effectLst/>
-              </a:rPr>
-              <a:t>Registar utilizadores internos ou externos como requisitantes.</a:t>
-            </a:r>
-            <a:endParaRPr lang="en-US" dirty="0" smtClean="0">
-              <a:effectLst/>
-            </a:endParaRPr>
-          </a:p>
-          <a:p>
-            <a:pPr marL="514350" indent="-514350" fontAlgn="base">
-              <a:lnSpc>
-                <a:spcPct val="120000"/>
-              </a:lnSpc>
+              <a:buAutoNum type="arabicPeriod"/>
+            </a:pPr>
+            <a:r>
+              <a:rPr lang="pt-PT" dirty="0" smtClean="0"/>
+              <a:t>De Utilizador</a:t>
+            </a:r>
+          </a:p>
+          <a:p>
+            <a:pPr marL="514350" indent="-514350">
               <a:buFont typeface="+mj-lt"/>
-              <a:buAutoNum type="arabicPeriod" startAt="22"/>
-            </a:pPr>
-            <a:r>
-              <a:rPr lang="pt-PT" dirty="0" smtClean="0">
-                <a:effectLst/>
-              </a:rPr>
-              <a:t>Para um dado utilizador, saber o seu tipo, nome, email (contacto principal), CC, número mecanográfico e contacto alternativo (telefone).</a:t>
-            </a:r>
-            <a:endParaRPr lang="en-US" dirty="0" smtClean="0">
-              <a:effectLst/>
-            </a:endParaRPr>
-          </a:p>
-          <a:p>
-            <a:pPr marL="514350" indent="-514350" fontAlgn="base">
-              <a:lnSpc>
-                <a:spcPct val="120000"/>
-              </a:lnSpc>
+              <a:buAutoNum type="arabicPeriod"/>
+            </a:pPr>
+            <a:r>
+              <a:rPr lang="pt-PT" dirty="0" smtClean="0"/>
+              <a:t>De Localização</a:t>
+            </a:r>
+          </a:p>
+          <a:p>
+            <a:pPr marL="514350" indent="-514350">
               <a:buFont typeface="+mj-lt"/>
-              <a:buAutoNum type="arabicPeriod" startAt="22"/>
-            </a:pPr>
-            <a:r>
-              <a:rPr lang="pt-PT" dirty="0"/>
-              <a:t>Saber os utilizadores que reservaram/requisitaram determinado exemplar</a:t>
-            </a:r>
-            <a:r>
-              <a:rPr lang="pt-PT" dirty="0" smtClean="0"/>
-              <a:t>.</a:t>
-            </a:r>
-            <a:endParaRPr lang="en-US" dirty="0"/>
-          </a:p>
-          <a:p>
-            <a:endParaRPr lang="en-US" dirty="0"/>
+              <a:buAutoNum type="arabicPeriod"/>
+            </a:pPr>
+            <a:r>
+              <a:rPr lang="pt-PT" dirty="0" smtClean="0"/>
+              <a:t>De Coleç</a:t>
+            </a:r>
+            <a:r>
+              <a:rPr lang="en-US" dirty="0" smtClean="0"/>
+              <a:t>ão</a:t>
+            </a:r>
           </a:p>
         </p:txBody>
       </p:sp>
     </p:spTree>
     <p:extLst>
       <p:ext uri="{BB962C8B-B14F-4D97-AF65-F5344CB8AC3E}">
-        <p14:creationId xmlns:p14="http://schemas.microsoft.com/office/powerpoint/2010/main" val="2856968020"/>
+        <p14:creationId xmlns:p14="http://schemas.microsoft.com/office/powerpoint/2010/main" val="3081524983"/>
       </p:ext>
     </p:extLst>
   </p:cSld>
@@ -6364,23 +7534,15 @@
           <a:bodyPr/>
           <a:lstStyle/>
           <a:p>
-            <a:pPr lvl="1" algn="l" rtl="0">
-              <a:lnSpc>
-                <a:spcPct val="90000"/>
-              </a:lnSpc>
-              <a:spcBef>
-                <a:spcPct val="0"/>
-              </a:spcBef>
-            </a:pPr>
-            <a:r>
-              <a:rPr lang="pt-PT" sz="2800" b="1" dirty="0" smtClean="0"/>
-              <a:t>Validação do Modelo Conceptual segundo as </a:t>
-            </a:r>
-            <a:r>
-              <a:rPr lang="pt-PT" sz="2800" b="1" u="sng" dirty="0" smtClean="0"/>
-              <a:t>transações</a:t>
-            </a:r>
-            <a:endParaRPr lang="en-US" b="1" u="sng" dirty="0"/>
+            <a:pPr>
+              <a:lnSpc>
+                <a:spcPct val="150000"/>
+              </a:lnSpc>
+            </a:pPr>
+            <a:r>
+              <a:rPr lang="pt-PT" dirty="0" smtClean="0"/>
+              <a:t>Identificação das Chaves</a:t>
+            </a:r>
           </a:p>
         </p:txBody>
       </p:sp>
@@ -6399,50 +7561,91 @@
           <a:bodyPr/>
           <a:lstStyle/>
           <a:p>
-            <a:pPr marL="514350" lvl="0" indent="-514350">
-              <a:lnSpc>
-                <a:spcPct val="200000"/>
-              </a:lnSpc>
+            <a:pPr marL="514350" indent="-514350">
               <a:buFont typeface="+mj-lt"/>
               <a:buAutoNum type="arabicPeriod"/>
             </a:pPr>
             <a:r>
-              <a:rPr lang="pt-PT" dirty="0"/>
-              <a:t>Qual(is) a(s) localização(ões) (piso, estante e prateleira) dos exemplares de um livro com determinado título?</a:t>
-            </a:r>
-            <a:endParaRPr lang="en-US" dirty="0"/>
-          </a:p>
-          <a:p>
-            <a:pPr marL="514350" lvl="0" indent="-514350">
-              <a:lnSpc>
-                <a:spcPct val="200000"/>
-              </a:lnSpc>
+              <a:rPr lang="pt-PT" dirty="0" smtClean="0"/>
+              <a:t>Livro</a:t>
+            </a:r>
+          </a:p>
+          <a:p>
+            <a:pPr marL="514350" indent="-514350">
               <a:buFont typeface="+mj-lt"/>
               <a:buAutoNum type="arabicPeriod"/>
             </a:pPr>
             <a:r>
-              <a:rPr lang="pt-PT" dirty="0"/>
-              <a:t>Efetuar uma requisição</a:t>
-            </a:r>
-            <a:endParaRPr lang="en-US" dirty="0"/>
-          </a:p>
-          <a:p>
-            <a:pPr marL="514350" lvl="0" indent="-514350">
-              <a:lnSpc>
-                <a:spcPct val="200000"/>
-              </a:lnSpc>
+              <a:rPr lang="pt-PT" dirty="0" smtClean="0"/>
+              <a:t>Autor</a:t>
+            </a:r>
+          </a:p>
+          <a:p>
+            <a:pPr marL="514350" indent="-514350">
               <a:buFont typeface="+mj-lt"/>
               <a:buAutoNum type="arabicPeriod"/>
             </a:pPr>
             <a:r>
               <a:rPr lang="pt-PT" dirty="0" smtClean="0"/>
-              <a:t>Efetuar </a:t>
-            </a:r>
-            <a:r>
-              <a:rPr lang="pt-PT" dirty="0"/>
-              <a:t>uma reserva</a:t>
-            </a:r>
-            <a:endParaRPr lang="en-US" dirty="0"/>
+              <a:t>Editora</a:t>
+            </a:r>
+          </a:p>
+          <a:p>
+            <a:pPr marL="514350" indent="-514350">
+              <a:buFont typeface="+mj-lt"/>
+              <a:buAutoNum type="arabicPeriod"/>
+            </a:pPr>
+            <a:r>
+              <a:rPr lang="pt-PT" dirty="0" smtClean="0"/>
+              <a:t>Exemplar</a:t>
+            </a:r>
+          </a:p>
+          <a:p>
+            <a:pPr marL="514350" indent="-514350">
+              <a:buFont typeface="+mj-lt"/>
+              <a:buAutoNum type="arabicPeriod"/>
+            </a:pPr>
+            <a:r>
+              <a:rPr lang="pt-PT" dirty="0" smtClean="0"/>
+              <a:t>Requisição</a:t>
+            </a:r>
+          </a:p>
+          <a:p>
+            <a:pPr marL="514350" indent="-514350">
+              <a:buFont typeface="+mj-lt"/>
+              <a:buAutoNum type="arabicPeriod"/>
+            </a:pPr>
+            <a:r>
+              <a:rPr lang="pt-PT" dirty="0" smtClean="0"/>
+              <a:t>Localização</a:t>
+            </a:r>
+          </a:p>
+          <a:p>
+            <a:pPr marL="514350" indent="-514350">
+              <a:buFont typeface="+mj-lt"/>
+              <a:buAutoNum type="arabicPeriod"/>
+            </a:pPr>
+            <a:r>
+              <a:rPr lang="pt-PT" dirty="0" smtClean="0"/>
+              <a:t>Utilizador</a:t>
+            </a:r>
+          </a:p>
+          <a:p>
+            <a:pPr marL="514350" indent="-514350">
+              <a:buFont typeface="+mj-lt"/>
+              <a:buAutoNum type="arabicPeriod"/>
+            </a:pPr>
+            <a:r>
+              <a:rPr lang="pt-PT" dirty="0" smtClean="0"/>
+              <a:t>Coleção</a:t>
+            </a:r>
+          </a:p>
+          <a:p>
+            <a:pPr marL="514350" indent="-514350">
+              <a:buFont typeface="+mj-lt"/>
+              <a:buAutoNum type="arabicPeriod"/>
+            </a:pPr>
+            <a:endParaRPr lang="pt-PT" dirty="0" smtClean="0"/>
           </a:p>
           <a:p>
             <a:endParaRPr lang="en-US" dirty="0"/>
@@ -6452,7 +7655,7 @@
     </p:spTree>
     <p:extLst>
       <p:ext uri="{BB962C8B-B14F-4D97-AF65-F5344CB8AC3E}">
-        <p14:creationId xmlns:p14="http://schemas.microsoft.com/office/powerpoint/2010/main" val="273823033"/>
+        <p14:creationId xmlns:p14="http://schemas.microsoft.com/office/powerpoint/2010/main" val="2055100121"/>
       </p:ext>
     </p:extLst>
   </p:cSld>
@@ -6967,7 +8170,6 @@
               <a:rPr lang="pt-PT" sz="1800" dirty="0" smtClean="0"/>
               <a:t>Modelo físico</a:t>
             </a:r>
-            <a:endParaRPr lang="pt-PT" sz="1800" dirty="0" smtClean="0"/>
           </a:p>
         </p:txBody>
       </p:sp>
@@ -6992,6 +8194,745 @@
 </file>
 
 <file path=ppt/slides/slide20.xml><?xml version="1.0" encoding="utf-8"?>
+<p:sld xmlns:a="http://schemas.openxmlformats.org/drawingml/2006/main" xmlns:r="http://schemas.openxmlformats.org/officeDocument/2006/relationships" xmlns:p="http://schemas.openxmlformats.org/presentationml/2006/main">
+  <p:cSld>
+    <p:spTree>
+      <p:nvGrpSpPr>
+        <p:cNvPr id="1" name=""/>
+        <p:cNvGrpSpPr/>
+        <p:nvPr/>
+      </p:nvGrpSpPr>
+      <p:grpSpPr>
+        <a:xfrm>
+          <a:off x="0" y="0"/>
+          <a:ext cx="0" cy="0"/>
+          <a:chOff x="0" y="0"/>
+          <a:chExt cx="0" cy="0"/>
+        </a:xfrm>
+      </p:grpSpPr>
+      <p:sp>
+        <p:nvSpPr>
+          <p:cNvPr id="2" name="Título 1"/>
+          <p:cNvSpPr>
+            <a:spLocks noGrp="1"/>
+          </p:cNvSpPr>
+          <p:nvPr>
+            <p:ph type="title"/>
+          </p:nvPr>
+        </p:nvSpPr>
+        <p:spPr/>
+        <p:txBody>
+          <a:bodyPr>
+            <a:normAutofit/>
+          </a:bodyPr>
+          <a:lstStyle/>
+          <a:p>
+            <a:r>
+              <a:rPr lang="pt-PT" dirty="0" smtClean="0"/>
+              <a:t>Validação do Modelo Conceptual segundo os requisitos</a:t>
+            </a:r>
+            <a:endParaRPr lang="en-US" dirty="0"/>
+          </a:p>
+        </p:txBody>
+      </p:sp>
+      <p:sp>
+        <p:nvSpPr>
+          <p:cNvPr id="3" name="Marcador de Posição de Conteúdo 2"/>
+          <p:cNvSpPr>
+            <a:spLocks noGrp="1"/>
+          </p:cNvSpPr>
+          <p:nvPr>
+            <p:ph idx="1"/>
+          </p:nvPr>
+        </p:nvSpPr>
+        <p:spPr>
+          <a:xfrm>
+            <a:off x="944218" y="1865381"/>
+            <a:ext cx="10515600" cy="4351338"/>
+          </a:xfrm>
+        </p:spPr>
+        <p:txBody>
+          <a:bodyPr>
+            <a:normAutofit fontScale="70000" lnSpcReduction="20000"/>
+          </a:bodyPr>
+          <a:lstStyle/>
+          <a:p>
+            <a:pPr marL="514350" indent="-514350" fontAlgn="base">
+              <a:lnSpc>
+                <a:spcPct val="120000"/>
+              </a:lnSpc>
+              <a:buFont typeface="+mj-lt"/>
+              <a:buAutoNum type="arabicPeriod"/>
+            </a:pPr>
+            <a:r>
+              <a:rPr lang="en-US" dirty="0" smtClean="0"/>
+              <a:t>Sa</a:t>
+            </a:r>
+            <a:r>
+              <a:rPr lang="pt-PT" dirty="0" smtClean="0"/>
+              <a:t>ber </a:t>
+            </a:r>
+            <a:r>
+              <a:rPr lang="pt-PT" dirty="0"/>
+              <a:t>a designação de todas as coleções </a:t>
+            </a:r>
+            <a:r>
+              <a:rPr lang="pt-PT" dirty="0" smtClean="0"/>
+              <a:t>existentes</a:t>
+            </a:r>
+            <a:endParaRPr lang="en-US" dirty="0"/>
+          </a:p>
+          <a:p>
+            <a:pPr marL="514350" lvl="0" indent="-514350" fontAlgn="base">
+              <a:lnSpc>
+                <a:spcPct val="120000"/>
+              </a:lnSpc>
+              <a:buFont typeface="+mj-lt"/>
+              <a:buAutoNum type="arabicPeriod"/>
+            </a:pPr>
+            <a:r>
+              <a:rPr lang="pt-PT" dirty="0"/>
+              <a:t>Saber quantos livros cada colecção </a:t>
+            </a:r>
+            <a:r>
+              <a:rPr lang="pt-PT" dirty="0" smtClean="0"/>
+              <a:t>tem</a:t>
+            </a:r>
+            <a:endParaRPr lang="en-US" dirty="0"/>
+          </a:p>
+          <a:p>
+            <a:pPr marL="514350" lvl="0" indent="-514350" fontAlgn="base">
+              <a:lnSpc>
+                <a:spcPct val="120000"/>
+              </a:lnSpc>
+              <a:buFont typeface="+mj-lt"/>
+              <a:buAutoNum type="arabicPeriod"/>
+            </a:pPr>
+            <a:r>
+              <a:rPr lang="pt-PT" dirty="0"/>
+              <a:t>Saber lista de nomes dos autores dos livros da biblioteca.</a:t>
+            </a:r>
+            <a:endParaRPr lang="en-US" dirty="0"/>
+          </a:p>
+          <a:p>
+            <a:pPr marL="514350" lvl="0" indent="-514350" fontAlgn="base">
+              <a:lnSpc>
+                <a:spcPct val="120000"/>
+              </a:lnSpc>
+              <a:buFont typeface="+mj-lt"/>
+              <a:buAutoNum type="arabicPeriod"/>
+            </a:pPr>
+            <a:r>
+              <a:rPr lang="pt-PT" dirty="0"/>
+              <a:t>Saber o apelido e primeiros nomes de um autor.</a:t>
+            </a:r>
+            <a:endParaRPr lang="en-US" dirty="0"/>
+          </a:p>
+          <a:p>
+            <a:pPr marL="514350" lvl="0" indent="-514350" fontAlgn="base">
+              <a:lnSpc>
+                <a:spcPct val="120000"/>
+              </a:lnSpc>
+              <a:buFont typeface="+mj-lt"/>
+              <a:buAutoNum type="arabicPeriod"/>
+            </a:pPr>
+            <a:r>
+              <a:rPr lang="pt-PT" dirty="0"/>
+              <a:t>Saber lista de editoras dos livros da biblioteca</a:t>
+            </a:r>
+            <a:r>
+              <a:rPr lang="pt-PT" dirty="0" smtClean="0"/>
+              <a:t>.</a:t>
+            </a:r>
+          </a:p>
+          <a:p>
+            <a:pPr marL="514350" indent="-514350" fontAlgn="base">
+              <a:lnSpc>
+                <a:spcPct val="120000"/>
+              </a:lnSpc>
+              <a:buFont typeface="+mj-lt"/>
+              <a:buAutoNum type="arabicPeriod"/>
+            </a:pPr>
+            <a:r>
+              <a:rPr lang="pt-PT" dirty="0"/>
+              <a:t>Para uma dada editora, saber a sua designação.</a:t>
+            </a:r>
+            <a:endParaRPr lang="en-US" dirty="0"/>
+          </a:p>
+          <a:p>
+            <a:pPr marL="514350" indent="-514350" fontAlgn="base">
+              <a:lnSpc>
+                <a:spcPct val="120000"/>
+              </a:lnSpc>
+              <a:buFont typeface="+mj-lt"/>
+              <a:buAutoNum type="arabicPeriod"/>
+            </a:pPr>
+            <a:r>
+              <a:rPr lang="pt-PT" dirty="0"/>
+              <a:t>Pesquisar um livro segundo: ISSN, ISBN, código de barras e título.</a:t>
+            </a:r>
+            <a:endParaRPr lang="en-US" dirty="0"/>
+          </a:p>
+          <a:p>
+            <a:pPr marL="514350" indent="-514350" fontAlgn="base">
+              <a:lnSpc>
+                <a:spcPct val="120000"/>
+              </a:lnSpc>
+              <a:buFont typeface="+mj-lt"/>
+              <a:buAutoNum type="arabicPeriod"/>
+            </a:pPr>
+            <a:r>
+              <a:rPr lang="pt-PT" dirty="0"/>
+              <a:t>Saber os livros que um autor escreveu.</a:t>
+            </a:r>
+            <a:endParaRPr lang="en-US" dirty="0"/>
+          </a:p>
+          <a:p>
+            <a:pPr marL="514350" indent="-514350" fontAlgn="base">
+              <a:lnSpc>
+                <a:spcPct val="120000"/>
+              </a:lnSpc>
+              <a:buFont typeface="+mj-lt"/>
+              <a:buAutoNum type="arabicPeriod"/>
+            </a:pPr>
+            <a:r>
+              <a:rPr lang="pt-PT" dirty="0"/>
+              <a:t>Saber os livros que uma editora publicou.</a:t>
+            </a:r>
+            <a:endParaRPr lang="en-US" dirty="0"/>
+          </a:p>
+          <a:p>
+            <a:pPr marL="514350" indent="-514350" fontAlgn="base">
+              <a:lnSpc>
+                <a:spcPct val="120000"/>
+              </a:lnSpc>
+              <a:buFont typeface="+mj-lt"/>
+              <a:buAutoNum type="arabicPeriod"/>
+            </a:pPr>
+            <a:r>
+              <a:rPr lang="pt-PT" dirty="0"/>
+              <a:t>Saber os livros pertencentes a uma colecção</a:t>
+            </a:r>
+            <a:r>
+              <a:rPr lang="pt-PT" dirty="0" smtClean="0"/>
+              <a:t>.</a:t>
+            </a:r>
+            <a:endParaRPr lang="en-US" dirty="0"/>
+          </a:p>
+          <a:p>
+            <a:pPr marL="514350" indent="-514350" fontAlgn="base">
+              <a:buFont typeface="+mj-lt"/>
+              <a:buAutoNum type="arabicPeriod"/>
+            </a:pPr>
+            <a:endParaRPr lang="en-US" dirty="0"/>
+          </a:p>
+          <a:p>
+            <a:pPr marL="0" indent="0">
+              <a:buNone/>
+            </a:pPr>
+            <a:endParaRPr lang="en-US" dirty="0"/>
+          </a:p>
+        </p:txBody>
+      </p:sp>
+    </p:spTree>
+    <p:extLst>
+      <p:ext uri="{BB962C8B-B14F-4D97-AF65-F5344CB8AC3E}">
+        <p14:creationId xmlns:p14="http://schemas.microsoft.com/office/powerpoint/2010/main" val="127093835"/>
+      </p:ext>
+    </p:extLst>
+  </p:cSld>
+  <p:clrMapOvr>
+    <a:masterClrMapping/>
+  </p:clrMapOvr>
+</p:sld>
+</file>
+
+<file path=ppt/slides/slide21.xml><?xml version="1.0" encoding="utf-8"?>
+<p:sld xmlns:a="http://schemas.openxmlformats.org/drawingml/2006/main" xmlns:r="http://schemas.openxmlformats.org/officeDocument/2006/relationships" xmlns:p="http://schemas.openxmlformats.org/presentationml/2006/main">
+  <p:cSld>
+    <p:spTree>
+      <p:nvGrpSpPr>
+        <p:cNvPr id="1" name=""/>
+        <p:cNvGrpSpPr/>
+        <p:nvPr/>
+      </p:nvGrpSpPr>
+      <p:grpSpPr>
+        <a:xfrm>
+          <a:off x="0" y="0"/>
+          <a:ext cx="0" cy="0"/>
+          <a:chOff x="0" y="0"/>
+          <a:chExt cx="0" cy="0"/>
+        </a:xfrm>
+      </p:grpSpPr>
+      <p:sp>
+        <p:nvSpPr>
+          <p:cNvPr id="3" name="Marcador de Posição de Conteúdo 2"/>
+          <p:cNvSpPr>
+            <a:spLocks noGrp="1"/>
+          </p:cNvSpPr>
+          <p:nvPr>
+            <p:ph idx="1"/>
+          </p:nvPr>
+        </p:nvSpPr>
+        <p:spPr>
+          <a:xfrm>
+            <a:off x="838200" y="516834"/>
+            <a:ext cx="10515600" cy="6341165"/>
+          </a:xfrm>
+        </p:spPr>
+        <p:txBody>
+          <a:bodyPr>
+            <a:normAutofit fontScale="85000" lnSpcReduction="10000"/>
+          </a:bodyPr>
+          <a:lstStyle/>
+          <a:p>
+            <a:pPr marL="514350" indent="-514350" fontAlgn="base">
+              <a:lnSpc>
+                <a:spcPct val="120000"/>
+              </a:lnSpc>
+              <a:buFont typeface="+mj-lt"/>
+              <a:buAutoNum type="arabicPeriod" startAt="11"/>
+            </a:pPr>
+            <a:r>
+              <a:rPr lang="pt-PT" dirty="0" smtClean="0"/>
+              <a:t>Saber os livros que têm uma dada CDU.</a:t>
+            </a:r>
+            <a:endParaRPr lang="en-US" dirty="0" smtClean="0"/>
+          </a:p>
+          <a:p>
+            <a:pPr marL="514350" indent="-514350" fontAlgn="base">
+              <a:lnSpc>
+                <a:spcPct val="120000"/>
+              </a:lnSpc>
+              <a:buFont typeface="+mj-lt"/>
+              <a:buAutoNum type="arabicPeriod" startAt="11"/>
+            </a:pPr>
+            <a:r>
+              <a:rPr lang="pt-PT" dirty="0" smtClean="0"/>
+              <a:t>Fazer pesquisa por título do livro, que corresponde a obter uma lista de livros que têm no seu título o conjunto de palavras indicado no campo da pesquisa.</a:t>
+            </a:r>
+            <a:endParaRPr lang="en-US" dirty="0" smtClean="0"/>
+          </a:p>
+          <a:p>
+            <a:pPr marL="514350" indent="-514350" fontAlgn="base">
+              <a:lnSpc>
+                <a:spcPct val="120000"/>
+              </a:lnSpc>
+              <a:buFont typeface="+mj-lt"/>
+              <a:buAutoNum type="arabicPeriod" startAt="11"/>
+            </a:pPr>
+            <a:r>
+              <a:rPr lang="pt-PT" dirty="0" smtClean="0"/>
+              <a:t>Para um dado livro, saber o seu ISSN, ISBN, código de barras, título, editora, autor, edição, CDU, ano de publicação e número de exemplares.</a:t>
+            </a:r>
+            <a:endParaRPr lang="en-US" dirty="0" smtClean="0"/>
+          </a:p>
+          <a:p>
+            <a:pPr marL="514350" indent="-514350" fontAlgn="base">
+              <a:lnSpc>
+                <a:spcPct val="120000"/>
+              </a:lnSpc>
+              <a:buFont typeface="+mj-lt"/>
+              <a:buAutoNum type="arabicPeriod" startAt="11"/>
+            </a:pPr>
+            <a:r>
+              <a:rPr lang="pt-PT" dirty="0" smtClean="0"/>
+              <a:t>Saber a localização de livros de uma certa CDU.</a:t>
+            </a:r>
+            <a:endParaRPr lang="en-US" dirty="0" smtClean="0"/>
+          </a:p>
+          <a:p>
+            <a:pPr marL="514350" indent="-514350" fontAlgn="base">
+              <a:lnSpc>
+                <a:spcPct val="120000"/>
+              </a:lnSpc>
+              <a:buFont typeface="+mj-lt"/>
+              <a:buAutoNum type="arabicPeriod" startAt="11"/>
+            </a:pPr>
+            <a:r>
+              <a:rPr lang="pt-PT" dirty="0" smtClean="0"/>
+              <a:t>Para cada exemplar saber o estado de disponibilidade (reservado, requisitado ou não requisitável), o estado de conservação do exemplar bem como a sua localização na biblioteca (piso, estante e prateleira).</a:t>
+            </a:r>
+            <a:endParaRPr lang="en-US" dirty="0" smtClean="0"/>
+          </a:p>
+          <a:p>
+            <a:pPr marL="514350" lvl="0" indent="-514350" fontAlgn="base">
+              <a:lnSpc>
+                <a:spcPct val="120000"/>
+              </a:lnSpc>
+              <a:buFont typeface="+mj-lt"/>
+              <a:buAutoNum type="arabicPeriod" startAt="11"/>
+            </a:pPr>
+            <a:r>
+              <a:rPr lang="pt-PT" dirty="0" smtClean="0"/>
+              <a:t>Reservar exemplares de um ou mais livros.</a:t>
+            </a:r>
+            <a:endParaRPr lang="en-US" dirty="0" smtClean="0"/>
+          </a:p>
+          <a:p>
+            <a:pPr marL="514350" indent="-514350" fontAlgn="base">
+              <a:lnSpc>
+                <a:spcPct val="120000"/>
+              </a:lnSpc>
+              <a:buFont typeface="+mj-lt"/>
+              <a:buAutoNum type="arabicPeriod" startAt="11"/>
+            </a:pPr>
+            <a:r>
+              <a:rPr lang="pt-PT" dirty="0" smtClean="0"/>
+              <a:t>Saber data de reserva e seu estado (pendente, exemplar disponível para levantamento, reserva concluída ou cancelada).</a:t>
+            </a:r>
+            <a:endParaRPr lang="en-US" dirty="0" smtClean="0"/>
+          </a:p>
+          <a:p>
+            <a:pPr marL="514350" indent="-514350" fontAlgn="base">
+              <a:lnSpc>
+                <a:spcPct val="120000"/>
+              </a:lnSpc>
+              <a:buFont typeface="+mj-lt"/>
+              <a:buAutoNum type="arabicPeriod" startAt="11"/>
+            </a:pPr>
+            <a:r>
+              <a:rPr lang="pt-PT" dirty="0" smtClean="0"/>
+              <a:t>Cancelar reserva de exemplar.</a:t>
+            </a:r>
+            <a:endParaRPr lang="en-US" dirty="0" smtClean="0"/>
+          </a:p>
+        </p:txBody>
+      </p:sp>
+    </p:spTree>
+    <p:extLst>
+      <p:ext uri="{BB962C8B-B14F-4D97-AF65-F5344CB8AC3E}">
+        <p14:creationId xmlns:p14="http://schemas.microsoft.com/office/powerpoint/2010/main" val="2769558942"/>
+      </p:ext>
+    </p:extLst>
+  </p:cSld>
+  <p:clrMapOvr>
+    <a:masterClrMapping/>
+  </p:clrMapOvr>
+</p:sld>
+</file>
+
+<file path=ppt/slides/slide22.xml><?xml version="1.0" encoding="utf-8"?>
+<p:sld xmlns:a="http://schemas.openxmlformats.org/drawingml/2006/main" xmlns:r="http://schemas.openxmlformats.org/officeDocument/2006/relationships" xmlns:p="http://schemas.openxmlformats.org/presentationml/2006/main">
+  <p:cSld>
+    <p:spTree>
+      <p:nvGrpSpPr>
+        <p:cNvPr id="1" name=""/>
+        <p:cNvGrpSpPr/>
+        <p:nvPr/>
+      </p:nvGrpSpPr>
+      <p:grpSpPr>
+        <a:xfrm>
+          <a:off x="0" y="0"/>
+          <a:ext cx="0" cy="0"/>
+          <a:chOff x="0" y="0"/>
+          <a:chExt cx="0" cy="0"/>
+        </a:xfrm>
+      </p:grpSpPr>
+      <p:sp>
+        <p:nvSpPr>
+          <p:cNvPr id="3" name="Marcador de Posição de Conteúdo 2"/>
+          <p:cNvSpPr>
+            <a:spLocks noGrp="1"/>
+          </p:cNvSpPr>
+          <p:nvPr>
+            <p:ph idx="1"/>
+          </p:nvPr>
+        </p:nvSpPr>
+        <p:spPr>
+          <a:xfrm>
+            <a:off x="746760" y="384313"/>
+            <a:ext cx="10515600" cy="6241773"/>
+          </a:xfrm>
+        </p:spPr>
+        <p:txBody>
+          <a:bodyPr>
+            <a:normAutofit fontScale="85000" lnSpcReduction="20000"/>
+          </a:bodyPr>
+          <a:lstStyle/>
+          <a:p>
+            <a:pPr marL="514350" indent="-514350" fontAlgn="base">
+              <a:lnSpc>
+                <a:spcPct val="120000"/>
+              </a:lnSpc>
+              <a:buFont typeface="+mj-lt"/>
+              <a:buAutoNum type="arabicPeriod" startAt="19"/>
+            </a:pPr>
+            <a:r>
+              <a:rPr lang="pt-PT" dirty="0" smtClean="0"/>
+              <a:t>Efetuar requisição de um exemplar.</a:t>
+            </a:r>
+            <a:endParaRPr lang="en-US" dirty="0" smtClean="0"/>
+          </a:p>
+          <a:p>
+            <a:pPr marL="514350" indent="-514350" fontAlgn="base">
+              <a:lnSpc>
+                <a:spcPct val="120000"/>
+              </a:lnSpc>
+              <a:buFont typeface="+mj-lt"/>
+              <a:buAutoNum type="arabicPeriod" startAt="19"/>
+            </a:pPr>
+            <a:r>
+              <a:rPr lang="pt-PT" dirty="0" smtClean="0"/>
+              <a:t>Para uma requisição, saber o seu estado (ativa ou não), em que data foi realizada, em que data deverá ser entregue o exemplar qual o número de renovações efetuado e qual o número de máximo de renovações em vigor na data da reserva.</a:t>
+            </a:r>
+            <a:endParaRPr lang="en-US" dirty="0" smtClean="0"/>
+          </a:p>
+          <a:p>
+            <a:pPr marL="514350" indent="-514350" fontAlgn="base">
+              <a:lnSpc>
+                <a:spcPct val="120000"/>
+              </a:lnSpc>
+              <a:buFont typeface="+mj-lt"/>
+              <a:buAutoNum type="arabicPeriod" startAt="19"/>
+            </a:pPr>
+            <a:r>
+              <a:rPr lang="pt-PT" dirty="0" smtClean="0"/>
+              <a:t>Renovar uma requisição, não excedendo o número máximo de renovações permitido.</a:t>
+            </a:r>
+          </a:p>
+          <a:p>
+            <a:pPr marL="514350" lvl="0" indent="-514350">
+              <a:lnSpc>
+                <a:spcPct val="120000"/>
+              </a:lnSpc>
+              <a:buFont typeface="+mj-lt"/>
+              <a:buAutoNum type="arabicPeriod" startAt="22"/>
+            </a:pPr>
+            <a:r>
+              <a:rPr lang="pt-PT" dirty="0" smtClean="0"/>
+              <a:t>Concluir </a:t>
+            </a:r>
+            <a:r>
+              <a:rPr lang="pt-PT" dirty="0"/>
+              <a:t>requisição, que corresponde à devolução do exemplar requisitado</a:t>
+            </a:r>
+            <a:r>
+              <a:rPr lang="pt-PT" dirty="0" smtClean="0"/>
+              <a:t>.</a:t>
+            </a:r>
+            <a:endParaRPr lang="en-US" dirty="0"/>
+          </a:p>
+          <a:p>
+            <a:pPr marL="514350" lvl="0" indent="-514350" fontAlgn="base">
+              <a:lnSpc>
+                <a:spcPct val="120000"/>
+              </a:lnSpc>
+              <a:buFont typeface="+mj-lt"/>
+              <a:buAutoNum type="arabicPeriod" startAt="22"/>
+            </a:pPr>
+            <a:r>
+              <a:rPr lang="pt-PT" dirty="0"/>
+              <a:t>Gerar estatísticas de número de renovações médio e saber quantos utilizadores usam o número máximo de requisições permitidas</a:t>
+            </a:r>
+            <a:r>
+              <a:rPr lang="pt-PT" dirty="0" smtClean="0"/>
+              <a:t>.</a:t>
+            </a:r>
+          </a:p>
+          <a:p>
+            <a:pPr marL="514350" indent="-514350" fontAlgn="base">
+              <a:lnSpc>
+                <a:spcPct val="120000"/>
+              </a:lnSpc>
+              <a:buFont typeface="+mj-lt"/>
+              <a:buAutoNum type="arabicPeriod" startAt="22"/>
+            </a:pPr>
+            <a:r>
+              <a:rPr lang="pt-PT" dirty="0" smtClean="0">
+                <a:effectLst/>
+              </a:rPr>
+              <a:t>Registar utilizadores internos ou externos como requisitantes.</a:t>
+            </a:r>
+            <a:endParaRPr lang="en-US" dirty="0" smtClean="0">
+              <a:effectLst/>
+            </a:endParaRPr>
+          </a:p>
+          <a:p>
+            <a:pPr marL="514350" indent="-514350" fontAlgn="base">
+              <a:lnSpc>
+                <a:spcPct val="120000"/>
+              </a:lnSpc>
+              <a:buFont typeface="+mj-lt"/>
+              <a:buAutoNum type="arabicPeriod" startAt="22"/>
+            </a:pPr>
+            <a:r>
+              <a:rPr lang="pt-PT" dirty="0" smtClean="0">
+                <a:effectLst/>
+              </a:rPr>
+              <a:t>Para um dado utilizador, saber o seu tipo, nome, email (contacto principal), CC, número mecanográfico e contacto alternativo (telefone).</a:t>
+            </a:r>
+            <a:endParaRPr lang="en-US" dirty="0" smtClean="0">
+              <a:effectLst/>
+            </a:endParaRPr>
+          </a:p>
+          <a:p>
+            <a:pPr marL="514350" indent="-514350" fontAlgn="base">
+              <a:lnSpc>
+                <a:spcPct val="120000"/>
+              </a:lnSpc>
+              <a:buFont typeface="+mj-lt"/>
+              <a:buAutoNum type="arabicPeriod" startAt="22"/>
+            </a:pPr>
+            <a:r>
+              <a:rPr lang="pt-PT" dirty="0"/>
+              <a:t>Saber os utilizadores que reservaram/requisitaram determinado exemplar</a:t>
+            </a:r>
+            <a:r>
+              <a:rPr lang="pt-PT" dirty="0" smtClean="0"/>
+              <a:t>.</a:t>
+            </a:r>
+            <a:endParaRPr lang="en-US" dirty="0"/>
+          </a:p>
+          <a:p>
+            <a:endParaRPr lang="en-US" dirty="0"/>
+          </a:p>
+        </p:txBody>
+      </p:sp>
+    </p:spTree>
+    <p:extLst>
+      <p:ext uri="{BB962C8B-B14F-4D97-AF65-F5344CB8AC3E}">
+        <p14:creationId xmlns:p14="http://schemas.microsoft.com/office/powerpoint/2010/main" val="2856968020"/>
+      </p:ext>
+    </p:extLst>
+  </p:cSld>
+  <p:clrMapOvr>
+    <a:masterClrMapping/>
+  </p:clrMapOvr>
+</p:sld>
+</file>
+
+<file path=ppt/slides/slide23.xml><?xml version="1.0" encoding="utf-8"?>
+<p:sld xmlns:a="http://schemas.openxmlformats.org/drawingml/2006/main" xmlns:r="http://schemas.openxmlformats.org/officeDocument/2006/relationships" xmlns:p="http://schemas.openxmlformats.org/presentationml/2006/main">
+  <p:cSld>
+    <p:spTree>
+      <p:nvGrpSpPr>
+        <p:cNvPr id="1" name=""/>
+        <p:cNvGrpSpPr/>
+        <p:nvPr/>
+      </p:nvGrpSpPr>
+      <p:grpSpPr>
+        <a:xfrm>
+          <a:off x="0" y="0"/>
+          <a:ext cx="0" cy="0"/>
+          <a:chOff x="0" y="0"/>
+          <a:chExt cx="0" cy="0"/>
+        </a:xfrm>
+      </p:grpSpPr>
+      <p:sp>
+        <p:nvSpPr>
+          <p:cNvPr id="2" name="Título 1"/>
+          <p:cNvSpPr>
+            <a:spLocks noGrp="1"/>
+          </p:cNvSpPr>
+          <p:nvPr>
+            <p:ph type="title"/>
+          </p:nvPr>
+        </p:nvSpPr>
+        <p:spPr/>
+        <p:txBody>
+          <a:bodyPr/>
+          <a:lstStyle/>
+          <a:p>
+            <a:pPr lvl="1" algn="l" rtl="0">
+              <a:lnSpc>
+                <a:spcPct val="90000"/>
+              </a:lnSpc>
+              <a:spcBef>
+                <a:spcPct val="0"/>
+              </a:spcBef>
+            </a:pPr>
+            <a:r>
+              <a:rPr lang="pt-PT" sz="2800" b="1" dirty="0" smtClean="0"/>
+              <a:t>Validação do Modelo Conceptual segundo as </a:t>
+            </a:r>
+            <a:r>
+              <a:rPr lang="pt-PT" sz="2800" b="1" u="sng" dirty="0" smtClean="0"/>
+              <a:t>transações</a:t>
+            </a:r>
+            <a:endParaRPr lang="en-US" b="1" u="sng" dirty="0"/>
+          </a:p>
+        </p:txBody>
+      </p:sp>
+      <p:sp>
+        <p:nvSpPr>
+          <p:cNvPr id="3" name="Marcador de Posição de Conteúdo 2"/>
+          <p:cNvSpPr>
+            <a:spLocks noGrp="1"/>
+          </p:cNvSpPr>
+          <p:nvPr>
+            <p:ph idx="1"/>
+          </p:nvPr>
+        </p:nvSpPr>
+        <p:spPr/>
+        <p:txBody>
+          <a:bodyPr/>
+          <a:lstStyle/>
+          <a:p>
+            <a:pPr marL="514350" lvl="0" indent="-514350">
+              <a:lnSpc>
+                <a:spcPct val="200000"/>
+              </a:lnSpc>
+              <a:buFont typeface="+mj-lt"/>
+              <a:buAutoNum type="arabicPeriod"/>
+            </a:pPr>
+            <a:r>
+              <a:rPr lang="pt-PT" dirty="0"/>
+              <a:t>Qual(is) a(s) localização(ões) (piso, estante e prateleira) dos exemplares de um livro com determinado título?</a:t>
+            </a:r>
+            <a:endParaRPr lang="en-US" dirty="0"/>
+          </a:p>
+          <a:p>
+            <a:pPr marL="514350" lvl="0" indent="-514350">
+              <a:lnSpc>
+                <a:spcPct val="200000"/>
+              </a:lnSpc>
+              <a:buFont typeface="+mj-lt"/>
+              <a:buAutoNum type="arabicPeriod"/>
+            </a:pPr>
+            <a:r>
+              <a:rPr lang="pt-PT" dirty="0"/>
+              <a:t>Efetuar uma requisição</a:t>
+            </a:r>
+            <a:endParaRPr lang="en-US" dirty="0"/>
+          </a:p>
+          <a:p>
+            <a:pPr marL="514350" lvl="0" indent="-514350">
+              <a:lnSpc>
+                <a:spcPct val="200000"/>
+              </a:lnSpc>
+              <a:buFont typeface="+mj-lt"/>
+              <a:buAutoNum type="arabicPeriod"/>
+            </a:pPr>
+            <a:r>
+              <a:rPr lang="pt-PT" dirty="0" smtClean="0"/>
+              <a:t>Efetuar </a:t>
+            </a:r>
+            <a:r>
+              <a:rPr lang="pt-PT" dirty="0"/>
+              <a:t>uma reserva</a:t>
+            </a:r>
+            <a:endParaRPr lang="en-US" dirty="0"/>
+          </a:p>
+          <a:p>
+            <a:endParaRPr lang="en-US" dirty="0"/>
+          </a:p>
+        </p:txBody>
+      </p:sp>
+    </p:spTree>
+    <p:extLst>
+      <p:ext uri="{BB962C8B-B14F-4D97-AF65-F5344CB8AC3E}">
+        <p14:creationId xmlns:p14="http://schemas.microsoft.com/office/powerpoint/2010/main" val="273823033"/>
+      </p:ext>
+    </p:extLst>
+  </p:cSld>
+  <p:clrMapOvr>
+    <a:masterClrMapping/>
+  </p:clrMapOvr>
+</p:sld>
+</file>
+
+<file path=ppt/slides/slide24.xml><?xml version="1.0" encoding="utf-8"?>
 <p:sld xmlns:a="http://schemas.openxmlformats.org/drawingml/2006/main" xmlns:r="http://schemas.openxmlformats.org/officeDocument/2006/relationships" xmlns:p="http://schemas.openxmlformats.org/presentationml/2006/main" showMasterSp="0">
   <p:cSld>
     <p:spTree>
@@ -7075,7 +9016,7 @@
 </p:sld>
 </file>
 
-<file path=ppt/slides/slide21.xml><?xml version="1.0" encoding="utf-8"?>
+<file path=ppt/slides/slide25.xml><?xml version="1.0" encoding="utf-8"?>
 <p:sld xmlns:a="http://schemas.openxmlformats.org/drawingml/2006/main" xmlns:r="http://schemas.openxmlformats.org/officeDocument/2006/relationships" xmlns:p="http://schemas.openxmlformats.org/presentationml/2006/main" showMasterSp="0">
   <p:cSld>
     <p:spTree>
@@ -7335,7 +9276,7 @@
 </p:sld>
 </file>
 
-<file path=ppt/slides/slide22.xml><?xml version="1.0" encoding="utf-8"?>
+<file path=ppt/slides/slide26.xml><?xml version="1.0" encoding="utf-8"?>
 <p:sld xmlns:a="http://schemas.openxmlformats.org/drawingml/2006/main" xmlns:r="http://schemas.openxmlformats.org/officeDocument/2006/relationships" xmlns:p="http://schemas.openxmlformats.org/presentationml/2006/main" showMasterSp="0">
   <p:cSld>
     <p:spTree>
@@ -7403,7 +9344,7 @@
 </p:sld>
 </file>
 
-<file path=ppt/slides/slide23.xml><?xml version="1.0" encoding="utf-8"?>
+<file path=ppt/slides/slide27.xml><?xml version="1.0" encoding="utf-8"?>
 <p:sld xmlns:a="http://schemas.openxmlformats.org/drawingml/2006/main" xmlns:r="http://schemas.openxmlformats.org/officeDocument/2006/relationships" xmlns:p="http://schemas.openxmlformats.org/presentationml/2006/main" showMasterSp="0">
   <p:cSld>
     <p:spTree>
@@ -7487,7 +9428,7 @@
 </p:sld>
 </file>
 
-<file path=ppt/slides/slide24.xml><?xml version="1.0" encoding="utf-8"?>
+<file path=ppt/slides/slide28.xml><?xml version="1.0" encoding="utf-8"?>
 <p:sld xmlns:a="http://schemas.openxmlformats.org/drawingml/2006/main" xmlns:r="http://schemas.openxmlformats.org/officeDocument/2006/relationships" xmlns:p="http://schemas.openxmlformats.org/presentationml/2006/main" showMasterSp="0">
   <p:cSld>
     <p:spTree>
@@ -7654,7 +9595,7 @@
 </p:sld>
 </file>
 
-<file path=ppt/slides/slide25.xml><?xml version="1.0" encoding="utf-8"?>
+<file path=ppt/slides/slide29.xml><?xml version="1.0" encoding="utf-8"?>
 <p:sld xmlns:a="http://schemas.openxmlformats.org/drawingml/2006/main" xmlns:r="http://schemas.openxmlformats.org/officeDocument/2006/relationships" xmlns:p="http://schemas.openxmlformats.org/presentationml/2006/main">
   <p:cSld>
     <p:spTree>
@@ -7713,83 +9654,6 @@
     <p:extLst>
       <p:ext uri="{BB962C8B-B14F-4D97-AF65-F5344CB8AC3E}">
         <p14:creationId xmlns:p14="http://schemas.microsoft.com/office/powerpoint/2010/main" val="682434047"/>
-      </p:ext>
-    </p:extLst>
-  </p:cSld>
-  <p:clrMapOvr>
-    <a:masterClrMapping/>
-  </p:clrMapOvr>
-</p:sld>
-</file>
-
-<file path=ppt/slides/slide26.xml><?xml version="1.0" encoding="utf-8"?>
-<p:sld xmlns:a="http://schemas.openxmlformats.org/drawingml/2006/main" xmlns:r="http://schemas.openxmlformats.org/officeDocument/2006/relationships" xmlns:p="http://schemas.openxmlformats.org/presentationml/2006/main">
-  <p:cSld>
-    <p:spTree>
-      <p:nvGrpSpPr>
-        <p:cNvPr id="1" name=""/>
-        <p:cNvGrpSpPr/>
-        <p:nvPr/>
-      </p:nvGrpSpPr>
-      <p:grpSpPr>
-        <a:xfrm>
-          <a:off x="0" y="0"/>
-          <a:ext cx="0" cy="0"/>
-          <a:chOff x="0" y="0"/>
-          <a:chExt cx="0" cy="0"/>
-        </a:xfrm>
-      </p:grpSpPr>
-      <p:sp>
-        <p:nvSpPr>
-          <p:cNvPr id="2" name="Título 1"/>
-          <p:cNvSpPr>
-            <a:spLocks noGrp="1"/>
-          </p:cNvSpPr>
-          <p:nvPr>
-            <p:ph type="title"/>
-          </p:nvPr>
-        </p:nvSpPr>
-        <p:spPr/>
-        <p:txBody>
-          <a:bodyPr/>
-          <a:lstStyle/>
-          <a:p>
-            <a:pPr lvl="0"/>
-            <a:r>
-              <a:rPr lang="pt-PT" b="1" dirty="0"/>
-              <a:t>Conclusões e Trabalho </a:t>
-            </a:r>
-            <a:r>
-              <a:rPr lang="pt-PT" b="1" dirty="0" smtClean="0"/>
-              <a:t>Futuro</a:t>
-            </a:r>
-            <a:endParaRPr lang="en-US" dirty="0"/>
-          </a:p>
-        </p:txBody>
-      </p:sp>
-      <p:sp>
-        <p:nvSpPr>
-          <p:cNvPr id="3" name="Marcador de Posição de Conteúdo 2"/>
-          <p:cNvSpPr>
-            <a:spLocks noGrp="1"/>
-          </p:cNvSpPr>
-          <p:nvPr>
-            <p:ph idx="1"/>
-          </p:nvPr>
-        </p:nvSpPr>
-        <p:spPr/>
-        <p:txBody>
-          <a:bodyPr/>
-          <a:lstStyle/>
-          <a:p>
-            <a:endParaRPr lang="en-US" dirty="0"/>
-          </a:p>
-        </p:txBody>
-      </p:sp>
-    </p:spTree>
-    <p:extLst>
-      <p:ext uri="{BB962C8B-B14F-4D97-AF65-F5344CB8AC3E}">
-        <p14:creationId xmlns:p14="http://schemas.microsoft.com/office/powerpoint/2010/main" val="3237368206"/>
       </p:ext>
     </p:extLst>
   </p:cSld>
@@ -7890,13 +9754,20 @@
             </a:pPr>
             <a:r>
               <a:rPr lang="pt-PT" sz="2400" dirty="0" smtClean="0"/>
-              <a:t>Sistemas de consultas bibliográficas e de </a:t>
-            </a:r>
+              <a:t>Sistemas de consultas bibliográficas e de requisições</a:t>
+            </a:r>
+            <a:endParaRPr lang="pt-PT" sz="2400" dirty="0"/>
+          </a:p>
+          <a:p>
+            <a:pPr algn="just">
+              <a:lnSpc>
+                <a:spcPct val="150000"/>
+              </a:lnSpc>
+            </a:pPr>
             <a:r>
               <a:rPr lang="pt-PT" sz="2400" dirty="0" smtClean="0"/>
-              <a:t>requisições</a:t>
-            </a:r>
-            <a:endParaRPr lang="pt-PT" sz="2400" dirty="0"/>
+              <a:t>Levantamento de Requisitos e análise </a:t>
+            </a:r>
           </a:p>
           <a:p>
             <a:pPr algn="just">
@@ -7906,26 +9777,7 @@
             </a:pPr>
             <a:r>
               <a:rPr lang="pt-PT" sz="2400" dirty="0" smtClean="0"/>
-              <a:t>Levantamento </a:t>
-            </a:r>
-            <a:r>
-              <a:rPr lang="pt-PT" sz="2400" dirty="0" smtClean="0"/>
-              <a:t>de Requisitos e análise </a:t>
-            </a:r>
-          </a:p>
-          <a:p>
-            <a:pPr algn="just">
-              <a:lnSpc>
-                <a:spcPct val="150000"/>
-              </a:lnSpc>
-            </a:pPr>
-            <a:r>
-              <a:rPr lang="pt-PT" sz="2400" dirty="0" smtClean="0"/>
-              <a:t>Modelo </a:t>
-            </a:r>
-            <a:r>
-              <a:rPr lang="pt-PT" sz="2400" dirty="0" smtClean="0"/>
-              <a:t>conceptual e L</a:t>
+              <a:t>Modelo conceptual e L</a:t>
             </a:r>
             <a:r>
               <a:rPr lang="en-US" sz="2400" dirty="0" smtClean="0"/>
@@ -7940,11 +9792,7 @@
             </a:pPr>
             <a:r>
               <a:rPr lang="pt-PT" sz="2400" dirty="0" smtClean="0"/>
-              <a:t>Modelo </a:t>
-            </a:r>
-            <a:r>
-              <a:rPr lang="pt-PT" sz="2400" dirty="0" smtClean="0"/>
-              <a:t>físico, tamanho, povoamento…</a:t>
+              <a:t>Modelo físico, tamanho, povoamento…</a:t>
             </a:r>
           </a:p>
         </p:txBody>
@@ -7953,6 +9801,83 @@
     <p:extLst>
       <p:ext uri="{BB962C8B-B14F-4D97-AF65-F5344CB8AC3E}">
         <p14:creationId xmlns:p14="http://schemas.microsoft.com/office/powerpoint/2010/main" val="4070182531"/>
+      </p:ext>
+    </p:extLst>
+  </p:cSld>
+  <p:clrMapOvr>
+    <a:masterClrMapping/>
+  </p:clrMapOvr>
+</p:sld>
+</file>
+
+<file path=ppt/slides/slide30.xml><?xml version="1.0" encoding="utf-8"?>
+<p:sld xmlns:a="http://schemas.openxmlformats.org/drawingml/2006/main" xmlns:r="http://schemas.openxmlformats.org/officeDocument/2006/relationships" xmlns:p="http://schemas.openxmlformats.org/presentationml/2006/main">
+  <p:cSld>
+    <p:spTree>
+      <p:nvGrpSpPr>
+        <p:cNvPr id="1" name=""/>
+        <p:cNvGrpSpPr/>
+        <p:nvPr/>
+      </p:nvGrpSpPr>
+      <p:grpSpPr>
+        <a:xfrm>
+          <a:off x="0" y="0"/>
+          <a:ext cx="0" cy="0"/>
+          <a:chOff x="0" y="0"/>
+          <a:chExt cx="0" cy="0"/>
+        </a:xfrm>
+      </p:grpSpPr>
+      <p:sp>
+        <p:nvSpPr>
+          <p:cNvPr id="2" name="Título 1"/>
+          <p:cNvSpPr>
+            <a:spLocks noGrp="1"/>
+          </p:cNvSpPr>
+          <p:nvPr>
+            <p:ph type="title"/>
+          </p:nvPr>
+        </p:nvSpPr>
+        <p:spPr/>
+        <p:txBody>
+          <a:bodyPr/>
+          <a:lstStyle/>
+          <a:p>
+            <a:pPr lvl="0"/>
+            <a:r>
+              <a:rPr lang="pt-PT" b="1" dirty="0"/>
+              <a:t>Conclusões e Trabalho </a:t>
+            </a:r>
+            <a:r>
+              <a:rPr lang="pt-PT" b="1" dirty="0" smtClean="0"/>
+              <a:t>Futuro</a:t>
+            </a:r>
+            <a:endParaRPr lang="en-US" dirty="0"/>
+          </a:p>
+        </p:txBody>
+      </p:sp>
+      <p:sp>
+        <p:nvSpPr>
+          <p:cNvPr id="3" name="Marcador de Posição de Conteúdo 2"/>
+          <p:cNvSpPr>
+            <a:spLocks noGrp="1"/>
+          </p:cNvSpPr>
+          <p:nvPr>
+            <p:ph idx="1"/>
+          </p:nvPr>
+        </p:nvSpPr>
+        <p:spPr/>
+        <p:txBody>
+          <a:bodyPr/>
+          <a:lstStyle/>
+          <a:p>
+            <a:endParaRPr lang="en-US" dirty="0"/>
+          </a:p>
+        </p:txBody>
+      </p:sp>
+    </p:spTree>
+    <p:extLst>
+      <p:ext uri="{BB962C8B-B14F-4D97-AF65-F5344CB8AC3E}">
+        <p14:creationId xmlns:p14="http://schemas.microsoft.com/office/powerpoint/2010/main" val="3237368206"/>
       </p:ext>
     </p:extLst>
   </p:cSld>
@@ -8110,15 +10035,7 @@
           <a:effectLst>
             <a:reflection blurRad="12700" stA="38000" endPos="28000" dist="5000" dir="5400000" sy="-100000" algn="bl" rotWithShape="0"/>
           </a:effectLst>
-          <a:extLst>
-            <a:ext uri="{909E8E84-426E-40DD-AFC4-6F175D3DCCD1}">
-              <a14:hiddenFill xmlns:a14="http://schemas.microsoft.com/office/drawing/2010/main">
-                <a:solidFill>
-                  <a:srgbClr val="FFFFFF"/>
-                </a:solidFill>
-              </a14:hiddenFill>
-            </a:ext>
-          </a:extLst>
+          <a:extLst/>
         </p:spPr>
       </p:pic>
     </p:spTree>
@@ -8466,11 +10383,7 @@
             </a:pPr>
             <a:r>
               <a:rPr lang="pt-PT" dirty="0" smtClean="0"/>
-              <a:t>Necessidade premente de uma resposta eficiente e eficaz</a:t>
-            </a:r>
-            <a:r>
-              <a:rPr lang="pt-PT" dirty="0" smtClean="0"/>
-              <a:t>.</a:t>
+              <a:t>Necessidade premente de uma resposta eficiente e eficaz.</a:t>
             </a:r>
             <a:endParaRPr lang="pt-PT" dirty="0"/>
           </a:p>
@@ -8493,11 +10406,7 @@
             </a:pPr>
             <a:r>
               <a:rPr lang="pt-PT" dirty="0" smtClean="0"/>
-              <a:t>Pode ser reaproveitado para outros casos de estudo (comércio a retalho, etc. …) pois envolve a catalogação e localização dos produtos em questão</a:t>
-            </a:r>
-            <a:r>
-              <a:rPr lang="pt-PT" dirty="0" smtClean="0"/>
-              <a:t>.</a:t>
+              <a:t>Pode ser reaproveitado para outros casos de estudo (comércio a retalho, etc. …) pois envolve a catalogação e localização dos produtos em questão.</a:t>
             </a:r>
             <a:endParaRPr lang="pt-PT" dirty="0"/>
           </a:p>
@@ -8688,27 +10597,19 @@
             </a:pPr>
             <a:r>
               <a:rPr lang="pt-PT" sz="2000" dirty="0" smtClean="0"/>
-              <a:t>Elaborar modelos </a:t>
-            </a:r>
+              <a:t>Elaborar modelos conceptual</a:t>
+            </a:r>
+          </a:p>
+          <a:p>
+            <a:pPr marL="914400" lvl="2" indent="0" algn="just">
+              <a:lnSpc>
+                <a:spcPct val="150000"/>
+              </a:lnSpc>
+              <a:buNone/>
+            </a:pPr>
             <a:r>
               <a:rPr lang="pt-PT" sz="2000" dirty="0" smtClean="0"/>
-              <a:t>conceptual</a:t>
-            </a:r>
-          </a:p>
-          <a:p>
-            <a:pPr marL="914400" lvl="2" indent="0" algn="just">
-              <a:lnSpc>
-                <a:spcPct val="150000"/>
-              </a:lnSpc>
-              <a:buNone/>
-            </a:pPr>
-            <a:r>
-              <a:rPr lang="pt-PT" sz="2000" dirty="0" smtClean="0"/>
-              <a:t>lógico </a:t>
-            </a:r>
-            <a:r>
-              <a:rPr lang="pt-PT" sz="2000" dirty="0" smtClean="0"/>
-              <a:t>e físico (de acordo com os requisitos)</a:t>
+              <a:t>lógico e físico (de acordo com os requisitos)</a:t>
             </a:r>
           </a:p>
           <a:p>
@@ -8721,13 +10622,8 @@
             </a:pPr>
             <a:r>
               <a:rPr lang="pt-PT" sz="2000" dirty="0" smtClean="0"/>
-              <a:t>Validar os </a:t>
-            </a:r>
-            <a:r>
-              <a:rPr lang="pt-PT" sz="2000" dirty="0" smtClean="0"/>
-              <a:t>mesmos</a:t>
-            </a:r>
-            <a:endParaRPr lang="pt-PT" sz="2000" dirty="0" smtClean="0"/>
+              <a:t>Validar os mesmos</a:t>
+            </a:r>
           </a:p>
         </p:txBody>
       </p:sp>
@@ -8773,15 +10669,7 @@
           <a:effectLst>
             <a:reflection blurRad="12700" stA="38000" endPos="28000" dist="5000" dir="5400000" sy="-100000" algn="bl" rotWithShape="0"/>
           </a:effectLst>
-          <a:extLst>
-            <a:ext uri="{909E8E84-426E-40DD-AFC4-6F175D3DCCD1}">
-              <a14:hiddenFill xmlns:a14="http://schemas.microsoft.com/office/drawing/2010/main">
-                <a:solidFill>
-                  <a:srgbClr val="FFFFFF"/>
-                </a:solidFill>
-              </a14:hiddenFill>
-            </a:ext>
-          </a:extLst>
+          <a:extLst/>
         </p:spPr>
       </p:pic>
     </p:spTree>
@@ -8883,11 +10771,7 @@
             </a:pPr>
             <a:r>
               <a:rPr lang="pt-PT" sz="3000" dirty="0" smtClean="0"/>
-              <a:t>Identificação dos </a:t>
-            </a:r>
-            <a:r>
-              <a:rPr lang="pt-PT" sz="3000" dirty="0" smtClean="0"/>
-              <a:t>Relacionamentos</a:t>
+              <a:t>Identificação dos Relacionamentos</a:t>
             </a:r>
           </a:p>
           <a:p>
